--- a/wiza.pptx
+++ b/wiza.pptx
@@ -6,8 +6,15 @@
   </p:sldMasterIdLst>
   <p:sldIdLst>
     <p:sldId id="256" r:id="rId2"/>
-    <p:sldId id="257" r:id="rId3"/>
+    <p:sldId id="259" r:id="rId3"/>
     <p:sldId id="258" r:id="rId4"/>
+    <p:sldId id="264" r:id="rId5"/>
+    <p:sldId id="260" r:id="rId6"/>
+    <p:sldId id="261" r:id="rId7"/>
+    <p:sldId id="262" r:id="rId8"/>
+    <p:sldId id="263" r:id="rId9"/>
+    <p:sldId id="265" r:id="rId10"/>
+    <p:sldId id="257" r:id="rId11"/>
   </p:sldIdLst>
   <p:sldSz cx="12192000" cy="6858000"/>
   <p:notesSz cx="6858000" cy="9144000"/>
@@ -106,6 +113,11 @@
       </a:defRPr>
     </a:lvl9pPr>
   </p:defaultTextStyle>
+  <p:extLst>
+    <p:ext uri="{EFAFB233-063F-42B5-8137-9DF3F51BA10A}">
+      <p15:sldGuideLst xmlns:p15="http://schemas.microsoft.com/office/powerpoint/2012/main"/>
+    </p:ext>
+  </p:extLst>
 </p:presentation>
 </file>
 
@@ -339,7 +351,7 @@
             <a:fld id="{B61BEF0D-F0BB-DE4B-95CE-6DB70DBA9567}" type="datetimeFigureOut">
               <a:rPr lang="en-US" dirty="0"/>
               <a:pPr/>
-              <a:t>10/29/2018</a:t>
+              <a:t>10/30/2018</a:t>
             </a:fld>
             <a:endParaRPr lang="en-US" dirty="0"/>
           </a:p>
@@ -670,7 +682,7 @@
             <a:fld id="{B61BEF0D-F0BB-DE4B-95CE-6DB70DBA9567}" type="datetimeFigureOut">
               <a:rPr lang="en-US" dirty="0"/>
               <a:pPr/>
-              <a:t>10/29/2018</a:t>
+              <a:t>10/30/2018</a:t>
             </a:fld>
             <a:endParaRPr lang="en-US" dirty="0"/>
           </a:p>
@@ -945,7 +957,7 @@
             <a:fld id="{B61BEF0D-F0BB-DE4B-95CE-6DB70DBA9567}" type="datetimeFigureOut">
               <a:rPr lang="en-US" dirty="0"/>
               <a:pPr/>
-              <a:t>10/29/2018</a:t>
+              <a:t>10/30/2018</a:t>
             </a:fld>
             <a:endParaRPr lang="en-US" dirty="0"/>
           </a:p>
@@ -1510,7 +1522,7 @@
             <a:fld id="{B61BEF0D-F0BB-DE4B-95CE-6DB70DBA9567}" type="datetimeFigureOut">
               <a:rPr lang="en-US" dirty="0"/>
               <a:pPr/>
-              <a:t>10/29/2018</a:t>
+              <a:t>10/30/2018</a:t>
             </a:fld>
             <a:endParaRPr lang="en-US" dirty="0"/>
           </a:p>
@@ -1785,7 +1797,7 @@
             <a:fld id="{B61BEF0D-F0BB-DE4B-95CE-6DB70DBA9567}" type="datetimeFigureOut">
               <a:rPr lang="en-US" dirty="0"/>
               <a:pPr/>
-              <a:t>10/29/2018</a:t>
+              <a:t>10/30/2018</a:t>
             </a:fld>
             <a:endParaRPr lang="en-US" dirty="0"/>
           </a:p>
@@ -2344,7 +2356,7 @@
             <a:fld id="{B61BEF0D-F0BB-DE4B-95CE-6DB70DBA9567}" type="datetimeFigureOut">
               <a:rPr lang="en-US" dirty="0"/>
               <a:pPr/>
-              <a:t>10/29/2018</a:t>
+              <a:t>10/30/2018</a:t>
             </a:fld>
             <a:endParaRPr lang="en-US" dirty="0"/>
           </a:p>
@@ -2668,7 +2680,7 @@
             <a:fld id="{B61BEF0D-F0BB-DE4B-95CE-6DB70DBA9567}" type="datetimeFigureOut">
               <a:rPr lang="en-US" dirty="0"/>
               <a:pPr/>
-              <a:t>10/29/2018</a:t>
+              <a:t>10/30/2018</a:t>
             </a:fld>
             <a:endParaRPr lang="en-US" dirty="0"/>
           </a:p>
@@ -2842,7 +2854,7 @@
             <a:fld id="{B61BEF0D-F0BB-DE4B-95CE-6DB70DBA9567}" type="datetimeFigureOut">
               <a:rPr lang="en-US" dirty="0"/>
               <a:pPr/>
-              <a:t>10/29/2018</a:t>
+              <a:t>10/30/2018</a:t>
             </a:fld>
             <a:endParaRPr lang="en-US" dirty="0"/>
           </a:p>
@@ -3077,7 +3089,7 @@
             <a:fld id="{B61BEF0D-F0BB-DE4B-95CE-6DB70DBA9567}" type="datetimeFigureOut">
               <a:rPr lang="en-US" dirty="0"/>
               <a:pPr/>
-              <a:t>10/29/2018</a:t>
+              <a:t>10/30/2018</a:t>
             </a:fld>
             <a:endParaRPr lang="en-US" dirty="0"/>
           </a:p>
@@ -3274,7 +3286,7 @@
             <a:fld id="{B61BEF0D-F0BB-DE4B-95CE-6DB70DBA9567}" type="datetimeFigureOut">
               <a:rPr lang="en-US" dirty="0"/>
               <a:pPr/>
-              <a:t>10/29/2018</a:t>
+              <a:t>10/30/2018</a:t>
             </a:fld>
             <a:endParaRPr lang="en-US" dirty="0"/>
           </a:p>
@@ -3547,7 +3559,7 @@
             <a:fld id="{B61BEF0D-F0BB-DE4B-95CE-6DB70DBA9567}" type="datetimeFigureOut">
               <a:rPr lang="en-US" dirty="0"/>
               <a:pPr/>
-              <a:t>10/29/2018</a:t>
+              <a:t>10/30/2018</a:t>
             </a:fld>
             <a:endParaRPr lang="en-US" dirty="0"/>
           </a:p>
@@ -3810,7 +3822,7 @@
             <a:fld id="{B61BEF0D-F0BB-DE4B-95CE-6DB70DBA9567}" type="datetimeFigureOut">
               <a:rPr lang="en-US" dirty="0"/>
               <a:pPr/>
-              <a:t>10/29/2018</a:t>
+              <a:t>10/30/2018</a:t>
             </a:fld>
             <a:endParaRPr lang="en-US" dirty="0"/>
           </a:p>
@@ -4181,7 +4193,7 @@
             <a:fld id="{B61BEF0D-F0BB-DE4B-95CE-6DB70DBA9567}" type="datetimeFigureOut">
               <a:rPr lang="en-US" dirty="0"/>
               <a:pPr/>
-              <a:t>10/29/2018</a:t>
+              <a:t>10/30/2018</a:t>
             </a:fld>
             <a:endParaRPr lang="en-US" dirty="0"/>
           </a:p>
@@ -4326,7 +4338,7 @@
             <a:fld id="{B61BEF0D-F0BB-DE4B-95CE-6DB70DBA9567}" type="datetimeFigureOut">
               <a:rPr lang="en-US" dirty="0"/>
               <a:pPr/>
-              <a:t>10/29/2018</a:t>
+              <a:t>10/30/2018</a:t>
             </a:fld>
             <a:endParaRPr lang="en-US" dirty="0"/>
           </a:p>
@@ -4448,7 +4460,7 @@
             <a:fld id="{B61BEF0D-F0BB-DE4B-95CE-6DB70DBA9567}" type="datetimeFigureOut">
               <a:rPr lang="en-US" dirty="0"/>
               <a:pPr/>
-              <a:t>10/29/2018</a:t>
+              <a:t>10/30/2018</a:t>
             </a:fld>
             <a:endParaRPr lang="en-US" dirty="0"/>
           </a:p>
@@ -4730,7 +4742,7 @@
             <a:fld id="{B61BEF0D-F0BB-DE4B-95CE-6DB70DBA9567}" type="datetimeFigureOut">
               <a:rPr lang="en-US" dirty="0"/>
               <a:pPr/>
-              <a:t>10/29/2018</a:t>
+              <a:t>10/30/2018</a:t>
             </a:fld>
             <a:endParaRPr lang="en-US" dirty="0"/>
           </a:p>
@@ -5051,7 +5063,7 @@
             <a:fld id="{B61BEF0D-F0BB-DE4B-95CE-6DB70DBA9567}" type="datetimeFigureOut">
               <a:rPr lang="en-US" dirty="0"/>
               <a:pPr/>
-              <a:t>10/29/2018</a:t>
+              <a:t>10/30/2018</a:t>
             </a:fld>
             <a:endParaRPr lang="en-US" dirty="0"/>
           </a:p>
@@ -5262,7 +5274,7 @@
             <a:fld id="{B61BEF0D-F0BB-DE4B-95CE-6DB70DBA9567}" type="datetimeFigureOut">
               <a:rPr lang="en-US" dirty="0"/>
               <a:pPr/>
-              <a:t>10/29/2018</a:t>
+              <a:t>10/30/2018</a:t>
             </a:fld>
             <a:endParaRPr lang="en-US" dirty="0"/>
           </a:p>
@@ -5821,7 +5833,10 @@
           <a:bodyPr/>
           <a:lstStyle/>
           <a:p>
-            <a:endParaRPr lang="en-US" dirty="0"/>
+            <a:r>
+              <a:rPr lang="en-US" dirty="0"/>
+              <a:t>overview</a:t>
+            </a:r>
           </a:p>
         </p:txBody>
       </p:sp>
@@ -5829,6 +5844,2124 @@
     <p:extLst>
       <p:ext uri="{BB962C8B-B14F-4D97-AF65-F5344CB8AC3E}">
         <p14:creationId xmlns:p14="http://schemas.microsoft.com/office/powerpoint/2010/main" val="3832633887"/>
+      </p:ext>
+    </p:extLst>
+  </p:cSld>
+  <p:clrMapOvr>
+    <a:masterClrMapping/>
+  </p:clrMapOvr>
+</p:sld>
+</file>
+
+<file path=ppt/slides/slide10.xml><?xml version="1.0" encoding="utf-8"?>
+<p:sld xmlns:a="http://schemas.openxmlformats.org/drawingml/2006/main" xmlns:r="http://schemas.openxmlformats.org/officeDocument/2006/relationships" xmlns:p="http://schemas.openxmlformats.org/presentationml/2006/main">
+  <p:cSld>
+    <p:spTree>
+      <p:nvGrpSpPr>
+        <p:cNvPr id="1" name=""/>
+        <p:cNvGrpSpPr/>
+        <p:nvPr/>
+      </p:nvGrpSpPr>
+      <p:grpSpPr>
+        <a:xfrm>
+          <a:off x="0" y="0"/>
+          <a:ext cx="0" cy="0"/>
+          <a:chOff x="0" y="0"/>
+          <a:chExt cx="0" cy="0"/>
+        </a:xfrm>
+      </p:grpSpPr>
+      <p:sp>
+        <p:nvSpPr>
+          <p:cNvPr id="2" name="Title 1">
+            <a:extLst>
+              <a:ext uri="{FF2B5EF4-FFF2-40B4-BE49-F238E27FC236}">
+                <a16:creationId xmlns:a16="http://schemas.microsoft.com/office/drawing/2014/main" id="{08CB1346-6CD5-48E7-855D-0CA425F4C95E}"/>
+              </a:ext>
+            </a:extLst>
+          </p:cNvPr>
+          <p:cNvSpPr>
+            <a:spLocks noGrp="1"/>
+          </p:cNvSpPr>
+          <p:nvPr>
+            <p:ph type="title"/>
+          </p:nvPr>
+        </p:nvSpPr>
+        <p:spPr>
+          <a:xfrm>
+            <a:off x="115958" y="159026"/>
+            <a:ext cx="10131425" cy="927652"/>
+          </a:xfrm>
+        </p:spPr>
+        <p:txBody>
+          <a:bodyPr>
+            <a:normAutofit fontScale="90000"/>
+          </a:bodyPr>
+          <a:lstStyle/>
+          <a:p>
+            <a:r>
+              <a:rPr lang="en-US" dirty="0"/>
+              <a:t>Configuration class and Config mapping - </a:t>
+            </a:r>
+            <a:r>
+              <a:rPr lang="en-US" sz="1800" dirty="0"/>
+              <a:t>These parameters are specified in a </a:t>
+            </a:r>
+            <a:r>
+              <a:rPr lang="en-US" sz="1800" dirty="0">
+                <a:hlinkClick r:id="rId2"/>
+              </a:rPr>
+              <a:t>YAML</a:t>
+            </a:r>
+            <a:r>
+              <a:rPr lang="en-US" sz="1800" dirty="0"/>
+              <a:t> configuration file which is deserialized to an instance of your application’s configuration class and validated.</a:t>
+            </a:r>
+          </a:p>
+        </p:txBody>
+      </p:sp>
+      <p:sp>
+        <p:nvSpPr>
+          <p:cNvPr id="4" name="Rectangle 1">
+            <a:extLst>
+              <a:ext uri="{FF2B5EF4-FFF2-40B4-BE49-F238E27FC236}">
+                <a16:creationId xmlns:a16="http://schemas.microsoft.com/office/drawing/2014/main" id="{2F570036-7E50-490A-ACD5-334FD7388350}"/>
+              </a:ext>
+            </a:extLst>
+          </p:cNvPr>
+          <p:cNvSpPr>
+            <a:spLocks noGrp="1" noChangeArrowheads="1"/>
+          </p:cNvSpPr>
+          <p:nvPr>
+            <p:ph idx="4294967295"/>
+          </p:nvPr>
+        </p:nvSpPr>
+        <p:spPr bwMode="auto">
+          <a:xfrm>
+            <a:off x="225288" y="3466943"/>
+            <a:ext cx="4306957" cy="553998"/>
+          </a:xfrm>
+          <a:prstGeom prst="rect">
+            <a:avLst/>
+          </a:prstGeom>
+          <a:solidFill>
+            <a:srgbClr val="FFFFFF"/>
+          </a:solidFill>
+          <a:ln>
+            <a:noFill/>
+          </a:ln>
+          <a:effectLst/>
+          <a:extLst>
+            <a:ext uri="{91240B29-F687-4F45-9708-019B960494DF}">
+              <a14:hiddenLine xmlns:a14="http://schemas.microsoft.com/office/drawing/2010/main" w="9525">
+                <a:solidFill>
+                  <a:schemeClr val="tx1"/>
+                </a:solidFill>
+                <a:miter lim="800000"/>
+                <a:headEnd/>
+                <a:tailEnd/>
+              </a14:hiddenLine>
+            </a:ext>
+            <a:ext uri="{AF507438-7753-43E0-B8FC-AC1667EBCBE1}">
+              <a14:hiddenEffects xmlns:a14="http://schemas.microsoft.com/office/drawing/2010/main">
+                <a:effectLst>
+                  <a:outerShdw dist="35921" dir="2700000" algn="ctr" rotWithShape="0">
+                    <a:schemeClr val="bg2"/>
+                  </a:outerShdw>
+                </a:effectLst>
+              </a14:hiddenEffects>
+            </a:ext>
+          </a:extLst>
+        </p:spPr>
+        <p:txBody>
+          <a:bodyPr vert="horz" wrap="square" lIns="91440" tIns="45720" rIns="91440" bIns="45720" numCol="2" anchor="ctr" anchorCtr="0" compatLnSpc="1">
+            <a:prstTxWarp prst="textNoShape">
+              <a:avLst/>
+            </a:prstTxWarp>
+            <a:spAutoFit/>
+          </a:bodyPr>
+          <a:lstStyle/>
+          <a:p>
+            <a:pPr marL="0" marR="0" lvl="0" indent="0" algn="l" defTabSz="914400" rtl="0" eaLnBrk="0" fontAlgn="base" latinLnBrk="0" hangingPunct="0">
+              <a:lnSpc>
+                <a:spcPct val="100000"/>
+              </a:lnSpc>
+              <a:spcBef>
+                <a:spcPct val="0"/>
+              </a:spcBef>
+              <a:spcAft>
+                <a:spcPct val="0"/>
+              </a:spcAft>
+              <a:buClrTx/>
+              <a:buSzTx/>
+              <a:buFontTx/>
+              <a:buNone/>
+              <a:tabLst/>
+            </a:pPr>
+            <a:r>
+              <a:rPr kumimoji="0" lang="en-US" altLang="en-US" sz="1000" b="1" i="0" u="none" strike="noStrike" cap="none" normalizeH="0" baseline="0" dirty="0">
+                <a:ln>
+                  <a:noFill/>
+                </a:ln>
+                <a:solidFill>
+                  <a:srgbClr val="000080"/>
+                </a:solidFill>
+                <a:effectLst/>
+                <a:latin typeface="Courier New" panose="02070309020205020404" pitchFamily="49" charset="0"/>
+                <a:cs typeface="Courier New" panose="02070309020205020404" pitchFamily="49" charset="0"/>
+              </a:rPr>
+              <a:t>template</a:t>
+            </a:r>
+            <a:r>
+              <a:rPr kumimoji="0" lang="en-US" altLang="en-US" sz="1000" b="0" i="0" u="none" strike="noStrike" cap="none" normalizeH="0" baseline="0" dirty="0">
+                <a:ln>
+                  <a:noFill/>
+                </a:ln>
+                <a:solidFill>
+                  <a:srgbClr val="000000"/>
+                </a:solidFill>
+                <a:effectLst/>
+                <a:latin typeface="Courier New" panose="02070309020205020404" pitchFamily="49" charset="0"/>
+                <a:cs typeface="Courier New" panose="02070309020205020404" pitchFamily="49" charset="0"/>
+              </a:rPr>
+              <a:t>: Hello, %s!</a:t>
+            </a:r>
+            <a:br>
+              <a:rPr kumimoji="0" lang="en-US" altLang="en-US" sz="1000" b="0" i="0" u="none" strike="noStrike" cap="none" normalizeH="0" baseline="0" dirty="0">
+                <a:ln>
+                  <a:noFill/>
+                </a:ln>
+                <a:solidFill>
+                  <a:srgbClr val="000000"/>
+                </a:solidFill>
+                <a:effectLst/>
+                <a:latin typeface="Courier New" panose="02070309020205020404" pitchFamily="49" charset="0"/>
+                <a:cs typeface="Courier New" panose="02070309020205020404" pitchFamily="49" charset="0"/>
+              </a:rPr>
+            </a:br>
+            <a:br>
+              <a:rPr kumimoji="0" lang="en-US" altLang="en-US" sz="1000" b="0" i="0" u="none" strike="noStrike" cap="none" normalizeH="0" baseline="0" dirty="0">
+                <a:ln>
+                  <a:noFill/>
+                </a:ln>
+                <a:solidFill>
+                  <a:srgbClr val="000000"/>
+                </a:solidFill>
+                <a:effectLst/>
+                <a:latin typeface="Courier New" panose="02070309020205020404" pitchFamily="49" charset="0"/>
+                <a:cs typeface="Courier New" panose="02070309020205020404" pitchFamily="49" charset="0"/>
+              </a:rPr>
+            </a:br>
+            <a:r>
+              <a:rPr kumimoji="0" lang="en-US" altLang="en-US" sz="1000" b="1" i="0" u="none" strike="noStrike" cap="none" normalizeH="0" baseline="0" dirty="0" err="1">
+                <a:ln>
+                  <a:noFill/>
+                </a:ln>
+                <a:solidFill>
+                  <a:srgbClr val="000080"/>
+                </a:solidFill>
+                <a:effectLst/>
+                <a:latin typeface="Courier New" panose="02070309020205020404" pitchFamily="49" charset="0"/>
+                <a:cs typeface="Courier New" panose="02070309020205020404" pitchFamily="49" charset="0"/>
+              </a:rPr>
+              <a:t>defaultName</a:t>
+            </a:r>
+            <a:r>
+              <a:rPr kumimoji="0" lang="en-US" altLang="en-US" sz="1000" b="0" i="0" u="none" strike="noStrike" cap="none" normalizeH="0" baseline="0" dirty="0">
+                <a:ln>
+                  <a:noFill/>
+                </a:ln>
+                <a:solidFill>
+                  <a:srgbClr val="000000"/>
+                </a:solidFill>
+                <a:effectLst/>
+                <a:latin typeface="Courier New" panose="02070309020205020404" pitchFamily="49" charset="0"/>
+                <a:cs typeface="Courier New" panose="02070309020205020404" pitchFamily="49" charset="0"/>
+              </a:rPr>
+              <a:t>: Renat</a:t>
+            </a:r>
+            <a:endParaRPr kumimoji="0" lang="en-US" altLang="en-US" sz="1000" b="0" i="0" u="none" strike="noStrike" cap="none" normalizeH="0" baseline="0" dirty="0">
+              <a:ln>
+                <a:noFill/>
+              </a:ln>
+              <a:solidFill>
+                <a:schemeClr val="tx1"/>
+              </a:solidFill>
+              <a:effectLst/>
+              <a:latin typeface="Arial" panose="020B0604020202020204" pitchFamily="34" charset="0"/>
+            </a:endParaRPr>
+          </a:p>
+        </p:txBody>
+      </p:sp>
+      <p:sp>
+        <p:nvSpPr>
+          <p:cNvPr id="11" name="Rectangle 5">
+            <a:extLst>
+              <a:ext uri="{FF2B5EF4-FFF2-40B4-BE49-F238E27FC236}">
+                <a16:creationId xmlns:a16="http://schemas.microsoft.com/office/drawing/2014/main" id="{F4EE443A-55B9-46EA-9E61-E7799EE5D846}"/>
+              </a:ext>
+            </a:extLst>
+          </p:cNvPr>
+          <p:cNvSpPr>
+            <a:spLocks noChangeArrowheads="1"/>
+          </p:cNvSpPr>
+          <p:nvPr/>
+        </p:nvSpPr>
+        <p:spPr bwMode="auto">
+          <a:xfrm>
+            <a:off x="7095041" y="1686509"/>
+            <a:ext cx="4399722" cy="4939814"/>
+          </a:xfrm>
+          <a:prstGeom prst="rect">
+            <a:avLst/>
+          </a:prstGeom>
+          <a:solidFill>
+            <a:srgbClr val="FFFFFF"/>
+          </a:solidFill>
+          <a:ln>
+            <a:noFill/>
+          </a:ln>
+          <a:effectLst/>
+          <a:extLst>
+            <a:ext uri="{91240B29-F687-4F45-9708-019B960494DF}">
+              <a14:hiddenLine xmlns:a14="http://schemas.microsoft.com/office/drawing/2010/main" w="9525">
+                <a:solidFill>
+                  <a:schemeClr val="tx1"/>
+                </a:solidFill>
+                <a:miter lim="800000"/>
+                <a:headEnd/>
+                <a:tailEnd/>
+              </a14:hiddenLine>
+            </a:ext>
+            <a:ext uri="{AF507438-7753-43E0-B8FC-AC1667EBCBE1}">
+              <a14:hiddenEffects xmlns:a14="http://schemas.microsoft.com/office/drawing/2010/main">
+                <a:effectLst>
+                  <a:outerShdw dist="35921" dir="2700000" algn="ctr" rotWithShape="0">
+                    <a:schemeClr val="bg2"/>
+                  </a:outerShdw>
+                </a:effectLst>
+              </a14:hiddenEffects>
+            </a:ext>
+          </a:extLst>
+        </p:spPr>
+        <p:txBody>
+          <a:bodyPr vert="horz" wrap="square" lIns="91440" tIns="45720" rIns="91440" bIns="45720" numCol="1" anchor="ctr" anchorCtr="0" compatLnSpc="1">
+            <a:prstTxWarp prst="textNoShape">
+              <a:avLst/>
+            </a:prstTxWarp>
+            <a:spAutoFit/>
+          </a:bodyPr>
+          <a:lstStyle/>
+          <a:p>
+            <a:pPr marL="0" marR="0" lvl="0" indent="0" algn="l" defTabSz="914400" rtl="0" eaLnBrk="0" fontAlgn="base" latinLnBrk="0" hangingPunct="0">
+              <a:lnSpc>
+                <a:spcPct val="100000"/>
+              </a:lnSpc>
+              <a:spcBef>
+                <a:spcPct val="0"/>
+              </a:spcBef>
+              <a:spcAft>
+                <a:spcPct val="0"/>
+              </a:spcAft>
+              <a:buClrTx/>
+              <a:buSzTx/>
+              <a:buFontTx/>
+              <a:buNone/>
+              <a:tabLst/>
+            </a:pPr>
+            <a:r>
+              <a:rPr kumimoji="0" lang="en-US" altLang="en-US" sz="900" b="1" i="0" u="none" strike="noStrike" cap="none" normalizeH="0" baseline="0" dirty="0">
+                <a:ln>
+                  <a:noFill/>
+                </a:ln>
+                <a:solidFill>
+                  <a:srgbClr val="000080"/>
+                </a:solidFill>
+                <a:effectLst/>
+                <a:latin typeface="Courier New" panose="02070309020205020404" pitchFamily="49" charset="0"/>
+                <a:cs typeface="Courier New" panose="02070309020205020404" pitchFamily="49" charset="0"/>
+              </a:rPr>
+              <a:t>package </a:t>
+            </a:r>
+            <a:r>
+              <a:rPr kumimoji="0" lang="en-US" altLang="en-US" sz="900" b="0" i="0" u="none" strike="noStrike" cap="none" normalizeH="0" baseline="0" dirty="0" err="1">
+                <a:ln>
+                  <a:noFill/>
+                </a:ln>
+                <a:solidFill>
+                  <a:srgbClr val="000000"/>
+                </a:solidFill>
+                <a:effectLst/>
+                <a:latin typeface="Courier New" panose="02070309020205020404" pitchFamily="49" charset="0"/>
+                <a:cs typeface="Courier New" panose="02070309020205020404" pitchFamily="49" charset="0"/>
+              </a:rPr>
+              <a:t>com.wiza.config</a:t>
+            </a:r>
+            <a:r>
+              <a:rPr kumimoji="0" lang="en-US" altLang="en-US" sz="900" b="0" i="0" u="none" strike="noStrike" cap="none" normalizeH="0" baseline="0" dirty="0">
+                <a:ln>
+                  <a:noFill/>
+                </a:ln>
+                <a:solidFill>
+                  <a:srgbClr val="000000"/>
+                </a:solidFill>
+                <a:effectLst/>
+                <a:latin typeface="Courier New" panose="02070309020205020404" pitchFamily="49" charset="0"/>
+                <a:cs typeface="Courier New" panose="02070309020205020404" pitchFamily="49" charset="0"/>
+              </a:rPr>
+              <a:t>;</a:t>
+            </a:r>
+            <a:br>
+              <a:rPr kumimoji="0" lang="en-US" altLang="en-US" sz="900" b="0" i="0" u="none" strike="noStrike" cap="none" normalizeH="0" baseline="0" dirty="0">
+                <a:ln>
+                  <a:noFill/>
+                </a:ln>
+                <a:solidFill>
+                  <a:srgbClr val="000000"/>
+                </a:solidFill>
+                <a:effectLst/>
+                <a:latin typeface="Courier New" panose="02070309020205020404" pitchFamily="49" charset="0"/>
+                <a:cs typeface="Courier New" panose="02070309020205020404" pitchFamily="49" charset="0"/>
+              </a:rPr>
+            </a:br>
+            <a:br>
+              <a:rPr kumimoji="0" lang="en-US" altLang="en-US" sz="900" b="0" i="0" u="none" strike="noStrike" cap="none" normalizeH="0" baseline="0" dirty="0">
+                <a:ln>
+                  <a:noFill/>
+                </a:ln>
+                <a:solidFill>
+                  <a:srgbClr val="000000"/>
+                </a:solidFill>
+                <a:effectLst/>
+                <a:latin typeface="Courier New" panose="02070309020205020404" pitchFamily="49" charset="0"/>
+                <a:cs typeface="Courier New" panose="02070309020205020404" pitchFamily="49" charset="0"/>
+              </a:rPr>
+            </a:br>
+            <a:r>
+              <a:rPr kumimoji="0" lang="en-US" altLang="en-US" sz="900" b="1" i="0" u="none" strike="noStrike" cap="none" normalizeH="0" baseline="0" dirty="0">
+                <a:ln>
+                  <a:noFill/>
+                </a:ln>
+                <a:solidFill>
+                  <a:srgbClr val="000080"/>
+                </a:solidFill>
+                <a:effectLst/>
+                <a:latin typeface="Courier New" panose="02070309020205020404" pitchFamily="49" charset="0"/>
+                <a:cs typeface="Courier New" panose="02070309020205020404" pitchFamily="49" charset="0"/>
+              </a:rPr>
+              <a:t>import </a:t>
+            </a:r>
+            <a:r>
+              <a:rPr kumimoji="0" lang="en-US" altLang="en-US" sz="900" b="0" i="0" u="none" strike="noStrike" cap="none" normalizeH="0" baseline="0" dirty="0" err="1">
+                <a:ln>
+                  <a:noFill/>
+                </a:ln>
+                <a:solidFill>
+                  <a:srgbClr val="000000"/>
+                </a:solidFill>
+                <a:effectLst/>
+                <a:latin typeface="Courier New" panose="02070309020205020404" pitchFamily="49" charset="0"/>
+                <a:cs typeface="Courier New" panose="02070309020205020404" pitchFamily="49" charset="0"/>
+              </a:rPr>
+              <a:t>com.fasterxml.jackson.annotation.</a:t>
+            </a:r>
+            <a:r>
+              <a:rPr kumimoji="0" lang="en-US" altLang="en-US" sz="900" b="0" i="0" u="none" strike="noStrike" cap="none" normalizeH="0" baseline="0" dirty="0" err="1">
+                <a:ln>
+                  <a:noFill/>
+                </a:ln>
+                <a:solidFill>
+                  <a:srgbClr val="808000"/>
+                </a:solidFill>
+                <a:effectLst/>
+                <a:latin typeface="Courier New" panose="02070309020205020404" pitchFamily="49" charset="0"/>
+                <a:cs typeface="Courier New" panose="02070309020205020404" pitchFamily="49" charset="0"/>
+              </a:rPr>
+              <a:t>JsonProperty</a:t>
+            </a:r>
+            <a:r>
+              <a:rPr kumimoji="0" lang="en-US" altLang="en-US" sz="900" b="0" i="0" u="none" strike="noStrike" cap="none" normalizeH="0" baseline="0" dirty="0">
+                <a:ln>
+                  <a:noFill/>
+                </a:ln>
+                <a:solidFill>
+                  <a:srgbClr val="000000"/>
+                </a:solidFill>
+                <a:effectLst/>
+                <a:latin typeface="Courier New" panose="02070309020205020404" pitchFamily="49" charset="0"/>
+                <a:cs typeface="Courier New" panose="02070309020205020404" pitchFamily="49" charset="0"/>
+              </a:rPr>
+              <a:t>;</a:t>
+            </a:r>
+            <a:br>
+              <a:rPr kumimoji="0" lang="en-US" altLang="en-US" sz="900" b="0" i="0" u="none" strike="noStrike" cap="none" normalizeH="0" baseline="0" dirty="0">
+                <a:ln>
+                  <a:noFill/>
+                </a:ln>
+                <a:solidFill>
+                  <a:srgbClr val="000000"/>
+                </a:solidFill>
+                <a:effectLst/>
+                <a:latin typeface="Courier New" panose="02070309020205020404" pitchFamily="49" charset="0"/>
+                <a:cs typeface="Courier New" panose="02070309020205020404" pitchFamily="49" charset="0"/>
+              </a:rPr>
+            </a:br>
+            <a:r>
+              <a:rPr kumimoji="0" lang="en-US" altLang="en-US" sz="900" b="1" i="0" u="none" strike="noStrike" cap="none" normalizeH="0" baseline="0" dirty="0">
+                <a:ln>
+                  <a:noFill/>
+                </a:ln>
+                <a:solidFill>
+                  <a:srgbClr val="000080"/>
+                </a:solidFill>
+                <a:effectLst/>
+                <a:latin typeface="Courier New" panose="02070309020205020404" pitchFamily="49" charset="0"/>
+                <a:cs typeface="Courier New" panose="02070309020205020404" pitchFamily="49" charset="0"/>
+              </a:rPr>
+              <a:t>import </a:t>
+            </a:r>
+            <a:r>
+              <a:rPr kumimoji="0" lang="en-US" altLang="en-US" sz="900" b="0" i="0" u="none" strike="noStrike" cap="none" normalizeH="0" baseline="0" dirty="0" err="1">
+                <a:ln>
+                  <a:noFill/>
+                </a:ln>
+                <a:solidFill>
+                  <a:srgbClr val="000000"/>
+                </a:solidFill>
+                <a:effectLst/>
+                <a:latin typeface="Courier New" panose="02070309020205020404" pitchFamily="49" charset="0"/>
+                <a:cs typeface="Courier New" panose="02070309020205020404" pitchFamily="49" charset="0"/>
+              </a:rPr>
+              <a:t>io.dropwizard.Configuration</a:t>
+            </a:r>
+            <a:r>
+              <a:rPr kumimoji="0" lang="en-US" altLang="en-US" sz="900" b="0" i="0" u="none" strike="noStrike" cap="none" normalizeH="0" baseline="0" dirty="0">
+                <a:ln>
+                  <a:noFill/>
+                </a:ln>
+                <a:solidFill>
+                  <a:srgbClr val="000000"/>
+                </a:solidFill>
+                <a:effectLst/>
+                <a:latin typeface="Courier New" panose="02070309020205020404" pitchFamily="49" charset="0"/>
+                <a:cs typeface="Courier New" panose="02070309020205020404" pitchFamily="49" charset="0"/>
+              </a:rPr>
+              <a:t>;</a:t>
+            </a:r>
+            <a:br>
+              <a:rPr kumimoji="0" lang="en-US" altLang="en-US" sz="900" b="0" i="0" u="none" strike="noStrike" cap="none" normalizeH="0" baseline="0" dirty="0">
+                <a:ln>
+                  <a:noFill/>
+                </a:ln>
+                <a:solidFill>
+                  <a:srgbClr val="000000"/>
+                </a:solidFill>
+                <a:effectLst/>
+                <a:latin typeface="Courier New" panose="02070309020205020404" pitchFamily="49" charset="0"/>
+                <a:cs typeface="Courier New" panose="02070309020205020404" pitchFamily="49" charset="0"/>
+              </a:rPr>
+            </a:br>
+            <a:r>
+              <a:rPr kumimoji="0" lang="en-US" altLang="en-US" sz="900" b="1" i="0" u="none" strike="noStrike" cap="none" normalizeH="0" baseline="0" dirty="0">
+                <a:ln>
+                  <a:noFill/>
+                </a:ln>
+                <a:solidFill>
+                  <a:srgbClr val="000080"/>
+                </a:solidFill>
+                <a:effectLst/>
+                <a:latin typeface="Courier New" panose="02070309020205020404" pitchFamily="49" charset="0"/>
+                <a:cs typeface="Courier New" panose="02070309020205020404" pitchFamily="49" charset="0"/>
+              </a:rPr>
+              <a:t>import </a:t>
+            </a:r>
+            <a:r>
+              <a:rPr kumimoji="0" lang="en-US" altLang="en-US" sz="900" b="0" i="0" u="none" strike="noStrike" cap="none" normalizeH="0" baseline="0" dirty="0" err="1">
+                <a:ln>
+                  <a:noFill/>
+                </a:ln>
+                <a:solidFill>
+                  <a:srgbClr val="000000"/>
+                </a:solidFill>
+                <a:effectLst/>
+                <a:latin typeface="Courier New" panose="02070309020205020404" pitchFamily="49" charset="0"/>
+                <a:cs typeface="Courier New" panose="02070309020205020404" pitchFamily="49" charset="0"/>
+              </a:rPr>
+              <a:t>org.hibernate.validator.constraints.</a:t>
+            </a:r>
+            <a:r>
+              <a:rPr kumimoji="0" lang="en-US" altLang="en-US" sz="900" b="0" i="0" u="none" strike="noStrike" cap="none" normalizeH="0" baseline="0" dirty="0" err="1">
+                <a:ln>
+                  <a:noFill/>
+                </a:ln>
+                <a:solidFill>
+                  <a:srgbClr val="808000"/>
+                </a:solidFill>
+                <a:effectLst/>
+                <a:latin typeface="Courier New" panose="02070309020205020404" pitchFamily="49" charset="0"/>
+                <a:cs typeface="Courier New" panose="02070309020205020404" pitchFamily="49" charset="0"/>
+              </a:rPr>
+              <a:t>NotEmpty</a:t>
+            </a:r>
+            <a:r>
+              <a:rPr kumimoji="0" lang="en-US" altLang="en-US" sz="900" b="0" i="0" u="none" strike="noStrike" cap="none" normalizeH="0" baseline="0" dirty="0">
+                <a:ln>
+                  <a:noFill/>
+                </a:ln>
+                <a:solidFill>
+                  <a:srgbClr val="000000"/>
+                </a:solidFill>
+                <a:effectLst/>
+                <a:latin typeface="Courier New" panose="02070309020205020404" pitchFamily="49" charset="0"/>
+                <a:cs typeface="Courier New" panose="02070309020205020404" pitchFamily="49" charset="0"/>
+              </a:rPr>
+              <a:t>;</a:t>
+            </a:r>
+            <a:br>
+              <a:rPr kumimoji="0" lang="en-US" altLang="en-US" sz="900" b="0" i="0" u="none" strike="noStrike" cap="none" normalizeH="0" baseline="0" dirty="0">
+                <a:ln>
+                  <a:noFill/>
+                </a:ln>
+                <a:solidFill>
+                  <a:srgbClr val="000000"/>
+                </a:solidFill>
+                <a:effectLst/>
+                <a:latin typeface="Courier New" panose="02070309020205020404" pitchFamily="49" charset="0"/>
+                <a:cs typeface="Courier New" panose="02070309020205020404" pitchFamily="49" charset="0"/>
+              </a:rPr>
+            </a:br>
+            <a:br>
+              <a:rPr kumimoji="0" lang="en-US" altLang="en-US" sz="900" b="0" i="0" u="none" strike="noStrike" cap="none" normalizeH="0" baseline="0" dirty="0">
+                <a:ln>
+                  <a:noFill/>
+                </a:ln>
+                <a:solidFill>
+                  <a:srgbClr val="000000"/>
+                </a:solidFill>
+                <a:effectLst/>
+                <a:latin typeface="Courier New" panose="02070309020205020404" pitchFamily="49" charset="0"/>
+                <a:cs typeface="Courier New" panose="02070309020205020404" pitchFamily="49" charset="0"/>
+              </a:rPr>
+            </a:br>
+            <a:r>
+              <a:rPr kumimoji="0" lang="en-US" altLang="en-US" sz="900" b="1" i="0" u="none" strike="noStrike" cap="none" normalizeH="0" baseline="0" dirty="0">
+                <a:ln>
+                  <a:noFill/>
+                </a:ln>
+                <a:solidFill>
+                  <a:srgbClr val="000080"/>
+                </a:solidFill>
+                <a:effectLst/>
+                <a:latin typeface="Courier New" panose="02070309020205020404" pitchFamily="49" charset="0"/>
+                <a:cs typeface="Courier New" panose="02070309020205020404" pitchFamily="49" charset="0"/>
+              </a:rPr>
+              <a:t>public class </a:t>
+            </a:r>
+            <a:r>
+              <a:rPr kumimoji="0" lang="en-US" altLang="en-US" sz="900" b="0" i="0" u="none" strike="noStrike" cap="none" normalizeH="0" baseline="0" dirty="0" err="1">
+                <a:ln>
+                  <a:noFill/>
+                </a:ln>
+                <a:solidFill>
+                  <a:srgbClr val="000000"/>
+                </a:solidFill>
+                <a:effectLst/>
+                <a:latin typeface="Courier New" panose="02070309020205020404" pitchFamily="49" charset="0"/>
+                <a:cs typeface="Courier New" panose="02070309020205020404" pitchFamily="49" charset="0"/>
+              </a:rPr>
+              <a:t>AppConfig</a:t>
+            </a:r>
+            <a:r>
+              <a:rPr kumimoji="0" lang="en-US" altLang="en-US" sz="900" b="0" i="0" u="none" strike="noStrike" cap="none" normalizeH="0" baseline="0" dirty="0">
+                <a:ln>
+                  <a:noFill/>
+                </a:ln>
+                <a:solidFill>
+                  <a:srgbClr val="000000"/>
+                </a:solidFill>
+                <a:effectLst/>
+                <a:latin typeface="Courier New" panose="02070309020205020404" pitchFamily="49" charset="0"/>
+                <a:cs typeface="Courier New" panose="02070309020205020404" pitchFamily="49" charset="0"/>
+              </a:rPr>
+              <a:t> </a:t>
+            </a:r>
+            <a:r>
+              <a:rPr kumimoji="0" lang="en-US" altLang="en-US" sz="900" b="1" i="0" u="none" strike="noStrike" cap="none" normalizeH="0" baseline="0" dirty="0">
+                <a:ln>
+                  <a:noFill/>
+                </a:ln>
+                <a:solidFill>
+                  <a:srgbClr val="000080"/>
+                </a:solidFill>
+                <a:effectLst/>
+                <a:latin typeface="Courier New" panose="02070309020205020404" pitchFamily="49" charset="0"/>
+                <a:cs typeface="Courier New" panose="02070309020205020404" pitchFamily="49" charset="0"/>
+              </a:rPr>
+              <a:t>extends </a:t>
+            </a:r>
+            <a:r>
+              <a:rPr kumimoji="0" lang="en-US" altLang="en-US" sz="900" b="0" i="0" u="none" strike="noStrike" cap="none" normalizeH="0" baseline="0" dirty="0">
+                <a:ln>
+                  <a:noFill/>
+                </a:ln>
+                <a:solidFill>
+                  <a:srgbClr val="000000"/>
+                </a:solidFill>
+                <a:effectLst/>
+                <a:latin typeface="Courier New" panose="02070309020205020404" pitchFamily="49" charset="0"/>
+                <a:cs typeface="Courier New" panose="02070309020205020404" pitchFamily="49" charset="0"/>
+              </a:rPr>
+              <a:t>Configuration {</a:t>
+            </a:r>
+            <a:br>
+              <a:rPr kumimoji="0" lang="en-US" altLang="en-US" sz="900" b="0" i="0" u="none" strike="noStrike" cap="none" normalizeH="0" baseline="0" dirty="0">
+                <a:ln>
+                  <a:noFill/>
+                </a:ln>
+                <a:solidFill>
+                  <a:srgbClr val="000000"/>
+                </a:solidFill>
+                <a:effectLst/>
+                <a:latin typeface="Courier New" panose="02070309020205020404" pitchFamily="49" charset="0"/>
+                <a:cs typeface="Courier New" panose="02070309020205020404" pitchFamily="49" charset="0"/>
+              </a:rPr>
+            </a:br>
+            <a:r>
+              <a:rPr kumimoji="0" lang="en-US" altLang="en-US" sz="900" b="0" i="0" u="none" strike="noStrike" cap="none" normalizeH="0" baseline="0" dirty="0">
+                <a:ln>
+                  <a:noFill/>
+                </a:ln>
+                <a:solidFill>
+                  <a:srgbClr val="000000"/>
+                </a:solidFill>
+                <a:effectLst/>
+                <a:latin typeface="Courier New" panose="02070309020205020404" pitchFamily="49" charset="0"/>
+                <a:cs typeface="Courier New" panose="02070309020205020404" pitchFamily="49" charset="0"/>
+              </a:rPr>
+              <a:t>    </a:t>
+            </a:r>
+            <a:r>
+              <a:rPr kumimoji="0" lang="en-US" altLang="en-US" sz="900" b="0" i="0" u="none" strike="noStrike" cap="none" normalizeH="0" baseline="0" dirty="0">
+                <a:ln>
+                  <a:noFill/>
+                </a:ln>
+                <a:solidFill>
+                  <a:srgbClr val="808000"/>
+                </a:solidFill>
+                <a:effectLst/>
+                <a:latin typeface="Courier New" panose="02070309020205020404" pitchFamily="49" charset="0"/>
+                <a:cs typeface="Courier New" panose="02070309020205020404" pitchFamily="49" charset="0"/>
+              </a:rPr>
+              <a:t>@</a:t>
+            </a:r>
+            <a:r>
+              <a:rPr kumimoji="0" lang="en-US" altLang="en-US" sz="900" b="0" i="0" u="none" strike="noStrike" cap="none" normalizeH="0" baseline="0" dirty="0" err="1">
+                <a:ln>
+                  <a:noFill/>
+                </a:ln>
+                <a:solidFill>
+                  <a:srgbClr val="808000"/>
+                </a:solidFill>
+                <a:effectLst/>
+                <a:latin typeface="Courier New" panose="02070309020205020404" pitchFamily="49" charset="0"/>
+                <a:cs typeface="Courier New" panose="02070309020205020404" pitchFamily="49" charset="0"/>
+              </a:rPr>
+              <a:t>NotEmpty</a:t>
+            </a:r>
+            <a:br>
+              <a:rPr kumimoji="0" lang="en-US" altLang="en-US" sz="900" b="0" i="0" u="none" strike="noStrike" cap="none" normalizeH="0" baseline="0" dirty="0">
+                <a:ln>
+                  <a:noFill/>
+                </a:ln>
+                <a:solidFill>
+                  <a:srgbClr val="808000"/>
+                </a:solidFill>
+                <a:effectLst/>
+                <a:latin typeface="Courier New" panose="02070309020205020404" pitchFamily="49" charset="0"/>
+                <a:cs typeface="Courier New" panose="02070309020205020404" pitchFamily="49" charset="0"/>
+              </a:rPr>
+            </a:br>
+            <a:r>
+              <a:rPr kumimoji="0" lang="en-US" altLang="en-US" sz="900" b="0" i="0" u="none" strike="noStrike" cap="none" normalizeH="0" baseline="0" dirty="0">
+                <a:ln>
+                  <a:noFill/>
+                </a:ln>
+                <a:solidFill>
+                  <a:srgbClr val="808000"/>
+                </a:solidFill>
+                <a:effectLst/>
+                <a:latin typeface="Courier New" panose="02070309020205020404" pitchFamily="49" charset="0"/>
+                <a:cs typeface="Courier New" panose="02070309020205020404" pitchFamily="49" charset="0"/>
+              </a:rPr>
+              <a:t>    </a:t>
+            </a:r>
+            <a:r>
+              <a:rPr kumimoji="0" lang="en-US" altLang="en-US" sz="900" b="1" i="0" u="none" strike="noStrike" cap="none" normalizeH="0" baseline="0" dirty="0">
+                <a:ln>
+                  <a:noFill/>
+                </a:ln>
+                <a:solidFill>
+                  <a:srgbClr val="000080"/>
+                </a:solidFill>
+                <a:effectLst/>
+                <a:latin typeface="Courier New" panose="02070309020205020404" pitchFamily="49" charset="0"/>
+                <a:cs typeface="Courier New" panose="02070309020205020404" pitchFamily="49" charset="0"/>
+              </a:rPr>
+              <a:t>private </a:t>
+            </a:r>
+            <a:r>
+              <a:rPr kumimoji="0" lang="en-US" altLang="en-US" sz="900" b="0" i="0" u="none" strike="noStrike" cap="none" normalizeH="0" baseline="0" dirty="0">
+                <a:ln>
+                  <a:noFill/>
+                </a:ln>
+                <a:solidFill>
+                  <a:srgbClr val="000000"/>
+                </a:solidFill>
+                <a:effectLst/>
+                <a:latin typeface="Courier New" panose="02070309020205020404" pitchFamily="49" charset="0"/>
+                <a:cs typeface="Courier New" panose="02070309020205020404" pitchFamily="49" charset="0"/>
+              </a:rPr>
+              <a:t>String </a:t>
+            </a:r>
+            <a:r>
+              <a:rPr kumimoji="0" lang="en-US" altLang="en-US" sz="900" b="1" i="0" u="none" strike="noStrike" cap="none" normalizeH="0" baseline="0" dirty="0">
+                <a:ln>
+                  <a:noFill/>
+                </a:ln>
+                <a:solidFill>
+                  <a:srgbClr val="660E7A"/>
+                </a:solidFill>
+                <a:effectLst/>
+                <a:latin typeface="Courier New" panose="02070309020205020404" pitchFamily="49" charset="0"/>
+                <a:cs typeface="Courier New" panose="02070309020205020404" pitchFamily="49" charset="0"/>
+              </a:rPr>
+              <a:t>template</a:t>
+            </a:r>
+            <a:r>
+              <a:rPr kumimoji="0" lang="en-US" altLang="en-US" sz="900" b="0" i="0" u="none" strike="noStrike" cap="none" normalizeH="0" baseline="0" dirty="0">
+                <a:ln>
+                  <a:noFill/>
+                </a:ln>
+                <a:solidFill>
+                  <a:srgbClr val="000000"/>
+                </a:solidFill>
+                <a:effectLst/>
+                <a:latin typeface="Courier New" panose="02070309020205020404" pitchFamily="49" charset="0"/>
+                <a:cs typeface="Courier New" panose="02070309020205020404" pitchFamily="49" charset="0"/>
+              </a:rPr>
+              <a:t>;</a:t>
+            </a:r>
+            <a:br>
+              <a:rPr kumimoji="0" lang="en-US" altLang="en-US" sz="900" b="0" i="0" u="none" strike="noStrike" cap="none" normalizeH="0" baseline="0" dirty="0">
+                <a:ln>
+                  <a:noFill/>
+                </a:ln>
+                <a:solidFill>
+                  <a:srgbClr val="000000"/>
+                </a:solidFill>
+                <a:effectLst/>
+                <a:latin typeface="Courier New" panose="02070309020205020404" pitchFamily="49" charset="0"/>
+                <a:cs typeface="Courier New" panose="02070309020205020404" pitchFamily="49" charset="0"/>
+              </a:rPr>
+            </a:br>
+            <a:br>
+              <a:rPr kumimoji="0" lang="en-US" altLang="en-US" sz="900" b="0" i="0" u="none" strike="noStrike" cap="none" normalizeH="0" baseline="0" dirty="0">
+                <a:ln>
+                  <a:noFill/>
+                </a:ln>
+                <a:solidFill>
+                  <a:srgbClr val="000000"/>
+                </a:solidFill>
+                <a:effectLst/>
+                <a:latin typeface="Courier New" panose="02070309020205020404" pitchFamily="49" charset="0"/>
+                <a:cs typeface="Courier New" panose="02070309020205020404" pitchFamily="49" charset="0"/>
+              </a:rPr>
+            </a:br>
+            <a:r>
+              <a:rPr kumimoji="0" lang="en-US" altLang="en-US" sz="900" b="0" i="0" u="none" strike="noStrike" cap="none" normalizeH="0" baseline="0" dirty="0">
+                <a:ln>
+                  <a:noFill/>
+                </a:ln>
+                <a:solidFill>
+                  <a:srgbClr val="000000"/>
+                </a:solidFill>
+                <a:effectLst/>
+                <a:latin typeface="Courier New" panose="02070309020205020404" pitchFamily="49" charset="0"/>
+                <a:cs typeface="Courier New" panose="02070309020205020404" pitchFamily="49" charset="0"/>
+              </a:rPr>
+              <a:t>    </a:t>
+            </a:r>
+            <a:r>
+              <a:rPr kumimoji="0" lang="en-US" altLang="en-US" sz="900" b="0" i="0" u="none" strike="noStrike" cap="none" normalizeH="0" baseline="0" dirty="0">
+                <a:ln>
+                  <a:noFill/>
+                </a:ln>
+                <a:solidFill>
+                  <a:srgbClr val="808000"/>
+                </a:solidFill>
+                <a:effectLst/>
+                <a:latin typeface="Courier New" panose="02070309020205020404" pitchFamily="49" charset="0"/>
+                <a:cs typeface="Courier New" panose="02070309020205020404" pitchFamily="49" charset="0"/>
+              </a:rPr>
+              <a:t>@</a:t>
+            </a:r>
+            <a:r>
+              <a:rPr kumimoji="0" lang="en-US" altLang="en-US" sz="900" b="0" i="0" u="none" strike="noStrike" cap="none" normalizeH="0" baseline="0" dirty="0" err="1">
+                <a:ln>
+                  <a:noFill/>
+                </a:ln>
+                <a:solidFill>
+                  <a:srgbClr val="808000"/>
+                </a:solidFill>
+                <a:effectLst/>
+                <a:latin typeface="Courier New" panose="02070309020205020404" pitchFamily="49" charset="0"/>
+                <a:cs typeface="Courier New" panose="02070309020205020404" pitchFamily="49" charset="0"/>
+              </a:rPr>
+              <a:t>NotEmpty</a:t>
+            </a:r>
+            <a:br>
+              <a:rPr kumimoji="0" lang="en-US" altLang="en-US" sz="900" b="0" i="0" u="none" strike="noStrike" cap="none" normalizeH="0" baseline="0" dirty="0">
+                <a:ln>
+                  <a:noFill/>
+                </a:ln>
+                <a:solidFill>
+                  <a:srgbClr val="808000"/>
+                </a:solidFill>
+                <a:effectLst/>
+                <a:latin typeface="Courier New" panose="02070309020205020404" pitchFamily="49" charset="0"/>
+                <a:cs typeface="Courier New" panose="02070309020205020404" pitchFamily="49" charset="0"/>
+              </a:rPr>
+            </a:br>
+            <a:r>
+              <a:rPr kumimoji="0" lang="en-US" altLang="en-US" sz="900" b="0" i="0" u="none" strike="noStrike" cap="none" normalizeH="0" baseline="0" dirty="0">
+                <a:ln>
+                  <a:noFill/>
+                </a:ln>
+                <a:solidFill>
+                  <a:srgbClr val="808000"/>
+                </a:solidFill>
+                <a:effectLst/>
+                <a:latin typeface="Courier New" panose="02070309020205020404" pitchFamily="49" charset="0"/>
+                <a:cs typeface="Courier New" panose="02070309020205020404" pitchFamily="49" charset="0"/>
+              </a:rPr>
+              <a:t>    </a:t>
+            </a:r>
+            <a:r>
+              <a:rPr kumimoji="0" lang="en-US" altLang="en-US" sz="900" b="1" i="0" u="none" strike="noStrike" cap="none" normalizeH="0" baseline="0" dirty="0">
+                <a:ln>
+                  <a:noFill/>
+                </a:ln>
+                <a:solidFill>
+                  <a:srgbClr val="000080"/>
+                </a:solidFill>
+                <a:effectLst/>
+                <a:latin typeface="Courier New" panose="02070309020205020404" pitchFamily="49" charset="0"/>
+                <a:cs typeface="Courier New" panose="02070309020205020404" pitchFamily="49" charset="0"/>
+              </a:rPr>
+              <a:t>private </a:t>
+            </a:r>
+            <a:r>
+              <a:rPr kumimoji="0" lang="en-US" altLang="en-US" sz="900" b="0" i="0" u="none" strike="noStrike" cap="none" normalizeH="0" baseline="0" dirty="0">
+                <a:ln>
+                  <a:noFill/>
+                </a:ln>
+                <a:solidFill>
+                  <a:srgbClr val="000000"/>
+                </a:solidFill>
+                <a:effectLst/>
+                <a:latin typeface="Courier New" panose="02070309020205020404" pitchFamily="49" charset="0"/>
+                <a:cs typeface="Courier New" panose="02070309020205020404" pitchFamily="49" charset="0"/>
+              </a:rPr>
+              <a:t>String </a:t>
+            </a:r>
+            <a:r>
+              <a:rPr kumimoji="0" lang="en-US" altLang="en-US" sz="900" b="1" i="0" u="none" strike="noStrike" cap="none" normalizeH="0" baseline="0" dirty="0" err="1">
+                <a:ln>
+                  <a:noFill/>
+                </a:ln>
+                <a:solidFill>
+                  <a:srgbClr val="660E7A"/>
+                </a:solidFill>
+                <a:effectLst/>
+                <a:latin typeface="Courier New" panose="02070309020205020404" pitchFamily="49" charset="0"/>
+                <a:cs typeface="Courier New" panose="02070309020205020404" pitchFamily="49" charset="0"/>
+              </a:rPr>
+              <a:t>defaultName</a:t>
+            </a:r>
+            <a:r>
+              <a:rPr kumimoji="0" lang="en-US" altLang="en-US" sz="900" b="1" i="0" u="none" strike="noStrike" cap="none" normalizeH="0" baseline="0" dirty="0">
+                <a:ln>
+                  <a:noFill/>
+                </a:ln>
+                <a:solidFill>
+                  <a:srgbClr val="660E7A"/>
+                </a:solidFill>
+                <a:effectLst/>
+                <a:latin typeface="Courier New" panose="02070309020205020404" pitchFamily="49" charset="0"/>
+                <a:cs typeface="Courier New" panose="02070309020205020404" pitchFamily="49" charset="0"/>
+              </a:rPr>
+              <a:t> </a:t>
+            </a:r>
+            <a:r>
+              <a:rPr kumimoji="0" lang="en-US" altLang="en-US" sz="900" b="0" i="0" u="none" strike="noStrike" cap="none" normalizeH="0" baseline="0" dirty="0">
+                <a:ln>
+                  <a:noFill/>
+                </a:ln>
+                <a:solidFill>
+                  <a:srgbClr val="000000"/>
+                </a:solidFill>
+                <a:effectLst/>
+                <a:latin typeface="Courier New" panose="02070309020205020404" pitchFamily="49" charset="0"/>
+                <a:cs typeface="Courier New" panose="02070309020205020404" pitchFamily="49" charset="0"/>
+              </a:rPr>
+              <a:t>= </a:t>
+            </a:r>
+            <a:r>
+              <a:rPr kumimoji="0" lang="en-US" altLang="en-US" sz="900" b="1" i="0" u="none" strike="noStrike" cap="none" normalizeH="0" baseline="0" dirty="0">
+                <a:ln>
+                  <a:noFill/>
+                </a:ln>
+                <a:solidFill>
+                  <a:srgbClr val="008000"/>
+                </a:solidFill>
+                <a:effectLst/>
+                <a:latin typeface="Courier New" panose="02070309020205020404" pitchFamily="49" charset="0"/>
+                <a:cs typeface="Courier New" panose="02070309020205020404" pitchFamily="49" charset="0"/>
+              </a:rPr>
+              <a:t>"Stranger"</a:t>
+            </a:r>
+            <a:r>
+              <a:rPr kumimoji="0" lang="en-US" altLang="en-US" sz="900" b="0" i="0" u="none" strike="noStrike" cap="none" normalizeH="0" baseline="0" dirty="0">
+                <a:ln>
+                  <a:noFill/>
+                </a:ln>
+                <a:solidFill>
+                  <a:srgbClr val="000000"/>
+                </a:solidFill>
+                <a:effectLst/>
+                <a:latin typeface="Courier New" panose="02070309020205020404" pitchFamily="49" charset="0"/>
+                <a:cs typeface="Courier New" panose="02070309020205020404" pitchFamily="49" charset="0"/>
+              </a:rPr>
+              <a:t>;</a:t>
+            </a:r>
+            <a:br>
+              <a:rPr kumimoji="0" lang="en-US" altLang="en-US" sz="900" b="0" i="0" u="none" strike="noStrike" cap="none" normalizeH="0" baseline="0" dirty="0">
+                <a:ln>
+                  <a:noFill/>
+                </a:ln>
+                <a:solidFill>
+                  <a:srgbClr val="000000"/>
+                </a:solidFill>
+                <a:effectLst/>
+                <a:latin typeface="Courier New" panose="02070309020205020404" pitchFamily="49" charset="0"/>
+                <a:cs typeface="Courier New" panose="02070309020205020404" pitchFamily="49" charset="0"/>
+              </a:rPr>
+            </a:br>
+            <a:br>
+              <a:rPr kumimoji="0" lang="en-US" altLang="en-US" sz="900" b="0" i="0" u="none" strike="noStrike" cap="none" normalizeH="0" baseline="0" dirty="0">
+                <a:ln>
+                  <a:noFill/>
+                </a:ln>
+                <a:solidFill>
+                  <a:srgbClr val="000000"/>
+                </a:solidFill>
+                <a:effectLst/>
+                <a:latin typeface="Courier New" panose="02070309020205020404" pitchFamily="49" charset="0"/>
+                <a:cs typeface="Courier New" panose="02070309020205020404" pitchFamily="49" charset="0"/>
+              </a:rPr>
+            </a:br>
+            <a:r>
+              <a:rPr kumimoji="0" lang="en-US" altLang="en-US" sz="900" b="0" i="0" u="none" strike="noStrike" cap="none" normalizeH="0" baseline="0" dirty="0">
+                <a:ln>
+                  <a:noFill/>
+                </a:ln>
+                <a:solidFill>
+                  <a:srgbClr val="000000"/>
+                </a:solidFill>
+                <a:effectLst/>
+                <a:latin typeface="Courier New" panose="02070309020205020404" pitchFamily="49" charset="0"/>
+                <a:cs typeface="Courier New" panose="02070309020205020404" pitchFamily="49" charset="0"/>
+              </a:rPr>
+              <a:t>    </a:t>
+            </a:r>
+            <a:r>
+              <a:rPr kumimoji="0" lang="en-US" altLang="en-US" sz="900" b="0" i="0" u="none" strike="noStrike" cap="none" normalizeH="0" baseline="0" dirty="0">
+                <a:ln>
+                  <a:noFill/>
+                </a:ln>
+                <a:solidFill>
+                  <a:srgbClr val="808000"/>
+                </a:solidFill>
+                <a:effectLst/>
+                <a:latin typeface="Courier New" panose="02070309020205020404" pitchFamily="49" charset="0"/>
+                <a:cs typeface="Courier New" panose="02070309020205020404" pitchFamily="49" charset="0"/>
+              </a:rPr>
+              <a:t>@</a:t>
+            </a:r>
+            <a:r>
+              <a:rPr kumimoji="0" lang="en-US" altLang="en-US" sz="900" b="0" i="0" u="none" strike="noStrike" cap="none" normalizeH="0" baseline="0" dirty="0" err="1">
+                <a:ln>
+                  <a:noFill/>
+                </a:ln>
+                <a:solidFill>
+                  <a:srgbClr val="808000"/>
+                </a:solidFill>
+                <a:effectLst/>
+                <a:latin typeface="Courier New" panose="02070309020205020404" pitchFamily="49" charset="0"/>
+                <a:cs typeface="Courier New" panose="02070309020205020404" pitchFamily="49" charset="0"/>
+              </a:rPr>
+              <a:t>JsonProperty</a:t>
+            </a:r>
+            <a:br>
+              <a:rPr kumimoji="0" lang="en-US" altLang="en-US" sz="900" b="0" i="0" u="none" strike="noStrike" cap="none" normalizeH="0" baseline="0" dirty="0">
+                <a:ln>
+                  <a:noFill/>
+                </a:ln>
+                <a:solidFill>
+                  <a:srgbClr val="808000"/>
+                </a:solidFill>
+                <a:effectLst/>
+                <a:latin typeface="Courier New" panose="02070309020205020404" pitchFamily="49" charset="0"/>
+                <a:cs typeface="Courier New" panose="02070309020205020404" pitchFamily="49" charset="0"/>
+              </a:rPr>
+            </a:br>
+            <a:r>
+              <a:rPr kumimoji="0" lang="en-US" altLang="en-US" sz="900" b="0" i="0" u="none" strike="noStrike" cap="none" normalizeH="0" baseline="0" dirty="0">
+                <a:ln>
+                  <a:noFill/>
+                </a:ln>
+                <a:solidFill>
+                  <a:srgbClr val="808000"/>
+                </a:solidFill>
+                <a:effectLst/>
+                <a:latin typeface="Courier New" panose="02070309020205020404" pitchFamily="49" charset="0"/>
+                <a:cs typeface="Courier New" panose="02070309020205020404" pitchFamily="49" charset="0"/>
+              </a:rPr>
+              <a:t>    </a:t>
+            </a:r>
+            <a:r>
+              <a:rPr kumimoji="0" lang="en-US" altLang="en-US" sz="900" b="1" i="0" u="none" strike="noStrike" cap="none" normalizeH="0" baseline="0" dirty="0">
+                <a:ln>
+                  <a:noFill/>
+                </a:ln>
+                <a:solidFill>
+                  <a:srgbClr val="000080"/>
+                </a:solidFill>
+                <a:effectLst/>
+                <a:latin typeface="Courier New" panose="02070309020205020404" pitchFamily="49" charset="0"/>
+                <a:cs typeface="Courier New" panose="02070309020205020404" pitchFamily="49" charset="0"/>
+              </a:rPr>
+              <a:t>public </a:t>
+            </a:r>
+            <a:r>
+              <a:rPr kumimoji="0" lang="en-US" altLang="en-US" sz="900" b="0" i="0" u="none" strike="noStrike" cap="none" normalizeH="0" baseline="0" dirty="0">
+                <a:ln>
+                  <a:noFill/>
+                </a:ln>
+                <a:solidFill>
+                  <a:srgbClr val="000000"/>
+                </a:solidFill>
+                <a:effectLst/>
+                <a:latin typeface="Courier New" panose="02070309020205020404" pitchFamily="49" charset="0"/>
+                <a:cs typeface="Courier New" panose="02070309020205020404" pitchFamily="49" charset="0"/>
+              </a:rPr>
+              <a:t>String </a:t>
+            </a:r>
+            <a:r>
+              <a:rPr kumimoji="0" lang="en-US" altLang="en-US" sz="900" b="0" i="0" u="none" strike="noStrike" cap="none" normalizeH="0" baseline="0" dirty="0" err="1">
+                <a:ln>
+                  <a:noFill/>
+                </a:ln>
+                <a:solidFill>
+                  <a:srgbClr val="000000"/>
+                </a:solidFill>
+                <a:effectLst/>
+                <a:latin typeface="Courier New" panose="02070309020205020404" pitchFamily="49" charset="0"/>
+                <a:cs typeface="Courier New" panose="02070309020205020404" pitchFamily="49" charset="0"/>
+              </a:rPr>
+              <a:t>getTemplate</a:t>
+            </a:r>
+            <a:r>
+              <a:rPr kumimoji="0" lang="en-US" altLang="en-US" sz="900" b="0" i="0" u="none" strike="noStrike" cap="none" normalizeH="0" baseline="0" dirty="0">
+                <a:ln>
+                  <a:noFill/>
+                </a:ln>
+                <a:solidFill>
+                  <a:srgbClr val="000000"/>
+                </a:solidFill>
+                <a:effectLst/>
+                <a:latin typeface="Courier New" panose="02070309020205020404" pitchFamily="49" charset="0"/>
+                <a:cs typeface="Courier New" panose="02070309020205020404" pitchFamily="49" charset="0"/>
+              </a:rPr>
+              <a:t>() {</a:t>
+            </a:r>
+            <a:br>
+              <a:rPr kumimoji="0" lang="en-US" altLang="en-US" sz="900" b="0" i="0" u="none" strike="noStrike" cap="none" normalizeH="0" baseline="0" dirty="0">
+                <a:ln>
+                  <a:noFill/>
+                </a:ln>
+                <a:solidFill>
+                  <a:srgbClr val="000000"/>
+                </a:solidFill>
+                <a:effectLst/>
+                <a:latin typeface="Courier New" panose="02070309020205020404" pitchFamily="49" charset="0"/>
+                <a:cs typeface="Courier New" panose="02070309020205020404" pitchFamily="49" charset="0"/>
+              </a:rPr>
+            </a:br>
+            <a:r>
+              <a:rPr kumimoji="0" lang="en-US" altLang="en-US" sz="900" b="0" i="0" u="none" strike="noStrike" cap="none" normalizeH="0" baseline="0" dirty="0">
+                <a:ln>
+                  <a:noFill/>
+                </a:ln>
+                <a:solidFill>
+                  <a:srgbClr val="000000"/>
+                </a:solidFill>
+                <a:effectLst/>
+                <a:latin typeface="Courier New" panose="02070309020205020404" pitchFamily="49" charset="0"/>
+                <a:cs typeface="Courier New" panose="02070309020205020404" pitchFamily="49" charset="0"/>
+              </a:rPr>
+              <a:t>        </a:t>
+            </a:r>
+            <a:r>
+              <a:rPr kumimoji="0" lang="en-US" altLang="en-US" sz="900" b="1" i="0" u="none" strike="noStrike" cap="none" normalizeH="0" baseline="0" dirty="0">
+                <a:ln>
+                  <a:noFill/>
+                </a:ln>
+                <a:solidFill>
+                  <a:srgbClr val="000080"/>
+                </a:solidFill>
+                <a:effectLst/>
+                <a:latin typeface="Courier New" panose="02070309020205020404" pitchFamily="49" charset="0"/>
+                <a:cs typeface="Courier New" panose="02070309020205020404" pitchFamily="49" charset="0"/>
+              </a:rPr>
+              <a:t>return </a:t>
+            </a:r>
+            <a:r>
+              <a:rPr kumimoji="0" lang="en-US" altLang="en-US" sz="900" b="1" i="0" u="none" strike="noStrike" cap="none" normalizeH="0" baseline="0" dirty="0">
+                <a:ln>
+                  <a:noFill/>
+                </a:ln>
+                <a:solidFill>
+                  <a:srgbClr val="660E7A"/>
+                </a:solidFill>
+                <a:effectLst/>
+                <a:latin typeface="Courier New" panose="02070309020205020404" pitchFamily="49" charset="0"/>
+                <a:cs typeface="Courier New" panose="02070309020205020404" pitchFamily="49" charset="0"/>
+              </a:rPr>
+              <a:t>template</a:t>
+            </a:r>
+            <a:r>
+              <a:rPr kumimoji="0" lang="en-US" altLang="en-US" sz="900" b="0" i="0" u="none" strike="noStrike" cap="none" normalizeH="0" baseline="0" dirty="0">
+                <a:ln>
+                  <a:noFill/>
+                </a:ln>
+                <a:solidFill>
+                  <a:srgbClr val="000000"/>
+                </a:solidFill>
+                <a:effectLst/>
+                <a:latin typeface="Courier New" panose="02070309020205020404" pitchFamily="49" charset="0"/>
+                <a:cs typeface="Courier New" panose="02070309020205020404" pitchFamily="49" charset="0"/>
+              </a:rPr>
+              <a:t>;</a:t>
+            </a:r>
+            <a:br>
+              <a:rPr kumimoji="0" lang="en-US" altLang="en-US" sz="900" b="0" i="0" u="none" strike="noStrike" cap="none" normalizeH="0" baseline="0" dirty="0">
+                <a:ln>
+                  <a:noFill/>
+                </a:ln>
+                <a:solidFill>
+                  <a:srgbClr val="000000"/>
+                </a:solidFill>
+                <a:effectLst/>
+                <a:latin typeface="Courier New" panose="02070309020205020404" pitchFamily="49" charset="0"/>
+                <a:cs typeface="Courier New" panose="02070309020205020404" pitchFamily="49" charset="0"/>
+              </a:rPr>
+            </a:br>
+            <a:r>
+              <a:rPr kumimoji="0" lang="en-US" altLang="en-US" sz="900" b="0" i="0" u="none" strike="noStrike" cap="none" normalizeH="0" baseline="0" dirty="0">
+                <a:ln>
+                  <a:noFill/>
+                </a:ln>
+                <a:solidFill>
+                  <a:srgbClr val="000000"/>
+                </a:solidFill>
+                <a:effectLst/>
+                <a:latin typeface="Courier New" panose="02070309020205020404" pitchFamily="49" charset="0"/>
+                <a:cs typeface="Courier New" panose="02070309020205020404" pitchFamily="49" charset="0"/>
+              </a:rPr>
+              <a:t>    }</a:t>
+            </a:r>
+            <a:br>
+              <a:rPr kumimoji="0" lang="en-US" altLang="en-US" sz="900" b="0" i="0" u="none" strike="noStrike" cap="none" normalizeH="0" baseline="0" dirty="0">
+                <a:ln>
+                  <a:noFill/>
+                </a:ln>
+                <a:solidFill>
+                  <a:srgbClr val="000000"/>
+                </a:solidFill>
+                <a:effectLst/>
+                <a:latin typeface="Courier New" panose="02070309020205020404" pitchFamily="49" charset="0"/>
+                <a:cs typeface="Courier New" panose="02070309020205020404" pitchFamily="49" charset="0"/>
+              </a:rPr>
+            </a:br>
+            <a:br>
+              <a:rPr kumimoji="0" lang="en-US" altLang="en-US" sz="900" b="0" i="0" u="none" strike="noStrike" cap="none" normalizeH="0" baseline="0" dirty="0">
+                <a:ln>
+                  <a:noFill/>
+                </a:ln>
+                <a:solidFill>
+                  <a:srgbClr val="000000"/>
+                </a:solidFill>
+                <a:effectLst/>
+                <a:latin typeface="Courier New" panose="02070309020205020404" pitchFamily="49" charset="0"/>
+                <a:cs typeface="Courier New" panose="02070309020205020404" pitchFamily="49" charset="0"/>
+              </a:rPr>
+            </a:br>
+            <a:r>
+              <a:rPr kumimoji="0" lang="en-US" altLang="en-US" sz="900" b="0" i="0" u="none" strike="noStrike" cap="none" normalizeH="0" baseline="0" dirty="0">
+                <a:ln>
+                  <a:noFill/>
+                </a:ln>
+                <a:solidFill>
+                  <a:srgbClr val="000000"/>
+                </a:solidFill>
+                <a:effectLst/>
+                <a:latin typeface="Courier New" panose="02070309020205020404" pitchFamily="49" charset="0"/>
+                <a:cs typeface="Courier New" panose="02070309020205020404" pitchFamily="49" charset="0"/>
+              </a:rPr>
+              <a:t>    </a:t>
+            </a:r>
+            <a:r>
+              <a:rPr kumimoji="0" lang="en-US" altLang="en-US" sz="900" b="0" i="0" u="none" strike="noStrike" cap="none" normalizeH="0" baseline="0" dirty="0">
+                <a:ln>
+                  <a:noFill/>
+                </a:ln>
+                <a:solidFill>
+                  <a:srgbClr val="808000"/>
+                </a:solidFill>
+                <a:effectLst/>
+                <a:latin typeface="Courier New" panose="02070309020205020404" pitchFamily="49" charset="0"/>
+                <a:cs typeface="Courier New" panose="02070309020205020404" pitchFamily="49" charset="0"/>
+              </a:rPr>
+              <a:t>@</a:t>
+            </a:r>
+            <a:r>
+              <a:rPr kumimoji="0" lang="en-US" altLang="en-US" sz="900" b="0" i="0" u="none" strike="noStrike" cap="none" normalizeH="0" baseline="0" dirty="0" err="1">
+                <a:ln>
+                  <a:noFill/>
+                </a:ln>
+                <a:solidFill>
+                  <a:srgbClr val="808000"/>
+                </a:solidFill>
+                <a:effectLst/>
+                <a:latin typeface="Courier New" panose="02070309020205020404" pitchFamily="49" charset="0"/>
+                <a:cs typeface="Courier New" panose="02070309020205020404" pitchFamily="49" charset="0"/>
+              </a:rPr>
+              <a:t>JsonProperty</a:t>
+            </a:r>
+            <a:br>
+              <a:rPr kumimoji="0" lang="en-US" altLang="en-US" sz="900" b="0" i="0" u="none" strike="noStrike" cap="none" normalizeH="0" baseline="0" dirty="0">
+                <a:ln>
+                  <a:noFill/>
+                </a:ln>
+                <a:solidFill>
+                  <a:srgbClr val="808000"/>
+                </a:solidFill>
+                <a:effectLst/>
+                <a:latin typeface="Courier New" panose="02070309020205020404" pitchFamily="49" charset="0"/>
+                <a:cs typeface="Courier New" panose="02070309020205020404" pitchFamily="49" charset="0"/>
+              </a:rPr>
+            </a:br>
+            <a:r>
+              <a:rPr kumimoji="0" lang="en-US" altLang="en-US" sz="900" b="0" i="0" u="none" strike="noStrike" cap="none" normalizeH="0" baseline="0" dirty="0">
+                <a:ln>
+                  <a:noFill/>
+                </a:ln>
+                <a:solidFill>
+                  <a:srgbClr val="808000"/>
+                </a:solidFill>
+                <a:effectLst/>
+                <a:latin typeface="Courier New" panose="02070309020205020404" pitchFamily="49" charset="0"/>
+                <a:cs typeface="Courier New" panose="02070309020205020404" pitchFamily="49" charset="0"/>
+              </a:rPr>
+              <a:t>    </a:t>
+            </a:r>
+            <a:r>
+              <a:rPr kumimoji="0" lang="en-US" altLang="en-US" sz="900" b="1" i="0" u="none" strike="noStrike" cap="none" normalizeH="0" baseline="0" dirty="0">
+                <a:ln>
+                  <a:noFill/>
+                </a:ln>
+                <a:solidFill>
+                  <a:srgbClr val="000080"/>
+                </a:solidFill>
+                <a:effectLst/>
+                <a:latin typeface="Courier New" panose="02070309020205020404" pitchFamily="49" charset="0"/>
+                <a:cs typeface="Courier New" panose="02070309020205020404" pitchFamily="49" charset="0"/>
+              </a:rPr>
+              <a:t>public void </a:t>
+            </a:r>
+            <a:r>
+              <a:rPr kumimoji="0" lang="en-US" altLang="en-US" sz="900" b="0" i="0" u="none" strike="noStrike" cap="none" normalizeH="0" baseline="0" dirty="0" err="1">
+                <a:ln>
+                  <a:noFill/>
+                </a:ln>
+                <a:solidFill>
+                  <a:srgbClr val="000000"/>
+                </a:solidFill>
+                <a:effectLst/>
+                <a:latin typeface="Courier New" panose="02070309020205020404" pitchFamily="49" charset="0"/>
+                <a:cs typeface="Courier New" panose="02070309020205020404" pitchFamily="49" charset="0"/>
+              </a:rPr>
+              <a:t>setTemplate</a:t>
+            </a:r>
+            <a:r>
+              <a:rPr kumimoji="0" lang="en-US" altLang="en-US" sz="900" b="0" i="0" u="none" strike="noStrike" cap="none" normalizeH="0" baseline="0" dirty="0">
+                <a:ln>
+                  <a:noFill/>
+                </a:ln>
+                <a:solidFill>
+                  <a:srgbClr val="000000"/>
+                </a:solidFill>
+                <a:effectLst/>
+                <a:latin typeface="Courier New" panose="02070309020205020404" pitchFamily="49" charset="0"/>
+                <a:cs typeface="Courier New" panose="02070309020205020404" pitchFamily="49" charset="0"/>
+              </a:rPr>
+              <a:t>(String template) {</a:t>
+            </a:r>
+            <a:br>
+              <a:rPr kumimoji="0" lang="en-US" altLang="en-US" sz="900" b="0" i="0" u="none" strike="noStrike" cap="none" normalizeH="0" baseline="0" dirty="0">
+                <a:ln>
+                  <a:noFill/>
+                </a:ln>
+                <a:solidFill>
+                  <a:srgbClr val="000000"/>
+                </a:solidFill>
+                <a:effectLst/>
+                <a:latin typeface="Courier New" panose="02070309020205020404" pitchFamily="49" charset="0"/>
+                <a:cs typeface="Courier New" panose="02070309020205020404" pitchFamily="49" charset="0"/>
+              </a:rPr>
+            </a:br>
+            <a:r>
+              <a:rPr kumimoji="0" lang="en-US" altLang="en-US" sz="900" b="0" i="0" u="none" strike="noStrike" cap="none" normalizeH="0" baseline="0" dirty="0">
+                <a:ln>
+                  <a:noFill/>
+                </a:ln>
+                <a:solidFill>
+                  <a:srgbClr val="000000"/>
+                </a:solidFill>
+                <a:effectLst/>
+                <a:latin typeface="Courier New" panose="02070309020205020404" pitchFamily="49" charset="0"/>
+                <a:cs typeface="Courier New" panose="02070309020205020404" pitchFamily="49" charset="0"/>
+              </a:rPr>
+              <a:t>        </a:t>
+            </a:r>
+            <a:r>
+              <a:rPr kumimoji="0" lang="en-US" altLang="en-US" sz="900" b="1" i="0" u="none" strike="noStrike" cap="none" normalizeH="0" baseline="0" dirty="0" err="1">
+                <a:ln>
+                  <a:noFill/>
+                </a:ln>
+                <a:solidFill>
+                  <a:srgbClr val="000080"/>
+                </a:solidFill>
+                <a:effectLst/>
+                <a:latin typeface="Courier New" panose="02070309020205020404" pitchFamily="49" charset="0"/>
+                <a:cs typeface="Courier New" panose="02070309020205020404" pitchFamily="49" charset="0"/>
+              </a:rPr>
+              <a:t>this</a:t>
+            </a:r>
+            <a:r>
+              <a:rPr kumimoji="0" lang="en-US" altLang="en-US" sz="900" b="0" i="0" u="none" strike="noStrike" cap="none" normalizeH="0" baseline="0" dirty="0" err="1">
+                <a:ln>
+                  <a:noFill/>
+                </a:ln>
+                <a:solidFill>
+                  <a:srgbClr val="000000"/>
+                </a:solidFill>
+                <a:effectLst/>
+                <a:latin typeface="Courier New" panose="02070309020205020404" pitchFamily="49" charset="0"/>
+                <a:cs typeface="Courier New" panose="02070309020205020404" pitchFamily="49" charset="0"/>
+              </a:rPr>
+              <a:t>.</a:t>
+            </a:r>
+            <a:r>
+              <a:rPr kumimoji="0" lang="en-US" altLang="en-US" sz="900" b="1" i="0" u="none" strike="noStrike" cap="none" normalizeH="0" baseline="0" dirty="0" err="1">
+                <a:ln>
+                  <a:noFill/>
+                </a:ln>
+                <a:solidFill>
+                  <a:srgbClr val="660E7A"/>
+                </a:solidFill>
+                <a:effectLst/>
+                <a:latin typeface="Courier New" panose="02070309020205020404" pitchFamily="49" charset="0"/>
+                <a:cs typeface="Courier New" panose="02070309020205020404" pitchFamily="49" charset="0"/>
+              </a:rPr>
+              <a:t>template</a:t>
+            </a:r>
+            <a:r>
+              <a:rPr kumimoji="0" lang="en-US" altLang="en-US" sz="900" b="1" i="0" u="none" strike="noStrike" cap="none" normalizeH="0" baseline="0" dirty="0">
+                <a:ln>
+                  <a:noFill/>
+                </a:ln>
+                <a:solidFill>
+                  <a:srgbClr val="660E7A"/>
+                </a:solidFill>
+                <a:effectLst/>
+                <a:latin typeface="Courier New" panose="02070309020205020404" pitchFamily="49" charset="0"/>
+                <a:cs typeface="Courier New" panose="02070309020205020404" pitchFamily="49" charset="0"/>
+              </a:rPr>
+              <a:t> </a:t>
+            </a:r>
+            <a:r>
+              <a:rPr kumimoji="0" lang="en-US" altLang="en-US" sz="900" b="0" i="0" u="none" strike="noStrike" cap="none" normalizeH="0" baseline="0" dirty="0">
+                <a:ln>
+                  <a:noFill/>
+                </a:ln>
+                <a:solidFill>
+                  <a:srgbClr val="000000"/>
+                </a:solidFill>
+                <a:effectLst/>
+                <a:latin typeface="Courier New" panose="02070309020205020404" pitchFamily="49" charset="0"/>
+                <a:cs typeface="Courier New" panose="02070309020205020404" pitchFamily="49" charset="0"/>
+              </a:rPr>
+              <a:t>= template;</a:t>
+            </a:r>
+            <a:br>
+              <a:rPr kumimoji="0" lang="en-US" altLang="en-US" sz="900" b="0" i="0" u="none" strike="noStrike" cap="none" normalizeH="0" baseline="0" dirty="0">
+                <a:ln>
+                  <a:noFill/>
+                </a:ln>
+                <a:solidFill>
+                  <a:srgbClr val="000000"/>
+                </a:solidFill>
+                <a:effectLst/>
+                <a:latin typeface="Courier New" panose="02070309020205020404" pitchFamily="49" charset="0"/>
+                <a:cs typeface="Courier New" panose="02070309020205020404" pitchFamily="49" charset="0"/>
+              </a:rPr>
+            </a:br>
+            <a:r>
+              <a:rPr kumimoji="0" lang="en-US" altLang="en-US" sz="900" b="0" i="0" u="none" strike="noStrike" cap="none" normalizeH="0" baseline="0" dirty="0">
+                <a:ln>
+                  <a:noFill/>
+                </a:ln>
+                <a:solidFill>
+                  <a:srgbClr val="000000"/>
+                </a:solidFill>
+                <a:effectLst/>
+                <a:latin typeface="Courier New" panose="02070309020205020404" pitchFamily="49" charset="0"/>
+                <a:cs typeface="Courier New" panose="02070309020205020404" pitchFamily="49" charset="0"/>
+              </a:rPr>
+              <a:t>    }</a:t>
+            </a:r>
+            <a:br>
+              <a:rPr kumimoji="0" lang="en-US" altLang="en-US" sz="900" b="0" i="0" u="none" strike="noStrike" cap="none" normalizeH="0" baseline="0" dirty="0">
+                <a:ln>
+                  <a:noFill/>
+                </a:ln>
+                <a:solidFill>
+                  <a:srgbClr val="000000"/>
+                </a:solidFill>
+                <a:effectLst/>
+                <a:latin typeface="Courier New" panose="02070309020205020404" pitchFamily="49" charset="0"/>
+                <a:cs typeface="Courier New" panose="02070309020205020404" pitchFamily="49" charset="0"/>
+              </a:rPr>
+            </a:br>
+            <a:br>
+              <a:rPr kumimoji="0" lang="en-US" altLang="en-US" sz="900" b="0" i="0" u="none" strike="noStrike" cap="none" normalizeH="0" baseline="0" dirty="0">
+                <a:ln>
+                  <a:noFill/>
+                </a:ln>
+                <a:solidFill>
+                  <a:srgbClr val="000000"/>
+                </a:solidFill>
+                <a:effectLst/>
+                <a:latin typeface="Courier New" panose="02070309020205020404" pitchFamily="49" charset="0"/>
+                <a:cs typeface="Courier New" panose="02070309020205020404" pitchFamily="49" charset="0"/>
+              </a:rPr>
+            </a:br>
+            <a:r>
+              <a:rPr kumimoji="0" lang="en-US" altLang="en-US" sz="900" b="0" i="0" u="none" strike="noStrike" cap="none" normalizeH="0" baseline="0" dirty="0">
+                <a:ln>
+                  <a:noFill/>
+                </a:ln>
+                <a:solidFill>
+                  <a:srgbClr val="000000"/>
+                </a:solidFill>
+                <a:effectLst/>
+                <a:latin typeface="Courier New" panose="02070309020205020404" pitchFamily="49" charset="0"/>
+                <a:cs typeface="Courier New" panose="02070309020205020404" pitchFamily="49" charset="0"/>
+              </a:rPr>
+              <a:t>    </a:t>
+            </a:r>
+            <a:r>
+              <a:rPr kumimoji="0" lang="en-US" altLang="en-US" sz="900" b="0" i="0" u="none" strike="noStrike" cap="none" normalizeH="0" baseline="0" dirty="0">
+                <a:ln>
+                  <a:noFill/>
+                </a:ln>
+                <a:solidFill>
+                  <a:srgbClr val="808000"/>
+                </a:solidFill>
+                <a:effectLst/>
+                <a:latin typeface="Courier New" panose="02070309020205020404" pitchFamily="49" charset="0"/>
+                <a:cs typeface="Courier New" panose="02070309020205020404" pitchFamily="49" charset="0"/>
+              </a:rPr>
+              <a:t>@</a:t>
+            </a:r>
+            <a:r>
+              <a:rPr kumimoji="0" lang="en-US" altLang="en-US" sz="900" b="0" i="0" u="none" strike="noStrike" cap="none" normalizeH="0" baseline="0" dirty="0" err="1">
+                <a:ln>
+                  <a:noFill/>
+                </a:ln>
+                <a:solidFill>
+                  <a:srgbClr val="808000"/>
+                </a:solidFill>
+                <a:effectLst/>
+                <a:latin typeface="Courier New" panose="02070309020205020404" pitchFamily="49" charset="0"/>
+                <a:cs typeface="Courier New" panose="02070309020205020404" pitchFamily="49" charset="0"/>
+              </a:rPr>
+              <a:t>JsonProperty</a:t>
+            </a:r>
+            <a:br>
+              <a:rPr kumimoji="0" lang="en-US" altLang="en-US" sz="900" b="0" i="0" u="none" strike="noStrike" cap="none" normalizeH="0" baseline="0" dirty="0">
+                <a:ln>
+                  <a:noFill/>
+                </a:ln>
+                <a:solidFill>
+                  <a:srgbClr val="808000"/>
+                </a:solidFill>
+                <a:effectLst/>
+                <a:latin typeface="Courier New" panose="02070309020205020404" pitchFamily="49" charset="0"/>
+                <a:cs typeface="Courier New" panose="02070309020205020404" pitchFamily="49" charset="0"/>
+              </a:rPr>
+            </a:br>
+            <a:r>
+              <a:rPr kumimoji="0" lang="en-US" altLang="en-US" sz="900" b="0" i="0" u="none" strike="noStrike" cap="none" normalizeH="0" baseline="0" dirty="0">
+                <a:ln>
+                  <a:noFill/>
+                </a:ln>
+                <a:solidFill>
+                  <a:srgbClr val="808000"/>
+                </a:solidFill>
+                <a:effectLst/>
+                <a:latin typeface="Courier New" panose="02070309020205020404" pitchFamily="49" charset="0"/>
+                <a:cs typeface="Courier New" panose="02070309020205020404" pitchFamily="49" charset="0"/>
+              </a:rPr>
+              <a:t>    </a:t>
+            </a:r>
+            <a:r>
+              <a:rPr kumimoji="0" lang="en-US" altLang="en-US" sz="900" b="1" i="0" u="none" strike="noStrike" cap="none" normalizeH="0" baseline="0" dirty="0">
+                <a:ln>
+                  <a:noFill/>
+                </a:ln>
+                <a:solidFill>
+                  <a:srgbClr val="000080"/>
+                </a:solidFill>
+                <a:effectLst/>
+                <a:latin typeface="Courier New" panose="02070309020205020404" pitchFamily="49" charset="0"/>
+                <a:cs typeface="Courier New" panose="02070309020205020404" pitchFamily="49" charset="0"/>
+              </a:rPr>
+              <a:t>public </a:t>
+            </a:r>
+            <a:r>
+              <a:rPr kumimoji="0" lang="en-US" altLang="en-US" sz="900" b="0" i="0" u="none" strike="noStrike" cap="none" normalizeH="0" baseline="0" dirty="0">
+                <a:ln>
+                  <a:noFill/>
+                </a:ln>
+                <a:solidFill>
+                  <a:srgbClr val="000000"/>
+                </a:solidFill>
+                <a:effectLst/>
+                <a:latin typeface="Courier New" panose="02070309020205020404" pitchFamily="49" charset="0"/>
+                <a:cs typeface="Courier New" panose="02070309020205020404" pitchFamily="49" charset="0"/>
+              </a:rPr>
+              <a:t>String </a:t>
+            </a:r>
+            <a:r>
+              <a:rPr kumimoji="0" lang="en-US" altLang="en-US" sz="900" b="0" i="0" u="none" strike="noStrike" cap="none" normalizeH="0" baseline="0" dirty="0" err="1">
+                <a:ln>
+                  <a:noFill/>
+                </a:ln>
+                <a:solidFill>
+                  <a:srgbClr val="000000"/>
+                </a:solidFill>
+                <a:effectLst/>
+                <a:latin typeface="Courier New" panose="02070309020205020404" pitchFamily="49" charset="0"/>
+                <a:cs typeface="Courier New" panose="02070309020205020404" pitchFamily="49" charset="0"/>
+              </a:rPr>
+              <a:t>getDefaultName</a:t>
+            </a:r>
+            <a:r>
+              <a:rPr kumimoji="0" lang="en-US" altLang="en-US" sz="900" b="0" i="0" u="none" strike="noStrike" cap="none" normalizeH="0" baseline="0" dirty="0">
+                <a:ln>
+                  <a:noFill/>
+                </a:ln>
+                <a:solidFill>
+                  <a:srgbClr val="000000"/>
+                </a:solidFill>
+                <a:effectLst/>
+                <a:latin typeface="Courier New" panose="02070309020205020404" pitchFamily="49" charset="0"/>
+                <a:cs typeface="Courier New" panose="02070309020205020404" pitchFamily="49" charset="0"/>
+              </a:rPr>
+              <a:t>() {</a:t>
+            </a:r>
+            <a:br>
+              <a:rPr kumimoji="0" lang="en-US" altLang="en-US" sz="900" b="0" i="0" u="none" strike="noStrike" cap="none" normalizeH="0" baseline="0" dirty="0">
+                <a:ln>
+                  <a:noFill/>
+                </a:ln>
+                <a:solidFill>
+                  <a:srgbClr val="000000"/>
+                </a:solidFill>
+                <a:effectLst/>
+                <a:latin typeface="Courier New" panose="02070309020205020404" pitchFamily="49" charset="0"/>
+                <a:cs typeface="Courier New" panose="02070309020205020404" pitchFamily="49" charset="0"/>
+              </a:rPr>
+            </a:br>
+            <a:r>
+              <a:rPr kumimoji="0" lang="en-US" altLang="en-US" sz="900" b="0" i="0" u="none" strike="noStrike" cap="none" normalizeH="0" baseline="0" dirty="0">
+                <a:ln>
+                  <a:noFill/>
+                </a:ln>
+                <a:solidFill>
+                  <a:srgbClr val="000000"/>
+                </a:solidFill>
+                <a:effectLst/>
+                <a:latin typeface="Courier New" panose="02070309020205020404" pitchFamily="49" charset="0"/>
+                <a:cs typeface="Courier New" panose="02070309020205020404" pitchFamily="49" charset="0"/>
+              </a:rPr>
+              <a:t>        </a:t>
+            </a:r>
+            <a:r>
+              <a:rPr kumimoji="0" lang="en-US" altLang="en-US" sz="900" b="1" i="0" u="none" strike="noStrike" cap="none" normalizeH="0" baseline="0" dirty="0">
+                <a:ln>
+                  <a:noFill/>
+                </a:ln>
+                <a:solidFill>
+                  <a:srgbClr val="000080"/>
+                </a:solidFill>
+                <a:effectLst/>
+                <a:latin typeface="Courier New" panose="02070309020205020404" pitchFamily="49" charset="0"/>
+                <a:cs typeface="Courier New" panose="02070309020205020404" pitchFamily="49" charset="0"/>
+              </a:rPr>
+              <a:t>return </a:t>
+            </a:r>
+            <a:r>
+              <a:rPr kumimoji="0" lang="en-US" altLang="en-US" sz="900" b="1" i="0" u="none" strike="noStrike" cap="none" normalizeH="0" baseline="0" dirty="0" err="1">
+                <a:ln>
+                  <a:noFill/>
+                </a:ln>
+                <a:solidFill>
+                  <a:srgbClr val="660E7A"/>
+                </a:solidFill>
+                <a:effectLst/>
+                <a:latin typeface="Courier New" panose="02070309020205020404" pitchFamily="49" charset="0"/>
+                <a:cs typeface="Courier New" panose="02070309020205020404" pitchFamily="49" charset="0"/>
+              </a:rPr>
+              <a:t>defaultName</a:t>
+            </a:r>
+            <a:r>
+              <a:rPr kumimoji="0" lang="en-US" altLang="en-US" sz="900" b="0" i="0" u="none" strike="noStrike" cap="none" normalizeH="0" baseline="0" dirty="0">
+                <a:ln>
+                  <a:noFill/>
+                </a:ln>
+                <a:solidFill>
+                  <a:srgbClr val="000000"/>
+                </a:solidFill>
+                <a:effectLst/>
+                <a:latin typeface="Courier New" panose="02070309020205020404" pitchFamily="49" charset="0"/>
+                <a:cs typeface="Courier New" panose="02070309020205020404" pitchFamily="49" charset="0"/>
+              </a:rPr>
+              <a:t>;</a:t>
+            </a:r>
+            <a:br>
+              <a:rPr kumimoji="0" lang="en-US" altLang="en-US" sz="900" b="0" i="0" u="none" strike="noStrike" cap="none" normalizeH="0" baseline="0" dirty="0">
+                <a:ln>
+                  <a:noFill/>
+                </a:ln>
+                <a:solidFill>
+                  <a:srgbClr val="000000"/>
+                </a:solidFill>
+                <a:effectLst/>
+                <a:latin typeface="Courier New" panose="02070309020205020404" pitchFamily="49" charset="0"/>
+                <a:cs typeface="Courier New" panose="02070309020205020404" pitchFamily="49" charset="0"/>
+              </a:rPr>
+            </a:br>
+            <a:r>
+              <a:rPr kumimoji="0" lang="en-US" altLang="en-US" sz="900" b="0" i="0" u="none" strike="noStrike" cap="none" normalizeH="0" baseline="0" dirty="0">
+                <a:ln>
+                  <a:noFill/>
+                </a:ln>
+                <a:solidFill>
+                  <a:srgbClr val="000000"/>
+                </a:solidFill>
+                <a:effectLst/>
+                <a:latin typeface="Courier New" panose="02070309020205020404" pitchFamily="49" charset="0"/>
+                <a:cs typeface="Courier New" panose="02070309020205020404" pitchFamily="49" charset="0"/>
+              </a:rPr>
+              <a:t>    }</a:t>
+            </a:r>
+            <a:br>
+              <a:rPr kumimoji="0" lang="en-US" altLang="en-US" sz="900" b="0" i="0" u="none" strike="noStrike" cap="none" normalizeH="0" baseline="0" dirty="0">
+                <a:ln>
+                  <a:noFill/>
+                </a:ln>
+                <a:solidFill>
+                  <a:srgbClr val="000000"/>
+                </a:solidFill>
+                <a:effectLst/>
+                <a:latin typeface="Courier New" panose="02070309020205020404" pitchFamily="49" charset="0"/>
+                <a:cs typeface="Courier New" panose="02070309020205020404" pitchFamily="49" charset="0"/>
+              </a:rPr>
+            </a:br>
+            <a:br>
+              <a:rPr kumimoji="0" lang="en-US" altLang="en-US" sz="900" b="0" i="0" u="none" strike="noStrike" cap="none" normalizeH="0" baseline="0" dirty="0">
+                <a:ln>
+                  <a:noFill/>
+                </a:ln>
+                <a:solidFill>
+                  <a:srgbClr val="000000"/>
+                </a:solidFill>
+                <a:effectLst/>
+                <a:latin typeface="Courier New" panose="02070309020205020404" pitchFamily="49" charset="0"/>
+                <a:cs typeface="Courier New" panose="02070309020205020404" pitchFamily="49" charset="0"/>
+              </a:rPr>
+            </a:br>
+            <a:r>
+              <a:rPr kumimoji="0" lang="en-US" altLang="en-US" sz="900" b="0" i="0" u="none" strike="noStrike" cap="none" normalizeH="0" baseline="0" dirty="0">
+                <a:ln>
+                  <a:noFill/>
+                </a:ln>
+                <a:solidFill>
+                  <a:srgbClr val="000000"/>
+                </a:solidFill>
+                <a:effectLst/>
+                <a:latin typeface="Courier New" panose="02070309020205020404" pitchFamily="49" charset="0"/>
+                <a:cs typeface="Courier New" panose="02070309020205020404" pitchFamily="49" charset="0"/>
+              </a:rPr>
+              <a:t>    </a:t>
+            </a:r>
+            <a:r>
+              <a:rPr kumimoji="0" lang="en-US" altLang="en-US" sz="900" b="0" i="0" u="none" strike="noStrike" cap="none" normalizeH="0" baseline="0" dirty="0">
+                <a:ln>
+                  <a:noFill/>
+                </a:ln>
+                <a:solidFill>
+                  <a:srgbClr val="808000"/>
+                </a:solidFill>
+                <a:effectLst/>
+                <a:latin typeface="Courier New" panose="02070309020205020404" pitchFamily="49" charset="0"/>
+                <a:cs typeface="Courier New" panose="02070309020205020404" pitchFamily="49" charset="0"/>
+              </a:rPr>
+              <a:t>@</a:t>
+            </a:r>
+            <a:r>
+              <a:rPr kumimoji="0" lang="en-US" altLang="en-US" sz="900" b="0" i="0" u="none" strike="noStrike" cap="none" normalizeH="0" baseline="0" dirty="0" err="1">
+                <a:ln>
+                  <a:noFill/>
+                </a:ln>
+                <a:solidFill>
+                  <a:srgbClr val="808000"/>
+                </a:solidFill>
+                <a:effectLst/>
+                <a:latin typeface="Courier New" panose="02070309020205020404" pitchFamily="49" charset="0"/>
+                <a:cs typeface="Courier New" panose="02070309020205020404" pitchFamily="49" charset="0"/>
+              </a:rPr>
+              <a:t>JsonProperty</a:t>
+            </a:r>
+            <a:br>
+              <a:rPr kumimoji="0" lang="en-US" altLang="en-US" sz="900" b="0" i="0" u="none" strike="noStrike" cap="none" normalizeH="0" baseline="0" dirty="0">
+                <a:ln>
+                  <a:noFill/>
+                </a:ln>
+                <a:solidFill>
+                  <a:srgbClr val="808000"/>
+                </a:solidFill>
+                <a:effectLst/>
+                <a:latin typeface="Courier New" panose="02070309020205020404" pitchFamily="49" charset="0"/>
+                <a:cs typeface="Courier New" panose="02070309020205020404" pitchFamily="49" charset="0"/>
+              </a:rPr>
+            </a:br>
+            <a:r>
+              <a:rPr kumimoji="0" lang="en-US" altLang="en-US" sz="900" b="0" i="0" u="none" strike="noStrike" cap="none" normalizeH="0" baseline="0" dirty="0">
+                <a:ln>
+                  <a:noFill/>
+                </a:ln>
+                <a:solidFill>
+                  <a:srgbClr val="808000"/>
+                </a:solidFill>
+                <a:effectLst/>
+                <a:latin typeface="Courier New" panose="02070309020205020404" pitchFamily="49" charset="0"/>
+                <a:cs typeface="Courier New" panose="02070309020205020404" pitchFamily="49" charset="0"/>
+              </a:rPr>
+              <a:t>    </a:t>
+            </a:r>
+            <a:r>
+              <a:rPr kumimoji="0" lang="en-US" altLang="en-US" sz="900" b="1" i="0" u="none" strike="noStrike" cap="none" normalizeH="0" baseline="0" dirty="0">
+                <a:ln>
+                  <a:noFill/>
+                </a:ln>
+                <a:solidFill>
+                  <a:srgbClr val="000080"/>
+                </a:solidFill>
+                <a:effectLst/>
+                <a:latin typeface="Courier New" panose="02070309020205020404" pitchFamily="49" charset="0"/>
+                <a:cs typeface="Courier New" panose="02070309020205020404" pitchFamily="49" charset="0"/>
+              </a:rPr>
+              <a:t>public void </a:t>
+            </a:r>
+            <a:r>
+              <a:rPr kumimoji="0" lang="en-US" altLang="en-US" sz="900" b="0" i="0" u="none" strike="noStrike" cap="none" normalizeH="0" baseline="0" dirty="0" err="1">
+                <a:ln>
+                  <a:noFill/>
+                </a:ln>
+                <a:solidFill>
+                  <a:srgbClr val="000000"/>
+                </a:solidFill>
+                <a:effectLst/>
+                <a:latin typeface="Courier New" panose="02070309020205020404" pitchFamily="49" charset="0"/>
+                <a:cs typeface="Courier New" panose="02070309020205020404" pitchFamily="49" charset="0"/>
+              </a:rPr>
+              <a:t>setDefaultName</a:t>
+            </a:r>
+            <a:r>
+              <a:rPr kumimoji="0" lang="en-US" altLang="en-US" sz="900" b="0" i="0" u="none" strike="noStrike" cap="none" normalizeH="0" baseline="0" dirty="0">
+                <a:ln>
+                  <a:noFill/>
+                </a:ln>
+                <a:solidFill>
+                  <a:srgbClr val="000000"/>
+                </a:solidFill>
+                <a:effectLst/>
+                <a:latin typeface="Courier New" panose="02070309020205020404" pitchFamily="49" charset="0"/>
+                <a:cs typeface="Courier New" panose="02070309020205020404" pitchFamily="49" charset="0"/>
+              </a:rPr>
+              <a:t>(String name) {</a:t>
+            </a:r>
+            <a:br>
+              <a:rPr kumimoji="0" lang="en-US" altLang="en-US" sz="900" b="0" i="0" u="none" strike="noStrike" cap="none" normalizeH="0" baseline="0" dirty="0">
+                <a:ln>
+                  <a:noFill/>
+                </a:ln>
+                <a:solidFill>
+                  <a:srgbClr val="000000"/>
+                </a:solidFill>
+                <a:effectLst/>
+                <a:latin typeface="Courier New" panose="02070309020205020404" pitchFamily="49" charset="0"/>
+                <a:cs typeface="Courier New" panose="02070309020205020404" pitchFamily="49" charset="0"/>
+              </a:rPr>
+            </a:br>
+            <a:r>
+              <a:rPr kumimoji="0" lang="en-US" altLang="en-US" sz="900" b="0" i="0" u="none" strike="noStrike" cap="none" normalizeH="0" baseline="0" dirty="0">
+                <a:ln>
+                  <a:noFill/>
+                </a:ln>
+                <a:solidFill>
+                  <a:srgbClr val="000000"/>
+                </a:solidFill>
+                <a:effectLst/>
+                <a:latin typeface="Courier New" panose="02070309020205020404" pitchFamily="49" charset="0"/>
+                <a:cs typeface="Courier New" panose="02070309020205020404" pitchFamily="49" charset="0"/>
+              </a:rPr>
+              <a:t>        </a:t>
+            </a:r>
+            <a:r>
+              <a:rPr kumimoji="0" lang="en-US" altLang="en-US" sz="900" b="1" i="0" u="none" strike="noStrike" cap="none" normalizeH="0" baseline="0" dirty="0" err="1">
+                <a:ln>
+                  <a:noFill/>
+                </a:ln>
+                <a:solidFill>
+                  <a:srgbClr val="000080"/>
+                </a:solidFill>
+                <a:effectLst/>
+                <a:latin typeface="Courier New" panose="02070309020205020404" pitchFamily="49" charset="0"/>
+                <a:cs typeface="Courier New" panose="02070309020205020404" pitchFamily="49" charset="0"/>
+              </a:rPr>
+              <a:t>this</a:t>
+            </a:r>
+            <a:r>
+              <a:rPr kumimoji="0" lang="en-US" altLang="en-US" sz="900" b="0" i="0" u="none" strike="noStrike" cap="none" normalizeH="0" baseline="0" dirty="0" err="1">
+                <a:ln>
+                  <a:noFill/>
+                </a:ln>
+                <a:solidFill>
+                  <a:srgbClr val="000000"/>
+                </a:solidFill>
+                <a:effectLst/>
+                <a:latin typeface="Courier New" panose="02070309020205020404" pitchFamily="49" charset="0"/>
+                <a:cs typeface="Courier New" panose="02070309020205020404" pitchFamily="49" charset="0"/>
+              </a:rPr>
+              <a:t>.</a:t>
+            </a:r>
+            <a:r>
+              <a:rPr kumimoji="0" lang="en-US" altLang="en-US" sz="900" b="1" i="0" u="none" strike="noStrike" cap="none" normalizeH="0" baseline="0" dirty="0" err="1">
+                <a:ln>
+                  <a:noFill/>
+                </a:ln>
+                <a:solidFill>
+                  <a:srgbClr val="660E7A"/>
+                </a:solidFill>
+                <a:effectLst/>
+                <a:latin typeface="Courier New" panose="02070309020205020404" pitchFamily="49" charset="0"/>
+                <a:cs typeface="Courier New" panose="02070309020205020404" pitchFamily="49" charset="0"/>
+              </a:rPr>
+              <a:t>defaultName</a:t>
+            </a:r>
+            <a:r>
+              <a:rPr kumimoji="0" lang="en-US" altLang="en-US" sz="900" b="1" i="0" u="none" strike="noStrike" cap="none" normalizeH="0" baseline="0" dirty="0">
+                <a:ln>
+                  <a:noFill/>
+                </a:ln>
+                <a:solidFill>
+                  <a:srgbClr val="660E7A"/>
+                </a:solidFill>
+                <a:effectLst/>
+                <a:latin typeface="Courier New" panose="02070309020205020404" pitchFamily="49" charset="0"/>
+                <a:cs typeface="Courier New" panose="02070309020205020404" pitchFamily="49" charset="0"/>
+              </a:rPr>
+              <a:t> </a:t>
+            </a:r>
+            <a:r>
+              <a:rPr kumimoji="0" lang="en-US" altLang="en-US" sz="900" b="0" i="0" u="none" strike="noStrike" cap="none" normalizeH="0" baseline="0" dirty="0">
+                <a:ln>
+                  <a:noFill/>
+                </a:ln>
+                <a:solidFill>
+                  <a:srgbClr val="000000"/>
+                </a:solidFill>
+                <a:effectLst/>
+                <a:latin typeface="Courier New" panose="02070309020205020404" pitchFamily="49" charset="0"/>
+                <a:cs typeface="Courier New" panose="02070309020205020404" pitchFamily="49" charset="0"/>
+              </a:rPr>
+              <a:t>= name;</a:t>
+            </a:r>
+            <a:br>
+              <a:rPr kumimoji="0" lang="en-US" altLang="en-US" sz="900" b="0" i="0" u="none" strike="noStrike" cap="none" normalizeH="0" baseline="0" dirty="0">
+                <a:ln>
+                  <a:noFill/>
+                </a:ln>
+                <a:solidFill>
+                  <a:srgbClr val="000000"/>
+                </a:solidFill>
+                <a:effectLst/>
+                <a:latin typeface="Courier New" panose="02070309020205020404" pitchFamily="49" charset="0"/>
+                <a:cs typeface="Courier New" panose="02070309020205020404" pitchFamily="49" charset="0"/>
+              </a:rPr>
+            </a:br>
+            <a:r>
+              <a:rPr kumimoji="0" lang="en-US" altLang="en-US" sz="900" b="0" i="0" u="none" strike="noStrike" cap="none" normalizeH="0" baseline="0" dirty="0">
+                <a:ln>
+                  <a:noFill/>
+                </a:ln>
+                <a:solidFill>
+                  <a:srgbClr val="000000"/>
+                </a:solidFill>
+                <a:effectLst/>
+                <a:latin typeface="Courier New" panose="02070309020205020404" pitchFamily="49" charset="0"/>
+                <a:cs typeface="Courier New" panose="02070309020205020404" pitchFamily="49" charset="0"/>
+              </a:rPr>
+              <a:t>    }</a:t>
+            </a:r>
+            <a:br>
+              <a:rPr kumimoji="0" lang="en-US" altLang="en-US" sz="900" b="0" i="0" u="none" strike="noStrike" cap="none" normalizeH="0" baseline="0" dirty="0">
+                <a:ln>
+                  <a:noFill/>
+                </a:ln>
+                <a:solidFill>
+                  <a:srgbClr val="000000"/>
+                </a:solidFill>
+                <a:effectLst/>
+                <a:latin typeface="Courier New" panose="02070309020205020404" pitchFamily="49" charset="0"/>
+                <a:cs typeface="Courier New" panose="02070309020205020404" pitchFamily="49" charset="0"/>
+              </a:rPr>
+            </a:br>
+            <a:r>
+              <a:rPr kumimoji="0" lang="en-US" altLang="en-US" sz="900" b="0" i="0" u="none" strike="noStrike" cap="none" normalizeH="0" baseline="0" dirty="0">
+                <a:ln>
+                  <a:noFill/>
+                </a:ln>
+                <a:solidFill>
+                  <a:srgbClr val="000000"/>
+                </a:solidFill>
+                <a:effectLst/>
+                <a:latin typeface="Courier New" panose="02070309020205020404" pitchFamily="49" charset="0"/>
+                <a:cs typeface="Courier New" panose="02070309020205020404" pitchFamily="49" charset="0"/>
+              </a:rPr>
+              <a:t>}</a:t>
+            </a:r>
+            <a:br>
+              <a:rPr kumimoji="0" lang="en-US" altLang="en-US" sz="900" b="0" i="0" u="none" strike="noStrike" cap="none" normalizeH="0" baseline="0" dirty="0">
+                <a:ln>
+                  <a:noFill/>
+                </a:ln>
+                <a:solidFill>
+                  <a:srgbClr val="000000"/>
+                </a:solidFill>
+                <a:effectLst/>
+                <a:latin typeface="Courier New" panose="02070309020205020404" pitchFamily="49" charset="0"/>
+                <a:cs typeface="Courier New" panose="02070309020205020404" pitchFamily="49" charset="0"/>
+              </a:rPr>
+            </a:br>
+            <a:endParaRPr kumimoji="0" lang="en-US" altLang="en-US" sz="1800" b="0" i="0" u="none" strike="noStrike" cap="none" normalizeH="0" baseline="0" dirty="0">
+              <a:ln>
+                <a:noFill/>
+              </a:ln>
+              <a:solidFill>
+                <a:schemeClr val="tx1"/>
+              </a:solidFill>
+              <a:effectLst/>
+              <a:latin typeface="Arial" panose="020B0604020202020204" pitchFamily="34" charset="0"/>
+            </a:endParaRPr>
+          </a:p>
+        </p:txBody>
+      </p:sp>
+      <p:sp>
+        <p:nvSpPr>
+          <p:cNvPr id="12" name="Arrow: Right 11">
+            <a:extLst>
+              <a:ext uri="{FF2B5EF4-FFF2-40B4-BE49-F238E27FC236}">
+                <a16:creationId xmlns:a16="http://schemas.microsoft.com/office/drawing/2014/main" id="{6B628FAF-2381-48E8-8169-161EF79C1C69}"/>
+              </a:ext>
+            </a:extLst>
+          </p:cNvPr>
+          <p:cNvSpPr/>
+          <p:nvPr/>
+        </p:nvSpPr>
+        <p:spPr>
+          <a:xfrm>
+            <a:off x="5221357" y="3331468"/>
+            <a:ext cx="1444486" cy="824948"/>
+          </a:xfrm>
+          <a:prstGeom prst="rightArrow">
+            <a:avLst/>
+          </a:prstGeom>
+        </p:spPr>
+        <p:style>
+          <a:lnRef idx="2">
+            <a:schemeClr val="accent1">
+              <a:shade val="50000"/>
+            </a:schemeClr>
+          </a:lnRef>
+          <a:fillRef idx="1">
+            <a:schemeClr val="accent1"/>
+          </a:fillRef>
+          <a:effectRef idx="0">
+            <a:schemeClr val="accent1"/>
+          </a:effectRef>
+          <a:fontRef idx="minor">
+            <a:schemeClr val="lt1"/>
+          </a:fontRef>
+        </p:style>
+        <p:txBody>
+          <a:bodyPr rtlCol="0" anchor="ctr"/>
+          <a:lstStyle/>
+          <a:p>
+            <a:pPr algn="ctr"/>
+            <a:endParaRPr lang="en-US"/>
+          </a:p>
+        </p:txBody>
+      </p:sp>
+    </p:spTree>
+    <p:extLst>
+      <p:ext uri="{BB962C8B-B14F-4D97-AF65-F5344CB8AC3E}">
+        <p14:creationId xmlns:p14="http://schemas.microsoft.com/office/powerpoint/2010/main" val="3757899514"/>
       </p:ext>
     </p:extLst>
   </p:cSld>
@@ -5860,7 +7993,7 @@
           <p:cNvPr id="2" name="Title 1">
             <a:extLst>
               <a:ext uri="{FF2B5EF4-FFF2-40B4-BE49-F238E27FC236}">
-                <a16:creationId xmlns:a16="http://schemas.microsoft.com/office/drawing/2014/main" id="{08CB1346-6CD5-48E7-855D-0CA425F4C95E}"/>
+                <a16:creationId xmlns:a16="http://schemas.microsoft.com/office/drawing/2014/main" id="{64E64818-88D6-49D6-BFB5-AC231811FAD7}"/>
               </a:ext>
             </a:extLst>
           </p:cNvPr>
@@ -5873,2080 +8006,104 @@
         </p:nvSpPr>
         <p:spPr>
           <a:xfrm>
-            <a:off x="115958" y="159026"/>
-            <a:ext cx="10131425" cy="927652"/>
+            <a:off x="0" y="1"/>
+            <a:ext cx="12192000" cy="901699"/>
           </a:xfrm>
         </p:spPr>
         <p:txBody>
           <a:bodyPr>
-            <a:normAutofit/>
+            <a:normAutofit fontScale="90000"/>
           </a:bodyPr>
           <a:lstStyle/>
           <a:p>
             <a:r>
+              <a:rPr lang="en-US" b="1" dirty="0" err="1"/>
+              <a:t>Dropwizard</a:t>
+            </a:r>
+            <a:r>
               <a:rPr lang="en-US" dirty="0"/>
-              <a:t>Config - </a:t>
-            </a:r>
-            <a:r>
-              <a:rPr lang="en-US" sz="1800" dirty="0"/>
-              <a:t>These parameters are specified in a </a:t>
-            </a:r>
-            <a:r>
-              <a:rPr lang="en-US" sz="1800" dirty="0">
-                <a:hlinkClick r:id="rId2"/>
-              </a:rPr>
-              <a:t>YAML</a:t>
-            </a:r>
-            <a:r>
-              <a:rPr lang="en-US" sz="1800" dirty="0"/>
-              <a:t> configuration file which is deserialized to an instance of your application’s configuration class and validated.</a:t>
-            </a:r>
-          </a:p>
-        </p:txBody>
-      </p:sp>
-      <p:sp>
-        <p:nvSpPr>
-          <p:cNvPr id="4" name="Rectangle 1">
+              <a:t> is a Java framework for developing high-performance, RESTful web services.</a:t>
+            </a:r>
+          </a:p>
+        </p:txBody>
+      </p:sp>
+      <p:sp>
+        <p:nvSpPr>
+          <p:cNvPr id="3" name="Content Placeholder 2">
             <a:extLst>
               <a:ext uri="{FF2B5EF4-FFF2-40B4-BE49-F238E27FC236}">
-                <a16:creationId xmlns:a16="http://schemas.microsoft.com/office/drawing/2014/main" id="{2F570036-7E50-490A-ACD5-334FD7388350}"/>
+                <a16:creationId xmlns:a16="http://schemas.microsoft.com/office/drawing/2014/main" id="{6FBA3B5B-4FBB-4F4C-9F81-D0CE51F4BA01}"/>
               </a:ext>
             </a:extLst>
           </p:cNvPr>
           <p:cNvSpPr>
-            <a:spLocks noGrp="1" noChangeArrowheads="1"/>
-          </p:cNvSpPr>
-          <p:nvPr>
-            <p:ph idx="4294967295"/>
-          </p:nvPr>
-        </p:nvSpPr>
-        <p:spPr bwMode="auto">
+            <a:spLocks noGrp="1"/>
+          </p:cNvSpPr>
+          <p:nvPr>
+            <p:ph idx="1"/>
+          </p:nvPr>
+        </p:nvSpPr>
+        <p:spPr>
           <a:xfrm>
-            <a:off x="225288" y="3389999"/>
-            <a:ext cx="4306957" cy="707886"/>
+            <a:off x="203201" y="1261533"/>
+            <a:ext cx="10131425" cy="4334933"/>
           </a:xfrm>
-          <a:prstGeom prst="rect">
-            <a:avLst/>
-          </a:prstGeom>
-          <a:solidFill>
-            <a:srgbClr val="FFFFFF"/>
-          </a:solidFill>
-          <a:ln>
-            <a:noFill/>
-          </a:ln>
-          <a:effectLst/>
-          <a:extLst>
-            <a:ext uri="{91240B29-F687-4F45-9708-019B960494DF}">
-              <a14:hiddenLine xmlns:a14="http://schemas.microsoft.com/office/drawing/2010/main" w="9525">
-                <a:solidFill>
-                  <a:schemeClr val="tx1"/>
-                </a:solidFill>
-                <a:miter lim="800000"/>
-                <a:headEnd/>
-                <a:tailEnd/>
-              </a14:hiddenLine>
-            </a:ext>
-            <a:ext uri="{AF507438-7753-43E0-B8FC-AC1667EBCBE1}">
-              <a14:hiddenEffects xmlns:a14="http://schemas.microsoft.com/office/drawing/2010/main">
-                <a:effectLst>
-                  <a:outerShdw dist="35921" dir="2700000" algn="ctr" rotWithShape="0">
-                    <a:schemeClr val="bg2"/>
-                  </a:outerShdw>
-                </a:effectLst>
-              </a14:hiddenEffects>
-            </a:ext>
-          </a:extLst>
         </p:spPr>
         <p:txBody>
-          <a:bodyPr vert="horz" wrap="square" lIns="91440" tIns="45720" rIns="91440" bIns="45720" numCol="2" anchor="ctr" anchorCtr="0" compatLnSpc="1">
-            <a:prstTxWarp prst="textNoShape">
-              <a:avLst/>
-            </a:prstTxWarp>
-            <a:spAutoFit/>
+          <a:bodyPr>
+            <a:normAutofit lnSpcReduction="10000"/>
           </a:bodyPr>
           <a:lstStyle/>
           <a:p>
-            <a:pPr marL="0" marR="0" lvl="0" indent="0" algn="l" defTabSz="914400" rtl="0" eaLnBrk="0" fontAlgn="base" latinLnBrk="0" hangingPunct="0">
-              <a:lnSpc>
-                <a:spcPct val="100000"/>
-              </a:lnSpc>
-              <a:spcBef>
-                <a:spcPct val="0"/>
-              </a:spcBef>
-              <a:spcAft>
-                <a:spcPct val="0"/>
-              </a:spcAft>
-              <a:buClrTx/>
-              <a:buSzTx/>
-              <a:buFontTx/>
-              <a:buNone/>
-              <a:tabLst/>
+            <a:pPr marL="0" indent="0">
+              <a:buNone/>
             </a:pPr>
             <a:r>
-              <a:rPr kumimoji="0" lang="en-US" altLang="en-US" sz="1000" b="1" i="0" u="none" strike="noStrike" cap="none" normalizeH="0" baseline="0" dirty="0">
-                <a:ln>
-                  <a:noFill/>
-                </a:ln>
-                <a:solidFill>
-                  <a:srgbClr val="000080"/>
-                </a:solidFill>
-                <a:effectLst/>
-                <a:latin typeface="Courier New" panose="02070309020205020404" pitchFamily="49" charset="0"/>
-                <a:cs typeface="Courier New" panose="02070309020205020404" pitchFamily="49" charset="0"/>
-              </a:rPr>
-              <a:t>template</a:t>
-            </a:r>
-            <a:r>
-              <a:rPr kumimoji="0" lang="en-US" altLang="en-US" sz="1000" b="0" i="0" u="none" strike="noStrike" cap="none" normalizeH="0" baseline="0" dirty="0">
-                <a:ln>
-                  <a:noFill/>
-                </a:ln>
-                <a:solidFill>
-                  <a:srgbClr val="000000"/>
-                </a:solidFill>
-                <a:effectLst/>
-                <a:latin typeface="Courier New" panose="02070309020205020404" pitchFamily="49" charset="0"/>
-                <a:cs typeface="Courier New" panose="02070309020205020404" pitchFamily="49" charset="0"/>
-              </a:rPr>
-              <a:t>: Hello, %s!</a:t>
-            </a:r>
-            <a:br>
-              <a:rPr kumimoji="0" lang="en-US" altLang="en-US" sz="1000" b="0" i="0" u="none" strike="noStrike" cap="none" normalizeH="0" baseline="0" dirty="0">
-                <a:ln>
-                  <a:noFill/>
-                </a:ln>
-                <a:solidFill>
-                  <a:srgbClr val="000000"/>
-                </a:solidFill>
-                <a:effectLst/>
-                <a:latin typeface="Courier New" panose="02070309020205020404" pitchFamily="49" charset="0"/>
-                <a:cs typeface="Courier New" panose="02070309020205020404" pitchFamily="49" charset="0"/>
-              </a:rPr>
-            </a:br>
-            <a:br>
-              <a:rPr kumimoji="0" lang="en-US" altLang="en-US" sz="1000" b="0" i="0" u="none" strike="noStrike" cap="none" normalizeH="0" baseline="0" dirty="0">
-                <a:ln>
-                  <a:noFill/>
-                </a:ln>
-                <a:solidFill>
-                  <a:srgbClr val="000000"/>
-                </a:solidFill>
-                <a:effectLst/>
-                <a:latin typeface="Courier New" panose="02070309020205020404" pitchFamily="49" charset="0"/>
-                <a:cs typeface="Courier New" panose="02070309020205020404" pitchFamily="49" charset="0"/>
-              </a:rPr>
-            </a:br>
-            <a:r>
-              <a:rPr kumimoji="0" lang="en-US" altLang="en-US" sz="1000" b="1" i="0" u="none" strike="noStrike" cap="none" normalizeH="0" baseline="0" dirty="0" err="1">
-                <a:ln>
-                  <a:noFill/>
-                </a:ln>
-                <a:solidFill>
-                  <a:srgbClr val="000080"/>
-                </a:solidFill>
-                <a:effectLst/>
-                <a:latin typeface="Courier New" panose="02070309020205020404" pitchFamily="49" charset="0"/>
-                <a:cs typeface="Courier New" panose="02070309020205020404" pitchFamily="49" charset="0"/>
-              </a:rPr>
-              <a:t>defaultName</a:t>
-            </a:r>
-            <a:r>
-              <a:rPr kumimoji="0" lang="en-US" altLang="en-US" sz="1000" b="0" i="0" u="none" strike="noStrike" cap="none" normalizeH="0" baseline="0" dirty="0">
-                <a:ln>
-                  <a:noFill/>
-                </a:ln>
-                <a:solidFill>
-                  <a:srgbClr val="000000"/>
-                </a:solidFill>
-                <a:effectLst/>
-                <a:latin typeface="Courier New" panose="02070309020205020404" pitchFamily="49" charset="0"/>
-                <a:cs typeface="Courier New" panose="02070309020205020404" pitchFamily="49" charset="0"/>
-              </a:rPr>
-              <a:t>: ${DW_DEFAULT_NAME:-Stranger}</a:t>
-            </a:r>
-            <a:endParaRPr kumimoji="0" lang="en-US" altLang="en-US" sz="1000" b="0" i="0" u="none" strike="noStrike" cap="none" normalizeH="0" baseline="0" dirty="0">
-              <a:ln>
-                <a:noFill/>
-              </a:ln>
-              <a:solidFill>
-                <a:schemeClr val="tx1"/>
-              </a:solidFill>
-              <a:effectLst/>
-              <a:latin typeface="Arial" panose="020B0604020202020204" pitchFamily="34" charset="0"/>
-            </a:endParaRPr>
-          </a:p>
-        </p:txBody>
-      </p:sp>
-      <p:sp>
-        <p:nvSpPr>
-          <p:cNvPr id="11" name="Rectangle 5">
-            <a:extLst>
-              <a:ext uri="{FF2B5EF4-FFF2-40B4-BE49-F238E27FC236}">
-                <a16:creationId xmlns:a16="http://schemas.microsoft.com/office/drawing/2014/main" id="{F4EE443A-55B9-46EA-9E61-E7799EE5D846}"/>
-              </a:ext>
-            </a:extLst>
-          </p:cNvPr>
-          <p:cNvSpPr>
-            <a:spLocks noChangeArrowheads="1"/>
-          </p:cNvSpPr>
-          <p:nvPr/>
-        </p:nvSpPr>
-        <p:spPr bwMode="auto">
-          <a:xfrm>
-            <a:off x="7566990" y="1918186"/>
-            <a:ext cx="4399722" cy="4939814"/>
-          </a:xfrm>
-          <a:prstGeom prst="rect">
-            <a:avLst/>
-          </a:prstGeom>
-          <a:solidFill>
-            <a:srgbClr val="FFFFFF"/>
-          </a:solidFill>
-          <a:ln>
-            <a:noFill/>
-          </a:ln>
-          <a:effectLst/>
-          <a:extLst>
-            <a:ext uri="{91240B29-F687-4F45-9708-019B960494DF}">
-              <a14:hiddenLine xmlns:a14="http://schemas.microsoft.com/office/drawing/2010/main" w="9525">
-                <a:solidFill>
-                  <a:schemeClr val="tx1"/>
-                </a:solidFill>
-                <a:miter lim="800000"/>
-                <a:headEnd/>
-                <a:tailEnd/>
-              </a14:hiddenLine>
-            </a:ext>
-            <a:ext uri="{AF507438-7753-43E0-B8FC-AC1667EBCBE1}">
-              <a14:hiddenEffects xmlns:a14="http://schemas.microsoft.com/office/drawing/2010/main">
-                <a:effectLst>
-                  <a:outerShdw dist="35921" dir="2700000" algn="ctr" rotWithShape="0">
-                    <a:schemeClr val="bg2"/>
-                  </a:outerShdw>
-                </a:effectLst>
-              </a14:hiddenEffects>
-            </a:ext>
-          </a:extLst>
-        </p:spPr>
-        <p:txBody>
-          <a:bodyPr vert="horz" wrap="square" lIns="91440" tIns="45720" rIns="91440" bIns="45720" numCol="1" anchor="ctr" anchorCtr="0" compatLnSpc="1">
-            <a:prstTxWarp prst="textNoShape">
-              <a:avLst/>
-            </a:prstTxWarp>
-            <a:spAutoFit/>
-          </a:bodyPr>
-          <a:lstStyle/>
-          <a:p>
-            <a:pPr marL="0" marR="0" lvl="0" indent="0" algn="l" defTabSz="914400" rtl="0" eaLnBrk="0" fontAlgn="base" latinLnBrk="0" hangingPunct="0">
-              <a:lnSpc>
-                <a:spcPct val="100000"/>
-              </a:lnSpc>
-              <a:spcBef>
-                <a:spcPct val="0"/>
-              </a:spcBef>
-              <a:spcAft>
-                <a:spcPct val="0"/>
-              </a:spcAft>
-              <a:buClrTx/>
-              <a:buSzTx/>
-              <a:buFontTx/>
-              <a:buNone/>
-              <a:tabLst/>
-            </a:pPr>
-            <a:r>
-              <a:rPr kumimoji="0" lang="en-US" altLang="en-US" sz="900" b="1" i="0" u="none" strike="noStrike" cap="none" normalizeH="0" baseline="0" dirty="0">
-                <a:ln>
-                  <a:noFill/>
-                </a:ln>
-                <a:solidFill>
-                  <a:srgbClr val="000080"/>
-                </a:solidFill>
-                <a:effectLst/>
-                <a:latin typeface="Courier New" panose="02070309020205020404" pitchFamily="49" charset="0"/>
-                <a:cs typeface="Courier New" panose="02070309020205020404" pitchFamily="49" charset="0"/>
-              </a:rPr>
-              <a:t>package </a:t>
-            </a:r>
-            <a:r>
-              <a:rPr kumimoji="0" lang="en-US" altLang="en-US" sz="900" b="0" i="0" u="none" strike="noStrike" cap="none" normalizeH="0" baseline="0" dirty="0" err="1">
-                <a:ln>
-                  <a:noFill/>
-                </a:ln>
-                <a:solidFill>
-                  <a:srgbClr val="000000"/>
-                </a:solidFill>
-                <a:effectLst/>
-                <a:latin typeface="Courier New" panose="02070309020205020404" pitchFamily="49" charset="0"/>
-                <a:cs typeface="Courier New" panose="02070309020205020404" pitchFamily="49" charset="0"/>
-              </a:rPr>
-              <a:t>com.wiza.config</a:t>
-            </a:r>
-            <a:r>
-              <a:rPr kumimoji="0" lang="en-US" altLang="en-US" sz="900" b="0" i="0" u="none" strike="noStrike" cap="none" normalizeH="0" baseline="0" dirty="0">
-                <a:ln>
-                  <a:noFill/>
-                </a:ln>
-                <a:solidFill>
-                  <a:srgbClr val="000000"/>
-                </a:solidFill>
-                <a:effectLst/>
-                <a:latin typeface="Courier New" panose="02070309020205020404" pitchFamily="49" charset="0"/>
-                <a:cs typeface="Courier New" panose="02070309020205020404" pitchFamily="49" charset="0"/>
-              </a:rPr>
-              <a:t>;</a:t>
-            </a:r>
-            <a:br>
-              <a:rPr kumimoji="0" lang="en-US" altLang="en-US" sz="900" b="0" i="0" u="none" strike="noStrike" cap="none" normalizeH="0" baseline="0" dirty="0">
-                <a:ln>
-                  <a:noFill/>
-                </a:ln>
-                <a:solidFill>
-                  <a:srgbClr val="000000"/>
-                </a:solidFill>
-                <a:effectLst/>
-                <a:latin typeface="Courier New" panose="02070309020205020404" pitchFamily="49" charset="0"/>
-                <a:cs typeface="Courier New" panose="02070309020205020404" pitchFamily="49" charset="0"/>
-              </a:rPr>
-            </a:br>
-            <a:br>
-              <a:rPr kumimoji="0" lang="en-US" altLang="en-US" sz="900" b="0" i="0" u="none" strike="noStrike" cap="none" normalizeH="0" baseline="0" dirty="0">
-                <a:ln>
-                  <a:noFill/>
-                </a:ln>
-                <a:solidFill>
-                  <a:srgbClr val="000000"/>
-                </a:solidFill>
-                <a:effectLst/>
-                <a:latin typeface="Courier New" panose="02070309020205020404" pitchFamily="49" charset="0"/>
-                <a:cs typeface="Courier New" panose="02070309020205020404" pitchFamily="49" charset="0"/>
-              </a:rPr>
-            </a:br>
-            <a:r>
-              <a:rPr kumimoji="0" lang="en-US" altLang="en-US" sz="900" b="1" i="0" u="none" strike="noStrike" cap="none" normalizeH="0" baseline="0" dirty="0">
-                <a:ln>
-                  <a:noFill/>
-                </a:ln>
-                <a:solidFill>
-                  <a:srgbClr val="000080"/>
-                </a:solidFill>
-                <a:effectLst/>
-                <a:latin typeface="Courier New" panose="02070309020205020404" pitchFamily="49" charset="0"/>
-                <a:cs typeface="Courier New" panose="02070309020205020404" pitchFamily="49" charset="0"/>
-              </a:rPr>
-              <a:t>import </a:t>
-            </a:r>
-            <a:r>
-              <a:rPr kumimoji="0" lang="en-US" altLang="en-US" sz="900" b="0" i="0" u="none" strike="noStrike" cap="none" normalizeH="0" baseline="0" dirty="0" err="1">
-                <a:ln>
-                  <a:noFill/>
-                </a:ln>
-                <a:solidFill>
-                  <a:srgbClr val="000000"/>
-                </a:solidFill>
-                <a:effectLst/>
-                <a:latin typeface="Courier New" panose="02070309020205020404" pitchFamily="49" charset="0"/>
-                <a:cs typeface="Courier New" panose="02070309020205020404" pitchFamily="49" charset="0"/>
-              </a:rPr>
-              <a:t>com.fasterxml.jackson.annotation.</a:t>
-            </a:r>
-            <a:r>
-              <a:rPr kumimoji="0" lang="en-US" altLang="en-US" sz="900" b="0" i="0" u="none" strike="noStrike" cap="none" normalizeH="0" baseline="0" dirty="0" err="1">
-                <a:ln>
-                  <a:noFill/>
-                </a:ln>
-                <a:solidFill>
-                  <a:srgbClr val="808000"/>
-                </a:solidFill>
-                <a:effectLst/>
-                <a:latin typeface="Courier New" panose="02070309020205020404" pitchFamily="49" charset="0"/>
-                <a:cs typeface="Courier New" panose="02070309020205020404" pitchFamily="49" charset="0"/>
-              </a:rPr>
-              <a:t>JsonProperty</a:t>
-            </a:r>
-            <a:r>
-              <a:rPr kumimoji="0" lang="en-US" altLang="en-US" sz="900" b="0" i="0" u="none" strike="noStrike" cap="none" normalizeH="0" baseline="0" dirty="0">
-                <a:ln>
-                  <a:noFill/>
-                </a:ln>
-                <a:solidFill>
-                  <a:srgbClr val="000000"/>
-                </a:solidFill>
-                <a:effectLst/>
-                <a:latin typeface="Courier New" panose="02070309020205020404" pitchFamily="49" charset="0"/>
-                <a:cs typeface="Courier New" panose="02070309020205020404" pitchFamily="49" charset="0"/>
-              </a:rPr>
-              <a:t>;</a:t>
-            </a:r>
-            <a:br>
-              <a:rPr kumimoji="0" lang="en-US" altLang="en-US" sz="900" b="0" i="0" u="none" strike="noStrike" cap="none" normalizeH="0" baseline="0" dirty="0">
-                <a:ln>
-                  <a:noFill/>
-                </a:ln>
-                <a:solidFill>
-                  <a:srgbClr val="000000"/>
-                </a:solidFill>
-                <a:effectLst/>
-                <a:latin typeface="Courier New" panose="02070309020205020404" pitchFamily="49" charset="0"/>
-                <a:cs typeface="Courier New" panose="02070309020205020404" pitchFamily="49" charset="0"/>
-              </a:rPr>
-            </a:br>
-            <a:r>
-              <a:rPr kumimoji="0" lang="en-US" altLang="en-US" sz="900" b="1" i="0" u="none" strike="noStrike" cap="none" normalizeH="0" baseline="0" dirty="0">
-                <a:ln>
-                  <a:noFill/>
-                </a:ln>
-                <a:solidFill>
-                  <a:srgbClr val="000080"/>
-                </a:solidFill>
-                <a:effectLst/>
-                <a:latin typeface="Courier New" panose="02070309020205020404" pitchFamily="49" charset="0"/>
-                <a:cs typeface="Courier New" panose="02070309020205020404" pitchFamily="49" charset="0"/>
-              </a:rPr>
-              <a:t>import </a:t>
-            </a:r>
-            <a:r>
-              <a:rPr kumimoji="0" lang="en-US" altLang="en-US" sz="900" b="0" i="0" u="none" strike="noStrike" cap="none" normalizeH="0" baseline="0" dirty="0" err="1">
-                <a:ln>
-                  <a:noFill/>
-                </a:ln>
-                <a:solidFill>
-                  <a:srgbClr val="000000"/>
-                </a:solidFill>
-                <a:effectLst/>
-                <a:latin typeface="Courier New" panose="02070309020205020404" pitchFamily="49" charset="0"/>
-                <a:cs typeface="Courier New" panose="02070309020205020404" pitchFamily="49" charset="0"/>
-              </a:rPr>
-              <a:t>io.dropwizard.Configuration</a:t>
-            </a:r>
-            <a:r>
-              <a:rPr kumimoji="0" lang="en-US" altLang="en-US" sz="900" b="0" i="0" u="none" strike="noStrike" cap="none" normalizeH="0" baseline="0" dirty="0">
-                <a:ln>
-                  <a:noFill/>
-                </a:ln>
-                <a:solidFill>
-                  <a:srgbClr val="000000"/>
-                </a:solidFill>
-                <a:effectLst/>
-                <a:latin typeface="Courier New" panose="02070309020205020404" pitchFamily="49" charset="0"/>
-                <a:cs typeface="Courier New" panose="02070309020205020404" pitchFamily="49" charset="0"/>
-              </a:rPr>
-              <a:t>;</a:t>
-            </a:r>
-            <a:br>
-              <a:rPr kumimoji="0" lang="en-US" altLang="en-US" sz="900" b="0" i="0" u="none" strike="noStrike" cap="none" normalizeH="0" baseline="0" dirty="0">
-                <a:ln>
-                  <a:noFill/>
-                </a:ln>
-                <a:solidFill>
-                  <a:srgbClr val="000000"/>
-                </a:solidFill>
-                <a:effectLst/>
-                <a:latin typeface="Courier New" panose="02070309020205020404" pitchFamily="49" charset="0"/>
-                <a:cs typeface="Courier New" panose="02070309020205020404" pitchFamily="49" charset="0"/>
-              </a:rPr>
-            </a:br>
-            <a:r>
-              <a:rPr kumimoji="0" lang="en-US" altLang="en-US" sz="900" b="1" i="0" u="none" strike="noStrike" cap="none" normalizeH="0" baseline="0" dirty="0">
-                <a:ln>
-                  <a:noFill/>
-                </a:ln>
-                <a:solidFill>
-                  <a:srgbClr val="000080"/>
-                </a:solidFill>
-                <a:effectLst/>
-                <a:latin typeface="Courier New" panose="02070309020205020404" pitchFamily="49" charset="0"/>
-                <a:cs typeface="Courier New" panose="02070309020205020404" pitchFamily="49" charset="0"/>
-              </a:rPr>
-              <a:t>import </a:t>
-            </a:r>
-            <a:r>
-              <a:rPr kumimoji="0" lang="en-US" altLang="en-US" sz="900" b="0" i="0" u="none" strike="noStrike" cap="none" normalizeH="0" baseline="0" dirty="0" err="1">
-                <a:ln>
-                  <a:noFill/>
-                </a:ln>
-                <a:solidFill>
-                  <a:srgbClr val="000000"/>
-                </a:solidFill>
-                <a:effectLst/>
-                <a:latin typeface="Courier New" panose="02070309020205020404" pitchFamily="49" charset="0"/>
-                <a:cs typeface="Courier New" panose="02070309020205020404" pitchFamily="49" charset="0"/>
-              </a:rPr>
-              <a:t>org.hibernate.validator.constraints.</a:t>
-            </a:r>
-            <a:r>
-              <a:rPr kumimoji="0" lang="en-US" altLang="en-US" sz="900" b="0" i="0" u="none" strike="noStrike" cap="none" normalizeH="0" baseline="0" dirty="0" err="1">
-                <a:ln>
-                  <a:noFill/>
-                </a:ln>
-                <a:solidFill>
-                  <a:srgbClr val="808000"/>
-                </a:solidFill>
-                <a:effectLst/>
-                <a:latin typeface="Courier New" panose="02070309020205020404" pitchFamily="49" charset="0"/>
-                <a:cs typeface="Courier New" panose="02070309020205020404" pitchFamily="49" charset="0"/>
-              </a:rPr>
-              <a:t>NotEmpty</a:t>
-            </a:r>
-            <a:r>
-              <a:rPr kumimoji="0" lang="en-US" altLang="en-US" sz="900" b="0" i="0" u="none" strike="noStrike" cap="none" normalizeH="0" baseline="0" dirty="0">
-                <a:ln>
-                  <a:noFill/>
-                </a:ln>
-                <a:solidFill>
-                  <a:srgbClr val="000000"/>
-                </a:solidFill>
-                <a:effectLst/>
-                <a:latin typeface="Courier New" panose="02070309020205020404" pitchFamily="49" charset="0"/>
-                <a:cs typeface="Courier New" panose="02070309020205020404" pitchFamily="49" charset="0"/>
-              </a:rPr>
-              <a:t>;</a:t>
-            </a:r>
-            <a:br>
-              <a:rPr kumimoji="0" lang="en-US" altLang="en-US" sz="900" b="0" i="0" u="none" strike="noStrike" cap="none" normalizeH="0" baseline="0" dirty="0">
-                <a:ln>
-                  <a:noFill/>
-                </a:ln>
-                <a:solidFill>
-                  <a:srgbClr val="000000"/>
-                </a:solidFill>
-                <a:effectLst/>
-                <a:latin typeface="Courier New" panose="02070309020205020404" pitchFamily="49" charset="0"/>
-                <a:cs typeface="Courier New" panose="02070309020205020404" pitchFamily="49" charset="0"/>
-              </a:rPr>
-            </a:br>
-            <a:br>
-              <a:rPr kumimoji="0" lang="en-US" altLang="en-US" sz="900" b="0" i="0" u="none" strike="noStrike" cap="none" normalizeH="0" baseline="0" dirty="0">
-                <a:ln>
-                  <a:noFill/>
-                </a:ln>
-                <a:solidFill>
-                  <a:srgbClr val="000000"/>
-                </a:solidFill>
-                <a:effectLst/>
-                <a:latin typeface="Courier New" panose="02070309020205020404" pitchFamily="49" charset="0"/>
-                <a:cs typeface="Courier New" panose="02070309020205020404" pitchFamily="49" charset="0"/>
-              </a:rPr>
-            </a:br>
-            <a:r>
-              <a:rPr kumimoji="0" lang="en-US" altLang="en-US" sz="900" b="1" i="0" u="none" strike="noStrike" cap="none" normalizeH="0" baseline="0" dirty="0">
-                <a:ln>
-                  <a:noFill/>
-                </a:ln>
-                <a:solidFill>
-                  <a:srgbClr val="000080"/>
-                </a:solidFill>
-                <a:effectLst/>
-                <a:latin typeface="Courier New" panose="02070309020205020404" pitchFamily="49" charset="0"/>
-                <a:cs typeface="Courier New" panose="02070309020205020404" pitchFamily="49" charset="0"/>
-              </a:rPr>
-              <a:t>public class </a:t>
-            </a:r>
-            <a:r>
-              <a:rPr kumimoji="0" lang="en-US" altLang="en-US" sz="900" b="0" i="0" u="none" strike="noStrike" cap="none" normalizeH="0" baseline="0" dirty="0" err="1">
-                <a:ln>
-                  <a:noFill/>
-                </a:ln>
-                <a:solidFill>
-                  <a:srgbClr val="000000"/>
-                </a:solidFill>
-                <a:effectLst/>
-                <a:latin typeface="Courier New" panose="02070309020205020404" pitchFamily="49" charset="0"/>
-                <a:cs typeface="Courier New" panose="02070309020205020404" pitchFamily="49" charset="0"/>
-              </a:rPr>
-              <a:t>AppConfig</a:t>
-            </a:r>
-            <a:r>
-              <a:rPr kumimoji="0" lang="en-US" altLang="en-US" sz="900" b="0" i="0" u="none" strike="noStrike" cap="none" normalizeH="0" baseline="0" dirty="0">
-                <a:ln>
-                  <a:noFill/>
-                </a:ln>
-                <a:solidFill>
-                  <a:srgbClr val="000000"/>
-                </a:solidFill>
-                <a:effectLst/>
-                <a:latin typeface="Courier New" panose="02070309020205020404" pitchFamily="49" charset="0"/>
-                <a:cs typeface="Courier New" panose="02070309020205020404" pitchFamily="49" charset="0"/>
-              </a:rPr>
-              <a:t> </a:t>
-            </a:r>
-            <a:r>
-              <a:rPr kumimoji="0" lang="en-US" altLang="en-US" sz="900" b="1" i="0" u="none" strike="noStrike" cap="none" normalizeH="0" baseline="0" dirty="0">
-                <a:ln>
-                  <a:noFill/>
-                </a:ln>
-                <a:solidFill>
-                  <a:srgbClr val="000080"/>
-                </a:solidFill>
-                <a:effectLst/>
-                <a:latin typeface="Courier New" panose="02070309020205020404" pitchFamily="49" charset="0"/>
-                <a:cs typeface="Courier New" panose="02070309020205020404" pitchFamily="49" charset="0"/>
-              </a:rPr>
-              <a:t>extends </a:t>
-            </a:r>
-            <a:r>
-              <a:rPr kumimoji="0" lang="en-US" altLang="en-US" sz="900" b="0" i="0" u="none" strike="noStrike" cap="none" normalizeH="0" baseline="0" dirty="0">
-                <a:ln>
-                  <a:noFill/>
-                </a:ln>
-                <a:solidFill>
-                  <a:srgbClr val="000000"/>
-                </a:solidFill>
-                <a:effectLst/>
-                <a:latin typeface="Courier New" panose="02070309020205020404" pitchFamily="49" charset="0"/>
-                <a:cs typeface="Courier New" panose="02070309020205020404" pitchFamily="49" charset="0"/>
-              </a:rPr>
-              <a:t>Configuration {</a:t>
-            </a:r>
-            <a:br>
-              <a:rPr kumimoji="0" lang="en-US" altLang="en-US" sz="900" b="0" i="0" u="none" strike="noStrike" cap="none" normalizeH="0" baseline="0" dirty="0">
-                <a:ln>
-                  <a:noFill/>
-                </a:ln>
-                <a:solidFill>
-                  <a:srgbClr val="000000"/>
-                </a:solidFill>
-                <a:effectLst/>
-                <a:latin typeface="Courier New" panose="02070309020205020404" pitchFamily="49" charset="0"/>
-                <a:cs typeface="Courier New" panose="02070309020205020404" pitchFamily="49" charset="0"/>
-              </a:rPr>
-            </a:br>
-            <a:r>
-              <a:rPr kumimoji="0" lang="en-US" altLang="en-US" sz="900" b="0" i="0" u="none" strike="noStrike" cap="none" normalizeH="0" baseline="0" dirty="0">
-                <a:ln>
-                  <a:noFill/>
-                </a:ln>
-                <a:solidFill>
-                  <a:srgbClr val="000000"/>
-                </a:solidFill>
-                <a:effectLst/>
-                <a:latin typeface="Courier New" panose="02070309020205020404" pitchFamily="49" charset="0"/>
-                <a:cs typeface="Courier New" panose="02070309020205020404" pitchFamily="49" charset="0"/>
-              </a:rPr>
-              <a:t>    </a:t>
-            </a:r>
-            <a:r>
-              <a:rPr kumimoji="0" lang="en-US" altLang="en-US" sz="900" b="0" i="0" u="none" strike="noStrike" cap="none" normalizeH="0" baseline="0" dirty="0">
-                <a:ln>
-                  <a:noFill/>
-                </a:ln>
-                <a:solidFill>
-                  <a:srgbClr val="808000"/>
-                </a:solidFill>
-                <a:effectLst/>
-                <a:latin typeface="Courier New" panose="02070309020205020404" pitchFamily="49" charset="0"/>
-                <a:cs typeface="Courier New" panose="02070309020205020404" pitchFamily="49" charset="0"/>
-              </a:rPr>
-              <a:t>@</a:t>
-            </a:r>
-            <a:r>
-              <a:rPr kumimoji="0" lang="en-US" altLang="en-US" sz="900" b="0" i="0" u="none" strike="noStrike" cap="none" normalizeH="0" baseline="0" dirty="0" err="1">
-                <a:ln>
-                  <a:noFill/>
-                </a:ln>
-                <a:solidFill>
-                  <a:srgbClr val="808000"/>
-                </a:solidFill>
-                <a:effectLst/>
-                <a:latin typeface="Courier New" panose="02070309020205020404" pitchFamily="49" charset="0"/>
-                <a:cs typeface="Courier New" panose="02070309020205020404" pitchFamily="49" charset="0"/>
-              </a:rPr>
-              <a:t>NotEmpty</a:t>
-            </a:r>
-            <a:br>
-              <a:rPr kumimoji="0" lang="en-US" altLang="en-US" sz="900" b="0" i="0" u="none" strike="noStrike" cap="none" normalizeH="0" baseline="0" dirty="0">
-                <a:ln>
-                  <a:noFill/>
-                </a:ln>
-                <a:solidFill>
-                  <a:srgbClr val="808000"/>
-                </a:solidFill>
-                <a:effectLst/>
-                <a:latin typeface="Courier New" panose="02070309020205020404" pitchFamily="49" charset="0"/>
-                <a:cs typeface="Courier New" panose="02070309020205020404" pitchFamily="49" charset="0"/>
-              </a:rPr>
-            </a:br>
-            <a:r>
-              <a:rPr kumimoji="0" lang="en-US" altLang="en-US" sz="900" b="0" i="0" u="none" strike="noStrike" cap="none" normalizeH="0" baseline="0" dirty="0">
-                <a:ln>
-                  <a:noFill/>
-                </a:ln>
-                <a:solidFill>
-                  <a:srgbClr val="808000"/>
-                </a:solidFill>
-                <a:effectLst/>
-                <a:latin typeface="Courier New" panose="02070309020205020404" pitchFamily="49" charset="0"/>
-                <a:cs typeface="Courier New" panose="02070309020205020404" pitchFamily="49" charset="0"/>
-              </a:rPr>
-              <a:t>    </a:t>
-            </a:r>
-            <a:r>
-              <a:rPr kumimoji="0" lang="en-US" altLang="en-US" sz="900" b="1" i="0" u="none" strike="noStrike" cap="none" normalizeH="0" baseline="0" dirty="0">
-                <a:ln>
-                  <a:noFill/>
-                </a:ln>
-                <a:solidFill>
-                  <a:srgbClr val="000080"/>
-                </a:solidFill>
-                <a:effectLst/>
-                <a:latin typeface="Courier New" panose="02070309020205020404" pitchFamily="49" charset="0"/>
-                <a:cs typeface="Courier New" panose="02070309020205020404" pitchFamily="49" charset="0"/>
-              </a:rPr>
-              <a:t>private </a:t>
-            </a:r>
-            <a:r>
-              <a:rPr kumimoji="0" lang="en-US" altLang="en-US" sz="900" b="0" i="0" u="none" strike="noStrike" cap="none" normalizeH="0" baseline="0" dirty="0">
-                <a:ln>
-                  <a:noFill/>
-                </a:ln>
-                <a:solidFill>
-                  <a:srgbClr val="000000"/>
-                </a:solidFill>
-                <a:effectLst/>
-                <a:latin typeface="Courier New" panose="02070309020205020404" pitchFamily="49" charset="0"/>
-                <a:cs typeface="Courier New" panose="02070309020205020404" pitchFamily="49" charset="0"/>
-              </a:rPr>
-              <a:t>String </a:t>
-            </a:r>
-            <a:r>
-              <a:rPr kumimoji="0" lang="en-US" altLang="en-US" sz="900" b="1" i="0" u="none" strike="noStrike" cap="none" normalizeH="0" baseline="0" dirty="0">
-                <a:ln>
-                  <a:noFill/>
-                </a:ln>
-                <a:solidFill>
-                  <a:srgbClr val="660E7A"/>
-                </a:solidFill>
-                <a:effectLst/>
-                <a:latin typeface="Courier New" panose="02070309020205020404" pitchFamily="49" charset="0"/>
-                <a:cs typeface="Courier New" panose="02070309020205020404" pitchFamily="49" charset="0"/>
-              </a:rPr>
-              <a:t>template</a:t>
-            </a:r>
-            <a:r>
-              <a:rPr kumimoji="0" lang="en-US" altLang="en-US" sz="900" b="0" i="0" u="none" strike="noStrike" cap="none" normalizeH="0" baseline="0" dirty="0">
-                <a:ln>
-                  <a:noFill/>
-                </a:ln>
-                <a:solidFill>
-                  <a:srgbClr val="000000"/>
-                </a:solidFill>
-                <a:effectLst/>
-                <a:latin typeface="Courier New" panose="02070309020205020404" pitchFamily="49" charset="0"/>
-                <a:cs typeface="Courier New" panose="02070309020205020404" pitchFamily="49" charset="0"/>
-              </a:rPr>
-              <a:t>;</a:t>
-            </a:r>
-            <a:br>
-              <a:rPr kumimoji="0" lang="en-US" altLang="en-US" sz="900" b="0" i="0" u="none" strike="noStrike" cap="none" normalizeH="0" baseline="0" dirty="0">
-                <a:ln>
-                  <a:noFill/>
-                </a:ln>
-                <a:solidFill>
-                  <a:srgbClr val="000000"/>
-                </a:solidFill>
-                <a:effectLst/>
-                <a:latin typeface="Courier New" panose="02070309020205020404" pitchFamily="49" charset="0"/>
-                <a:cs typeface="Courier New" panose="02070309020205020404" pitchFamily="49" charset="0"/>
-              </a:rPr>
-            </a:br>
-            <a:br>
-              <a:rPr kumimoji="0" lang="en-US" altLang="en-US" sz="900" b="0" i="0" u="none" strike="noStrike" cap="none" normalizeH="0" baseline="0" dirty="0">
-                <a:ln>
-                  <a:noFill/>
-                </a:ln>
-                <a:solidFill>
-                  <a:srgbClr val="000000"/>
-                </a:solidFill>
-                <a:effectLst/>
-                <a:latin typeface="Courier New" panose="02070309020205020404" pitchFamily="49" charset="0"/>
-                <a:cs typeface="Courier New" panose="02070309020205020404" pitchFamily="49" charset="0"/>
-              </a:rPr>
-            </a:br>
-            <a:r>
-              <a:rPr kumimoji="0" lang="en-US" altLang="en-US" sz="900" b="0" i="0" u="none" strike="noStrike" cap="none" normalizeH="0" baseline="0" dirty="0">
-                <a:ln>
-                  <a:noFill/>
-                </a:ln>
-                <a:solidFill>
-                  <a:srgbClr val="000000"/>
-                </a:solidFill>
-                <a:effectLst/>
-                <a:latin typeface="Courier New" panose="02070309020205020404" pitchFamily="49" charset="0"/>
-                <a:cs typeface="Courier New" panose="02070309020205020404" pitchFamily="49" charset="0"/>
-              </a:rPr>
-              <a:t>    </a:t>
-            </a:r>
-            <a:r>
-              <a:rPr kumimoji="0" lang="en-US" altLang="en-US" sz="900" b="0" i="0" u="none" strike="noStrike" cap="none" normalizeH="0" baseline="0" dirty="0">
-                <a:ln>
-                  <a:noFill/>
-                </a:ln>
-                <a:solidFill>
-                  <a:srgbClr val="808000"/>
-                </a:solidFill>
-                <a:effectLst/>
-                <a:latin typeface="Courier New" panose="02070309020205020404" pitchFamily="49" charset="0"/>
-                <a:cs typeface="Courier New" panose="02070309020205020404" pitchFamily="49" charset="0"/>
-              </a:rPr>
-              <a:t>@</a:t>
-            </a:r>
-            <a:r>
-              <a:rPr kumimoji="0" lang="en-US" altLang="en-US" sz="900" b="0" i="0" u="none" strike="noStrike" cap="none" normalizeH="0" baseline="0" dirty="0" err="1">
-                <a:ln>
-                  <a:noFill/>
-                </a:ln>
-                <a:solidFill>
-                  <a:srgbClr val="808000"/>
-                </a:solidFill>
-                <a:effectLst/>
-                <a:latin typeface="Courier New" panose="02070309020205020404" pitchFamily="49" charset="0"/>
-                <a:cs typeface="Courier New" panose="02070309020205020404" pitchFamily="49" charset="0"/>
-              </a:rPr>
-              <a:t>NotEmpty</a:t>
-            </a:r>
-            <a:br>
-              <a:rPr kumimoji="0" lang="en-US" altLang="en-US" sz="900" b="0" i="0" u="none" strike="noStrike" cap="none" normalizeH="0" baseline="0" dirty="0">
-                <a:ln>
-                  <a:noFill/>
-                </a:ln>
-                <a:solidFill>
-                  <a:srgbClr val="808000"/>
-                </a:solidFill>
-                <a:effectLst/>
-                <a:latin typeface="Courier New" panose="02070309020205020404" pitchFamily="49" charset="0"/>
-                <a:cs typeface="Courier New" panose="02070309020205020404" pitchFamily="49" charset="0"/>
-              </a:rPr>
-            </a:br>
-            <a:r>
-              <a:rPr kumimoji="0" lang="en-US" altLang="en-US" sz="900" b="0" i="0" u="none" strike="noStrike" cap="none" normalizeH="0" baseline="0" dirty="0">
-                <a:ln>
-                  <a:noFill/>
-                </a:ln>
-                <a:solidFill>
-                  <a:srgbClr val="808000"/>
-                </a:solidFill>
-                <a:effectLst/>
-                <a:latin typeface="Courier New" panose="02070309020205020404" pitchFamily="49" charset="0"/>
-                <a:cs typeface="Courier New" panose="02070309020205020404" pitchFamily="49" charset="0"/>
-              </a:rPr>
-              <a:t>    </a:t>
-            </a:r>
-            <a:r>
-              <a:rPr kumimoji="0" lang="en-US" altLang="en-US" sz="900" b="1" i="0" u="none" strike="noStrike" cap="none" normalizeH="0" baseline="0" dirty="0">
-                <a:ln>
-                  <a:noFill/>
-                </a:ln>
-                <a:solidFill>
-                  <a:srgbClr val="000080"/>
-                </a:solidFill>
-                <a:effectLst/>
-                <a:latin typeface="Courier New" panose="02070309020205020404" pitchFamily="49" charset="0"/>
-                <a:cs typeface="Courier New" panose="02070309020205020404" pitchFamily="49" charset="0"/>
-              </a:rPr>
-              <a:t>private </a:t>
-            </a:r>
-            <a:r>
-              <a:rPr kumimoji="0" lang="en-US" altLang="en-US" sz="900" b="0" i="0" u="none" strike="noStrike" cap="none" normalizeH="0" baseline="0" dirty="0">
-                <a:ln>
-                  <a:noFill/>
-                </a:ln>
-                <a:solidFill>
-                  <a:srgbClr val="000000"/>
-                </a:solidFill>
-                <a:effectLst/>
-                <a:latin typeface="Courier New" panose="02070309020205020404" pitchFamily="49" charset="0"/>
-                <a:cs typeface="Courier New" panose="02070309020205020404" pitchFamily="49" charset="0"/>
-              </a:rPr>
-              <a:t>String </a:t>
-            </a:r>
-            <a:r>
-              <a:rPr kumimoji="0" lang="en-US" altLang="en-US" sz="900" b="1" i="0" u="none" strike="noStrike" cap="none" normalizeH="0" baseline="0" dirty="0" err="1">
-                <a:ln>
-                  <a:noFill/>
-                </a:ln>
-                <a:solidFill>
-                  <a:srgbClr val="660E7A"/>
-                </a:solidFill>
-                <a:effectLst/>
-                <a:latin typeface="Courier New" panose="02070309020205020404" pitchFamily="49" charset="0"/>
-                <a:cs typeface="Courier New" panose="02070309020205020404" pitchFamily="49" charset="0"/>
-              </a:rPr>
-              <a:t>defaultName</a:t>
-            </a:r>
-            <a:r>
-              <a:rPr kumimoji="0" lang="en-US" altLang="en-US" sz="900" b="1" i="0" u="none" strike="noStrike" cap="none" normalizeH="0" baseline="0" dirty="0">
-                <a:ln>
-                  <a:noFill/>
-                </a:ln>
-                <a:solidFill>
-                  <a:srgbClr val="660E7A"/>
-                </a:solidFill>
-                <a:effectLst/>
-                <a:latin typeface="Courier New" panose="02070309020205020404" pitchFamily="49" charset="0"/>
-                <a:cs typeface="Courier New" panose="02070309020205020404" pitchFamily="49" charset="0"/>
-              </a:rPr>
-              <a:t> </a:t>
-            </a:r>
-            <a:r>
-              <a:rPr kumimoji="0" lang="en-US" altLang="en-US" sz="900" b="0" i="0" u="none" strike="noStrike" cap="none" normalizeH="0" baseline="0" dirty="0">
-                <a:ln>
-                  <a:noFill/>
-                </a:ln>
-                <a:solidFill>
-                  <a:srgbClr val="000000"/>
-                </a:solidFill>
-                <a:effectLst/>
-                <a:latin typeface="Courier New" panose="02070309020205020404" pitchFamily="49" charset="0"/>
-                <a:cs typeface="Courier New" panose="02070309020205020404" pitchFamily="49" charset="0"/>
-              </a:rPr>
-              <a:t>= </a:t>
-            </a:r>
-            <a:r>
-              <a:rPr kumimoji="0" lang="en-US" altLang="en-US" sz="900" b="1" i="0" u="none" strike="noStrike" cap="none" normalizeH="0" baseline="0" dirty="0">
-                <a:ln>
-                  <a:noFill/>
-                </a:ln>
-                <a:solidFill>
-                  <a:srgbClr val="008000"/>
-                </a:solidFill>
-                <a:effectLst/>
-                <a:latin typeface="Courier New" panose="02070309020205020404" pitchFamily="49" charset="0"/>
-                <a:cs typeface="Courier New" panose="02070309020205020404" pitchFamily="49" charset="0"/>
-              </a:rPr>
-              <a:t>"Stranger"</a:t>
-            </a:r>
-            <a:r>
-              <a:rPr kumimoji="0" lang="en-US" altLang="en-US" sz="900" b="0" i="0" u="none" strike="noStrike" cap="none" normalizeH="0" baseline="0" dirty="0">
-                <a:ln>
-                  <a:noFill/>
-                </a:ln>
-                <a:solidFill>
-                  <a:srgbClr val="000000"/>
-                </a:solidFill>
-                <a:effectLst/>
-                <a:latin typeface="Courier New" panose="02070309020205020404" pitchFamily="49" charset="0"/>
-                <a:cs typeface="Courier New" panose="02070309020205020404" pitchFamily="49" charset="0"/>
-              </a:rPr>
-              <a:t>;</a:t>
-            </a:r>
-            <a:br>
-              <a:rPr kumimoji="0" lang="en-US" altLang="en-US" sz="900" b="0" i="0" u="none" strike="noStrike" cap="none" normalizeH="0" baseline="0" dirty="0">
-                <a:ln>
-                  <a:noFill/>
-                </a:ln>
-                <a:solidFill>
-                  <a:srgbClr val="000000"/>
-                </a:solidFill>
-                <a:effectLst/>
-                <a:latin typeface="Courier New" panose="02070309020205020404" pitchFamily="49" charset="0"/>
-                <a:cs typeface="Courier New" panose="02070309020205020404" pitchFamily="49" charset="0"/>
-              </a:rPr>
-            </a:br>
-            <a:br>
-              <a:rPr kumimoji="0" lang="en-US" altLang="en-US" sz="900" b="0" i="0" u="none" strike="noStrike" cap="none" normalizeH="0" baseline="0" dirty="0">
-                <a:ln>
-                  <a:noFill/>
-                </a:ln>
-                <a:solidFill>
-                  <a:srgbClr val="000000"/>
-                </a:solidFill>
-                <a:effectLst/>
-                <a:latin typeface="Courier New" panose="02070309020205020404" pitchFamily="49" charset="0"/>
-                <a:cs typeface="Courier New" panose="02070309020205020404" pitchFamily="49" charset="0"/>
-              </a:rPr>
-            </a:br>
-            <a:r>
-              <a:rPr kumimoji="0" lang="en-US" altLang="en-US" sz="900" b="0" i="0" u="none" strike="noStrike" cap="none" normalizeH="0" baseline="0" dirty="0">
-                <a:ln>
-                  <a:noFill/>
-                </a:ln>
-                <a:solidFill>
-                  <a:srgbClr val="000000"/>
-                </a:solidFill>
-                <a:effectLst/>
-                <a:latin typeface="Courier New" panose="02070309020205020404" pitchFamily="49" charset="0"/>
-                <a:cs typeface="Courier New" panose="02070309020205020404" pitchFamily="49" charset="0"/>
-              </a:rPr>
-              <a:t>    </a:t>
-            </a:r>
-            <a:r>
-              <a:rPr kumimoji="0" lang="en-US" altLang="en-US" sz="900" b="0" i="0" u="none" strike="noStrike" cap="none" normalizeH="0" baseline="0" dirty="0">
-                <a:ln>
-                  <a:noFill/>
-                </a:ln>
-                <a:solidFill>
-                  <a:srgbClr val="808000"/>
-                </a:solidFill>
-                <a:effectLst/>
-                <a:latin typeface="Courier New" panose="02070309020205020404" pitchFamily="49" charset="0"/>
-                <a:cs typeface="Courier New" panose="02070309020205020404" pitchFamily="49" charset="0"/>
-              </a:rPr>
-              <a:t>@</a:t>
-            </a:r>
-            <a:r>
-              <a:rPr kumimoji="0" lang="en-US" altLang="en-US" sz="900" b="0" i="0" u="none" strike="noStrike" cap="none" normalizeH="0" baseline="0" dirty="0" err="1">
-                <a:ln>
-                  <a:noFill/>
-                </a:ln>
-                <a:solidFill>
-                  <a:srgbClr val="808000"/>
-                </a:solidFill>
-                <a:effectLst/>
-                <a:latin typeface="Courier New" panose="02070309020205020404" pitchFamily="49" charset="0"/>
-                <a:cs typeface="Courier New" panose="02070309020205020404" pitchFamily="49" charset="0"/>
-              </a:rPr>
-              <a:t>JsonProperty</a:t>
-            </a:r>
-            <a:br>
-              <a:rPr kumimoji="0" lang="en-US" altLang="en-US" sz="900" b="0" i="0" u="none" strike="noStrike" cap="none" normalizeH="0" baseline="0" dirty="0">
-                <a:ln>
-                  <a:noFill/>
-                </a:ln>
-                <a:solidFill>
-                  <a:srgbClr val="808000"/>
-                </a:solidFill>
-                <a:effectLst/>
-                <a:latin typeface="Courier New" panose="02070309020205020404" pitchFamily="49" charset="0"/>
-                <a:cs typeface="Courier New" panose="02070309020205020404" pitchFamily="49" charset="0"/>
-              </a:rPr>
-            </a:br>
-            <a:r>
-              <a:rPr kumimoji="0" lang="en-US" altLang="en-US" sz="900" b="0" i="0" u="none" strike="noStrike" cap="none" normalizeH="0" baseline="0" dirty="0">
-                <a:ln>
-                  <a:noFill/>
-                </a:ln>
-                <a:solidFill>
-                  <a:srgbClr val="808000"/>
-                </a:solidFill>
-                <a:effectLst/>
-                <a:latin typeface="Courier New" panose="02070309020205020404" pitchFamily="49" charset="0"/>
-                <a:cs typeface="Courier New" panose="02070309020205020404" pitchFamily="49" charset="0"/>
-              </a:rPr>
-              <a:t>    </a:t>
-            </a:r>
-            <a:r>
-              <a:rPr kumimoji="0" lang="en-US" altLang="en-US" sz="900" b="1" i="0" u="none" strike="noStrike" cap="none" normalizeH="0" baseline="0" dirty="0">
-                <a:ln>
-                  <a:noFill/>
-                </a:ln>
-                <a:solidFill>
-                  <a:srgbClr val="000080"/>
-                </a:solidFill>
-                <a:effectLst/>
-                <a:latin typeface="Courier New" panose="02070309020205020404" pitchFamily="49" charset="0"/>
-                <a:cs typeface="Courier New" panose="02070309020205020404" pitchFamily="49" charset="0"/>
-              </a:rPr>
-              <a:t>public </a:t>
-            </a:r>
-            <a:r>
-              <a:rPr kumimoji="0" lang="en-US" altLang="en-US" sz="900" b="0" i="0" u="none" strike="noStrike" cap="none" normalizeH="0" baseline="0" dirty="0">
-                <a:ln>
-                  <a:noFill/>
-                </a:ln>
-                <a:solidFill>
-                  <a:srgbClr val="000000"/>
-                </a:solidFill>
-                <a:effectLst/>
-                <a:latin typeface="Courier New" panose="02070309020205020404" pitchFamily="49" charset="0"/>
-                <a:cs typeface="Courier New" panose="02070309020205020404" pitchFamily="49" charset="0"/>
-              </a:rPr>
-              <a:t>String </a:t>
-            </a:r>
-            <a:r>
-              <a:rPr kumimoji="0" lang="en-US" altLang="en-US" sz="900" b="0" i="0" u="none" strike="noStrike" cap="none" normalizeH="0" baseline="0" dirty="0" err="1">
-                <a:ln>
-                  <a:noFill/>
-                </a:ln>
-                <a:solidFill>
-                  <a:srgbClr val="000000"/>
-                </a:solidFill>
-                <a:effectLst/>
-                <a:latin typeface="Courier New" panose="02070309020205020404" pitchFamily="49" charset="0"/>
-                <a:cs typeface="Courier New" panose="02070309020205020404" pitchFamily="49" charset="0"/>
-              </a:rPr>
-              <a:t>getTemplate</a:t>
-            </a:r>
-            <a:r>
-              <a:rPr kumimoji="0" lang="en-US" altLang="en-US" sz="900" b="0" i="0" u="none" strike="noStrike" cap="none" normalizeH="0" baseline="0" dirty="0">
-                <a:ln>
-                  <a:noFill/>
-                </a:ln>
-                <a:solidFill>
-                  <a:srgbClr val="000000"/>
-                </a:solidFill>
-                <a:effectLst/>
-                <a:latin typeface="Courier New" panose="02070309020205020404" pitchFamily="49" charset="0"/>
-                <a:cs typeface="Courier New" panose="02070309020205020404" pitchFamily="49" charset="0"/>
-              </a:rPr>
-              <a:t>() {</a:t>
-            </a:r>
-            <a:br>
-              <a:rPr kumimoji="0" lang="en-US" altLang="en-US" sz="900" b="0" i="0" u="none" strike="noStrike" cap="none" normalizeH="0" baseline="0" dirty="0">
-                <a:ln>
-                  <a:noFill/>
-                </a:ln>
-                <a:solidFill>
-                  <a:srgbClr val="000000"/>
-                </a:solidFill>
-                <a:effectLst/>
-                <a:latin typeface="Courier New" panose="02070309020205020404" pitchFamily="49" charset="0"/>
-                <a:cs typeface="Courier New" panose="02070309020205020404" pitchFamily="49" charset="0"/>
-              </a:rPr>
-            </a:br>
-            <a:r>
-              <a:rPr kumimoji="0" lang="en-US" altLang="en-US" sz="900" b="0" i="0" u="none" strike="noStrike" cap="none" normalizeH="0" baseline="0" dirty="0">
-                <a:ln>
-                  <a:noFill/>
-                </a:ln>
-                <a:solidFill>
-                  <a:srgbClr val="000000"/>
-                </a:solidFill>
-                <a:effectLst/>
-                <a:latin typeface="Courier New" panose="02070309020205020404" pitchFamily="49" charset="0"/>
-                <a:cs typeface="Courier New" panose="02070309020205020404" pitchFamily="49" charset="0"/>
-              </a:rPr>
-              <a:t>        </a:t>
-            </a:r>
-            <a:r>
-              <a:rPr kumimoji="0" lang="en-US" altLang="en-US" sz="900" b="1" i="0" u="none" strike="noStrike" cap="none" normalizeH="0" baseline="0" dirty="0">
-                <a:ln>
-                  <a:noFill/>
-                </a:ln>
-                <a:solidFill>
-                  <a:srgbClr val="000080"/>
-                </a:solidFill>
-                <a:effectLst/>
-                <a:latin typeface="Courier New" panose="02070309020205020404" pitchFamily="49" charset="0"/>
-                <a:cs typeface="Courier New" panose="02070309020205020404" pitchFamily="49" charset="0"/>
-              </a:rPr>
-              <a:t>return </a:t>
-            </a:r>
-            <a:r>
-              <a:rPr kumimoji="0" lang="en-US" altLang="en-US" sz="900" b="1" i="0" u="none" strike="noStrike" cap="none" normalizeH="0" baseline="0" dirty="0">
-                <a:ln>
-                  <a:noFill/>
-                </a:ln>
-                <a:solidFill>
-                  <a:srgbClr val="660E7A"/>
-                </a:solidFill>
-                <a:effectLst/>
-                <a:latin typeface="Courier New" panose="02070309020205020404" pitchFamily="49" charset="0"/>
-                <a:cs typeface="Courier New" panose="02070309020205020404" pitchFamily="49" charset="0"/>
-              </a:rPr>
-              <a:t>template</a:t>
-            </a:r>
-            <a:r>
-              <a:rPr kumimoji="0" lang="en-US" altLang="en-US" sz="900" b="0" i="0" u="none" strike="noStrike" cap="none" normalizeH="0" baseline="0" dirty="0">
-                <a:ln>
-                  <a:noFill/>
-                </a:ln>
-                <a:solidFill>
-                  <a:srgbClr val="000000"/>
-                </a:solidFill>
-                <a:effectLst/>
-                <a:latin typeface="Courier New" panose="02070309020205020404" pitchFamily="49" charset="0"/>
-                <a:cs typeface="Courier New" panose="02070309020205020404" pitchFamily="49" charset="0"/>
-              </a:rPr>
-              <a:t>;</a:t>
-            </a:r>
-            <a:br>
-              <a:rPr kumimoji="0" lang="en-US" altLang="en-US" sz="900" b="0" i="0" u="none" strike="noStrike" cap="none" normalizeH="0" baseline="0" dirty="0">
-                <a:ln>
-                  <a:noFill/>
-                </a:ln>
-                <a:solidFill>
-                  <a:srgbClr val="000000"/>
-                </a:solidFill>
-                <a:effectLst/>
-                <a:latin typeface="Courier New" panose="02070309020205020404" pitchFamily="49" charset="0"/>
-                <a:cs typeface="Courier New" panose="02070309020205020404" pitchFamily="49" charset="0"/>
-              </a:rPr>
-            </a:br>
-            <a:r>
-              <a:rPr kumimoji="0" lang="en-US" altLang="en-US" sz="900" b="0" i="0" u="none" strike="noStrike" cap="none" normalizeH="0" baseline="0" dirty="0">
-                <a:ln>
-                  <a:noFill/>
-                </a:ln>
-                <a:solidFill>
-                  <a:srgbClr val="000000"/>
-                </a:solidFill>
-                <a:effectLst/>
-                <a:latin typeface="Courier New" panose="02070309020205020404" pitchFamily="49" charset="0"/>
-                <a:cs typeface="Courier New" panose="02070309020205020404" pitchFamily="49" charset="0"/>
-              </a:rPr>
-              <a:t>    }</a:t>
-            </a:r>
-            <a:br>
-              <a:rPr kumimoji="0" lang="en-US" altLang="en-US" sz="900" b="0" i="0" u="none" strike="noStrike" cap="none" normalizeH="0" baseline="0" dirty="0">
-                <a:ln>
-                  <a:noFill/>
-                </a:ln>
-                <a:solidFill>
-                  <a:srgbClr val="000000"/>
-                </a:solidFill>
-                <a:effectLst/>
-                <a:latin typeface="Courier New" panose="02070309020205020404" pitchFamily="49" charset="0"/>
-                <a:cs typeface="Courier New" panose="02070309020205020404" pitchFamily="49" charset="0"/>
-              </a:rPr>
-            </a:br>
-            <a:br>
-              <a:rPr kumimoji="0" lang="en-US" altLang="en-US" sz="900" b="0" i="0" u="none" strike="noStrike" cap="none" normalizeH="0" baseline="0" dirty="0">
-                <a:ln>
-                  <a:noFill/>
-                </a:ln>
-                <a:solidFill>
-                  <a:srgbClr val="000000"/>
-                </a:solidFill>
-                <a:effectLst/>
-                <a:latin typeface="Courier New" panose="02070309020205020404" pitchFamily="49" charset="0"/>
-                <a:cs typeface="Courier New" panose="02070309020205020404" pitchFamily="49" charset="0"/>
-              </a:rPr>
-            </a:br>
-            <a:r>
-              <a:rPr kumimoji="0" lang="en-US" altLang="en-US" sz="900" b="0" i="0" u="none" strike="noStrike" cap="none" normalizeH="0" baseline="0" dirty="0">
-                <a:ln>
-                  <a:noFill/>
-                </a:ln>
-                <a:solidFill>
-                  <a:srgbClr val="000000"/>
-                </a:solidFill>
-                <a:effectLst/>
-                <a:latin typeface="Courier New" panose="02070309020205020404" pitchFamily="49" charset="0"/>
-                <a:cs typeface="Courier New" panose="02070309020205020404" pitchFamily="49" charset="0"/>
-              </a:rPr>
-              <a:t>    </a:t>
-            </a:r>
-            <a:r>
-              <a:rPr kumimoji="0" lang="en-US" altLang="en-US" sz="900" b="0" i="0" u="none" strike="noStrike" cap="none" normalizeH="0" baseline="0" dirty="0">
-                <a:ln>
-                  <a:noFill/>
-                </a:ln>
-                <a:solidFill>
-                  <a:srgbClr val="808000"/>
-                </a:solidFill>
-                <a:effectLst/>
-                <a:latin typeface="Courier New" panose="02070309020205020404" pitchFamily="49" charset="0"/>
-                <a:cs typeface="Courier New" panose="02070309020205020404" pitchFamily="49" charset="0"/>
-              </a:rPr>
-              <a:t>@</a:t>
-            </a:r>
-            <a:r>
-              <a:rPr kumimoji="0" lang="en-US" altLang="en-US" sz="900" b="0" i="0" u="none" strike="noStrike" cap="none" normalizeH="0" baseline="0" dirty="0" err="1">
-                <a:ln>
-                  <a:noFill/>
-                </a:ln>
-                <a:solidFill>
-                  <a:srgbClr val="808000"/>
-                </a:solidFill>
-                <a:effectLst/>
-                <a:latin typeface="Courier New" panose="02070309020205020404" pitchFamily="49" charset="0"/>
-                <a:cs typeface="Courier New" panose="02070309020205020404" pitchFamily="49" charset="0"/>
-              </a:rPr>
-              <a:t>JsonProperty</a:t>
-            </a:r>
-            <a:br>
-              <a:rPr kumimoji="0" lang="en-US" altLang="en-US" sz="900" b="0" i="0" u="none" strike="noStrike" cap="none" normalizeH="0" baseline="0" dirty="0">
-                <a:ln>
-                  <a:noFill/>
-                </a:ln>
-                <a:solidFill>
-                  <a:srgbClr val="808000"/>
-                </a:solidFill>
-                <a:effectLst/>
-                <a:latin typeface="Courier New" panose="02070309020205020404" pitchFamily="49" charset="0"/>
-                <a:cs typeface="Courier New" panose="02070309020205020404" pitchFamily="49" charset="0"/>
-              </a:rPr>
-            </a:br>
-            <a:r>
-              <a:rPr kumimoji="0" lang="en-US" altLang="en-US" sz="900" b="0" i="0" u="none" strike="noStrike" cap="none" normalizeH="0" baseline="0" dirty="0">
-                <a:ln>
-                  <a:noFill/>
-                </a:ln>
-                <a:solidFill>
-                  <a:srgbClr val="808000"/>
-                </a:solidFill>
-                <a:effectLst/>
-                <a:latin typeface="Courier New" panose="02070309020205020404" pitchFamily="49" charset="0"/>
-                <a:cs typeface="Courier New" panose="02070309020205020404" pitchFamily="49" charset="0"/>
-              </a:rPr>
-              <a:t>    </a:t>
-            </a:r>
-            <a:r>
-              <a:rPr kumimoji="0" lang="en-US" altLang="en-US" sz="900" b="1" i="0" u="none" strike="noStrike" cap="none" normalizeH="0" baseline="0" dirty="0">
-                <a:ln>
-                  <a:noFill/>
-                </a:ln>
-                <a:solidFill>
-                  <a:srgbClr val="000080"/>
-                </a:solidFill>
-                <a:effectLst/>
-                <a:latin typeface="Courier New" panose="02070309020205020404" pitchFamily="49" charset="0"/>
-                <a:cs typeface="Courier New" panose="02070309020205020404" pitchFamily="49" charset="0"/>
-              </a:rPr>
-              <a:t>public void </a:t>
-            </a:r>
-            <a:r>
-              <a:rPr kumimoji="0" lang="en-US" altLang="en-US" sz="900" b="0" i="0" u="none" strike="noStrike" cap="none" normalizeH="0" baseline="0" dirty="0" err="1">
-                <a:ln>
-                  <a:noFill/>
-                </a:ln>
-                <a:solidFill>
-                  <a:srgbClr val="000000"/>
-                </a:solidFill>
-                <a:effectLst/>
-                <a:latin typeface="Courier New" panose="02070309020205020404" pitchFamily="49" charset="0"/>
-                <a:cs typeface="Courier New" panose="02070309020205020404" pitchFamily="49" charset="0"/>
-              </a:rPr>
-              <a:t>setTemplate</a:t>
-            </a:r>
-            <a:r>
-              <a:rPr kumimoji="0" lang="en-US" altLang="en-US" sz="900" b="0" i="0" u="none" strike="noStrike" cap="none" normalizeH="0" baseline="0" dirty="0">
-                <a:ln>
-                  <a:noFill/>
-                </a:ln>
-                <a:solidFill>
-                  <a:srgbClr val="000000"/>
-                </a:solidFill>
-                <a:effectLst/>
-                <a:latin typeface="Courier New" panose="02070309020205020404" pitchFamily="49" charset="0"/>
-                <a:cs typeface="Courier New" panose="02070309020205020404" pitchFamily="49" charset="0"/>
-              </a:rPr>
-              <a:t>(String template) {</a:t>
-            </a:r>
-            <a:br>
-              <a:rPr kumimoji="0" lang="en-US" altLang="en-US" sz="900" b="0" i="0" u="none" strike="noStrike" cap="none" normalizeH="0" baseline="0" dirty="0">
-                <a:ln>
-                  <a:noFill/>
-                </a:ln>
-                <a:solidFill>
-                  <a:srgbClr val="000000"/>
-                </a:solidFill>
-                <a:effectLst/>
-                <a:latin typeface="Courier New" panose="02070309020205020404" pitchFamily="49" charset="0"/>
-                <a:cs typeface="Courier New" panose="02070309020205020404" pitchFamily="49" charset="0"/>
-              </a:rPr>
-            </a:br>
-            <a:r>
-              <a:rPr kumimoji="0" lang="en-US" altLang="en-US" sz="900" b="0" i="0" u="none" strike="noStrike" cap="none" normalizeH="0" baseline="0" dirty="0">
-                <a:ln>
-                  <a:noFill/>
-                </a:ln>
-                <a:solidFill>
-                  <a:srgbClr val="000000"/>
-                </a:solidFill>
-                <a:effectLst/>
-                <a:latin typeface="Courier New" panose="02070309020205020404" pitchFamily="49" charset="0"/>
-                <a:cs typeface="Courier New" panose="02070309020205020404" pitchFamily="49" charset="0"/>
-              </a:rPr>
-              <a:t>        </a:t>
-            </a:r>
-            <a:r>
-              <a:rPr kumimoji="0" lang="en-US" altLang="en-US" sz="900" b="1" i="0" u="none" strike="noStrike" cap="none" normalizeH="0" baseline="0" dirty="0" err="1">
-                <a:ln>
-                  <a:noFill/>
-                </a:ln>
-                <a:solidFill>
-                  <a:srgbClr val="000080"/>
-                </a:solidFill>
-                <a:effectLst/>
-                <a:latin typeface="Courier New" panose="02070309020205020404" pitchFamily="49" charset="0"/>
-                <a:cs typeface="Courier New" panose="02070309020205020404" pitchFamily="49" charset="0"/>
-              </a:rPr>
-              <a:t>this</a:t>
-            </a:r>
-            <a:r>
-              <a:rPr kumimoji="0" lang="en-US" altLang="en-US" sz="900" b="0" i="0" u="none" strike="noStrike" cap="none" normalizeH="0" baseline="0" dirty="0" err="1">
-                <a:ln>
-                  <a:noFill/>
-                </a:ln>
-                <a:solidFill>
-                  <a:srgbClr val="000000"/>
-                </a:solidFill>
-                <a:effectLst/>
-                <a:latin typeface="Courier New" panose="02070309020205020404" pitchFamily="49" charset="0"/>
-                <a:cs typeface="Courier New" panose="02070309020205020404" pitchFamily="49" charset="0"/>
-              </a:rPr>
-              <a:t>.</a:t>
-            </a:r>
-            <a:r>
-              <a:rPr kumimoji="0" lang="en-US" altLang="en-US" sz="900" b="1" i="0" u="none" strike="noStrike" cap="none" normalizeH="0" baseline="0" dirty="0" err="1">
-                <a:ln>
-                  <a:noFill/>
-                </a:ln>
-                <a:solidFill>
-                  <a:srgbClr val="660E7A"/>
-                </a:solidFill>
-                <a:effectLst/>
-                <a:latin typeface="Courier New" panose="02070309020205020404" pitchFamily="49" charset="0"/>
-                <a:cs typeface="Courier New" panose="02070309020205020404" pitchFamily="49" charset="0"/>
-              </a:rPr>
-              <a:t>template</a:t>
-            </a:r>
-            <a:r>
-              <a:rPr kumimoji="0" lang="en-US" altLang="en-US" sz="900" b="1" i="0" u="none" strike="noStrike" cap="none" normalizeH="0" baseline="0" dirty="0">
-                <a:ln>
-                  <a:noFill/>
-                </a:ln>
-                <a:solidFill>
-                  <a:srgbClr val="660E7A"/>
-                </a:solidFill>
-                <a:effectLst/>
-                <a:latin typeface="Courier New" panose="02070309020205020404" pitchFamily="49" charset="0"/>
-                <a:cs typeface="Courier New" panose="02070309020205020404" pitchFamily="49" charset="0"/>
-              </a:rPr>
-              <a:t> </a:t>
-            </a:r>
-            <a:r>
-              <a:rPr kumimoji="0" lang="en-US" altLang="en-US" sz="900" b="0" i="0" u="none" strike="noStrike" cap="none" normalizeH="0" baseline="0" dirty="0">
-                <a:ln>
-                  <a:noFill/>
-                </a:ln>
-                <a:solidFill>
-                  <a:srgbClr val="000000"/>
-                </a:solidFill>
-                <a:effectLst/>
-                <a:latin typeface="Courier New" panose="02070309020205020404" pitchFamily="49" charset="0"/>
-                <a:cs typeface="Courier New" panose="02070309020205020404" pitchFamily="49" charset="0"/>
-              </a:rPr>
-              <a:t>= template;</a:t>
-            </a:r>
-            <a:br>
-              <a:rPr kumimoji="0" lang="en-US" altLang="en-US" sz="900" b="0" i="0" u="none" strike="noStrike" cap="none" normalizeH="0" baseline="0" dirty="0">
-                <a:ln>
-                  <a:noFill/>
-                </a:ln>
-                <a:solidFill>
-                  <a:srgbClr val="000000"/>
-                </a:solidFill>
-                <a:effectLst/>
-                <a:latin typeface="Courier New" panose="02070309020205020404" pitchFamily="49" charset="0"/>
-                <a:cs typeface="Courier New" panose="02070309020205020404" pitchFamily="49" charset="0"/>
-              </a:rPr>
-            </a:br>
-            <a:r>
-              <a:rPr kumimoji="0" lang="en-US" altLang="en-US" sz="900" b="0" i="0" u="none" strike="noStrike" cap="none" normalizeH="0" baseline="0" dirty="0">
-                <a:ln>
-                  <a:noFill/>
-                </a:ln>
-                <a:solidFill>
-                  <a:srgbClr val="000000"/>
-                </a:solidFill>
-                <a:effectLst/>
-                <a:latin typeface="Courier New" panose="02070309020205020404" pitchFamily="49" charset="0"/>
-                <a:cs typeface="Courier New" panose="02070309020205020404" pitchFamily="49" charset="0"/>
-              </a:rPr>
-              <a:t>    }</a:t>
-            </a:r>
-            <a:br>
-              <a:rPr kumimoji="0" lang="en-US" altLang="en-US" sz="900" b="0" i="0" u="none" strike="noStrike" cap="none" normalizeH="0" baseline="0" dirty="0">
-                <a:ln>
-                  <a:noFill/>
-                </a:ln>
-                <a:solidFill>
-                  <a:srgbClr val="000000"/>
-                </a:solidFill>
-                <a:effectLst/>
-                <a:latin typeface="Courier New" panose="02070309020205020404" pitchFamily="49" charset="0"/>
-                <a:cs typeface="Courier New" panose="02070309020205020404" pitchFamily="49" charset="0"/>
-              </a:rPr>
-            </a:br>
-            <a:br>
-              <a:rPr kumimoji="0" lang="en-US" altLang="en-US" sz="900" b="0" i="0" u="none" strike="noStrike" cap="none" normalizeH="0" baseline="0" dirty="0">
-                <a:ln>
-                  <a:noFill/>
-                </a:ln>
-                <a:solidFill>
-                  <a:srgbClr val="000000"/>
-                </a:solidFill>
-                <a:effectLst/>
-                <a:latin typeface="Courier New" panose="02070309020205020404" pitchFamily="49" charset="0"/>
-                <a:cs typeface="Courier New" panose="02070309020205020404" pitchFamily="49" charset="0"/>
-              </a:rPr>
-            </a:br>
-            <a:r>
-              <a:rPr kumimoji="0" lang="en-US" altLang="en-US" sz="900" b="0" i="0" u="none" strike="noStrike" cap="none" normalizeH="0" baseline="0" dirty="0">
-                <a:ln>
-                  <a:noFill/>
-                </a:ln>
-                <a:solidFill>
-                  <a:srgbClr val="000000"/>
-                </a:solidFill>
-                <a:effectLst/>
-                <a:latin typeface="Courier New" panose="02070309020205020404" pitchFamily="49" charset="0"/>
-                <a:cs typeface="Courier New" panose="02070309020205020404" pitchFamily="49" charset="0"/>
-              </a:rPr>
-              <a:t>    </a:t>
-            </a:r>
-            <a:r>
-              <a:rPr kumimoji="0" lang="en-US" altLang="en-US" sz="900" b="0" i="0" u="none" strike="noStrike" cap="none" normalizeH="0" baseline="0" dirty="0">
-                <a:ln>
-                  <a:noFill/>
-                </a:ln>
-                <a:solidFill>
-                  <a:srgbClr val="808000"/>
-                </a:solidFill>
-                <a:effectLst/>
-                <a:latin typeface="Courier New" panose="02070309020205020404" pitchFamily="49" charset="0"/>
-                <a:cs typeface="Courier New" panose="02070309020205020404" pitchFamily="49" charset="0"/>
-              </a:rPr>
-              <a:t>@</a:t>
-            </a:r>
-            <a:r>
-              <a:rPr kumimoji="0" lang="en-US" altLang="en-US" sz="900" b="0" i="0" u="none" strike="noStrike" cap="none" normalizeH="0" baseline="0" dirty="0" err="1">
-                <a:ln>
-                  <a:noFill/>
-                </a:ln>
-                <a:solidFill>
-                  <a:srgbClr val="808000"/>
-                </a:solidFill>
-                <a:effectLst/>
-                <a:latin typeface="Courier New" panose="02070309020205020404" pitchFamily="49" charset="0"/>
-                <a:cs typeface="Courier New" panose="02070309020205020404" pitchFamily="49" charset="0"/>
-              </a:rPr>
-              <a:t>JsonProperty</a:t>
-            </a:r>
-            <a:br>
-              <a:rPr kumimoji="0" lang="en-US" altLang="en-US" sz="900" b="0" i="0" u="none" strike="noStrike" cap="none" normalizeH="0" baseline="0" dirty="0">
-                <a:ln>
-                  <a:noFill/>
-                </a:ln>
-                <a:solidFill>
-                  <a:srgbClr val="808000"/>
-                </a:solidFill>
-                <a:effectLst/>
-                <a:latin typeface="Courier New" panose="02070309020205020404" pitchFamily="49" charset="0"/>
-                <a:cs typeface="Courier New" panose="02070309020205020404" pitchFamily="49" charset="0"/>
-              </a:rPr>
-            </a:br>
-            <a:r>
-              <a:rPr kumimoji="0" lang="en-US" altLang="en-US" sz="900" b="0" i="0" u="none" strike="noStrike" cap="none" normalizeH="0" baseline="0" dirty="0">
-                <a:ln>
-                  <a:noFill/>
-                </a:ln>
-                <a:solidFill>
-                  <a:srgbClr val="808000"/>
-                </a:solidFill>
-                <a:effectLst/>
-                <a:latin typeface="Courier New" panose="02070309020205020404" pitchFamily="49" charset="0"/>
-                <a:cs typeface="Courier New" panose="02070309020205020404" pitchFamily="49" charset="0"/>
-              </a:rPr>
-              <a:t>    </a:t>
-            </a:r>
-            <a:r>
-              <a:rPr kumimoji="0" lang="en-US" altLang="en-US" sz="900" b="1" i="0" u="none" strike="noStrike" cap="none" normalizeH="0" baseline="0" dirty="0">
-                <a:ln>
-                  <a:noFill/>
-                </a:ln>
-                <a:solidFill>
-                  <a:srgbClr val="000080"/>
-                </a:solidFill>
-                <a:effectLst/>
-                <a:latin typeface="Courier New" panose="02070309020205020404" pitchFamily="49" charset="0"/>
-                <a:cs typeface="Courier New" panose="02070309020205020404" pitchFamily="49" charset="0"/>
-              </a:rPr>
-              <a:t>public </a:t>
-            </a:r>
-            <a:r>
-              <a:rPr kumimoji="0" lang="en-US" altLang="en-US" sz="900" b="0" i="0" u="none" strike="noStrike" cap="none" normalizeH="0" baseline="0" dirty="0">
-                <a:ln>
-                  <a:noFill/>
-                </a:ln>
-                <a:solidFill>
-                  <a:srgbClr val="000000"/>
-                </a:solidFill>
-                <a:effectLst/>
-                <a:latin typeface="Courier New" panose="02070309020205020404" pitchFamily="49" charset="0"/>
-                <a:cs typeface="Courier New" panose="02070309020205020404" pitchFamily="49" charset="0"/>
-              </a:rPr>
-              <a:t>String </a:t>
-            </a:r>
-            <a:r>
-              <a:rPr kumimoji="0" lang="en-US" altLang="en-US" sz="900" b="0" i="0" u="none" strike="noStrike" cap="none" normalizeH="0" baseline="0" dirty="0" err="1">
-                <a:ln>
-                  <a:noFill/>
-                </a:ln>
-                <a:solidFill>
-                  <a:srgbClr val="000000"/>
-                </a:solidFill>
-                <a:effectLst/>
-                <a:latin typeface="Courier New" panose="02070309020205020404" pitchFamily="49" charset="0"/>
-                <a:cs typeface="Courier New" panose="02070309020205020404" pitchFamily="49" charset="0"/>
-              </a:rPr>
-              <a:t>getDefaultName</a:t>
-            </a:r>
-            <a:r>
-              <a:rPr kumimoji="0" lang="en-US" altLang="en-US" sz="900" b="0" i="0" u="none" strike="noStrike" cap="none" normalizeH="0" baseline="0" dirty="0">
-                <a:ln>
-                  <a:noFill/>
-                </a:ln>
-                <a:solidFill>
-                  <a:srgbClr val="000000"/>
-                </a:solidFill>
-                <a:effectLst/>
-                <a:latin typeface="Courier New" panose="02070309020205020404" pitchFamily="49" charset="0"/>
-                <a:cs typeface="Courier New" panose="02070309020205020404" pitchFamily="49" charset="0"/>
-              </a:rPr>
-              <a:t>() {</a:t>
-            </a:r>
-            <a:br>
-              <a:rPr kumimoji="0" lang="en-US" altLang="en-US" sz="900" b="0" i="0" u="none" strike="noStrike" cap="none" normalizeH="0" baseline="0" dirty="0">
-                <a:ln>
-                  <a:noFill/>
-                </a:ln>
-                <a:solidFill>
-                  <a:srgbClr val="000000"/>
-                </a:solidFill>
-                <a:effectLst/>
-                <a:latin typeface="Courier New" panose="02070309020205020404" pitchFamily="49" charset="0"/>
-                <a:cs typeface="Courier New" panose="02070309020205020404" pitchFamily="49" charset="0"/>
-              </a:rPr>
-            </a:br>
-            <a:r>
-              <a:rPr kumimoji="0" lang="en-US" altLang="en-US" sz="900" b="0" i="0" u="none" strike="noStrike" cap="none" normalizeH="0" baseline="0" dirty="0">
-                <a:ln>
-                  <a:noFill/>
-                </a:ln>
-                <a:solidFill>
-                  <a:srgbClr val="000000"/>
-                </a:solidFill>
-                <a:effectLst/>
-                <a:latin typeface="Courier New" panose="02070309020205020404" pitchFamily="49" charset="0"/>
-                <a:cs typeface="Courier New" panose="02070309020205020404" pitchFamily="49" charset="0"/>
-              </a:rPr>
-              <a:t>        </a:t>
-            </a:r>
-            <a:r>
-              <a:rPr kumimoji="0" lang="en-US" altLang="en-US" sz="900" b="1" i="0" u="none" strike="noStrike" cap="none" normalizeH="0" baseline="0" dirty="0">
-                <a:ln>
-                  <a:noFill/>
-                </a:ln>
-                <a:solidFill>
-                  <a:srgbClr val="000080"/>
-                </a:solidFill>
-                <a:effectLst/>
-                <a:latin typeface="Courier New" panose="02070309020205020404" pitchFamily="49" charset="0"/>
-                <a:cs typeface="Courier New" panose="02070309020205020404" pitchFamily="49" charset="0"/>
-              </a:rPr>
-              <a:t>return </a:t>
-            </a:r>
-            <a:r>
-              <a:rPr kumimoji="0" lang="en-US" altLang="en-US" sz="900" b="1" i="0" u="none" strike="noStrike" cap="none" normalizeH="0" baseline="0" dirty="0" err="1">
-                <a:ln>
-                  <a:noFill/>
-                </a:ln>
-                <a:solidFill>
-                  <a:srgbClr val="660E7A"/>
-                </a:solidFill>
-                <a:effectLst/>
-                <a:latin typeface="Courier New" panose="02070309020205020404" pitchFamily="49" charset="0"/>
-                <a:cs typeface="Courier New" panose="02070309020205020404" pitchFamily="49" charset="0"/>
-              </a:rPr>
-              <a:t>defaultName</a:t>
-            </a:r>
-            <a:r>
-              <a:rPr kumimoji="0" lang="en-US" altLang="en-US" sz="900" b="0" i="0" u="none" strike="noStrike" cap="none" normalizeH="0" baseline="0" dirty="0">
-                <a:ln>
-                  <a:noFill/>
-                </a:ln>
-                <a:solidFill>
-                  <a:srgbClr val="000000"/>
-                </a:solidFill>
-                <a:effectLst/>
-                <a:latin typeface="Courier New" panose="02070309020205020404" pitchFamily="49" charset="0"/>
-                <a:cs typeface="Courier New" panose="02070309020205020404" pitchFamily="49" charset="0"/>
-              </a:rPr>
-              <a:t>;</a:t>
-            </a:r>
-            <a:br>
-              <a:rPr kumimoji="0" lang="en-US" altLang="en-US" sz="900" b="0" i="0" u="none" strike="noStrike" cap="none" normalizeH="0" baseline="0" dirty="0">
-                <a:ln>
-                  <a:noFill/>
-                </a:ln>
-                <a:solidFill>
-                  <a:srgbClr val="000000"/>
-                </a:solidFill>
-                <a:effectLst/>
-                <a:latin typeface="Courier New" panose="02070309020205020404" pitchFamily="49" charset="0"/>
-                <a:cs typeface="Courier New" panose="02070309020205020404" pitchFamily="49" charset="0"/>
-              </a:rPr>
-            </a:br>
-            <a:r>
-              <a:rPr kumimoji="0" lang="en-US" altLang="en-US" sz="900" b="0" i="0" u="none" strike="noStrike" cap="none" normalizeH="0" baseline="0" dirty="0">
-                <a:ln>
-                  <a:noFill/>
-                </a:ln>
-                <a:solidFill>
-                  <a:srgbClr val="000000"/>
-                </a:solidFill>
-                <a:effectLst/>
-                <a:latin typeface="Courier New" panose="02070309020205020404" pitchFamily="49" charset="0"/>
-                <a:cs typeface="Courier New" panose="02070309020205020404" pitchFamily="49" charset="0"/>
-              </a:rPr>
-              <a:t>    }</a:t>
-            </a:r>
-            <a:br>
-              <a:rPr kumimoji="0" lang="en-US" altLang="en-US" sz="900" b="0" i="0" u="none" strike="noStrike" cap="none" normalizeH="0" baseline="0" dirty="0">
-                <a:ln>
-                  <a:noFill/>
-                </a:ln>
-                <a:solidFill>
-                  <a:srgbClr val="000000"/>
-                </a:solidFill>
-                <a:effectLst/>
-                <a:latin typeface="Courier New" panose="02070309020205020404" pitchFamily="49" charset="0"/>
-                <a:cs typeface="Courier New" panose="02070309020205020404" pitchFamily="49" charset="0"/>
-              </a:rPr>
-            </a:br>
-            <a:br>
-              <a:rPr kumimoji="0" lang="en-US" altLang="en-US" sz="900" b="0" i="0" u="none" strike="noStrike" cap="none" normalizeH="0" baseline="0" dirty="0">
-                <a:ln>
-                  <a:noFill/>
-                </a:ln>
-                <a:solidFill>
-                  <a:srgbClr val="000000"/>
-                </a:solidFill>
-                <a:effectLst/>
-                <a:latin typeface="Courier New" panose="02070309020205020404" pitchFamily="49" charset="0"/>
-                <a:cs typeface="Courier New" panose="02070309020205020404" pitchFamily="49" charset="0"/>
-              </a:rPr>
-            </a:br>
-            <a:r>
-              <a:rPr kumimoji="0" lang="en-US" altLang="en-US" sz="900" b="0" i="0" u="none" strike="noStrike" cap="none" normalizeH="0" baseline="0" dirty="0">
-                <a:ln>
-                  <a:noFill/>
-                </a:ln>
-                <a:solidFill>
-                  <a:srgbClr val="000000"/>
-                </a:solidFill>
-                <a:effectLst/>
-                <a:latin typeface="Courier New" panose="02070309020205020404" pitchFamily="49" charset="0"/>
-                <a:cs typeface="Courier New" panose="02070309020205020404" pitchFamily="49" charset="0"/>
-              </a:rPr>
-              <a:t>    </a:t>
-            </a:r>
-            <a:r>
-              <a:rPr kumimoji="0" lang="en-US" altLang="en-US" sz="900" b="0" i="0" u="none" strike="noStrike" cap="none" normalizeH="0" baseline="0" dirty="0">
-                <a:ln>
-                  <a:noFill/>
-                </a:ln>
-                <a:solidFill>
-                  <a:srgbClr val="808000"/>
-                </a:solidFill>
-                <a:effectLst/>
-                <a:latin typeface="Courier New" panose="02070309020205020404" pitchFamily="49" charset="0"/>
-                <a:cs typeface="Courier New" panose="02070309020205020404" pitchFamily="49" charset="0"/>
-              </a:rPr>
-              <a:t>@</a:t>
-            </a:r>
-            <a:r>
-              <a:rPr kumimoji="0" lang="en-US" altLang="en-US" sz="900" b="0" i="0" u="none" strike="noStrike" cap="none" normalizeH="0" baseline="0" dirty="0" err="1">
-                <a:ln>
-                  <a:noFill/>
-                </a:ln>
-                <a:solidFill>
-                  <a:srgbClr val="808000"/>
-                </a:solidFill>
-                <a:effectLst/>
-                <a:latin typeface="Courier New" panose="02070309020205020404" pitchFamily="49" charset="0"/>
-                <a:cs typeface="Courier New" panose="02070309020205020404" pitchFamily="49" charset="0"/>
-              </a:rPr>
-              <a:t>JsonProperty</a:t>
-            </a:r>
-            <a:br>
-              <a:rPr kumimoji="0" lang="en-US" altLang="en-US" sz="900" b="0" i="0" u="none" strike="noStrike" cap="none" normalizeH="0" baseline="0" dirty="0">
-                <a:ln>
-                  <a:noFill/>
-                </a:ln>
-                <a:solidFill>
-                  <a:srgbClr val="808000"/>
-                </a:solidFill>
-                <a:effectLst/>
-                <a:latin typeface="Courier New" panose="02070309020205020404" pitchFamily="49" charset="0"/>
-                <a:cs typeface="Courier New" panose="02070309020205020404" pitchFamily="49" charset="0"/>
-              </a:rPr>
-            </a:br>
-            <a:r>
-              <a:rPr kumimoji="0" lang="en-US" altLang="en-US" sz="900" b="0" i="0" u="none" strike="noStrike" cap="none" normalizeH="0" baseline="0" dirty="0">
-                <a:ln>
-                  <a:noFill/>
-                </a:ln>
-                <a:solidFill>
-                  <a:srgbClr val="808000"/>
-                </a:solidFill>
-                <a:effectLst/>
-                <a:latin typeface="Courier New" panose="02070309020205020404" pitchFamily="49" charset="0"/>
-                <a:cs typeface="Courier New" panose="02070309020205020404" pitchFamily="49" charset="0"/>
-              </a:rPr>
-              <a:t>    </a:t>
-            </a:r>
-            <a:r>
-              <a:rPr kumimoji="0" lang="en-US" altLang="en-US" sz="900" b="1" i="0" u="none" strike="noStrike" cap="none" normalizeH="0" baseline="0" dirty="0">
-                <a:ln>
-                  <a:noFill/>
-                </a:ln>
-                <a:solidFill>
-                  <a:srgbClr val="000080"/>
-                </a:solidFill>
-                <a:effectLst/>
-                <a:latin typeface="Courier New" panose="02070309020205020404" pitchFamily="49" charset="0"/>
-                <a:cs typeface="Courier New" panose="02070309020205020404" pitchFamily="49" charset="0"/>
-              </a:rPr>
-              <a:t>public void </a:t>
-            </a:r>
-            <a:r>
-              <a:rPr kumimoji="0" lang="en-US" altLang="en-US" sz="900" b="0" i="0" u="none" strike="noStrike" cap="none" normalizeH="0" baseline="0" dirty="0" err="1">
-                <a:ln>
-                  <a:noFill/>
-                </a:ln>
-                <a:solidFill>
-                  <a:srgbClr val="000000"/>
-                </a:solidFill>
-                <a:effectLst/>
-                <a:latin typeface="Courier New" panose="02070309020205020404" pitchFamily="49" charset="0"/>
-                <a:cs typeface="Courier New" panose="02070309020205020404" pitchFamily="49" charset="0"/>
-              </a:rPr>
-              <a:t>setDefaultName</a:t>
-            </a:r>
-            <a:r>
-              <a:rPr kumimoji="0" lang="en-US" altLang="en-US" sz="900" b="0" i="0" u="none" strike="noStrike" cap="none" normalizeH="0" baseline="0" dirty="0">
-                <a:ln>
-                  <a:noFill/>
-                </a:ln>
-                <a:solidFill>
-                  <a:srgbClr val="000000"/>
-                </a:solidFill>
-                <a:effectLst/>
-                <a:latin typeface="Courier New" panose="02070309020205020404" pitchFamily="49" charset="0"/>
-                <a:cs typeface="Courier New" panose="02070309020205020404" pitchFamily="49" charset="0"/>
-              </a:rPr>
-              <a:t>(String name) {</a:t>
-            </a:r>
-            <a:br>
-              <a:rPr kumimoji="0" lang="en-US" altLang="en-US" sz="900" b="0" i="0" u="none" strike="noStrike" cap="none" normalizeH="0" baseline="0" dirty="0">
-                <a:ln>
-                  <a:noFill/>
-                </a:ln>
-                <a:solidFill>
-                  <a:srgbClr val="000000"/>
-                </a:solidFill>
-                <a:effectLst/>
-                <a:latin typeface="Courier New" panose="02070309020205020404" pitchFamily="49" charset="0"/>
-                <a:cs typeface="Courier New" panose="02070309020205020404" pitchFamily="49" charset="0"/>
-              </a:rPr>
-            </a:br>
-            <a:r>
-              <a:rPr kumimoji="0" lang="en-US" altLang="en-US" sz="900" b="0" i="0" u="none" strike="noStrike" cap="none" normalizeH="0" baseline="0" dirty="0">
-                <a:ln>
-                  <a:noFill/>
-                </a:ln>
-                <a:solidFill>
-                  <a:srgbClr val="000000"/>
-                </a:solidFill>
-                <a:effectLst/>
-                <a:latin typeface="Courier New" panose="02070309020205020404" pitchFamily="49" charset="0"/>
-                <a:cs typeface="Courier New" panose="02070309020205020404" pitchFamily="49" charset="0"/>
-              </a:rPr>
-              <a:t>        </a:t>
-            </a:r>
-            <a:r>
-              <a:rPr kumimoji="0" lang="en-US" altLang="en-US" sz="900" b="1" i="0" u="none" strike="noStrike" cap="none" normalizeH="0" baseline="0" dirty="0" err="1">
-                <a:ln>
-                  <a:noFill/>
-                </a:ln>
-                <a:solidFill>
-                  <a:srgbClr val="000080"/>
-                </a:solidFill>
-                <a:effectLst/>
-                <a:latin typeface="Courier New" panose="02070309020205020404" pitchFamily="49" charset="0"/>
-                <a:cs typeface="Courier New" panose="02070309020205020404" pitchFamily="49" charset="0"/>
-              </a:rPr>
-              <a:t>this</a:t>
-            </a:r>
-            <a:r>
-              <a:rPr kumimoji="0" lang="en-US" altLang="en-US" sz="900" b="0" i="0" u="none" strike="noStrike" cap="none" normalizeH="0" baseline="0" dirty="0" err="1">
-                <a:ln>
-                  <a:noFill/>
-                </a:ln>
-                <a:solidFill>
-                  <a:srgbClr val="000000"/>
-                </a:solidFill>
-                <a:effectLst/>
-                <a:latin typeface="Courier New" panose="02070309020205020404" pitchFamily="49" charset="0"/>
-                <a:cs typeface="Courier New" panose="02070309020205020404" pitchFamily="49" charset="0"/>
-              </a:rPr>
-              <a:t>.</a:t>
-            </a:r>
-            <a:r>
-              <a:rPr kumimoji="0" lang="en-US" altLang="en-US" sz="900" b="1" i="0" u="none" strike="noStrike" cap="none" normalizeH="0" baseline="0" dirty="0" err="1">
-                <a:ln>
-                  <a:noFill/>
-                </a:ln>
-                <a:solidFill>
-                  <a:srgbClr val="660E7A"/>
-                </a:solidFill>
-                <a:effectLst/>
-                <a:latin typeface="Courier New" panose="02070309020205020404" pitchFamily="49" charset="0"/>
-                <a:cs typeface="Courier New" panose="02070309020205020404" pitchFamily="49" charset="0"/>
-              </a:rPr>
-              <a:t>defaultName</a:t>
-            </a:r>
-            <a:r>
-              <a:rPr kumimoji="0" lang="en-US" altLang="en-US" sz="900" b="1" i="0" u="none" strike="noStrike" cap="none" normalizeH="0" baseline="0" dirty="0">
-                <a:ln>
-                  <a:noFill/>
-                </a:ln>
-                <a:solidFill>
-                  <a:srgbClr val="660E7A"/>
-                </a:solidFill>
-                <a:effectLst/>
-                <a:latin typeface="Courier New" panose="02070309020205020404" pitchFamily="49" charset="0"/>
-                <a:cs typeface="Courier New" panose="02070309020205020404" pitchFamily="49" charset="0"/>
-              </a:rPr>
-              <a:t> </a:t>
-            </a:r>
-            <a:r>
-              <a:rPr kumimoji="0" lang="en-US" altLang="en-US" sz="900" b="0" i="0" u="none" strike="noStrike" cap="none" normalizeH="0" baseline="0" dirty="0">
-                <a:ln>
-                  <a:noFill/>
-                </a:ln>
-                <a:solidFill>
-                  <a:srgbClr val="000000"/>
-                </a:solidFill>
-                <a:effectLst/>
-                <a:latin typeface="Courier New" panose="02070309020205020404" pitchFamily="49" charset="0"/>
-                <a:cs typeface="Courier New" panose="02070309020205020404" pitchFamily="49" charset="0"/>
-              </a:rPr>
-              <a:t>= name;</a:t>
-            </a:r>
-            <a:br>
-              <a:rPr kumimoji="0" lang="en-US" altLang="en-US" sz="900" b="0" i="0" u="none" strike="noStrike" cap="none" normalizeH="0" baseline="0" dirty="0">
-                <a:ln>
-                  <a:noFill/>
-                </a:ln>
-                <a:solidFill>
-                  <a:srgbClr val="000000"/>
-                </a:solidFill>
-                <a:effectLst/>
-                <a:latin typeface="Courier New" panose="02070309020205020404" pitchFamily="49" charset="0"/>
-                <a:cs typeface="Courier New" panose="02070309020205020404" pitchFamily="49" charset="0"/>
-              </a:rPr>
-            </a:br>
-            <a:r>
-              <a:rPr kumimoji="0" lang="en-US" altLang="en-US" sz="900" b="0" i="0" u="none" strike="noStrike" cap="none" normalizeH="0" baseline="0" dirty="0">
-                <a:ln>
-                  <a:noFill/>
-                </a:ln>
-                <a:solidFill>
-                  <a:srgbClr val="000000"/>
-                </a:solidFill>
-                <a:effectLst/>
-                <a:latin typeface="Courier New" panose="02070309020205020404" pitchFamily="49" charset="0"/>
-                <a:cs typeface="Courier New" panose="02070309020205020404" pitchFamily="49" charset="0"/>
-              </a:rPr>
-              <a:t>    }</a:t>
-            </a:r>
-            <a:br>
-              <a:rPr kumimoji="0" lang="en-US" altLang="en-US" sz="900" b="0" i="0" u="none" strike="noStrike" cap="none" normalizeH="0" baseline="0" dirty="0">
-                <a:ln>
-                  <a:noFill/>
-                </a:ln>
-                <a:solidFill>
-                  <a:srgbClr val="000000"/>
-                </a:solidFill>
-                <a:effectLst/>
-                <a:latin typeface="Courier New" panose="02070309020205020404" pitchFamily="49" charset="0"/>
-                <a:cs typeface="Courier New" panose="02070309020205020404" pitchFamily="49" charset="0"/>
-              </a:rPr>
-            </a:br>
-            <a:r>
-              <a:rPr kumimoji="0" lang="en-US" altLang="en-US" sz="900" b="0" i="0" u="none" strike="noStrike" cap="none" normalizeH="0" baseline="0" dirty="0">
-                <a:ln>
-                  <a:noFill/>
-                </a:ln>
-                <a:solidFill>
-                  <a:srgbClr val="000000"/>
-                </a:solidFill>
-                <a:effectLst/>
-                <a:latin typeface="Courier New" panose="02070309020205020404" pitchFamily="49" charset="0"/>
-                <a:cs typeface="Courier New" panose="02070309020205020404" pitchFamily="49" charset="0"/>
-              </a:rPr>
-              <a:t>}</a:t>
-            </a:r>
-            <a:br>
-              <a:rPr kumimoji="0" lang="en-US" altLang="en-US" sz="900" b="0" i="0" u="none" strike="noStrike" cap="none" normalizeH="0" baseline="0" dirty="0">
-                <a:ln>
-                  <a:noFill/>
-                </a:ln>
-                <a:solidFill>
-                  <a:srgbClr val="000000"/>
-                </a:solidFill>
-                <a:effectLst/>
-                <a:latin typeface="Courier New" panose="02070309020205020404" pitchFamily="49" charset="0"/>
-                <a:cs typeface="Courier New" panose="02070309020205020404" pitchFamily="49" charset="0"/>
-              </a:rPr>
-            </a:br>
-            <a:endParaRPr kumimoji="0" lang="en-US" altLang="en-US" sz="1800" b="0" i="0" u="none" strike="noStrike" cap="none" normalizeH="0" baseline="0" dirty="0">
-              <a:ln>
-                <a:noFill/>
-              </a:ln>
-              <a:solidFill>
-                <a:schemeClr val="tx1"/>
-              </a:solidFill>
-              <a:effectLst/>
-              <a:latin typeface="Arial" panose="020B0604020202020204" pitchFamily="34" charset="0"/>
-            </a:endParaRPr>
-          </a:p>
-        </p:txBody>
-      </p:sp>
-      <p:sp>
-        <p:nvSpPr>
-          <p:cNvPr id="12" name="Arrow: Right 11">
-            <a:extLst>
-              <a:ext uri="{FF2B5EF4-FFF2-40B4-BE49-F238E27FC236}">
-                <a16:creationId xmlns:a16="http://schemas.microsoft.com/office/drawing/2014/main" id="{6B628FAF-2381-48E8-8169-161EF79C1C69}"/>
-              </a:ext>
-            </a:extLst>
-          </p:cNvPr>
-          <p:cNvSpPr/>
-          <p:nvPr/>
-        </p:nvSpPr>
-        <p:spPr>
-          <a:xfrm>
-            <a:off x="5221357" y="3331468"/>
-            <a:ext cx="1444486" cy="824948"/>
-          </a:xfrm>
-          <a:prstGeom prst="rightArrow">
-            <a:avLst/>
-          </a:prstGeom>
-        </p:spPr>
-        <p:style>
-          <a:lnRef idx="2">
-            <a:schemeClr val="accent1">
-              <a:shade val="50000"/>
-            </a:schemeClr>
-          </a:lnRef>
-          <a:fillRef idx="1">
-            <a:schemeClr val="accent1"/>
-          </a:fillRef>
-          <a:effectRef idx="0">
-            <a:schemeClr val="accent1"/>
-          </a:effectRef>
-          <a:fontRef idx="minor">
-            <a:schemeClr val="lt1"/>
-          </a:fontRef>
-        </p:style>
-        <p:txBody>
-          <a:bodyPr rtlCol="0" anchor="ctr"/>
-          <a:lstStyle/>
-          <a:p>
-            <a:pPr algn="ctr"/>
-            <a:endParaRPr lang="en-US"/>
+              <a:rPr lang="en-US" sz="3600" dirty="0" err="1"/>
+              <a:t>Dropwizard</a:t>
+            </a:r>
+            <a:r>
+              <a:rPr lang="en-US" sz="3600" dirty="0"/>
+              <a:t> - Highlights:</a:t>
+            </a:r>
+          </a:p>
+          <a:p>
+            <a:r>
+              <a:rPr lang="en-US" sz="3600" dirty="0"/>
+              <a:t>Allows you to build one jar, that contains all needed dependencies</a:t>
+            </a:r>
+          </a:p>
+          <a:p>
+            <a:r>
+              <a:rPr lang="en-US" sz="3600" dirty="0"/>
+              <a:t>Simple &amp; Lightweight</a:t>
+            </a:r>
+          </a:p>
+          <a:p>
+            <a:r>
+              <a:rPr lang="en-US" sz="3600" dirty="0"/>
+              <a:t>Quick and easy to get a new http service going</a:t>
+            </a:r>
+          </a:p>
+          <a:p>
+            <a:r>
+              <a:rPr lang="en-US" sz="3600" dirty="0"/>
+              <a:t>Easy Test, Deployment and Management</a:t>
+            </a:r>
+            <a:endParaRPr lang="ru-RU" sz="3600" dirty="0"/>
+          </a:p>
+          <a:p>
+            <a:r>
+              <a:rPr lang="en-US" sz="3600" dirty="0"/>
+              <a:t>Quick start up time of the app</a:t>
+            </a:r>
           </a:p>
         </p:txBody>
       </p:sp>
     </p:spTree>
     <p:extLst>
       <p:ext uri="{BB962C8B-B14F-4D97-AF65-F5344CB8AC3E}">
-        <p14:creationId xmlns:p14="http://schemas.microsoft.com/office/powerpoint/2010/main" val="3757899514"/>
+        <p14:creationId xmlns:p14="http://schemas.microsoft.com/office/powerpoint/2010/main" val="1379411772"/>
       </p:ext>
     </p:extLst>
   </p:cSld>
@@ -7989,12 +8146,108 @@
             <p:ph type="title"/>
           </p:nvPr>
         </p:nvSpPr>
-        <p:spPr/>
-        <p:txBody>
-          <a:bodyPr/>
+        <p:spPr>
+          <a:xfrm>
+            <a:off x="0" y="0"/>
+            <a:ext cx="10131425" cy="965200"/>
+          </a:xfrm>
+        </p:spPr>
+        <p:txBody>
+          <a:bodyPr>
+            <a:noAutofit/>
+          </a:bodyPr>
           <a:lstStyle/>
           <a:p>
-            <a:endParaRPr lang="en-US"/>
+            <a:r>
+              <a:rPr lang="en-US" b="1" dirty="0" err="1"/>
+              <a:t>Dropwizard</a:t>
+            </a:r>
+            <a:r>
+              <a:rPr lang="en-US" b="1" dirty="0"/>
+              <a:t> Core</a:t>
+            </a:r>
+            <a:br>
+              <a:rPr lang="en-US" b="1" dirty="0"/>
+            </a:br>
+            <a:endParaRPr lang="en-US" dirty="0"/>
+          </a:p>
+        </p:txBody>
+      </p:sp>
+      <p:sp>
+        <p:nvSpPr>
+          <p:cNvPr id="3" name="Rectangle 2">
+            <a:extLst>
+              <a:ext uri="{FF2B5EF4-FFF2-40B4-BE49-F238E27FC236}">
+                <a16:creationId xmlns:a16="http://schemas.microsoft.com/office/drawing/2014/main" id="{9B43A6B9-EE48-4394-8039-9321DBD546A8}"/>
+              </a:ext>
+            </a:extLst>
+          </p:cNvPr>
+          <p:cNvSpPr/>
+          <p:nvPr/>
+        </p:nvSpPr>
+        <p:spPr>
+          <a:xfrm>
+            <a:off x="444500" y="1413063"/>
+            <a:ext cx="11036300" cy="4031873"/>
+          </a:xfrm>
+          <a:prstGeom prst="rect">
+            <a:avLst/>
+          </a:prstGeom>
+        </p:spPr>
+        <p:txBody>
+          <a:bodyPr wrap="square">
+            <a:spAutoFit/>
+          </a:bodyPr>
+          <a:lstStyle/>
+          <a:p>
+            <a:r>
+              <a:rPr lang="en-US" sz="3200" dirty="0"/>
+              <a:t> Jetty - HTTP-server</a:t>
+            </a:r>
+          </a:p>
+          <a:p>
+            <a:r>
+              <a:rPr lang="en-US" sz="3200" dirty="0"/>
+              <a:t> Jersey - RESTful web framework</a:t>
+            </a:r>
+          </a:p>
+          <a:p>
+            <a:r>
+              <a:rPr lang="en-US" sz="3200" dirty="0"/>
+              <a:t> Jackson - JSON library</a:t>
+            </a:r>
+          </a:p>
+          <a:p>
+            <a:r>
+              <a:rPr lang="en-US" sz="3200" dirty="0"/>
+              <a:t> Metrics - application metrics</a:t>
+            </a:r>
+          </a:p>
+          <a:p>
+            <a:r>
+              <a:rPr lang="en-US" sz="3200" dirty="0"/>
+              <a:t> Guava - google lib</a:t>
+            </a:r>
+          </a:p>
+          <a:p>
+            <a:r>
+              <a:rPr lang="en-US" sz="3200" dirty="0"/>
+              <a:t> </a:t>
+            </a:r>
+            <a:r>
+              <a:rPr lang="en-US" sz="3200" dirty="0" err="1"/>
+              <a:t>Logback</a:t>
+            </a:r>
+            <a:r>
+              <a:rPr lang="en-US" sz="3200" dirty="0"/>
+              <a:t> - logging framework</a:t>
+            </a:r>
+          </a:p>
+          <a:p>
+            <a:r>
+              <a:rPr lang="en-US" sz="3200" dirty="0"/>
+              <a:t> Hibernate Validator - the reference implementation of the Java Bean Validation standard</a:t>
+            </a:r>
           </a:p>
         </p:txBody>
       </p:sp>
@@ -8002,6 +8255,1450 @@
     <p:extLst>
       <p:ext uri="{BB962C8B-B14F-4D97-AF65-F5344CB8AC3E}">
         <p14:creationId xmlns:p14="http://schemas.microsoft.com/office/powerpoint/2010/main" val="2033613062"/>
+      </p:ext>
+    </p:extLst>
+  </p:cSld>
+  <p:clrMapOvr>
+    <a:masterClrMapping/>
+  </p:clrMapOvr>
+</p:sld>
+</file>
+
+<file path=ppt/slides/slide4.xml><?xml version="1.0" encoding="utf-8"?>
+<p:sld xmlns:a="http://schemas.openxmlformats.org/drawingml/2006/main" xmlns:r="http://schemas.openxmlformats.org/officeDocument/2006/relationships" xmlns:p="http://schemas.openxmlformats.org/presentationml/2006/main">
+  <p:cSld>
+    <p:spTree>
+      <p:nvGrpSpPr>
+        <p:cNvPr id="1" name=""/>
+        <p:cNvGrpSpPr/>
+        <p:nvPr/>
+      </p:nvGrpSpPr>
+      <p:grpSpPr>
+        <a:xfrm>
+          <a:off x="0" y="0"/>
+          <a:ext cx="0" cy="0"/>
+          <a:chOff x="0" y="0"/>
+          <a:chExt cx="0" cy="0"/>
+        </a:xfrm>
+      </p:grpSpPr>
+      <p:sp>
+        <p:nvSpPr>
+          <p:cNvPr id="2" name="Title 1">
+            <a:extLst>
+              <a:ext uri="{FF2B5EF4-FFF2-40B4-BE49-F238E27FC236}">
+                <a16:creationId xmlns:a16="http://schemas.microsoft.com/office/drawing/2014/main" id="{4A6EC750-5A0B-4681-B013-19FB79B8F1B2}"/>
+              </a:ext>
+            </a:extLst>
+          </p:cNvPr>
+          <p:cNvSpPr>
+            <a:spLocks noGrp="1"/>
+          </p:cNvSpPr>
+          <p:nvPr>
+            <p:ph type="title"/>
+          </p:nvPr>
+        </p:nvSpPr>
+        <p:spPr>
+          <a:xfrm>
+            <a:off x="3849687" y="2895600"/>
+            <a:ext cx="3109913" cy="1456267"/>
+          </a:xfrm>
+        </p:spPr>
+        <p:txBody>
+          <a:bodyPr/>
+          <a:lstStyle/>
+          <a:p>
+            <a:r>
+              <a:rPr lang="en-US" dirty="0"/>
+              <a:t>Performance</a:t>
+            </a:r>
+          </a:p>
+        </p:txBody>
+      </p:sp>
+    </p:spTree>
+    <p:extLst>
+      <p:ext uri="{BB962C8B-B14F-4D97-AF65-F5344CB8AC3E}">
+        <p14:creationId xmlns:p14="http://schemas.microsoft.com/office/powerpoint/2010/main" val="1092675055"/>
+      </p:ext>
+    </p:extLst>
+  </p:cSld>
+  <p:clrMapOvr>
+    <a:masterClrMapping/>
+  </p:clrMapOvr>
+</p:sld>
+</file>
+
+<file path=ppt/slides/slide5.xml><?xml version="1.0" encoding="utf-8"?>
+<p:sld xmlns:a="http://schemas.openxmlformats.org/drawingml/2006/main" xmlns:r="http://schemas.openxmlformats.org/officeDocument/2006/relationships" xmlns:p="http://schemas.openxmlformats.org/presentationml/2006/main">
+  <p:cSld>
+    <p:spTree>
+      <p:nvGrpSpPr>
+        <p:cNvPr id="1" name=""/>
+        <p:cNvGrpSpPr/>
+        <p:nvPr/>
+      </p:nvGrpSpPr>
+      <p:grpSpPr>
+        <a:xfrm>
+          <a:off x="0" y="0"/>
+          <a:ext cx="0" cy="0"/>
+          <a:chOff x="0" y="0"/>
+          <a:chExt cx="0" cy="0"/>
+        </a:xfrm>
+      </p:grpSpPr>
+      <p:sp>
+        <p:nvSpPr>
+          <p:cNvPr id="2" name="Title 1">
+            <a:extLst>
+              <a:ext uri="{FF2B5EF4-FFF2-40B4-BE49-F238E27FC236}">
+                <a16:creationId xmlns:a16="http://schemas.microsoft.com/office/drawing/2014/main" id="{92549BED-1CC8-42FB-8061-D132135C4C26}"/>
+              </a:ext>
+            </a:extLst>
+          </p:cNvPr>
+          <p:cNvSpPr>
+            <a:spLocks noGrp="1"/>
+          </p:cNvSpPr>
+          <p:nvPr>
+            <p:ph type="title"/>
+          </p:nvPr>
+        </p:nvSpPr>
+        <p:spPr/>
+        <p:txBody>
+          <a:bodyPr/>
+          <a:lstStyle/>
+          <a:p>
+            <a:endParaRPr lang="en-US"/>
+          </a:p>
+        </p:txBody>
+      </p:sp>
+      <p:pic>
+        <p:nvPicPr>
+          <p:cNvPr id="3" name="Picture 2">
+            <a:extLst>
+              <a:ext uri="{FF2B5EF4-FFF2-40B4-BE49-F238E27FC236}">
+                <a16:creationId xmlns:a16="http://schemas.microsoft.com/office/drawing/2014/main" id="{CF57C65A-39D0-4C1C-BA13-F072F606C09C}"/>
+              </a:ext>
+            </a:extLst>
+          </p:cNvPr>
+          <p:cNvPicPr>
+            <a:picLocks noChangeAspect="1"/>
+          </p:cNvPicPr>
+          <p:nvPr/>
+        </p:nvPicPr>
+        <p:blipFill>
+          <a:blip r:embed="rId2"/>
+          <a:stretch>
+            <a:fillRect/>
+          </a:stretch>
+        </p:blipFill>
+        <p:spPr>
+          <a:xfrm>
+            <a:off x="500912" y="84050"/>
+            <a:ext cx="10933611" cy="6466354"/>
+          </a:xfrm>
+          <a:prstGeom prst="rect">
+            <a:avLst/>
+          </a:prstGeom>
+        </p:spPr>
+      </p:pic>
+      <p:sp>
+        <p:nvSpPr>
+          <p:cNvPr id="4" name="Rectangle 3">
+            <a:extLst>
+              <a:ext uri="{FF2B5EF4-FFF2-40B4-BE49-F238E27FC236}">
+                <a16:creationId xmlns:a16="http://schemas.microsoft.com/office/drawing/2014/main" id="{8B83D44E-3958-4B69-9715-618404FE00A3}"/>
+              </a:ext>
+            </a:extLst>
+          </p:cNvPr>
+          <p:cNvSpPr/>
+          <p:nvPr/>
+        </p:nvSpPr>
+        <p:spPr>
+          <a:xfrm>
+            <a:off x="140516" y="6550404"/>
+            <a:ext cx="11654405" cy="369332"/>
+          </a:xfrm>
+          <a:prstGeom prst="rect">
+            <a:avLst/>
+          </a:prstGeom>
+        </p:spPr>
+        <p:txBody>
+          <a:bodyPr wrap="square">
+            <a:spAutoFit/>
+          </a:bodyPr>
+          <a:lstStyle/>
+          <a:p>
+            <a:r>
+              <a:rPr lang="en-US" dirty="0"/>
+              <a:t>https://www.techempower.com/benchmarks/#section=data-r9&amp;hw=ph&amp;test=json&amp;l=hra0e7</a:t>
+            </a:r>
+          </a:p>
+        </p:txBody>
+      </p:sp>
+    </p:spTree>
+    <p:extLst>
+      <p:ext uri="{BB962C8B-B14F-4D97-AF65-F5344CB8AC3E}">
+        <p14:creationId xmlns:p14="http://schemas.microsoft.com/office/powerpoint/2010/main" val="154624823"/>
+      </p:ext>
+    </p:extLst>
+  </p:cSld>
+  <p:clrMapOvr>
+    <a:masterClrMapping/>
+  </p:clrMapOvr>
+</p:sld>
+</file>
+
+<file path=ppt/slides/slide6.xml><?xml version="1.0" encoding="utf-8"?>
+<p:sld xmlns:a="http://schemas.openxmlformats.org/drawingml/2006/main" xmlns:r="http://schemas.openxmlformats.org/officeDocument/2006/relationships" xmlns:p="http://schemas.openxmlformats.org/presentationml/2006/main">
+  <p:cSld>
+    <p:spTree>
+      <p:nvGrpSpPr>
+        <p:cNvPr id="1" name=""/>
+        <p:cNvGrpSpPr/>
+        <p:nvPr/>
+      </p:nvGrpSpPr>
+      <p:grpSpPr>
+        <a:xfrm>
+          <a:off x="0" y="0"/>
+          <a:ext cx="0" cy="0"/>
+          <a:chOff x="0" y="0"/>
+          <a:chExt cx="0" cy="0"/>
+        </a:xfrm>
+      </p:grpSpPr>
+      <p:sp>
+        <p:nvSpPr>
+          <p:cNvPr id="2" name="Title 1">
+            <a:extLst>
+              <a:ext uri="{FF2B5EF4-FFF2-40B4-BE49-F238E27FC236}">
+                <a16:creationId xmlns:a16="http://schemas.microsoft.com/office/drawing/2014/main" id="{15C29D82-585E-4350-ABFD-F46709CC7CE6}"/>
+              </a:ext>
+            </a:extLst>
+          </p:cNvPr>
+          <p:cNvSpPr>
+            <a:spLocks noGrp="1"/>
+          </p:cNvSpPr>
+          <p:nvPr>
+            <p:ph type="title"/>
+          </p:nvPr>
+        </p:nvSpPr>
+        <p:spPr/>
+        <p:txBody>
+          <a:bodyPr/>
+          <a:lstStyle/>
+          <a:p>
+            <a:endParaRPr lang="en-US"/>
+          </a:p>
+        </p:txBody>
+      </p:sp>
+      <p:pic>
+        <p:nvPicPr>
+          <p:cNvPr id="3" name="Picture 2">
+            <a:extLst>
+              <a:ext uri="{FF2B5EF4-FFF2-40B4-BE49-F238E27FC236}">
+                <a16:creationId xmlns:a16="http://schemas.microsoft.com/office/drawing/2014/main" id="{F319E9D1-EB86-4399-8F5D-3E072DB53E91}"/>
+              </a:ext>
+            </a:extLst>
+          </p:cNvPr>
+          <p:cNvPicPr>
+            <a:picLocks noChangeAspect="1"/>
+          </p:cNvPicPr>
+          <p:nvPr/>
+        </p:nvPicPr>
+        <p:blipFill>
+          <a:blip r:embed="rId2"/>
+          <a:stretch>
+            <a:fillRect/>
+          </a:stretch>
+        </p:blipFill>
+        <p:spPr>
+          <a:xfrm>
+            <a:off x="98550" y="127087"/>
+            <a:ext cx="11994899" cy="3742911"/>
+          </a:xfrm>
+          <a:prstGeom prst="rect">
+            <a:avLst/>
+          </a:prstGeom>
+        </p:spPr>
+      </p:pic>
+      <p:sp>
+        <p:nvSpPr>
+          <p:cNvPr id="4" name="Rectangle 3">
+            <a:extLst>
+              <a:ext uri="{FF2B5EF4-FFF2-40B4-BE49-F238E27FC236}">
+                <a16:creationId xmlns:a16="http://schemas.microsoft.com/office/drawing/2014/main" id="{905224EB-2A2C-4572-B025-03BE99EFFC86}"/>
+              </a:ext>
+            </a:extLst>
+          </p:cNvPr>
+          <p:cNvSpPr/>
+          <p:nvPr/>
+        </p:nvSpPr>
+        <p:spPr>
+          <a:xfrm>
+            <a:off x="0" y="6361581"/>
+            <a:ext cx="11994899" cy="369332"/>
+          </a:xfrm>
+          <a:prstGeom prst="rect">
+            <a:avLst/>
+          </a:prstGeom>
+        </p:spPr>
+        <p:txBody>
+          <a:bodyPr wrap="square">
+            <a:spAutoFit/>
+          </a:bodyPr>
+          <a:lstStyle/>
+          <a:p>
+            <a:r>
+              <a:rPr lang="en-US" dirty="0"/>
+              <a:t>https://www.techempower.com/benchmarks/#section=data-r9&amp;hw=ph&amp;test=db&amp;l=hra0e7&amp;f=2ups-35s-0-0-0-0-0-0</a:t>
+            </a:r>
+          </a:p>
+        </p:txBody>
+      </p:sp>
+    </p:spTree>
+    <p:extLst>
+      <p:ext uri="{BB962C8B-B14F-4D97-AF65-F5344CB8AC3E}">
+        <p14:creationId xmlns:p14="http://schemas.microsoft.com/office/powerpoint/2010/main" val="2962995997"/>
+      </p:ext>
+    </p:extLst>
+  </p:cSld>
+  <p:clrMapOvr>
+    <a:masterClrMapping/>
+  </p:clrMapOvr>
+</p:sld>
+</file>
+
+<file path=ppt/slides/slide7.xml><?xml version="1.0" encoding="utf-8"?>
+<p:sld xmlns:a="http://schemas.openxmlformats.org/drawingml/2006/main" xmlns:r="http://schemas.openxmlformats.org/officeDocument/2006/relationships" xmlns:p="http://schemas.openxmlformats.org/presentationml/2006/main">
+  <p:cSld>
+    <p:spTree>
+      <p:nvGrpSpPr>
+        <p:cNvPr id="1" name=""/>
+        <p:cNvGrpSpPr/>
+        <p:nvPr/>
+      </p:nvGrpSpPr>
+      <p:grpSpPr>
+        <a:xfrm>
+          <a:off x="0" y="0"/>
+          <a:ext cx="0" cy="0"/>
+          <a:chOff x="0" y="0"/>
+          <a:chExt cx="0" cy="0"/>
+        </a:xfrm>
+      </p:grpSpPr>
+      <p:sp>
+        <p:nvSpPr>
+          <p:cNvPr id="2" name="Title 1">
+            <a:extLst>
+              <a:ext uri="{FF2B5EF4-FFF2-40B4-BE49-F238E27FC236}">
+                <a16:creationId xmlns:a16="http://schemas.microsoft.com/office/drawing/2014/main" id="{326F1954-D573-45CC-8DB3-1E1CA045FD49}"/>
+              </a:ext>
+            </a:extLst>
+          </p:cNvPr>
+          <p:cNvSpPr>
+            <a:spLocks noGrp="1"/>
+          </p:cNvSpPr>
+          <p:nvPr>
+            <p:ph type="title"/>
+          </p:nvPr>
+        </p:nvSpPr>
+        <p:spPr/>
+        <p:txBody>
+          <a:bodyPr/>
+          <a:lstStyle/>
+          <a:p>
+            <a:endParaRPr lang="en-US"/>
+          </a:p>
+        </p:txBody>
+      </p:sp>
+      <p:pic>
+        <p:nvPicPr>
+          <p:cNvPr id="3" name="Picture 2">
+            <a:extLst>
+              <a:ext uri="{FF2B5EF4-FFF2-40B4-BE49-F238E27FC236}">
+                <a16:creationId xmlns:a16="http://schemas.microsoft.com/office/drawing/2014/main" id="{0477216A-AC77-42DF-98CB-F768ECAC414B}"/>
+              </a:ext>
+            </a:extLst>
+          </p:cNvPr>
+          <p:cNvPicPr>
+            <a:picLocks noChangeAspect="1"/>
+          </p:cNvPicPr>
+          <p:nvPr/>
+        </p:nvPicPr>
+        <p:blipFill>
+          <a:blip r:embed="rId2"/>
+          <a:stretch>
+            <a:fillRect/>
+          </a:stretch>
+        </p:blipFill>
+        <p:spPr>
+          <a:xfrm>
+            <a:off x="115290" y="0"/>
+            <a:ext cx="11961419" cy="5691221"/>
+          </a:xfrm>
+          <a:prstGeom prst="rect">
+            <a:avLst/>
+          </a:prstGeom>
+        </p:spPr>
+      </p:pic>
+      <p:sp>
+        <p:nvSpPr>
+          <p:cNvPr id="4" name="Rectangle 3">
+            <a:extLst>
+              <a:ext uri="{FF2B5EF4-FFF2-40B4-BE49-F238E27FC236}">
+                <a16:creationId xmlns:a16="http://schemas.microsoft.com/office/drawing/2014/main" id="{B03764E7-904F-4FF5-910D-A842146F0134}"/>
+              </a:ext>
+            </a:extLst>
+          </p:cNvPr>
+          <p:cNvSpPr/>
+          <p:nvPr/>
+        </p:nvSpPr>
+        <p:spPr>
+          <a:xfrm>
+            <a:off x="115290" y="6488668"/>
+            <a:ext cx="11501307" cy="369332"/>
+          </a:xfrm>
+          <a:prstGeom prst="rect">
+            <a:avLst/>
+          </a:prstGeom>
+        </p:spPr>
+        <p:txBody>
+          <a:bodyPr wrap="square">
+            <a:spAutoFit/>
+          </a:bodyPr>
+          <a:lstStyle/>
+          <a:p>
+            <a:r>
+              <a:rPr lang="en-US" dirty="0"/>
+              <a:t>https://www.techempower.com/benchmarks/#section=data-r9&amp;hw=ph&amp;test=query&amp;l=hra0e7&amp;f=2ups-35s-0-0-0-0-0-0</a:t>
+            </a:r>
+          </a:p>
+        </p:txBody>
+      </p:sp>
+    </p:spTree>
+    <p:extLst>
+      <p:ext uri="{BB962C8B-B14F-4D97-AF65-F5344CB8AC3E}">
+        <p14:creationId xmlns:p14="http://schemas.microsoft.com/office/powerpoint/2010/main" val="1822050629"/>
+      </p:ext>
+    </p:extLst>
+  </p:cSld>
+  <p:clrMapOvr>
+    <a:masterClrMapping/>
+  </p:clrMapOvr>
+</p:sld>
+</file>
+
+<file path=ppt/slides/slide8.xml><?xml version="1.0" encoding="utf-8"?>
+<p:sld xmlns:a="http://schemas.openxmlformats.org/drawingml/2006/main" xmlns:r="http://schemas.openxmlformats.org/officeDocument/2006/relationships" xmlns:p="http://schemas.openxmlformats.org/presentationml/2006/main">
+  <p:cSld>
+    <p:spTree>
+      <p:nvGrpSpPr>
+        <p:cNvPr id="1" name=""/>
+        <p:cNvGrpSpPr/>
+        <p:nvPr/>
+      </p:nvGrpSpPr>
+      <p:grpSpPr>
+        <a:xfrm>
+          <a:off x="0" y="0"/>
+          <a:ext cx="0" cy="0"/>
+          <a:chOff x="0" y="0"/>
+          <a:chExt cx="0" cy="0"/>
+        </a:xfrm>
+      </p:grpSpPr>
+      <p:sp>
+        <p:nvSpPr>
+          <p:cNvPr id="2" name="Title 1">
+            <a:extLst>
+              <a:ext uri="{FF2B5EF4-FFF2-40B4-BE49-F238E27FC236}">
+                <a16:creationId xmlns:a16="http://schemas.microsoft.com/office/drawing/2014/main" id="{91B7C46B-354E-43B0-857B-C6A951F6629F}"/>
+              </a:ext>
+            </a:extLst>
+          </p:cNvPr>
+          <p:cNvSpPr>
+            <a:spLocks noGrp="1"/>
+          </p:cNvSpPr>
+          <p:nvPr>
+            <p:ph type="title"/>
+          </p:nvPr>
+        </p:nvSpPr>
+        <p:spPr>
+          <a:xfrm>
+            <a:off x="4381500" y="2700866"/>
+            <a:ext cx="3428999" cy="1456267"/>
+          </a:xfrm>
+        </p:spPr>
+        <p:txBody>
+          <a:bodyPr/>
+          <a:lstStyle/>
+          <a:p>
+            <a:r>
+              <a:rPr lang="en-US" dirty="0"/>
+              <a:t>How to start?</a:t>
+            </a:r>
+          </a:p>
+        </p:txBody>
+      </p:sp>
+    </p:spTree>
+    <p:extLst>
+      <p:ext uri="{BB962C8B-B14F-4D97-AF65-F5344CB8AC3E}">
+        <p14:creationId xmlns:p14="http://schemas.microsoft.com/office/powerpoint/2010/main" val="1419779981"/>
+      </p:ext>
+    </p:extLst>
+  </p:cSld>
+  <p:clrMapOvr>
+    <a:masterClrMapping/>
+  </p:clrMapOvr>
+</p:sld>
+</file>
+
+<file path=ppt/slides/slide9.xml><?xml version="1.0" encoding="utf-8"?>
+<p:sld xmlns:a="http://schemas.openxmlformats.org/drawingml/2006/main" xmlns:r="http://schemas.openxmlformats.org/officeDocument/2006/relationships" xmlns:p="http://schemas.openxmlformats.org/presentationml/2006/main">
+  <p:cSld>
+    <p:spTree>
+      <p:nvGrpSpPr>
+        <p:cNvPr id="1" name=""/>
+        <p:cNvGrpSpPr/>
+        <p:nvPr/>
+      </p:nvGrpSpPr>
+      <p:grpSpPr>
+        <a:xfrm>
+          <a:off x="0" y="0"/>
+          <a:ext cx="0" cy="0"/>
+          <a:chOff x="0" y="0"/>
+          <a:chExt cx="0" cy="0"/>
+        </a:xfrm>
+      </p:grpSpPr>
+      <p:sp>
+        <p:nvSpPr>
+          <p:cNvPr id="2" name="Title 1">
+            <a:extLst>
+              <a:ext uri="{FF2B5EF4-FFF2-40B4-BE49-F238E27FC236}">
+                <a16:creationId xmlns:a16="http://schemas.microsoft.com/office/drawing/2014/main" id="{2A8B7198-D757-4EA6-9ED2-45BB390AF4E6}"/>
+              </a:ext>
+            </a:extLst>
+          </p:cNvPr>
+          <p:cNvSpPr>
+            <a:spLocks noGrp="1"/>
+          </p:cNvSpPr>
+          <p:nvPr>
+            <p:ph type="title"/>
+          </p:nvPr>
+        </p:nvSpPr>
+        <p:spPr>
+          <a:xfrm>
+            <a:off x="780176" y="89483"/>
+            <a:ext cx="6778305" cy="1456267"/>
+          </a:xfrm>
+        </p:spPr>
+        <p:txBody>
+          <a:bodyPr/>
+          <a:lstStyle/>
+          <a:p>
+            <a:r>
+              <a:rPr lang="en-US" dirty="0"/>
+              <a:t>Project organization</a:t>
+            </a:r>
+          </a:p>
+        </p:txBody>
+      </p:sp>
+      <p:sp>
+        <p:nvSpPr>
+          <p:cNvPr id="3" name="Rectangle 1">
+            <a:extLst>
+              <a:ext uri="{FF2B5EF4-FFF2-40B4-BE49-F238E27FC236}">
+                <a16:creationId xmlns:a16="http://schemas.microsoft.com/office/drawing/2014/main" id="{A0E607B0-AC6E-4DC1-9486-916B5ED1FE23}"/>
+              </a:ext>
+            </a:extLst>
+          </p:cNvPr>
+          <p:cNvSpPr>
+            <a:spLocks noChangeArrowheads="1"/>
+          </p:cNvSpPr>
+          <p:nvPr/>
+        </p:nvSpPr>
+        <p:spPr bwMode="auto">
+          <a:xfrm>
+            <a:off x="780176" y="1930267"/>
+            <a:ext cx="8212823" cy="4431983"/>
+          </a:xfrm>
+          <a:prstGeom prst="rect">
+            <a:avLst/>
+          </a:prstGeom>
+          <a:solidFill>
+            <a:srgbClr val="FFFFFF"/>
+          </a:solidFill>
+          <a:ln>
+            <a:noFill/>
+          </a:ln>
+          <a:effectLst/>
+          <a:extLst>
+            <a:ext uri="{91240B29-F687-4F45-9708-019B960494DF}">
+              <a14:hiddenLine xmlns:a14="http://schemas.microsoft.com/office/drawing/2010/main" w="9525">
+                <a:solidFill>
+                  <a:schemeClr val="tx1"/>
+                </a:solidFill>
+                <a:miter lim="800000"/>
+                <a:headEnd/>
+                <a:tailEnd/>
+              </a14:hiddenLine>
+            </a:ext>
+            <a:ext uri="{AF507438-7753-43E0-B8FC-AC1667EBCBE1}">
+              <a14:hiddenEffects xmlns:a14="http://schemas.microsoft.com/office/drawing/2010/main">
+                <a:effectLst>
+                  <a:outerShdw dist="35921" dir="2700000" algn="ctr" rotWithShape="0">
+                    <a:schemeClr val="bg2"/>
+                  </a:outerShdw>
+                </a:effectLst>
+              </a14:hiddenEffects>
+            </a:ext>
+          </a:extLst>
+        </p:spPr>
+        <p:txBody>
+          <a:bodyPr vert="horz" wrap="square" lIns="158700" tIns="0" rIns="0" bIns="0" numCol="1" anchor="ctr" anchorCtr="0" compatLnSpc="1">
+            <a:prstTxWarp prst="textNoShape">
+              <a:avLst/>
+            </a:prstTxWarp>
+            <a:spAutoFit/>
+          </a:bodyPr>
+          <a:lstStyle>
+            <a:lvl1pPr eaLnBrk="0" fontAlgn="base" hangingPunct="0">
+              <a:spcBef>
+                <a:spcPct val="0"/>
+              </a:spcBef>
+              <a:spcAft>
+                <a:spcPct val="0"/>
+              </a:spcAft>
+              <a:defRPr>
+                <a:solidFill>
+                  <a:schemeClr val="tx1"/>
+                </a:solidFill>
+                <a:latin typeface="Arial" panose="020B0604020202020204" pitchFamily="34" charset="0"/>
+              </a:defRPr>
+            </a:lvl1pPr>
+            <a:lvl2pPr eaLnBrk="0" fontAlgn="base" hangingPunct="0">
+              <a:spcBef>
+                <a:spcPct val="0"/>
+              </a:spcBef>
+              <a:spcAft>
+                <a:spcPct val="0"/>
+              </a:spcAft>
+              <a:defRPr>
+                <a:solidFill>
+                  <a:schemeClr val="tx1"/>
+                </a:solidFill>
+                <a:latin typeface="Arial" panose="020B0604020202020204" pitchFamily="34" charset="0"/>
+              </a:defRPr>
+            </a:lvl2pPr>
+            <a:lvl3pPr eaLnBrk="0" fontAlgn="base" hangingPunct="0">
+              <a:spcBef>
+                <a:spcPct val="0"/>
+              </a:spcBef>
+              <a:spcAft>
+                <a:spcPct val="0"/>
+              </a:spcAft>
+              <a:defRPr>
+                <a:solidFill>
+                  <a:schemeClr val="tx1"/>
+                </a:solidFill>
+                <a:latin typeface="Arial" panose="020B0604020202020204" pitchFamily="34" charset="0"/>
+              </a:defRPr>
+            </a:lvl3pPr>
+            <a:lvl4pPr eaLnBrk="0" fontAlgn="base" hangingPunct="0">
+              <a:spcBef>
+                <a:spcPct val="0"/>
+              </a:spcBef>
+              <a:spcAft>
+                <a:spcPct val="0"/>
+              </a:spcAft>
+              <a:defRPr>
+                <a:solidFill>
+                  <a:schemeClr val="tx1"/>
+                </a:solidFill>
+                <a:latin typeface="Arial" panose="020B0604020202020204" pitchFamily="34" charset="0"/>
+              </a:defRPr>
+            </a:lvl4pPr>
+            <a:lvl5pPr eaLnBrk="0" fontAlgn="base" hangingPunct="0">
+              <a:spcBef>
+                <a:spcPct val="0"/>
+              </a:spcBef>
+              <a:spcAft>
+                <a:spcPct val="0"/>
+              </a:spcAft>
+              <a:defRPr>
+                <a:solidFill>
+                  <a:schemeClr val="tx1"/>
+                </a:solidFill>
+                <a:latin typeface="Arial" panose="020B0604020202020204" pitchFamily="34" charset="0"/>
+              </a:defRPr>
+            </a:lvl5pPr>
+            <a:lvl6pPr eaLnBrk="0" fontAlgn="base" hangingPunct="0">
+              <a:spcBef>
+                <a:spcPct val="0"/>
+              </a:spcBef>
+              <a:spcAft>
+                <a:spcPct val="0"/>
+              </a:spcAft>
+              <a:defRPr>
+                <a:solidFill>
+                  <a:schemeClr val="tx1"/>
+                </a:solidFill>
+                <a:latin typeface="Arial" panose="020B0604020202020204" pitchFamily="34" charset="0"/>
+              </a:defRPr>
+            </a:lvl6pPr>
+            <a:lvl7pPr eaLnBrk="0" fontAlgn="base" hangingPunct="0">
+              <a:spcBef>
+                <a:spcPct val="0"/>
+              </a:spcBef>
+              <a:spcAft>
+                <a:spcPct val="0"/>
+              </a:spcAft>
+              <a:defRPr>
+                <a:solidFill>
+                  <a:schemeClr val="tx1"/>
+                </a:solidFill>
+                <a:latin typeface="Arial" panose="020B0604020202020204" pitchFamily="34" charset="0"/>
+              </a:defRPr>
+            </a:lvl7pPr>
+            <a:lvl8pPr eaLnBrk="0" fontAlgn="base" hangingPunct="0">
+              <a:spcBef>
+                <a:spcPct val="0"/>
+              </a:spcBef>
+              <a:spcAft>
+                <a:spcPct val="0"/>
+              </a:spcAft>
+              <a:defRPr>
+                <a:solidFill>
+                  <a:schemeClr val="tx1"/>
+                </a:solidFill>
+                <a:latin typeface="Arial" panose="020B0604020202020204" pitchFamily="34" charset="0"/>
+              </a:defRPr>
+            </a:lvl8pPr>
+            <a:lvl9pPr eaLnBrk="0" fontAlgn="base" hangingPunct="0">
+              <a:spcBef>
+                <a:spcPct val="0"/>
+              </a:spcBef>
+              <a:spcAft>
+                <a:spcPct val="0"/>
+              </a:spcAft>
+              <a:defRPr>
+                <a:solidFill>
+                  <a:schemeClr val="tx1"/>
+                </a:solidFill>
+                <a:latin typeface="Arial" panose="020B0604020202020204" pitchFamily="34" charset="0"/>
+              </a:defRPr>
+            </a:lvl9pPr>
+          </a:lstStyle>
+          <a:p>
+            <a:pPr marL="0" marR="0" lvl="0" indent="0" algn="l" defTabSz="914400" rtl="0" eaLnBrk="0" fontAlgn="base" latinLnBrk="0" hangingPunct="0">
+              <a:lnSpc>
+                <a:spcPct val="100000"/>
+              </a:lnSpc>
+              <a:spcBef>
+                <a:spcPct val="0"/>
+              </a:spcBef>
+              <a:spcAft>
+                <a:spcPct val="0"/>
+              </a:spcAft>
+              <a:buClrTx/>
+              <a:buSzTx/>
+              <a:buFontTx/>
+              <a:buNone/>
+              <a:tabLst/>
+            </a:pPr>
+            <a:r>
+              <a:rPr kumimoji="0" lang="en-US" altLang="en-US" sz="2400" b="0" i="0" u="none" strike="noStrike" cap="none" normalizeH="0" baseline="0" dirty="0" err="1">
+                <a:ln>
+                  <a:noFill/>
+                </a:ln>
+                <a:solidFill>
+                  <a:srgbClr val="DD1144"/>
+                </a:solidFill>
+                <a:effectLst/>
+                <a:latin typeface="Panic Sans"/>
+              </a:rPr>
+              <a:t>com.example.myapplication</a:t>
+            </a:r>
+            <a:r>
+              <a:rPr kumimoji="0" lang="en-US" altLang="en-US" sz="2400" b="0" i="0" u="none" strike="noStrike" cap="none" normalizeH="0" baseline="0" dirty="0">
+                <a:ln>
+                  <a:noFill/>
+                </a:ln>
+                <a:solidFill>
+                  <a:srgbClr val="333333"/>
+                </a:solidFill>
+                <a:effectLst/>
+                <a:latin typeface="Noto Serif"/>
+              </a:rPr>
+              <a:t>:</a:t>
+            </a:r>
+            <a:endParaRPr kumimoji="0" lang="en-US" altLang="en-US" sz="2400" b="0" i="0" u="none" strike="noStrike" cap="none" normalizeH="0" baseline="0" dirty="0">
+              <a:ln>
+                <a:noFill/>
+              </a:ln>
+              <a:solidFill>
+                <a:schemeClr val="tx1"/>
+              </a:solidFill>
+              <a:effectLst/>
+            </a:endParaRPr>
+          </a:p>
+          <a:p>
+            <a:pPr marL="0" marR="0" lvl="0" indent="0" algn="l" defTabSz="914400" rtl="0" eaLnBrk="0" fontAlgn="base" latinLnBrk="0" hangingPunct="0">
+              <a:lnSpc>
+                <a:spcPct val="100000"/>
+              </a:lnSpc>
+              <a:spcBef>
+                <a:spcPct val="0"/>
+              </a:spcBef>
+              <a:spcAft>
+                <a:spcPct val="0"/>
+              </a:spcAft>
+              <a:buClrTx/>
+              <a:buSzTx/>
+              <a:buFontTx/>
+              <a:buChar char="•"/>
+              <a:tabLst/>
+            </a:pPr>
+            <a:r>
+              <a:rPr kumimoji="0" lang="en-US" altLang="en-US" sz="2400" b="0" i="0" u="none" strike="noStrike" cap="none" normalizeH="0" baseline="0" dirty="0" err="1">
+                <a:ln>
+                  <a:noFill/>
+                </a:ln>
+                <a:solidFill>
+                  <a:srgbClr val="DD1144"/>
+                </a:solidFill>
+                <a:effectLst/>
+                <a:latin typeface="Panic Sans"/>
+              </a:rPr>
+              <a:t>api</a:t>
+            </a:r>
+            <a:r>
+              <a:rPr kumimoji="0" lang="en-US" altLang="en-US" sz="2400" b="0" i="0" u="none" strike="noStrike" cap="none" normalizeH="0" baseline="0" dirty="0">
+                <a:ln>
+                  <a:noFill/>
+                </a:ln>
+                <a:solidFill>
+                  <a:srgbClr val="333333"/>
+                </a:solidFill>
+                <a:effectLst/>
+                <a:latin typeface="Noto Serif"/>
+              </a:rPr>
+              <a:t>: </a:t>
+            </a:r>
+            <a:r>
+              <a:rPr kumimoji="0" lang="en-US" altLang="en-US" sz="2400" b="0" i="0" u="none" strike="noStrike" cap="none" normalizeH="0" baseline="0" dirty="0">
+                <a:ln>
+                  <a:noFill/>
+                </a:ln>
+                <a:solidFill>
+                  <a:srgbClr val="0088CC"/>
+                </a:solidFill>
+                <a:effectLst/>
+                <a:latin typeface="Noto Serif"/>
+                <a:hlinkClick r:id="rId2"/>
+              </a:rPr>
+              <a:t>Representations</a:t>
+            </a:r>
+            <a:r>
+              <a:rPr kumimoji="0" lang="en-US" altLang="en-US" sz="2400" b="0" i="0" u="none" strike="noStrike" cap="none" normalizeH="0" baseline="0" dirty="0">
+                <a:ln>
+                  <a:noFill/>
+                </a:ln>
+                <a:solidFill>
+                  <a:srgbClr val="333333"/>
+                </a:solidFill>
+                <a:effectLst/>
+                <a:latin typeface="Noto Serif"/>
+              </a:rPr>
+              <a:t>. Request and response bodies.</a:t>
+            </a:r>
+          </a:p>
+          <a:p>
+            <a:pPr marL="0" marR="0" lvl="0" indent="0" algn="l" defTabSz="914400" rtl="0" eaLnBrk="0" fontAlgn="base" latinLnBrk="0" hangingPunct="0">
+              <a:lnSpc>
+                <a:spcPct val="100000"/>
+              </a:lnSpc>
+              <a:spcBef>
+                <a:spcPct val="0"/>
+              </a:spcBef>
+              <a:spcAft>
+                <a:spcPct val="0"/>
+              </a:spcAft>
+              <a:buClrTx/>
+              <a:buSzTx/>
+              <a:buFontTx/>
+              <a:buChar char="•"/>
+              <a:tabLst/>
+            </a:pPr>
+            <a:r>
+              <a:rPr kumimoji="0" lang="en-US" altLang="en-US" sz="2400" b="0" i="0" u="none" strike="noStrike" cap="none" normalizeH="0" baseline="0" dirty="0">
+                <a:ln>
+                  <a:noFill/>
+                </a:ln>
+                <a:solidFill>
+                  <a:srgbClr val="DD1144"/>
+                </a:solidFill>
+                <a:effectLst/>
+                <a:latin typeface="Panic Sans"/>
+              </a:rPr>
+              <a:t>cli</a:t>
+            </a:r>
+            <a:r>
+              <a:rPr kumimoji="0" lang="en-US" altLang="en-US" sz="2400" b="0" i="0" u="none" strike="noStrike" cap="none" normalizeH="0" baseline="0" dirty="0">
+                <a:ln>
+                  <a:noFill/>
+                </a:ln>
+                <a:solidFill>
+                  <a:srgbClr val="333333"/>
+                </a:solidFill>
+                <a:effectLst/>
+                <a:latin typeface="Noto Serif"/>
+              </a:rPr>
+              <a:t>: </a:t>
+            </a:r>
+            <a:r>
+              <a:rPr kumimoji="0" lang="en-US" altLang="en-US" sz="2400" b="0" i="0" u="none" strike="noStrike" cap="none" normalizeH="0" baseline="0" dirty="0">
+                <a:ln>
+                  <a:noFill/>
+                </a:ln>
+                <a:solidFill>
+                  <a:srgbClr val="0088CC"/>
+                </a:solidFill>
+                <a:effectLst/>
+                <a:latin typeface="Noto Serif"/>
+                <a:hlinkClick r:id="rId3"/>
+              </a:rPr>
+              <a:t>Commands</a:t>
+            </a:r>
+            <a:endParaRPr kumimoji="0" lang="en-US" altLang="en-US" sz="2400" b="0" i="0" u="none" strike="noStrike" cap="none" normalizeH="0" baseline="0" dirty="0">
+              <a:ln>
+                <a:noFill/>
+              </a:ln>
+              <a:solidFill>
+                <a:srgbClr val="333333"/>
+              </a:solidFill>
+              <a:effectLst/>
+              <a:latin typeface="Noto Serif"/>
+            </a:endParaRPr>
+          </a:p>
+          <a:p>
+            <a:pPr marL="0" marR="0" lvl="0" indent="0" algn="l" defTabSz="914400" rtl="0" eaLnBrk="0" fontAlgn="base" latinLnBrk="0" hangingPunct="0">
+              <a:lnSpc>
+                <a:spcPct val="100000"/>
+              </a:lnSpc>
+              <a:spcBef>
+                <a:spcPct val="0"/>
+              </a:spcBef>
+              <a:spcAft>
+                <a:spcPct val="0"/>
+              </a:spcAft>
+              <a:buClrTx/>
+              <a:buSzTx/>
+              <a:buFontTx/>
+              <a:buChar char="•"/>
+              <a:tabLst/>
+            </a:pPr>
+            <a:r>
+              <a:rPr kumimoji="0" lang="en-US" altLang="en-US" sz="2400" b="0" i="0" u="none" strike="noStrike" cap="none" normalizeH="0" baseline="0" dirty="0">
+                <a:ln>
+                  <a:noFill/>
+                </a:ln>
+                <a:solidFill>
+                  <a:srgbClr val="DD1144"/>
+                </a:solidFill>
+                <a:effectLst/>
+                <a:latin typeface="Panic Sans"/>
+              </a:rPr>
+              <a:t>client</a:t>
+            </a:r>
+            <a:r>
+              <a:rPr kumimoji="0" lang="en-US" altLang="en-US" sz="2400" b="0" i="0" u="none" strike="noStrike" cap="none" normalizeH="0" baseline="0" dirty="0">
+                <a:ln>
+                  <a:noFill/>
+                </a:ln>
+                <a:solidFill>
+                  <a:srgbClr val="333333"/>
+                </a:solidFill>
+                <a:effectLst/>
+                <a:latin typeface="Noto Serif"/>
+              </a:rPr>
+              <a:t>: </a:t>
+            </a:r>
+            <a:r>
+              <a:rPr kumimoji="0" lang="en-US" altLang="en-US" sz="2400" b="0" i="0" u="none" strike="noStrike" cap="none" normalizeH="0" baseline="0" dirty="0">
+                <a:ln>
+                  <a:noFill/>
+                </a:ln>
+                <a:solidFill>
+                  <a:srgbClr val="0088CC"/>
+                </a:solidFill>
+                <a:effectLst/>
+                <a:latin typeface="Noto Serif"/>
+                <a:hlinkClick r:id="rId4"/>
+              </a:rPr>
+              <a:t>Client</a:t>
+            </a:r>
+            <a:r>
+              <a:rPr kumimoji="0" lang="en-US" altLang="en-US" sz="2400" b="0" i="0" u="none" strike="noStrike" cap="none" normalizeH="0" baseline="0" dirty="0">
+                <a:ln>
+                  <a:noFill/>
+                </a:ln>
+                <a:solidFill>
+                  <a:srgbClr val="333333"/>
+                </a:solidFill>
+                <a:effectLst/>
+                <a:latin typeface="Noto Serif"/>
+              </a:rPr>
+              <a:t> code that accesses external HTTP services.</a:t>
+            </a:r>
+          </a:p>
+          <a:p>
+            <a:pPr marL="0" marR="0" lvl="0" indent="0" algn="l" defTabSz="914400" rtl="0" eaLnBrk="0" fontAlgn="base" latinLnBrk="0" hangingPunct="0">
+              <a:lnSpc>
+                <a:spcPct val="100000"/>
+              </a:lnSpc>
+              <a:spcBef>
+                <a:spcPct val="0"/>
+              </a:spcBef>
+              <a:spcAft>
+                <a:spcPct val="0"/>
+              </a:spcAft>
+              <a:buClrTx/>
+              <a:buSzTx/>
+              <a:buFontTx/>
+              <a:buChar char="•"/>
+              <a:tabLst/>
+            </a:pPr>
+            <a:r>
+              <a:rPr kumimoji="0" lang="en-US" altLang="en-US" sz="2400" b="0" i="0" u="none" strike="noStrike" cap="none" normalizeH="0" baseline="0" dirty="0">
+                <a:ln>
+                  <a:noFill/>
+                </a:ln>
+                <a:solidFill>
+                  <a:srgbClr val="DD1144"/>
+                </a:solidFill>
+                <a:effectLst/>
+                <a:latin typeface="Panic Sans"/>
+              </a:rPr>
+              <a:t>core</a:t>
+            </a:r>
+            <a:r>
+              <a:rPr kumimoji="0" lang="en-US" altLang="en-US" sz="2400" b="0" i="0" u="none" strike="noStrike" cap="none" normalizeH="0" baseline="0" dirty="0">
+                <a:ln>
+                  <a:noFill/>
+                </a:ln>
+                <a:solidFill>
+                  <a:srgbClr val="333333"/>
+                </a:solidFill>
+                <a:effectLst/>
+                <a:latin typeface="Noto Serif"/>
+              </a:rPr>
+              <a:t>: Domain implementation; where objects not used in the API such as POJOs, validations, crypto, </a:t>
+            </a:r>
+            <a:r>
+              <a:rPr kumimoji="0" lang="en-US" altLang="en-US" sz="2400" b="0" i="0" u="none" strike="noStrike" cap="none" normalizeH="0" baseline="0" dirty="0" err="1">
+                <a:ln>
+                  <a:noFill/>
+                </a:ln>
+                <a:solidFill>
+                  <a:srgbClr val="333333"/>
+                </a:solidFill>
+                <a:effectLst/>
+                <a:latin typeface="Noto Serif"/>
+              </a:rPr>
+              <a:t>etc</a:t>
+            </a:r>
+            <a:r>
+              <a:rPr kumimoji="0" lang="en-US" altLang="en-US" sz="2400" b="0" i="0" u="none" strike="noStrike" cap="none" normalizeH="0" baseline="0" dirty="0">
+                <a:ln>
+                  <a:noFill/>
+                </a:ln>
+                <a:solidFill>
+                  <a:srgbClr val="333333"/>
+                </a:solidFill>
+                <a:effectLst/>
+                <a:latin typeface="Noto Serif"/>
+              </a:rPr>
+              <a:t>, reside.</a:t>
+            </a:r>
+          </a:p>
+          <a:p>
+            <a:pPr marL="0" marR="0" lvl="0" indent="0" algn="l" defTabSz="914400" rtl="0" eaLnBrk="0" fontAlgn="base" latinLnBrk="0" hangingPunct="0">
+              <a:lnSpc>
+                <a:spcPct val="100000"/>
+              </a:lnSpc>
+              <a:spcBef>
+                <a:spcPct val="0"/>
+              </a:spcBef>
+              <a:spcAft>
+                <a:spcPct val="0"/>
+              </a:spcAft>
+              <a:buClrTx/>
+              <a:buSzTx/>
+              <a:buFontTx/>
+              <a:buChar char="•"/>
+              <a:tabLst/>
+            </a:pPr>
+            <a:r>
+              <a:rPr kumimoji="0" lang="en-US" altLang="en-US" sz="2400" b="0" i="0" u="none" strike="noStrike" cap="none" normalizeH="0" baseline="0" dirty="0" err="1">
+                <a:ln>
+                  <a:noFill/>
+                </a:ln>
+                <a:solidFill>
+                  <a:srgbClr val="DD1144"/>
+                </a:solidFill>
+                <a:effectLst/>
+                <a:latin typeface="Panic Sans"/>
+              </a:rPr>
+              <a:t>jdbi</a:t>
+            </a:r>
+            <a:r>
+              <a:rPr kumimoji="0" lang="en-US" altLang="en-US" sz="2400" b="0" i="0" u="none" strike="noStrike" cap="none" normalizeH="0" baseline="0" dirty="0">
+                <a:ln>
+                  <a:noFill/>
+                </a:ln>
+                <a:solidFill>
+                  <a:srgbClr val="333333"/>
+                </a:solidFill>
+                <a:effectLst/>
+                <a:latin typeface="Noto Serif"/>
+              </a:rPr>
+              <a:t>: </a:t>
+            </a:r>
+            <a:r>
+              <a:rPr kumimoji="0" lang="en-US" altLang="en-US" sz="2400" b="0" i="0" u="none" strike="noStrike" cap="none" normalizeH="0" baseline="0" dirty="0">
+                <a:ln>
+                  <a:noFill/>
+                </a:ln>
+                <a:solidFill>
+                  <a:srgbClr val="0088CC"/>
+                </a:solidFill>
+                <a:effectLst/>
+                <a:latin typeface="Noto Serif"/>
+                <a:hlinkClick r:id="rId5"/>
+              </a:rPr>
+              <a:t>Database</a:t>
+            </a:r>
+            <a:r>
+              <a:rPr kumimoji="0" lang="en-US" altLang="en-US" sz="2400" b="0" i="0" u="none" strike="noStrike" cap="none" normalizeH="0" baseline="0" dirty="0">
+                <a:ln>
+                  <a:noFill/>
+                </a:ln>
+                <a:solidFill>
+                  <a:srgbClr val="333333"/>
+                </a:solidFill>
+                <a:effectLst/>
+                <a:latin typeface="Noto Serif"/>
+              </a:rPr>
+              <a:t> access classes</a:t>
+            </a:r>
+          </a:p>
+          <a:p>
+            <a:pPr marL="0" marR="0" lvl="0" indent="0" algn="l" defTabSz="914400" rtl="0" eaLnBrk="0" fontAlgn="base" latinLnBrk="0" hangingPunct="0">
+              <a:lnSpc>
+                <a:spcPct val="100000"/>
+              </a:lnSpc>
+              <a:spcBef>
+                <a:spcPct val="0"/>
+              </a:spcBef>
+              <a:spcAft>
+                <a:spcPct val="0"/>
+              </a:spcAft>
+              <a:buClrTx/>
+              <a:buSzTx/>
+              <a:buFontTx/>
+              <a:buChar char="•"/>
+              <a:tabLst/>
+            </a:pPr>
+            <a:r>
+              <a:rPr kumimoji="0" lang="en-US" altLang="en-US" sz="2400" b="0" i="0" u="none" strike="noStrike" cap="none" normalizeH="0" baseline="0" dirty="0">
+                <a:ln>
+                  <a:noFill/>
+                </a:ln>
+                <a:solidFill>
+                  <a:srgbClr val="DD1144"/>
+                </a:solidFill>
+                <a:effectLst/>
+                <a:latin typeface="Panic Sans"/>
+              </a:rPr>
+              <a:t>health</a:t>
+            </a:r>
+            <a:r>
+              <a:rPr kumimoji="0" lang="en-US" altLang="en-US" sz="2400" b="0" i="0" u="none" strike="noStrike" cap="none" normalizeH="0" baseline="0" dirty="0">
+                <a:ln>
+                  <a:noFill/>
+                </a:ln>
+                <a:solidFill>
+                  <a:srgbClr val="333333"/>
+                </a:solidFill>
+                <a:effectLst/>
+                <a:latin typeface="Noto Serif"/>
+              </a:rPr>
+              <a:t>: </a:t>
+            </a:r>
+            <a:r>
+              <a:rPr kumimoji="0" lang="en-US" altLang="en-US" sz="2400" b="0" i="0" u="none" strike="noStrike" cap="none" normalizeH="0" baseline="0" dirty="0">
+                <a:ln>
+                  <a:noFill/>
+                </a:ln>
+                <a:solidFill>
+                  <a:srgbClr val="0088CC"/>
+                </a:solidFill>
+                <a:effectLst/>
+                <a:latin typeface="Noto Serif"/>
+                <a:hlinkClick r:id="rId6"/>
+              </a:rPr>
+              <a:t>Health Checks</a:t>
+            </a:r>
+            <a:endParaRPr kumimoji="0" lang="en-US" altLang="en-US" sz="2400" b="0" i="0" u="none" strike="noStrike" cap="none" normalizeH="0" baseline="0" dirty="0">
+              <a:ln>
+                <a:noFill/>
+              </a:ln>
+              <a:solidFill>
+                <a:srgbClr val="333333"/>
+              </a:solidFill>
+              <a:effectLst/>
+              <a:latin typeface="Noto Serif"/>
+            </a:endParaRPr>
+          </a:p>
+          <a:p>
+            <a:pPr marL="0" marR="0" lvl="0" indent="0" algn="l" defTabSz="914400" rtl="0" eaLnBrk="0" fontAlgn="base" latinLnBrk="0" hangingPunct="0">
+              <a:lnSpc>
+                <a:spcPct val="100000"/>
+              </a:lnSpc>
+              <a:spcBef>
+                <a:spcPct val="0"/>
+              </a:spcBef>
+              <a:spcAft>
+                <a:spcPct val="0"/>
+              </a:spcAft>
+              <a:buClrTx/>
+              <a:buSzTx/>
+              <a:buFontTx/>
+              <a:buChar char="•"/>
+              <a:tabLst/>
+            </a:pPr>
+            <a:r>
+              <a:rPr kumimoji="0" lang="en-US" altLang="en-US" sz="2400" b="0" i="0" u="none" strike="noStrike" cap="none" normalizeH="0" baseline="0" dirty="0">
+                <a:ln>
+                  <a:noFill/>
+                </a:ln>
+                <a:solidFill>
+                  <a:srgbClr val="DD1144"/>
+                </a:solidFill>
+                <a:effectLst/>
+                <a:latin typeface="Panic Sans"/>
+              </a:rPr>
+              <a:t>resources</a:t>
+            </a:r>
+            <a:r>
+              <a:rPr kumimoji="0" lang="en-US" altLang="en-US" sz="2400" b="0" i="0" u="none" strike="noStrike" cap="none" normalizeH="0" baseline="0" dirty="0">
+                <a:ln>
+                  <a:noFill/>
+                </a:ln>
+                <a:solidFill>
+                  <a:srgbClr val="333333"/>
+                </a:solidFill>
+                <a:effectLst/>
+                <a:latin typeface="Noto Serif"/>
+              </a:rPr>
+              <a:t>: </a:t>
+            </a:r>
+            <a:r>
+              <a:rPr kumimoji="0" lang="en-US" altLang="en-US" sz="2400" b="0" i="0" u="none" strike="noStrike" cap="none" normalizeH="0" baseline="0" dirty="0">
+                <a:ln>
+                  <a:noFill/>
+                </a:ln>
+                <a:solidFill>
+                  <a:srgbClr val="0088CC"/>
+                </a:solidFill>
+                <a:effectLst/>
+                <a:latin typeface="Noto Serif"/>
+                <a:hlinkClick r:id="rId7"/>
+              </a:rPr>
+              <a:t>Resources</a:t>
+            </a:r>
+            <a:endParaRPr kumimoji="0" lang="en-US" altLang="en-US" sz="2400" b="0" i="0" u="none" strike="noStrike" cap="none" normalizeH="0" baseline="0" dirty="0">
+              <a:ln>
+                <a:noFill/>
+              </a:ln>
+              <a:solidFill>
+                <a:srgbClr val="333333"/>
+              </a:solidFill>
+              <a:effectLst/>
+              <a:latin typeface="Noto Serif"/>
+            </a:endParaRPr>
+          </a:p>
+          <a:p>
+            <a:pPr marL="0" marR="0" lvl="0" indent="0" algn="l" defTabSz="914400" rtl="0" eaLnBrk="0" fontAlgn="base" latinLnBrk="0" hangingPunct="0">
+              <a:lnSpc>
+                <a:spcPct val="100000"/>
+              </a:lnSpc>
+              <a:spcBef>
+                <a:spcPct val="0"/>
+              </a:spcBef>
+              <a:spcAft>
+                <a:spcPct val="0"/>
+              </a:spcAft>
+              <a:buClrTx/>
+              <a:buSzTx/>
+              <a:buFontTx/>
+              <a:buChar char="•"/>
+              <a:tabLst/>
+            </a:pPr>
+            <a:r>
+              <a:rPr kumimoji="0" lang="en-US" altLang="en-US" sz="2400" b="0" i="0" u="none" strike="noStrike" cap="none" normalizeH="0" baseline="0" dirty="0" err="1">
+                <a:ln>
+                  <a:noFill/>
+                </a:ln>
+                <a:solidFill>
+                  <a:srgbClr val="DD1144"/>
+                </a:solidFill>
+                <a:effectLst/>
+                <a:latin typeface="Panic Sans"/>
+              </a:rPr>
+              <a:t>MyApplication</a:t>
+            </a:r>
+            <a:r>
+              <a:rPr kumimoji="0" lang="en-US" altLang="en-US" sz="2400" b="0" i="0" u="none" strike="noStrike" cap="none" normalizeH="0" baseline="0" dirty="0">
+                <a:ln>
+                  <a:noFill/>
+                </a:ln>
+                <a:solidFill>
+                  <a:srgbClr val="333333"/>
+                </a:solidFill>
+                <a:effectLst/>
+                <a:latin typeface="Noto Serif"/>
+              </a:rPr>
+              <a:t>: The </a:t>
+            </a:r>
+            <a:r>
+              <a:rPr kumimoji="0" lang="en-US" altLang="en-US" sz="2400" b="0" i="0" u="none" strike="noStrike" cap="none" normalizeH="0" baseline="0" dirty="0">
+                <a:ln>
+                  <a:noFill/>
+                </a:ln>
+                <a:solidFill>
+                  <a:srgbClr val="0088CC"/>
+                </a:solidFill>
+                <a:effectLst/>
+                <a:latin typeface="Noto Serif"/>
+                <a:hlinkClick r:id="rId8"/>
+              </a:rPr>
+              <a:t>application</a:t>
+            </a:r>
+            <a:r>
+              <a:rPr kumimoji="0" lang="en-US" altLang="en-US" sz="2400" b="0" i="0" u="none" strike="noStrike" cap="none" normalizeH="0" baseline="0" dirty="0">
+                <a:ln>
+                  <a:noFill/>
+                </a:ln>
+                <a:solidFill>
+                  <a:srgbClr val="333333"/>
+                </a:solidFill>
+                <a:effectLst/>
+                <a:latin typeface="Noto Serif"/>
+              </a:rPr>
+              <a:t> class</a:t>
+            </a:r>
+          </a:p>
+          <a:p>
+            <a:pPr marL="0" marR="0" lvl="0" indent="0" algn="l" defTabSz="914400" rtl="0" eaLnBrk="0" fontAlgn="base" latinLnBrk="0" hangingPunct="0">
+              <a:lnSpc>
+                <a:spcPct val="100000"/>
+              </a:lnSpc>
+              <a:spcBef>
+                <a:spcPct val="0"/>
+              </a:spcBef>
+              <a:spcAft>
+                <a:spcPct val="0"/>
+              </a:spcAft>
+              <a:buClrTx/>
+              <a:buSzTx/>
+              <a:buFontTx/>
+              <a:buChar char="•"/>
+              <a:tabLst/>
+            </a:pPr>
+            <a:r>
+              <a:rPr kumimoji="0" lang="en-US" altLang="en-US" sz="2400" b="0" i="0" u="none" strike="noStrike" cap="none" normalizeH="0" baseline="0" dirty="0" err="1">
+                <a:ln>
+                  <a:noFill/>
+                </a:ln>
+                <a:solidFill>
+                  <a:srgbClr val="DD1144"/>
+                </a:solidFill>
+                <a:effectLst/>
+                <a:latin typeface="Panic Sans"/>
+              </a:rPr>
+              <a:t>MyApplicationConfiguration</a:t>
+            </a:r>
+            <a:r>
+              <a:rPr kumimoji="0" lang="en-US" altLang="en-US" sz="2400" b="0" i="0" u="none" strike="noStrike" cap="none" normalizeH="0" baseline="0" dirty="0">
+                <a:ln>
+                  <a:noFill/>
+                </a:ln>
+                <a:solidFill>
+                  <a:srgbClr val="333333"/>
+                </a:solidFill>
+                <a:effectLst/>
+                <a:latin typeface="Noto Serif"/>
+              </a:rPr>
+              <a:t>: </a:t>
+            </a:r>
+            <a:r>
+              <a:rPr kumimoji="0" lang="en-US" altLang="en-US" sz="2400" b="0" i="0" u="none" strike="noStrike" cap="none" normalizeH="0" baseline="0" dirty="0">
+                <a:ln>
+                  <a:noFill/>
+                </a:ln>
+                <a:solidFill>
+                  <a:srgbClr val="0088CC"/>
+                </a:solidFill>
+                <a:effectLst/>
+                <a:latin typeface="Noto Serif"/>
+                <a:hlinkClick r:id="rId9"/>
+              </a:rPr>
+              <a:t>configuration</a:t>
+            </a:r>
+            <a:r>
+              <a:rPr kumimoji="0" lang="en-US" altLang="en-US" sz="2400" b="0" i="0" u="none" strike="noStrike" cap="none" normalizeH="0" baseline="0" dirty="0">
+                <a:ln>
+                  <a:noFill/>
+                </a:ln>
+                <a:solidFill>
+                  <a:srgbClr val="333333"/>
+                </a:solidFill>
+                <a:effectLst/>
+                <a:latin typeface="Noto Serif"/>
+              </a:rPr>
+              <a:t> class</a:t>
+            </a:r>
+          </a:p>
+          <a:p>
+            <a:pPr marL="0" marR="0" lvl="0" indent="0" algn="l" defTabSz="914400" rtl="0" eaLnBrk="0" fontAlgn="base" latinLnBrk="0" hangingPunct="0">
+              <a:lnSpc>
+                <a:spcPct val="100000"/>
+              </a:lnSpc>
+              <a:spcBef>
+                <a:spcPct val="0"/>
+              </a:spcBef>
+              <a:spcAft>
+                <a:spcPct val="0"/>
+              </a:spcAft>
+              <a:buClrTx/>
+              <a:buSzTx/>
+              <a:buFontTx/>
+              <a:buNone/>
+              <a:tabLst/>
+            </a:pPr>
+            <a:endParaRPr kumimoji="0" lang="en-US" altLang="en-US" sz="2400" b="0" i="0" u="none" strike="noStrike" cap="none" normalizeH="0" baseline="0" dirty="0">
+              <a:ln>
+                <a:noFill/>
+              </a:ln>
+              <a:solidFill>
+                <a:schemeClr val="tx1"/>
+              </a:solidFill>
+              <a:effectLst/>
+              <a:latin typeface="Arial" panose="020B0604020202020204" pitchFamily="34" charset="0"/>
+            </a:endParaRPr>
+          </a:p>
+        </p:txBody>
+      </p:sp>
+    </p:spTree>
+    <p:extLst>
+      <p:ext uri="{BB962C8B-B14F-4D97-AF65-F5344CB8AC3E}">
+        <p14:creationId xmlns:p14="http://schemas.microsoft.com/office/powerpoint/2010/main" val="1679220280"/>
       </p:ext>
     </p:extLst>
   </p:cSld>

--- a/wiza.pptx
+++ b/wiza.pptx
@@ -19,7 +19,14 @@
     <p:sldId id="268" r:id="rId13"/>
     <p:sldId id="269" r:id="rId14"/>
     <p:sldId id="270" r:id="rId15"/>
-    <p:sldId id="266" r:id="rId16"/>
+    <p:sldId id="271" r:id="rId16"/>
+    <p:sldId id="272" r:id="rId17"/>
+    <p:sldId id="273" r:id="rId18"/>
+    <p:sldId id="274" r:id="rId19"/>
+    <p:sldId id="275" r:id="rId20"/>
+    <p:sldId id="276" r:id="rId21"/>
+    <p:sldId id="277" r:id="rId22"/>
+    <p:sldId id="278" r:id="rId23"/>
   </p:sldIdLst>
   <p:sldSz cx="12192000" cy="6858000"/>
   <p:notesSz cx="6858000" cy="9144000"/>
@@ -356,7 +363,7 @@
             <a:fld id="{B61BEF0D-F0BB-DE4B-95CE-6DB70DBA9567}" type="datetimeFigureOut">
               <a:rPr lang="en-US" dirty="0"/>
               <a:pPr/>
-              <a:t>10/30/2018</a:t>
+              <a:t>10/31/2018</a:t>
             </a:fld>
             <a:endParaRPr lang="en-US" dirty="0"/>
           </a:p>
@@ -687,7 +694,7 @@
             <a:fld id="{B61BEF0D-F0BB-DE4B-95CE-6DB70DBA9567}" type="datetimeFigureOut">
               <a:rPr lang="en-US" dirty="0"/>
               <a:pPr/>
-              <a:t>10/30/2018</a:t>
+              <a:t>10/31/2018</a:t>
             </a:fld>
             <a:endParaRPr lang="en-US" dirty="0"/>
           </a:p>
@@ -962,7 +969,7 @@
             <a:fld id="{B61BEF0D-F0BB-DE4B-95CE-6DB70DBA9567}" type="datetimeFigureOut">
               <a:rPr lang="en-US" dirty="0"/>
               <a:pPr/>
-              <a:t>10/30/2018</a:t>
+              <a:t>10/31/2018</a:t>
             </a:fld>
             <a:endParaRPr lang="en-US" dirty="0"/>
           </a:p>
@@ -1527,7 +1534,7 @@
             <a:fld id="{B61BEF0D-F0BB-DE4B-95CE-6DB70DBA9567}" type="datetimeFigureOut">
               <a:rPr lang="en-US" dirty="0"/>
               <a:pPr/>
-              <a:t>10/30/2018</a:t>
+              <a:t>10/31/2018</a:t>
             </a:fld>
             <a:endParaRPr lang="en-US" dirty="0"/>
           </a:p>
@@ -1802,7 +1809,7 @@
             <a:fld id="{B61BEF0D-F0BB-DE4B-95CE-6DB70DBA9567}" type="datetimeFigureOut">
               <a:rPr lang="en-US" dirty="0"/>
               <a:pPr/>
-              <a:t>10/30/2018</a:t>
+              <a:t>10/31/2018</a:t>
             </a:fld>
             <a:endParaRPr lang="en-US" dirty="0"/>
           </a:p>
@@ -2361,7 +2368,7 @@
             <a:fld id="{B61BEF0D-F0BB-DE4B-95CE-6DB70DBA9567}" type="datetimeFigureOut">
               <a:rPr lang="en-US" dirty="0"/>
               <a:pPr/>
-              <a:t>10/30/2018</a:t>
+              <a:t>10/31/2018</a:t>
             </a:fld>
             <a:endParaRPr lang="en-US" dirty="0"/>
           </a:p>
@@ -2685,7 +2692,7 @@
             <a:fld id="{B61BEF0D-F0BB-DE4B-95CE-6DB70DBA9567}" type="datetimeFigureOut">
               <a:rPr lang="en-US" dirty="0"/>
               <a:pPr/>
-              <a:t>10/30/2018</a:t>
+              <a:t>10/31/2018</a:t>
             </a:fld>
             <a:endParaRPr lang="en-US" dirty="0"/>
           </a:p>
@@ -2859,7 +2866,7 @@
             <a:fld id="{B61BEF0D-F0BB-DE4B-95CE-6DB70DBA9567}" type="datetimeFigureOut">
               <a:rPr lang="en-US" dirty="0"/>
               <a:pPr/>
-              <a:t>10/30/2018</a:t>
+              <a:t>10/31/2018</a:t>
             </a:fld>
             <a:endParaRPr lang="en-US" dirty="0"/>
           </a:p>
@@ -3094,7 +3101,7 @@
             <a:fld id="{B61BEF0D-F0BB-DE4B-95CE-6DB70DBA9567}" type="datetimeFigureOut">
               <a:rPr lang="en-US" dirty="0"/>
               <a:pPr/>
-              <a:t>10/30/2018</a:t>
+              <a:t>10/31/2018</a:t>
             </a:fld>
             <a:endParaRPr lang="en-US" dirty="0"/>
           </a:p>
@@ -3291,7 +3298,7 @@
             <a:fld id="{B61BEF0D-F0BB-DE4B-95CE-6DB70DBA9567}" type="datetimeFigureOut">
               <a:rPr lang="en-US" dirty="0"/>
               <a:pPr/>
-              <a:t>10/30/2018</a:t>
+              <a:t>10/31/2018</a:t>
             </a:fld>
             <a:endParaRPr lang="en-US" dirty="0"/>
           </a:p>
@@ -3564,7 +3571,7 @@
             <a:fld id="{B61BEF0D-F0BB-DE4B-95CE-6DB70DBA9567}" type="datetimeFigureOut">
               <a:rPr lang="en-US" dirty="0"/>
               <a:pPr/>
-              <a:t>10/30/2018</a:t>
+              <a:t>10/31/2018</a:t>
             </a:fld>
             <a:endParaRPr lang="en-US" dirty="0"/>
           </a:p>
@@ -3827,7 +3834,7 @@
             <a:fld id="{B61BEF0D-F0BB-DE4B-95CE-6DB70DBA9567}" type="datetimeFigureOut">
               <a:rPr lang="en-US" dirty="0"/>
               <a:pPr/>
-              <a:t>10/30/2018</a:t>
+              <a:t>10/31/2018</a:t>
             </a:fld>
             <a:endParaRPr lang="en-US" dirty="0"/>
           </a:p>
@@ -4198,7 +4205,7 @@
             <a:fld id="{B61BEF0D-F0BB-DE4B-95CE-6DB70DBA9567}" type="datetimeFigureOut">
               <a:rPr lang="en-US" dirty="0"/>
               <a:pPr/>
-              <a:t>10/30/2018</a:t>
+              <a:t>10/31/2018</a:t>
             </a:fld>
             <a:endParaRPr lang="en-US" dirty="0"/>
           </a:p>
@@ -4343,7 +4350,7 @@
             <a:fld id="{B61BEF0D-F0BB-DE4B-95CE-6DB70DBA9567}" type="datetimeFigureOut">
               <a:rPr lang="en-US" dirty="0"/>
               <a:pPr/>
-              <a:t>10/30/2018</a:t>
+              <a:t>10/31/2018</a:t>
             </a:fld>
             <a:endParaRPr lang="en-US" dirty="0"/>
           </a:p>
@@ -4465,7 +4472,7 @@
             <a:fld id="{B61BEF0D-F0BB-DE4B-95CE-6DB70DBA9567}" type="datetimeFigureOut">
               <a:rPr lang="en-US" dirty="0"/>
               <a:pPr/>
-              <a:t>10/30/2018</a:t>
+              <a:t>10/31/2018</a:t>
             </a:fld>
             <a:endParaRPr lang="en-US" dirty="0"/>
           </a:p>
@@ -4747,7 +4754,7 @@
             <a:fld id="{B61BEF0D-F0BB-DE4B-95CE-6DB70DBA9567}" type="datetimeFigureOut">
               <a:rPr lang="en-US" dirty="0"/>
               <a:pPr/>
-              <a:t>10/30/2018</a:t>
+              <a:t>10/31/2018</a:t>
             </a:fld>
             <a:endParaRPr lang="en-US" dirty="0"/>
           </a:p>
@@ -5068,7 +5075,7 @@
             <a:fld id="{B61BEF0D-F0BB-DE4B-95CE-6DB70DBA9567}" type="datetimeFigureOut">
               <a:rPr lang="en-US" dirty="0"/>
               <a:pPr/>
-              <a:t>10/30/2018</a:t>
+              <a:t>10/31/2018</a:t>
             </a:fld>
             <a:endParaRPr lang="en-US" dirty="0"/>
           </a:p>
@@ -5279,7 +5286,7 @@
             <a:fld id="{B61BEF0D-F0BB-DE4B-95CE-6DB70DBA9567}" type="datetimeFigureOut">
               <a:rPr lang="en-US" dirty="0"/>
               <a:pPr/>
-              <a:t>10/30/2018</a:t>
+              <a:t>10/31/2018</a:t>
             </a:fld>
             <a:endParaRPr lang="en-US" dirty="0"/>
           </a:p>
@@ -10037,7 +10044,7 @@
           <a:p>
             <a:r>
               <a:rPr lang="en-US" dirty="0"/>
-              <a:t>Initialize – add a bundle</a:t>
+              <a:t>Initialize – add a migration bundle</a:t>
             </a:r>
           </a:p>
         </p:txBody>
@@ -12498,7 +12505,7 @@
           <p:cNvPr id="2" name="Title 1">
             <a:extLst>
               <a:ext uri="{FF2B5EF4-FFF2-40B4-BE49-F238E27FC236}">
-                <a16:creationId xmlns:a16="http://schemas.microsoft.com/office/drawing/2014/main" id="{93319B43-7EA9-4F8C-9D5D-3FE207822E7A}"/>
+                <a16:creationId xmlns:a16="http://schemas.microsoft.com/office/drawing/2014/main" id="{082316D8-7359-4370-9A2E-65FED31B26A6}"/>
               </a:ext>
             </a:extLst>
           </p:cNvPr>
@@ -12511,19 +12518,19 @@
         </p:nvSpPr>
         <p:spPr>
           <a:xfrm>
-            <a:off x="0" y="79663"/>
-            <a:ext cx="10131425" cy="632083"/>
+            <a:off x="0" y="0"/>
+            <a:ext cx="10131425" cy="824345"/>
           </a:xfrm>
         </p:spPr>
         <p:txBody>
           <a:bodyPr>
-            <a:normAutofit fontScale="90000"/>
+            <a:normAutofit/>
           </a:bodyPr>
           <a:lstStyle/>
           <a:p>
             <a:r>
               <a:rPr lang="en-US" dirty="0"/>
-              <a:t>Application class - environment</a:t>
+              <a:t>Application class – environment</a:t>
             </a:r>
           </a:p>
         </p:txBody>
@@ -12533,7 +12540,7 @@
           <p:cNvPr id="3" name="Rectangle 1">
             <a:extLst>
               <a:ext uri="{FF2B5EF4-FFF2-40B4-BE49-F238E27FC236}">
-                <a16:creationId xmlns:a16="http://schemas.microsoft.com/office/drawing/2014/main" id="{99057C9F-3DA3-4AF6-97DB-DC8054EEAF1F}"/>
+                <a16:creationId xmlns:a16="http://schemas.microsoft.com/office/drawing/2014/main" id="{6E8C10B1-7DE3-47DE-87C8-53F6FB0801F9}"/>
               </a:ext>
             </a:extLst>
           </p:cNvPr>
@@ -12544,8 +12551,8 @@
         </p:nvSpPr>
         <p:spPr bwMode="auto">
           <a:xfrm>
-            <a:off x="1312604" y="642621"/>
-            <a:ext cx="8391833" cy="6124754"/>
+            <a:off x="48491" y="948690"/>
+            <a:ext cx="10723418" cy="5909310"/>
           </a:xfrm>
           <a:prstGeom prst="rect">
             <a:avLst/>
@@ -14443,7 +14450,5750 @@
     </p:spTree>
     <p:extLst>
       <p:ext uri="{BB962C8B-B14F-4D97-AF65-F5344CB8AC3E}">
-        <p14:creationId xmlns:p14="http://schemas.microsoft.com/office/powerpoint/2010/main" val="2957262185"/>
+        <p14:creationId xmlns:p14="http://schemas.microsoft.com/office/powerpoint/2010/main" val="3985109207"/>
+      </p:ext>
+    </p:extLst>
+  </p:cSld>
+  <p:clrMapOvr>
+    <a:masterClrMapping/>
+  </p:clrMapOvr>
+</p:sld>
+</file>
+
+<file path=ppt/slides/slide16.xml><?xml version="1.0" encoding="utf-8"?>
+<p:sld xmlns:a="http://schemas.openxmlformats.org/drawingml/2006/main" xmlns:r="http://schemas.openxmlformats.org/officeDocument/2006/relationships" xmlns:p="http://schemas.openxmlformats.org/presentationml/2006/main">
+  <p:cSld>
+    <p:spTree>
+      <p:nvGrpSpPr>
+        <p:cNvPr id="1" name=""/>
+        <p:cNvGrpSpPr/>
+        <p:nvPr/>
+      </p:nvGrpSpPr>
+      <p:grpSpPr>
+        <a:xfrm>
+          <a:off x="0" y="0"/>
+          <a:ext cx="0" cy="0"/>
+          <a:chOff x="0" y="0"/>
+          <a:chExt cx="0" cy="0"/>
+        </a:xfrm>
+      </p:grpSpPr>
+      <p:sp>
+        <p:nvSpPr>
+          <p:cNvPr id="2" name="Title 1">
+            <a:extLst>
+              <a:ext uri="{FF2B5EF4-FFF2-40B4-BE49-F238E27FC236}">
+                <a16:creationId xmlns:a16="http://schemas.microsoft.com/office/drawing/2014/main" id="{DF26BE2F-29EE-4EAB-A7E5-2A5ABACA7190}"/>
+              </a:ext>
+            </a:extLst>
+          </p:cNvPr>
+          <p:cNvSpPr>
+            <a:spLocks noGrp="1"/>
+          </p:cNvSpPr>
+          <p:nvPr>
+            <p:ph type="title"/>
+          </p:nvPr>
+        </p:nvSpPr>
+        <p:spPr>
+          <a:xfrm>
+            <a:off x="0" y="0"/>
+            <a:ext cx="10131425" cy="696191"/>
+          </a:xfrm>
+        </p:spPr>
+        <p:txBody>
+          <a:bodyPr/>
+          <a:lstStyle/>
+          <a:p>
+            <a:r>
+              <a:rPr lang="en-US" dirty="0"/>
+              <a:t>Health checks</a:t>
+            </a:r>
+          </a:p>
+        </p:txBody>
+      </p:sp>
+      <p:sp>
+        <p:nvSpPr>
+          <p:cNvPr id="3" name="Rectangle 1">
+            <a:extLst>
+              <a:ext uri="{FF2B5EF4-FFF2-40B4-BE49-F238E27FC236}">
+                <a16:creationId xmlns:a16="http://schemas.microsoft.com/office/drawing/2014/main" id="{4CC49B31-A76C-4DC7-ADAE-C81AD6DA90CC}"/>
+              </a:ext>
+            </a:extLst>
+          </p:cNvPr>
+          <p:cNvSpPr>
+            <a:spLocks noChangeArrowheads="1"/>
+          </p:cNvSpPr>
+          <p:nvPr/>
+        </p:nvSpPr>
+        <p:spPr bwMode="auto">
+          <a:xfrm>
+            <a:off x="155863" y="1946160"/>
+            <a:ext cx="7512628" cy="4524315"/>
+          </a:xfrm>
+          <a:prstGeom prst="rect">
+            <a:avLst/>
+          </a:prstGeom>
+          <a:solidFill>
+            <a:srgbClr val="FFFFFF"/>
+          </a:solidFill>
+          <a:ln>
+            <a:noFill/>
+          </a:ln>
+          <a:effectLst/>
+          <a:extLst>
+            <a:ext uri="{91240B29-F687-4F45-9708-019B960494DF}">
+              <a14:hiddenLine xmlns:a14="http://schemas.microsoft.com/office/drawing/2010/main" w="9525">
+                <a:solidFill>
+                  <a:schemeClr val="tx1"/>
+                </a:solidFill>
+                <a:miter lim="800000"/>
+                <a:headEnd/>
+                <a:tailEnd/>
+              </a14:hiddenLine>
+            </a:ext>
+            <a:ext uri="{AF507438-7753-43E0-B8FC-AC1667EBCBE1}">
+              <a14:hiddenEffects xmlns:a14="http://schemas.microsoft.com/office/drawing/2010/main">
+                <a:effectLst>
+                  <a:outerShdw dist="35921" dir="2700000" algn="ctr" rotWithShape="0">
+                    <a:schemeClr val="bg2"/>
+                  </a:outerShdw>
+                </a:effectLst>
+              </a14:hiddenEffects>
+            </a:ext>
+          </a:extLst>
+        </p:spPr>
+        <p:txBody>
+          <a:bodyPr vert="horz" wrap="square" lIns="91440" tIns="45720" rIns="91440" bIns="45720" numCol="1" anchor="ctr" anchorCtr="0" compatLnSpc="1">
+            <a:prstTxWarp prst="textNoShape">
+              <a:avLst/>
+            </a:prstTxWarp>
+            <a:spAutoFit/>
+          </a:bodyPr>
+          <a:lstStyle/>
+          <a:p>
+            <a:pPr marL="0" marR="0" lvl="0" indent="0" algn="l" defTabSz="914400" rtl="0" eaLnBrk="0" fontAlgn="base" latinLnBrk="0" hangingPunct="0">
+              <a:lnSpc>
+                <a:spcPct val="100000"/>
+              </a:lnSpc>
+              <a:spcBef>
+                <a:spcPct val="0"/>
+              </a:spcBef>
+              <a:spcAft>
+                <a:spcPct val="0"/>
+              </a:spcAft>
+              <a:buClrTx/>
+              <a:buSzTx/>
+              <a:buFontTx/>
+              <a:buNone/>
+              <a:tabLst/>
+            </a:pPr>
+            <a:r>
+              <a:rPr kumimoji="0" lang="en-US" altLang="en-US" sz="1600" b="1" i="0" u="none" strike="noStrike" cap="none" normalizeH="0" baseline="0" dirty="0">
+                <a:ln>
+                  <a:noFill/>
+                </a:ln>
+                <a:solidFill>
+                  <a:srgbClr val="000080"/>
+                </a:solidFill>
+                <a:effectLst/>
+                <a:latin typeface="Courier New" panose="02070309020205020404" pitchFamily="49" charset="0"/>
+                <a:cs typeface="Courier New" panose="02070309020205020404" pitchFamily="49" charset="0"/>
+              </a:rPr>
+              <a:t>public class </a:t>
+            </a:r>
+            <a:r>
+              <a:rPr kumimoji="0" lang="en-US" altLang="en-US" sz="1600" b="0" i="0" u="none" strike="noStrike" cap="none" normalizeH="0" baseline="0" dirty="0" err="1">
+                <a:ln>
+                  <a:noFill/>
+                </a:ln>
+                <a:solidFill>
+                  <a:srgbClr val="000000"/>
+                </a:solidFill>
+                <a:effectLst/>
+                <a:latin typeface="Courier New" panose="02070309020205020404" pitchFamily="49" charset="0"/>
+                <a:cs typeface="Courier New" panose="02070309020205020404" pitchFamily="49" charset="0"/>
+              </a:rPr>
+              <a:t>TemplateHealthCheck</a:t>
+            </a:r>
+            <a:r>
+              <a:rPr kumimoji="0" lang="en-US" altLang="en-US" sz="1600" b="0" i="0" u="none" strike="noStrike" cap="none" normalizeH="0" baseline="0" dirty="0">
+                <a:ln>
+                  <a:noFill/>
+                </a:ln>
+                <a:solidFill>
+                  <a:srgbClr val="000000"/>
+                </a:solidFill>
+                <a:effectLst/>
+                <a:latin typeface="Courier New" panose="02070309020205020404" pitchFamily="49" charset="0"/>
+                <a:cs typeface="Courier New" panose="02070309020205020404" pitchFamily="49" charset="0"/>
+              </a:rPr>
+              <a:t> </a:t>
+            </a:r>
+            <a:r>
+              <a:rPr kumimoji="0" lang="en-US" altLang="en-US" sz="1600" b="1" i="0" u="none" strike="noStrike" cap="none" normalizeH="0" baseline="0" dirty="0">
+                <a:ln>
+                  <a:noFill/>
+                </a:ln>
+                <a:solidFill>
+                  <a:srgbClr val="000080"/>
+                </a:solidFill>
+                <a:effectLst/>
+                <a:latin typeface="Courier New" panose="02070309020205020404" pitchFamily="49" charset="0"/>
+                <a:cs typeface="Courier New" panose="02070309020205020404" pitchFamily="49" charset="0"/>
+              </a:rPr>
+              <a:t>extends </a:t>
+            </a:r>
+            <a:r>
+              <a:rPr kumimoji="0" lang="en-US" altLang="en-US" sz="1600" b="0" i="0" u="none" strike="noStrike" cap="none" normalizeH="0" baseline="0" dirty="0" err="1">
+                <a:ln>
+                  <a:noFill/>
+                </a:ln>
+                <a:solidFill>
+                  <a:srgbClr val="000000"/>
+                </a:solidFill>
+                <a:effectLst/>
+                <a:latin typeface="Courier New" panose="02070309020205020404" pitchFamily="49" charset="0"/>
+                <a:cs typeface="Courier New" panose="02070309020205020404" pitchFamily="49" charset="0"/>
+              </a:rPr>
+              <a:t>HealthCheck</a:t>
+            </a:r>
+            <a:r>
+              <a:rPr kumimoji="0" lang="en-US" altLang="en-US" sz="1600" b="0" i="0" u="none" strike="noStrike" cap="none" normalizeH="0" baseline="0" dirty="0">
+                <a:ln>
+                  <a:noFill/>
+                </a:ln>
+                <a:solidFill>
+                  <a:srgbClr val="000000"/>
+                </a:solidFill>
+                <a:effectLst/>
+                <a:latin typeface="Courier New" panose="02070309020205020404" pitchFamily="49" charset="0"/>
+                <a:cs typeface="Courier New" panose="02070309020205020404" pitchFamily="49" charset="0"/>
+              </a:rPr>
+              <a:t> {</a:t>
+            </a:r>
+            <a:br>
+              <a:rPr kumimoji="0" lang="en-US" altLang="en-US" sz="1600" b="0" i="0" u="none" strike="noStrike" cap="none" normalizeH="0" baseline="0" dirty="0">
+                <a:ln>
+                  <a:noFill/>
+                </a:ln>
+                <a:solidFill>
+                  <a:srgbClr val="000000"/>
+                </a:solidFill>
+                <a:effectLst/>
+                <a:latin typeface="Courier New" panose="02070309020205020404" pitchFamily="49" charset="0"/>
+                <a:cs typeface="Courier New" panose="02070309020205020404" pitchFamily="49" charset="0"/>
+              </a:rPr>
+            </a:br>
+            <a:r>
+              <a:rPr kumimoji="0" lang="en-US" altLang="en-US" sz="1600" b="0" i="0" u="none" strike="noStrike" cap="none" normalizeH="0" baseline="0" dirty="0">
+                <a:ln>
+                  <a:noFill/>
+                </a:ln>
+                <a:solidFill>
+                  <a:srgbClr val="000000"/>
+                </a:solidFill>
+                <a:effectLst/>
+                <a:latin typeface="Courier New" panose="02070309020205020404" pitchFamily="49" charset="0"/>
+                <a:cs typeface="Courier New" panose="02070309020205020404" pitchFamily="49" charset="0"/>
+              </a:rPr>
+              <a:t>    </a:t>
+            </a:r>
+            <a:r>
+              <a:rPr kumimoji="0" lang="en-US" altLang="en-US" sz="1600" b="1" i="0" u="none" strike="noStrike" cap="none" normalizeH="0" baseline="0" dirty="0">
+                <a:ln>
+                  <a:noFill/>
+                </a:ln>
+                <a:solidFill>
+                  <a:srgbClr val="000080"/>
+                </a:solidFill>
+                <a:effectLst/>
+                <a:latin typeface="Courier New" panose="02070309020205020404" pitchFamily="49" charset="0"/>
+                <a:cs typeface="Courier New" panose="02070309020205020404" pitchFamily="49" charset="0"/>
+              </a:rPr>
+              <a:t>private final </a:t>
+            </a:r>
+            <a:r>
+              <a:rPr kumimoji="0" lang="en-US" altLang="en-US" sz="1600" b="0" i="0" u="none" strike="noStrike" cap="none" normalizeH="0" baseline="0" dirty="0">
+                <a:ln>
+                  <a:noFill/>
+                </a:ln>
+                <a:solidFill>
+                  <a:srgbClr val="000000"/>
+                </a:solidFill>
+                <a:effectLst/>
+                <a:latin typeface="Courier New" panose="02070309020205020404" pitchFamily="49" charset="0"/>
+                <a:cs typeface="Courier New" panose="02070309020205020404" pitchFamily="49" charset="0"/>
+              </a:rPr>
+              <a:t>String </a:t>
+            </a:r>
+            <a:r>
+              <a:rPr kumimoji="0" lang="en-US" altLang="en-US" sz="1600" b="1" i="0" u="none" strike="noStrike" cap="none" normalizeH="0" baseline="0" dirty="0">
+                <a:ln>
+                  <a:noFill/>
+                </a:ln>
+                <a:solidFill>
+                  <a:srgbClr val="660E7A"/>
+                </a:solidFill>
+                <a:effectLst/>
+                <a:latin typeface="Courier New" panose="02070309020205020404" pitchFamily="49" charset="0"/>
+                <a:cs typeface="Courier New" panose="02070309020205020404" pitchFamily="49" charset="0"/>
+              </a:rPr>
+              <a:t>template</a:t>
+            </a:r>
+            <a:r>
+              <a:rPr kumimoji="0" lang="en-US" altLang="en-US" sz="1600" b="0" i="0" u="none" strike="noStrike" cap="none" normalizeH="0" baseline="0" dirty="0">
+                <a:ln>
+                  <a:noFill/>
+                </a:ln>
+                <a:solidFill>
+                  <a:srgbClr val="000000"/>
+                </a:solidFill>
+                <a:effectLst/>
+                <a:latin typeface="Courier New" panose="02070309020205020404" pitchFamily="49" charset="0"/>
+                <a:cs typeface="Courier New" panose="02070309020205020404" pitchFamily="49" charset="0"/>
+              </a:rPr>
+              <a:t>;</a:t>
+            </a:r>
+            <a:br>
+              <a:rPr kumimoji="0" lang="en-US" altLang="en-US" sz="1600" b="0" i="0" u="none" strike="noStrike" cap="none" normalizeH="0" baseline="0" dirty="0">
+                <a:ln>
+                  <a:noFill/>
+                </a:ln>
+                <a:solidFill>
+                  <a:srgbClr val="000000"/>
+                </a:solidFill>
+                <a:effectLst/>
+                <a:latin typeface="Courier New" panose="02070309020205020404" pitchFamily="49" charset="0"/>
+                <a:cs typeface="Courier New" panose="02070309020205020404" pitchFamily="49" charset="0"/>
+              </a:rPr>
+            </a:br>
+            <a:br>
+              <a:rPr kumimoji="0" lang="en-US" altLang="en-US" sz="1600" b="0" i="0" u="none" strike="noStrike" cap="none" normalizeH="0" baseline="0" dirty="0">
+                <a:ln>
+                  <a:noFill/>
+                </a:ln>
+                <a:solidFill>
+                  <a:srgbClr val="000000"/>
+                </a:solidFill>
+                <a:effectLst/>
+                <a:latin typeface="Courier New" panose="02070309020205020404" pitchFamily="49" charset="0"/>
+                <a:cs typeface="Courier New" panose="02070309020205020404" pitchFamily="49" charset="0"/>
+              </a:rPr>
+            </a:br>
+            <a:r>
+              <a:rPr kumimoji="0" lang="en-US" altLang="en-US" sz="1600" b="0" i="0" u="none" strike="noStrike" cap="none" normalizeH="0" baseline="0" dirty="0">
+                <a:ln>
+                  <a:noFill/>
+                </a:ln>
+                <a:solidFill>
+                  <a:srgbClr val="000000"/>
+                </a:solidFill>
+                <a:effectLst/>
+                <a:latin typeface="Courier New" panose="02070309020205020404" pitchFamily="49" charset="0"/>
+                <a:cs typeface="Courier New" panose="02070309020205020404" pitchFamily="49" charset="0"/>
+              </a:rPr>
+              <a:t>    </a:t>
+            </a:r>
+            <a:r>
+              <a:rPr kumimoji="0" lang="en-US" altLang="en-US" sz="1600" b="1" i="0" u="none" strike="noStrike" cap="none" normalizeH="0" baseline="0" dirty="0">
+                <a:ln>
+                  <a:noFill/>
+                </a:ln>
+                <a:solidFill>
+                  <a:srgbClr val="000080"/>
+                </a:solidFill>
+                <a:effectLst/>
+                <a:latin typeface="Courier New" panose="02070309020205020404" pitchFamily="49" charset="0"/>
+                <a:cs typeface="Courier New" panose="02070309020205020404" pitchFamily="49" charset="0"/>
+              </a:rPr>
+              <a:t>public </a:t>
+            </a:r>
+            <a:r>
+              <a:rPr kumimoji="0" lang="en-US" altLang="en-US" sz="1600" b="0" i="0" u="none" strike="noStrike" cap="none" normalizeH="0" baseline="0" dirty="0" err="1">
+                <a:ln>
+                  <a:noFill/>
+                </a:ln>
+                <a:solidFill>
+                  <a:srgbClr val="000000"/>
+                </a:solidFill>
+                <a:effectLst/>
+                <a:latin typeface="Courier New" panose="02070309020205020404" pitchFamily="49" charset="0"/>
+                <a:cs typeface="Courier New" panose="02070309020205020404" pitchFamily="49" charset="0"/>
+              </a:rPr>
+              <a:t>TemplateHealthCheck</a:t>
+            </a:r>
+            <a:r>
+              <a:rPr kumimoji="0" lang="en-US" altLang="en-US" sz="1600" b="0" i="0" u="none" strike="noStrike" cap="none" normalizeH="0" baseline="0" dirty="0">
+                <a:ln>
+                  <a:noFill/>
+                </a:ln>
+                <a:solidFill>
+                  <a:srgbClr val="000000"/>
+                </a:solidFill>
+                <a:effectLst/>
+                <a:latin typeface="Courier New" panose="02070309020205020404" pitchFamily="49" charset="0"/>
+                <a:cs typeface="Courier New" panose="02070309020205020404" pitchFamily="49" charset="0"/>
+              </a:rPr>
+              <a:t>(String template) {</a:t>
+            </a:r>
+            <a:br>
+              <a:rPr kumimoji="0" lang="en-US" altLang="en-US" sz="1600" b="0" i="0" u="none" strike="noStrike" cap="none" normalizeH="0" baseline="0" dirty="0">
+                <a:ln>
+                  <a:noFill/>
+                </a:ln>
+                <a:solidFill>
+                  <a:srgbClr val="000000"/>
+                </a:solidFill>
+                <a:effectLst/>
+                <a:latin typeface="Courier New" panose="02070309020205020404" pitchFamily="49" charset="0"/>
+                <a:cs typeface="Courier New" panose="02070309020205020404" pitchFamily="49" charset="0"/>
+              </a:rPr>
+            </a:br>
+            <a:r>
+              <a:rPr kumimoji="0" lang="en-US" altLang="en-US" sz="1600" b="0" i="0" u="none" strike="noStrike" cap="none" normalizeH="0" baseline="0" dirty="0">
+                <a:ln>
+                  <a:noFill/>
+                </a:ln>
+                <a:solidFill>
+                  <a:srgbClr val="000000"/>
+                </a:solidFill>
+                <a:effectLst/>
+                <a:latin typeface="Courier New" panose="02070309020205020404" pitchFamily="49" charset="0"/>
+                <a:cs typeface="Courier New" panose="02070309020205020404" pitchFamily="49" charset="0"/>
+              </a:rPr>
+              <a:t>        </a:t>
+            </a:r>
+            <a:r>
+              <a:rPr kumimoji="0" lang="en-US" altLang="en-US" sz="1600" b="1" i="0" u="none" strike="noStrike" cap="none" normalizeH="0" baseline="0" dirty="0" err="1">
+                <a:ln>
+                  <a:noFill/>
+                </a:ln>
+                <a:solidFill>
+                  <a:srgbClr val="000080"/>
+                </a:solidFill>
+                <a:effectLst/>
+                <a:latin typeface="Courier New" panose="02070309020205020404" pitchFamily="49" charset="0"/>
+                <a:cs typeface="Courier New" panose="02070309020205020404" pitchFamily="49" charset="0"/>
+              </a:rPr>
+              <a:t>this</a:t>
+            </a:r>
+            <a:r>
+              <a:rPr kumimoji="0" lang="en-US" altLang="en-US" sz="1600" b="0" i="0" u="none" strike="noStrike" cap="none" normalizeH="0" baseline="0" dirty="0" err="1">
+                <a:ln>
+                  <a:noFill/>
+                </a:ln>
+                <a:solidFill>
+                  <a:srgbClr val="000000"/>
+                </a:solidFill>
+                <a:effectLst/>
+                <a:latin typeface="Courier New" panose="02070309020205020404" pitchFamily="49" charset="0"/>
+                <a:cs typeface="Courier New" panose="02070309020205020404" pitchFamily="49" charset="0"/>
+              </a:rPr>
+              <a:t>.</a:t>
+            </a:r>
+            <a:r>
+              <a:rPr kumimoji="0" lang="en-US" altLang="en-US" sz="1600" b="1" i="0" u="none" strike="noStrike" cap="none" normalizeH="0" baseline="0" dirty="0" err="1">
+                <a:ln>
+                  <a:noFill/>
+                </a:ln>
+                <a:solidFill>
+                  <a:srgbClr val="660E7A"/>
+                </a:solidFill>
+                <a:effectLst/>
+                <a:latin typeface="Courier New" panose="02070309020205020404" pitchFamily="49" charset="0"/>
+                <a:cs typeface="Courier New" panose="02070309020205020404" pitchFamily="49" charset="0"/>
+              </a:rPr>
+              <a:t>template</a:t>
+            </a:r>
+            <a:r>
+              <a:rPr kumimoji="0" lang="en-US" altLang="en-US" sz="1600" b="1" i="0" u="none" strike="noStrike" cap="none" normalizeH="0" baseline="0" dirty="0">
+                <a:ln>
+                  <a:noFill/>
+                </a:ln>
+                <a:solidFill>
+                  <a:srgbClr val="660E7A"/>
+                </a:solidFill>
+                <a:effectLst/>
+                <a:latin typeface="Courier New" panose="02070309020205020404" pitchFamily="49" charset="0"/>
+                <a:cs typeface="Courier New" panose="02070309020205020404" pitchFamily="49" charset="0"/>
+              </a:rPr>
+              <a:t> </a:t>
+            </a:r>
+            <a:r>
+              <a:rPr kumimoji="0" lang="en-US" altLang="en-US" sz="1600" b="0" i="0" u="none" strike="noStrike" cap="none" normalizeH="0" baseline="0" dirty="0">
+                <a:ln>
+                  <a:noFill/>
+                </a:ln>
+                <a:solidFill>
+                  <a:srgbClr val="000000"/>
+                </a:solidFill>
+                <a:effectLst/>
+                <a:latin typeface="Courier New" panose="02070309020205020404" pitchFamily="49" charset="0"/>
+                <a:cs typeface="Courier New" panose="02070309020205020404" pitchFamily="49" charset="0"/>
+              </a:rPr>
+              <a:t>= template;</a:t>
+            </a:r>
+            <a:br>
+              <a:rPr kumimoji="0" lang="en-US" altLang="en-US" sz="1600" b="0" i="0" u="none" strike="noStrike" cap="none" normalizeH="0" baseline="0" dirty="0">
+                <a:ln>
+                  <a:noFill/>
+                </a:ln>
+                <a:solidFill>
+                  <a:srgbClr val="000000"/>
+                </a:solidFill>
+                <a:effectLst/>
+                <a:latin typeface="Courier New" panose="02070309020205020404" pitchFamily="49" charset="0"/>
+                <a:cs typeface="Courier New" panose="02070309020205020404" pitchFamily="49" charset="0"/>
+              </a:rPr>
+            </a:br>
+            <a:r>
+              <a:rPr kumimoji="0" lang="en-US" altLang="en-US" sz="1600" b="0" i="0" u="none" strike="noStrike" cap="none" normalizeH="0" baseline="0" dirty="0">
+                <a:ln>
+                  <a:noFill/>
+                </a:ln>
+                <a:solidFill>
+                  <a:srgbClr val="000000"/>
+                </a:solidFill>
+                <a:effectLst/>
+                <a:latin typeface="Courier New" panose="02070309020205020404" pitchFamily="49" charset="0"/>
+                <a:cs typeface="Courier New" panose="02070309020205020404" pitchFamily="49" charset="0"/>
+              </a:rPr>
+              <a:t>    }</a:t>
+            </a:r>
+            <a:br>
+              <a:rPr kumimoji="0" lang="en-US" altLang="en-US" sz="1600" b="0" i="0" u="none" strike="noStrike" cap="none" normalizeH="0" baseline="0" dirty="0">
+                <a:ln>
+                  <a:noFill/>
+                </a:ln>
+                <a:solidFill>
+                  <a:srgbClr val="000000"/>
+                </a:solidFill>
+                <a:effectLst/>
+                <a:latin typeface="Courier New" panose="02070309020205020404" pitchFamily="49" charset="0"/>
+                <a:cs typeface="Courier New" panose="02070309020205020404" pitchFamily="49" charset="0"/>
+              </a:rPr>
+            </a:br>
+            <a:br>
+              <a:rPr kumimoji="0" lang="en-US" altLang="en-US" sz="1600" b="0" i="0" u="none" strike="noStrike" cap="none" normalizeH="0" baseline="0" dirty="0">
+                <a:ln>
+                  <a:noFill/>
+                </a:ln>
+                <a:solidFill>
+                  <a:srgbClr val="000000"/>
+                </a:solidFill>
+                <a:effectLst/>
+                <a:latin typeface="Courier New" panose="02070309020205020404" pitchFamily="49" charset="0"/>
+                <a:cs typeface="Courier New" panose="02070309020205020404" pitchFamily="49" charset="0"/>
+              </a:rPr>
+            </a:br>
+            <a:r>
+              <a:rPr kumimoji="0" lang="en-US" altLang="en-US" sz="1600" b="0" i="0" u="none" strike="noStrike" cap="none" normalizeH="0" baseline="0" dirty="0">
+                <a:ln>
+                  <a:noFill/>
+                </a:ln>
+                <a:solidFill>
+                  <a:srgbClr val="000000"/>
+                </a:solidFill>
+                <a:effectLst/>
+                <a:latin typeface="Courier New" panose="02070309020205020404" pitchFamily="49" charset="0"/>
+                <a:cs typeface="Courier New" panose="02070309020205020404" pitchFamily="49" charset="0"/>
+              </a:rPr>
+              <a:t>    </a:t>
+            </a:r>
+            <a:r>
+              <a:rPr kumimoji="0" lang="en-US" altLang="en-US" sz="1600" b="0" i="0" u="none" strike="noStrike" cap="none" normalizeH="0" baseline="0" dirty="0">
+                <a:ln>
+                  <a:noFill/>
+                </a:ln>
+                <a:solidFill>
+                  <a:srgbClr val="808000"/>
+                </a:solidFill>
+                <a:effectLst/>
+                <a:latin typeface="Courier New" panose="02070309020205020404" pitchFamily="49" charset="0"/>
+                <a:cs typeface="Courier New" panose="02070309020205020404" pitchFamily="49" charset="0"/>
+              </a:rPr>
+              <a:t>@Override</a:t>
+            </a:r>
+            <a:br>
+              <a:rPr kumimoji="0" lang="en-US" altLang="en-US" sz="1600" b="0" i="0" u="none" strike="noStrike" cap="none" normalizeH="0" baseline="0" dirty="0">
+                <a:ln>
+                  <a:noFill/>
+                </a:ln>
+                <a:solidFill>
+                  <a:srgbClr val="808000"/>
+                </a:solidFill>
+                <a:effectLst/>
+                <a:latin typeface="Courier New" panose="02070309020205020404" pitchFamily="49" charset="0"/>
+                <a:cs typeface="Courier New" panose="02070309020205020404" pitchFamily="49" charset="0"/>
+              </a:rPr>
+            </a:br>
+            <a:r>
+              <a:rPr kumimoji="0" lang="en-US" altLang="en-US" sz="1600" b="0" i="0" u="none" strike="noStrike" cap="none" normalizeH="0" baseline="0" dirty="0">
+                <a:ln>
+                  <a:noFill/>
+                </a:ln>
+                <a:solidFill>
+                  <a:srgbClr val="808000"/>
+                </a:solidFill>
+                <a:effectLst/>
+                <a:latin typeface="Courier New" panose="02070309020205020404" pitchFamily="49" charset="0"/>
+                <a:cs typeface="Courier New" panose="02070309020205020404" pitchFamily="49" charset="0"/>
+              </a:rPr>
+              <a:t>    </a:t>
+            </a:r>
+            <a:r>
+              <a:rPr kumimoji="0" lang="en-US" altLang="en-US" sz="1600" b="1" i="0" u="none" strike="noStrike" cap="none" normalizeH="0" baseline="0" dirty="0">
+                <a:ln>
+                  <a:noFill/>
+                </a:ln>
+                <a:solidFill>
+                  <a:srgbClr val="000080"/>
+                </a:solidFill>
+                <a:effectLst/>
+                <a:latin typeface="Courier New" panose="02070309020205020404" pitchFamily="49" charset="0"/>
+                <a:cs typeface="Courier New" panose="02070309020205020404" pitchFamily="49" charset="0"/>
+              </a:rPr>
+              <a:t>protected </a:t>
+            </a:r>
+            <a:r>
+              <a:rPr kumimoji="0" lang="en-US" altLang="en-US" sz="1600" b="0" i="0" u="none" strike="noStrike" cap="none" normalizeH="0" baseline="0" dirty="0">
+                <a:ln>
+                  <a:noFill/>
+                </a:ln>
+                <a:solidFill>
+                  <a:srgbClr val="000000"/>
+                </a:solidFill>
+                <a:effectLst/>
+                <a:latin typeface="Courier New" panose="02070309020205020404" pitchFamily="49" charset="0"/>
+                <a:cs typeface="Courier New" panose="02070309020205020404" pitchFamily="49" charset="0"/>
+              </a:rPr>
+              <a:t>Result check() </a:t>
+            </a:r>
+            <a:r>
+              <a:rPr kumimoji="0" lang="en-US" altLang="en-US" sz="1600" b="1" i="0" u="none" strike="noStrike" cap="none" normalizeH="0" baseline="0" dirty="0">
+                <a:ln>
+                  <a:noFill/>
+                </a:ln>
+                <a:solidFill>
+                  <a:srgbClr val="000080"/>
+                </a:solidFill>
+                <a:effectLst/>
+                <a:latin typeface="Courier New" panose="02070309020205020404" pitchFamily="49" charset="0"/>
+                <a:cs typeface="Courier New" panose="02070309020205020404" pitchFamily="49" charset="0"/>
+              </a:rPr>
+              <a:t>throws </a:t>
+            </a:r>
+            <a:r>
+              <a:rPr kumimoji="0" lang="en-US" altLang="en-US" sz="1600" b="0" i="0" u="none" strike="noStrike" cap="none" normalizeH="0" baseline="0" dirty="0">
+                <a:ln>
+                  <a:noFill/>
+                </a:ln>
+                <a:solidFill>
+                  <a:srgbClr val="000000"/>
+                </a:solidFill>
+                <a:effectLst/>
+                <a:latin typeface="Courier New" panose="02070309020205020404" pitchFamily="49" charset="0"/>
+                <a:cs typeface="Courier New" panose="02070309020205020404" pitchFamily="49" charset="0"/>
+              </a:rPr>
+              <a:t>Exception {</a:t>
+            </a:r>
+            <a:br>
+              <a:rPr kumimoji="0" lang="en-US" altLang="en-US" sz="1600" b="0" i="0" u="none" strike="noStrike" cap="none" normalizeH="0" baseline="0" dirty="0">
+                <a:ln>
+                  <a:noFill/>
+                </a:ln>
+                <a:solidFill>
+                  <a:srgbClr val="000000"/>
+                </a:solidFill>
+                <a:effectLst/>
+                <a:latin typeface="Courier New" panose="02070309020205020404" pitchFamily="49" charset="0"/>
+                <a:cs typeface="Courier New" panose="02070309020205020404" pitchFamily="49" charset="0"/>
+              </a:rPr>
+            </a:br>
+            <a:r>
+              <a:rPr kumimoji="0" lang="en-US" altLang="en-US" sz="1600" b="0" i="0" u="none" strike="noStrike" cap="none" normalizeH="0" baseline="0" dirty="0">
+                <a:ln>
+                  <a:noFill/>
+                </a:ln>
+                <a:solidFill>
+                  <a:srgbClr val="000000"/>
+                </a:solidFill>
+                <a:effectLst/>
+                <a:latin typeface="Courier New" panose="02070309020205020404" pitchFamily="49" charset="0"/>
+                <a:cs typeface="Courier New" panose="02070309020205020404" pitchFamily="49" charset="0"/>
+              </a:rPr>
+              <a:t>        </a:t>
+            </a:r>
+            <a:r>
+              <a:rPr kumimoji="0" lang="en-US" altLang="en-US" sz="1600" b="1" i="0" u="none" strike="noStrike" cap="none" normalizeH="0" baseline="0" dirty="0">
+                <a:ln>
+                  <a:noFill/>
+                </a:ln>
+                <a:solidFill>
+                  <a:srgbClr val="000080"/>
+                </a:solidFill>
+                <a:effectLst/>
+                <a:latin typeface="Courier New" panose="02070309020205020404" pitchFamily="49" charset="0"/>
+                <a:cs typeface="Courier New" panose="02070309020205020404" pitchFamily="49" charset="0"/>
+              </a:rPr>
+              <a:t>final </a:t>
+            </a:r>
+            <a:r>
+              <a:rPr kumimoji="0" lang="en-US" altLang="en-US" sz="1600" b="0" i="0" u="none" strike="noStrike" cap="none" normalizeH="0" baseline="0" dirty="0">
+                <a:ln>
+                  <a:noFill/>
+                </a:ln>
+                <a:solidFill>
+                  <a:srgbClr val="000000"/>
+                </a:solidFill>
+                <a:effectLst/>
+                <a:latin typeface="Courier New" panose="02070309020205020404" pitchFamily="49" charset="0"/>
+                <a:cs typeface="Courier New" panose="02070309020205020404" pitchFamily="49" charset="0"/>
+              </a:rPr>
+              <a:t>String saying = </a:t>
+            </a:r>
+            <a:r>
+              <a:rPr kumimoji="0" lang="en-US" altLang="en-US" sz="1600" b="0" i="0" u="none" strike="noStrike" cap="none" normalizeH="0" baseline="0" dirty="0" err="1">
+                <a:ln>
+                  <a:noFill/>
+                </a:ln>
+                <a:solidFill>
+                  <a:srgbClr val="000000"/>
+                </a:solidFill>
+                <a:effectLst/>
+                <a:latin typeface="Courier New" panose="02070309020205020404" pitchFamily="49" charset="0"/>
+                <a:cs typeface="Courier New" panose="02070309020205020404" pitchFamily="49" charset="0"/>
+              </a:rPr>
+              <a:t>String.</a:t>
+            </a:r>
+            <a:r>
+              <a:rPr kumimoji="0" lang="en-US" altLang="en-US" sz="1600" b="0" i="1" u="none" strike="noStrike" cap="none" normalizeH="0" baseline="0" dirty="0" err="1">
+                <a:ln>
+                  <a:noFill/>
+                </a:ln>
+                <a:solidFill>
+                  <a:srgbClr val="000000"/>
+                </a:solidFill>
+                <a:effectLst/>
+                <a:latin typeface="Courier New" panose="02070309020205020404" pitchFamily="49" charset="0"/>
+                <a:cs typeface="Courier New" panose="02070309020205020404" pitchFamily="49" charset="0"/>
+              </a:rPr>
+              <a:t>format</a:t>
+            </a:r>
+            <a:r>
+              <a:rPr kumimoji="0" lang="en-US" altLang="en-US" sz="1600" b="0" i="0" u="none" strike="noStrike" cap="none" normalizeH="0" baseline="0" dirty="0">
+                <a:ln>
+                  <a:noFill/>
+                </a:ln>
+                <a:solidFill>
+                  <a:srgbClr val="000000"/>
+                </a:solidFill>
+                <a:effectLst/>
+                <a:latin typeface="Courier New" panose="02070309020205020404" pitchFamily="49" charset="0"/>
+                <a:cs typeface="Courier New" panose="02070309020205020404" pitchFamily="49" charset="0"/>
+              </a:rPr>
+              <a:t>(</a:t>
+            </a:r>
+            <a:r>
+              <a:rPr kumimoji="0" lang="en-US" altLang="en-US" sz="1600" b="1" i="0" u="none" strike="noStrike" cap="none" normalizeH="0" baseline="0" dirty="0">
+                <a:ln>
+                  <a:noFill/>
+                </a:ln>
+                <a:solidFill>
+                  <a:srgbClr val="660E7A"/>
+                </a:solidFill>
+                <a:effectLst/>
+                <a:latin typeface="Courier New" panose="02070309020205020404" pitchFamily="49" charset="0"/>
+                <a:cs typeface="Courier New" panose="02070309020205020404" pitchFamily="49" charset="0"/>
+              </a:rPr>
+              <a:t>template</a:t>
+            </a:r>
+            <a:r>
+              <a:rPr kumimoji="0" lang="en-US" altLang="en-US" sz="1600" b="0" i="0" u="none" strike="noStrike" cap="none" normalizeH="0" baseline="0" dirty="0">
+                <a:ln>
+                  <a:noFill/>
+                </a:ln>
+                <a:solidFill>
+                  <a:srgbClr val="000000"/>
+                </a:solidFill>
+                <a:effectLst/>
+                <a:latin typeface="Courier New" panose="02070309020205020404" pitchFamily="49" charset="0"/>
+                <a:cs typeface="Courier New" panose="02070309020205020404" pitchFamily="49" charset="0"/>
+              </a:rPr>
+              <a:t>, </a:t>
+            </a:r>
+            <a:r>
+              <a:rPr kumimoji="0" lang="en-US" altLang="en-US" sz="1600" b="1" i="0" u="none" strike="noStrike" cap="none" normalizeH="0" baseline="0" dirty="0">
+                <a:ln>
+                  <a:noFill/>
+                </a:ln>
+                <a:solidFill>
+                  <a:srgbClr val="008000"/>
+                </a:solidFill>
+                <a:effectLst/>
+                <a:latin typeface="Courier New" panose="02070309020205020404" pitchFamily="49" charset="0"/>
+                <a:cs typeface="Courier New" panose="02070309020205020404" pitchFamily="49" charset="0"/>
+              </a:rPr>
+              <a:t>"TEST"</a:t>
+            </a:r>
+            <a:r>
+              <a:rPr kumimoji="0" lang="en-US" altLang="en-US" sz="1600" b="0" i="0" u="none" strike="noStrike" cap="none" normalizeH="0" baseline="0" dirty="0">
+                <a:ln>
+                  <a:noFill/>
+                </a:ln>
+                <a:solidFill>
+                  <a:srgbClr val="000000"/>
+                </a:solidFill>
+                <a:effectLst/>
+                <a:latin typeface="Courier New" panose="02070309020205020404" pitchFamily="49" charset="0"/>
+                <a:cs typeface="Courier New" panose="02070309020205020404" pitchFamily="49" charset="0"/>
+              </a:rPr>
+              <a:t>);</a:t>
+            </a:r>
+            <a:br>
+              <a:rPr kumimoji="0" lang="en-US" altLang="en-US" sz="1600" b="0" i="0" u="none" strike="noStrike" cap="none" normalizeH="0" baseline="0" dirty="0">
+                <a:ln>
+                  <a:noFill/>
+                </a:ln>
+                <a:solidFill>
+                  <a:srgbClr val="000000"/>
+                </a:solidFill>
+                <a:effectLst/>
+                <a:latin typeface="Courier New" panose="02070309020205020404" pitchFamily="49" charset="0"/>
+                <a:cs typeface="Courier New" panose="02070309020205020404" pitchFamily="49" charset="0"/>
+              </a:rPr>
+            </a:br>
+            <a:r>
+              <a:rPr kumimoji="0" lang="en-US" altLang="en-US" sz="1600" b="0" i="0" u="none" strike="noStrike" cap="none" normalizeH="0" baseline="0" dirty="0">
+                <a:ln>
+                  <a:noFill/>
+                </a:ln>
+                <a:solidFill>
+                  <a:srgbClr val="000000"/>
+                </a:solidFill>
+                <a:effectLst/>
+                <a:latin typeface="Courier New" panose="02070309020205020404" pitchFamily="49" charset="0"/>
+                <a:cs typeface="Courier New" panose="02070309020205020404" pitchFamily="49" charset="0"/>
+              </a:rPr>
+              <a:t>        </a:t>
+            </a:r>
+            <a:r>
+              <a:rPr kumimoji="0" lang="en-US" altLang="en-US" sz="1600" b="1" i="0" u="none" strike="noStrike" cap="none" normalizeH="0" baseline="0" dirty="0">
+                <a:ln>
+                  <a:noFill/>
+                </a:ln>
+                <a:solidFill>
+                  <a:srgbClr val="000080"/>
+                </a:solidFill>
+                <a:effectLst/>
+                <a:latin typeface="Courier New" panose="02070309020205020404" pitchFamily="49" charset="0"/>
+                <a:cs typeface="Courier New" panose="02070309020205020404" pitchFamily="49" charset="0"/>
+              </a:rPr>
+              <a:t>if </a:t>
+            </a:r>
+            <a:r>
+              <a:rPr kumimoji="0" lang="en-US" altLang="en-US" sz="1600" b="0" i="0" u="none" strike="noStrike" cap="none" normalizeH="0" baseline="0" dirty="0">
+                <a:ln>
+                  <a:noFill/>
+                </a:ln>
+                <a:solidFill>
+                  <a:srgbClr val="000000"/>
+                </a:solidFill>
+                <a:effectLst/>
+                <a:latin typeface="Courier New" panose="02070309020205020404" pitchFamily="49" charset="0"/>
+                <a:cs typeface="Courier New" panose="02070309020205020404" pitchFamily="49" charset="0"/>
+              </a:rPr>
+              <a:t>(!</a:t>
+            </a:r>
+            <a:r>
+              <a:rPr kumimoji="0" lang="en-US" altLang="en-US" sz="1600" b="0" i="0" u="none" strike="noStrike" cap="none" normalizeH="0" baseline="0" dirty="0" err="1">
+                <a:ln>
+                  <a:noFill/>
+                </a:ln>
+                <a:solidFill>
+                  <a:srgbClr val="000000"/>
+                </a:solidFill>
+                <a:effectLst/>
+                <a:latin typeface="Courier New" panose="02070309020205020404" pitchFamily="49" charset="0"/>
+                <a:cs typeface="Courier New" panose="02070309020205020404" pitchFamily="49" charset="0"/>
+              </a:rPr>
+              <a:t>saying.contains</a:t>
+            </a:r>
+            <a:r>
+              <a:rPr kumimoji="0" lang="en-US" altLang="en-US" sz="1600" b="0" i="0" u="none" strike="noStrike" cap="none" normalizeH="0" baseline="0" dirty="0">
+                <a:ln>
+                  <a:noFill/>
+                </a:ln>
+                <a:solidFill>
+                  <a:srgbClr val="000000"/>
+                </a:solidFill>
+                <a:effectLst/>
+                <a:latin typeface="Courier New" panose="02070309020205020404" pitchFamily="49" charset="0"/>
+                <a:cs typeface="Courier New" panose="02070309020205020404" pitchFamily="49" charset="0"/>
+              </a:rPr>
+              <a:t>(</a:t>
+            </a:r>
+            <a:r>
+              <a:rPr kumimoji="0" lang="en-US" altLang="en-US" sz="1600" b="1" i="0" u="none" strike="noStrike" cap="none" normalizeH="0" baseline="0" dirty="0">
+                <a:ln>
+                  <a:noFill/>
+                </a:ln>
+                <a:solidFill>
+                  <a:srgbClr val="008000"/>
+                </a:solidFill>
+                <a:effectLst/>
+                <a:latin typeface="Courier New" panose="02070309020205020404" pitchFamily="49" charset="0"/>
+                <a:cs typeface="Courier New" panose="02070309020205020404" pitchFamily="49" charset="0"/>
+              </a:rPr>
+              <a:t>"TEST"</a:t>
+            </a:r>
+            <a:r>
+              <a:rPr kumimoji="0" lang="en-US" altLang="en-US" sz="1600" b="0" i="0" u="none" strike="noStrike" cap="none" normalizeH="0" baseline="0" dirty="0">
+                <a:ln>
+                  <a:noFill/>
+                </a:ln>
+                <a:solidFill>
+                  <a:srgbClr val="000000"/>
+                </a:solidFill>
+                <a:effectLst/>
+                <a:latin typeface="Courier New" panose="02070309020205020404" pitchFamily="49" charset="0"/>
+                <a:cs typeface="Courier New" panose="02070309020205020404" pitchFamily="49" charset="0"/>
+              </a:rPr>
+              <a:t>)) {</a:t>
+            </a:r>
+            <a:br>
+              <a:rPr kumimoji="0" lang="en-US" altLang="en-US" sz="1600" b="0" i="0" u="none" strike="noStrike" cap="none" normalizeH="0" baseline="0" dirty="0">
+                <a:ln>
+                  <a:noFill/>
+                </a:ln>
+                <a:solidFill>
+                  <a:srgbClr val="000000"/>
+                </a:solidFill>
+                <a:effectLst/>
+                <a:latin typeface="Courier New" panose="02070309020205020404" pitchFamily="49" charset="0"/>
+                <a:cs typeface="Courier New" panose="02070309020205020404" pitchFamily="49" charset="0"/>
+              </a:rPr>
+            </a:br>
+            <a:r>
+              <a:rPr kumimoji="0" lang="en-US" altLang="en-US" sz="1600" b="0" i="0" u="none" strike="noStrike" cap="none" normalizeH="0" baseline="0" dirty="0">
+                <a:ln>
+                  <a:noFill/>
+                </a:ln>
+                <a:solidFill>
+                  <a:srgbClr val="000000"/>
+                </a:solidFill>
+                <a:effectLst/>
+                <a:latin typeface="Courier New" panose="02070309020205020404" pitchFamily="49" charset="0"/>
+                <a:cs typeface="Courier New" panose="02070309020205020404" pitchFamily="49" charset="0"/>
+              </a:rPr>
+              <a:t>            </a:t>
+            </a:r>
+            <a:r>
+              <a:rPr kumimoji="0" lang="en-US" altLang="en-US" sz="1600" b="1" i="0" u="none" strike="noStrike" cap="none" normalizeH="0" baseline="0" dirty="0">
+                <a:ln>
+                  <a:noFill/>
+                </a:ln>
+                <a:solidFill>
+                  <a:srgbClr val="000080"/>
+                </a:solidFill>
+                <a:effectLst/>
+                <a:latin typeface="Courier New" panose="02070309020205020404" pitchFamily="49" charset="0"/>
+                <a:cs typeface="Courier New" panose="02070309020205020404" pitchFamily="49" charset="0"/>
+              </a:rPr>
+              <a:t>return </a:t>
+            </a:r>
+            <a:r>
+              <a:rPr kumimoji="0" lang="en-US" altLang="en-US" sz="1600" b="0" i="0" u="none" strike="noStrike" cap="none" normalizeH="0" baseline="0" dirty="0" err="1">
+                <a:ln>
+                  <a:noFill/>
+                </a:ln>
+                <a:solidFill>
+                  <a:srgbClr val="000000"/>
+                </a:solidFill>
+                <a:effectLst/>
+                <a:latin typeface="Courier New" panose="02070309020205020404" pitchFamily="49" charset="0"/>
+                <a:cs typeface="Courier New" panose="02070309020205020404" pitchFamily="49" charset="0"/>
+              </a:rPr>
+              <a:t>Result.</a:t>
+            </a:r>
+            <a:r>
+              <a:rPr kumimoji="0" lang="en-US" altLang="en-US" sz="1600" b="0" i="1" u="none" strike="noStrike" cap="none" normalizeH="0" baseline="0" dirty="0" err="1">
+                <a:ln>
+                  <a:noFill/>
+                </a:ln>
+                <a:solidFill>
+                  <a:srgbClr val="000000"/>
+                </a:solidFill>
+                <a:effectLst/>
+                <a:latin typeface="Courier New" panose="02070309020205020404" pitchFamily="49" charset="0"/>
+                <a:cs typeface="Courier New" panose="02070309020205020404" pitchFamily="49" charset="0"/>
+              </a:rPr>
+              <a:t>unhealthy</a:t>
+            </a:r>
+            <a:r>
+              <a:rPr kumimoji="0" lang="en-US" altLang="en-US" sz="1600" b="0" i="0" u="none" strike="noStrike" cap="none" normalizeH="0" baseline="0" dirty="0">
+                <a:ln>
+                  <a:noFill/>
+                </a:ln>
+                <a:solidFill>
+                  <a:srgbClr val="000000"/>
+                </a:solidFill>
+                <a:effectLst/>
+                <a:latin typeface="Courier New" panose="02070309020205020404" pitchFamily="49" charset="0"/>
+                <a:cs typeface="Courier New" panose="02070309020205020404" pitchFamily="49" charset="0"/>
+              </a:rPr>
+              <a:t>(</a:t>
+            </a:r>
+            <a:r>
+              <a:rPr kumimoji="0" lang="en-US" altLang="en-US" sz="1600" b="1" i="0" u="none" strike="noStrike" cap="none" normalizeH="0" baseline="0" dirty="0">
+                <a:ln>
+                  <a:noFill/>
+                </a:ln>
+                <a:solidFill>
+                  <a:srgbClr val="008000"/>
+                </a:solidFill>
+                <a:effectLst/>
+                <a:latin typeface="Courier New" panose="02070309020205020404" pitchFamily="49" charset="0"/>
+                <a:cs typeface="Courier New" panose="02070309020205020404" pitchFamily="49" charset="0"/>
+              </a:rPr>
+              <a:t>"template doesn't include a name"</a:t>
+            </a:r>
+            <a:r>
+              <a:rPr kumimoji="0" lang="en-US" altLang="en-US" sz="1600" b="0" i="0" u="none" strike="noStrike" cap="none" normalizeH="0" baseline="0" dirty="0">
+                <a:ln>
+                  <a:noFill/>
+                </a:ln>
+                <a:solidFill>
+                  <a:srgbClr val="000000"/>
+                </a:solidFill>
+                <a:effectLst/>
+                <a:latin typeface="Courier New" panose="02070309020205020404" pitchFamily="49" charset="0"/>
+                <a:cs typeface="Courier New" panose="02070309020205020404" pitchFamily="49" charset="0"/>
+              </a:rPr>
+              <a:t>);</a:t>
+            </a:r>
+            <a:br>
+              <a:rPr kumimoji="0" lang="en-US" altLang="en-US" sz="1600" b="0" i="0" u="none" strike="noStrike" cap="none" normalizeH="0" baseline="0" dirty="0">
+                <a:ln>
+                  <a:noFill/>
+                </a:ln>
+                <a:solidFill>
+                  <a:srgbClr val="000000"/>
+                </a:solidFill>
+                <a:effectLst/>
+                <a:latin typeface="Courier New" panose="02070309020205020404" pitchFamily="49" charset="0"/>
+                <a:cs typeface="Courier New" panose="02070309020205020404" pitchFamily="49" charset="0"/>
+              </a:rPr>
+            </a:br>
+            <a:r>
+              <a:rPr kumimoji="0" lang="en-US" altLang="en-US" sz="1600" b="0" i="0" u="none" strike="noStrike" cap="none" normalizeH="0" baseline="0" dirty="0">
+                <a:ln>
+                  <a:noFill/>
+                </a:ln>
+                <a:solidFill>
+                  <a:srgbClr val="000000"/>
+                </a:solidFill>
+                <a:effectLst/>
+                <a:latin typeface="Courier New" panose="02070309020205020404" pitchFamily="49" charset="0"/>
+                <a:cs typeface="Courier New" panose="02070309020205020404" pitchFamily="49" charset="0"/>
+              </a:rPr>
+              <a:t>        }</a:t>
+            </a:r>
+            <a:br>
+              <a:rPr kumimoji="0" lang="en-US" altLang="en-US" sz="1600" b="0" i="0" u="none" strike="noStrike" cap="none" normalizeH="0" baseline="0" dirty="0">
+                <a:ln>
+                  <a:noFill/>
+                </a:ln>
+                <a:solidFill>
+                  <a:srgbClr val="000000"/>
+                </a:solidFill>
+                <a:effectLst/>
+                <a:latin typeface="Courier New" panose="02070309020205020404" pitchFamily="49" charset="0"/>
+                <a:cs typeface="Courier New" panose="02070309020205020404" pitchFamily="49" charset="0"/>
+              </a:rPr>
+            </a:br>
+            <a:r>
+              <a:rPr kumimoji="0" lang="en-US" altLang="en-US" sz="1600" b="0" i="0" u="none" strike="noStrike" cap="none" normalizeH="0" baseline="0" dirty="0">
+                <a:ln>
+                  <a:noFill/>
+                </a:ln>
+                <a:solidFill>
+                  <a:srgbClr val="000000"/>
+                </a:solidFill>
+                <a:effectLst/>
+                <a:latin typeface="Courier New" panose="02070309020205020404" pitchFamily="49" charset="0"/>
+                <a:cs typeface="Courier New" panose="02070309020205020404" pitchFamily="49" charset="0"/>
+              </a:rPr>
+              <a:t>        </a:t>
+            </a:r>
+            <a:r>
+              <a:rPr kumimoji="0" lang="en-US" altLang="en-US" sz="1600" b="1" i="0" u="none" strike="noStrike" cap="none" normalizeH="0" baseline="0" dirty="0">
+                <a:ln>
+                  <a:noFill/>
+                </a:ln>
+                <a:solidFill>
+                  <a:srgbClr val="000080"/>
+                </a:solidFill>
+                <a:effectLst/>
+                <a:latin typeface="Courier New" panose="02070309020205020404" pitchFamily="49" charset="0"/>
+                <a:cs typeface="Courier New" panose="02070309020205020404" pitchFamily="49" charset="0"/>
+              </a:rPr>
+              <a:t>return </a:t>
+            </a:r>
+            <a:r>
+              <a:rPr kumimoji="0" lang="en-US" altLang="en-US" sz="1600" b="0" i="0" u="none" strike="noStrike" cap="none" normalizeH="0" baseline="0" dirty="0" err="1">
+                <a:ln>
+                  <a:noFill/>
+                </a:ln>
+                <a:solidFill>
+                  <a:srgbClr val="000000"/>
+                </a:solidFill>
+                <a:effectLst/>
+                <a:latin typeface="Courier New" panose="02070309020205020404" pitchFamily="49" charset="0"/>
+                <a:cs typeface="Courier New" panose="02070309020205020404" pitchFamily="49" charset="0"/>
+              </a:rPr>
+              <a:t>Result.</a:t>
+            </a:r>
+            <a:r>
+              <a:rPr kumimoji="0" lang="en-US" altLang="en-US" sz="1600" b="0" i="1" u="none" strike="noStrike" cap="none" normalizeH="0" baseline="0" dirty="0" err="1">
+                <a:ln>
+                  <a:noFill/>
+                </a:ln>
+                <a:solidFill>
+                  <a:srgbClr val="000000"/>
+                </a:solidFill>
+                <a:effectLst/>
+                <a:latin typeface="Courier New" panose="02070309020205020404" pitchFamily="49" charset="0"/>
+                <a:cs typeface="Courier New" panose="02070309020205020404" pitchFamily="49" charset="0"/>
+              </a:rPr>
+              <a:t>healthy</a:t>
+            </a:r>
+            <a:r>
+              <a:rPr kumimoji="0" lang="en-US" altLang="en-US" sz="1600" b="0" i="0" u="none" strike="noStrike" cap="none" normalizeH="0" baseline="0" dirty="0">
+                <a:ln>
+                  <a:noFill/>
+                </a:ln>
+                <a:solidFill>
+                  <a:srgbClr val="000000"/>
+                </a:solidFill>
+                <a:effectLst/>
+                <a:latin typeface="Courier New" panose="02070309020205020404" pitchFamily="49" charset="0"/>
+                <a:cs typeface="Courier New" panose="02070309020205020404" pitchFamily="49" charset="0"/>
+              </a:rPr>
+              <a:t>();</a:t>
+            </a:r>
+            <a:br>
+              <a:rPr kumimoji="0" lang="en-US" altLang="en-US" sz="1600" b="0" i="0" u="none" strike="noStrike" cap="none" normalizeH="0" baseline="0" dirty="0">
+                <a:ln>
+                  <a:noFill/>
+                </a:ln>
+                <a:solidFill>
+                  <a:srgbClr val="000000"/>
+                </a:solidFill>
+                <a:effectLst/>
+                <a:latin typeface="Courier New" panose="02070309020205020404" pitchFamily="49" charset="0"/>
+                <a:cs typeface="Courier New" panose="02070309020205020404" pitchFamily="49" charset="0"/>
+              </a:rPr>
+            </a:br>
+            <a:r>
+              <a:rPr kumimoji="0" lang="en-US" altLang="en-US" sz="1600" b="0" i="0" u="none" strike="noStrike" cap="none" normalizeH="0" baseline="0" dirty="0">
+                <a:ln>
+                  <a:noFill/>
+                </a:ln>
+                <a:solidFill>
+                  <a:srgbClr val="000000"/>
+                </a:solidFill>
+                <a:effectLst/>
+                <a:latin typeface="Courier New" panose="02070309020205020404" pitchFamily="49" charset="0"/>
+                <a:cs typeface="Courier New" panose="02070309020205020404" pitchFamily="49" charset="0"/>
+              </a:rPr>
+              <a:t>    }</a:t>
+            </a:r>
+            <a:br>
+              <a:rPr kumimoji="0" lang="en-US" altLang="en-US" sz="1600" b="0" i="0" u="none" strike="noStrike" cap="none" normalizeH="0" baseline="0" dirty="0">
+                <a:ln>
+                  <a:noFill/>
+                </a:ln>
+                <a:solidFill>
+                  <a:srgbClr val="000000"/>
+                </a:solidFill>
+                <a:effectLst/>
+                <a:latin typeface="Courier New" panose="02070309020205020404" pitchFamily="49" charset="0"/>
+                <a:cs typeface="Courier New" panose="02070309020205020404" pitchFamily="49" charset="0"/>
+              </a:rPr>
+            </a:br>
+            <a:r>
+              <a:rPr kumimoji="0" lang="en-US" altLang="en-US" sz="1600" b="0" i="0" u="none" strike="noStrike" cap="none" normalizeH="0" baseline="0" dirty="0">
+                <a:ln>
+                  <a:noFill/>
+                </a:ln>
+                <a:solidFill>
+                  <a:srgbClr val="000000"/>
+                </a:solidFill>
+                <a:effectLst/>
+                <a:latin typeface="Courier New" panose="02070309020205020404" pitchFamily="49" charset="0"/>
+                <a:cs typeface="Courier New" panose="02070309020205020404" pitchFamily="49" charset="0"/>
+              </a:rPr>
+              <a:t>}</a:t>
+            </a:r>
+            <a:endParaRPr kumimoji="0" lang="en-US" altLang="en-US" sz="1600" b="0" i="0" u="none" strike="noStrike" cap="none" normalizeH="0" baseline="0" dirty="0">
+              <a:ln>
+                <a:noFill/>
+              </a:ln>
+              <a:solidFill>
+                <a:schemeClr val="tx1"/>
+              </a:solidFill>
+              <a:effectLst/>
+              <a:latin typeface="Arial" panose="020B0604020202020204" pitchFamily="34" charset="0"/>
+            </a:endParaRPr>
+          </a:p>
+        </p:txBody>
+      </p:sp>
+      <p:sp>
+        <p:nvSpPr>
+          <p:cNvPr id="4" name="TextBox 3">
+            <a:extLst>
+              <a:ext uri="{FF2B5EF4-FFF2-40B4-BE49-F238E27FC236}">
+                <a16:creationId xmlns:a16="http://schemas.microsoft.com/office/drawing/2014/main" id="{C6F583B1-5A46-4EB1-90FA-21C2DC7B233F}"/>
+              </a:ext>
+            </a:extLst>
+          </p:cNvPr>
+          <p:cNvSpPr txBox="1"/>
+          <p:nvPr/>
+        </p:nvSpPr>
+        <p:spPr>
+          <a:xfrm>
+            <a:off x="0" y="951843"/>
+            <a:ext cx="2601610" cy="369332"/>
+          </a:xfrm>
+          <a:prstGeom prst="rect">
+            <a:avLst/>
+          </a:prstGeom>
+          <a:noFill/>
+        </p:spPr>
+        <p:txBody>
+          <a:bodyPr wrap="none" rtlCol="0">
+            <a:spAutoFit/>
+          </a:bodyPr>
+          <a:lstStyle/>
+          <a:p>
+            <a:r>
+              <a:rPr lang="en-US" dirty="0"/>
+              <a:t>Runtime test of behavior</a:t>
+            </a:r>
+          </a:p>
+        </p:txBody>
+      </p:sp>
+    </p:spTree>
+    <p:extLst>
+      <p:ext uri="{BB962C8B-B14F-4D97-AF65-F5344CB8AC3E}">
+        <p14:creationId xmlns:p14="http://schemas.microsoft.com/office/powerpoint/2010/main" val="2515449882"/>
+      </p:ext>
+    </p:extLst>
+  </p:cSld>
+  <p:clrMapOvr>
+    <a:masterClrMapping/>
+  </p:clrMapOvr>
+</p:sld>
+</file>
+
+<file path=ppt/slides/slide17.xml><?xml version="1.0" encoding="utf-8"?>
+<p:sld xmlns:a="http://schemas.openxmlformats.org/drawingml/2006/main" xmlns:r="http://schemas.openxmlformats.org/officeDocument/2006/relationships" xmlns:p="http://schemas.openxmlformats.org/presentationml/2006/main">
+  <p:cSld>
+    <p:spTree>
+      <p:nvGrpSpPr>
+        <p:cNvPr id="1" name=""/>
+        <p:cNvGrpSpPr/>
+        <p:nvPr/>
+      </p:nvGrpSpPr>
+      <p:grpSpPr>
+        <a:xfrm>
+          <a:off x="0" y="0"/>
+          <a:ext cx="0" cy="0"/>
+          <a:chOff x="0" y="0"/>
+          <a:chExt cx="0" cy="0"/>
+        </a:xfrm>
+      </p:grpSpPr>
+      <p:sp>
+        <p:nvSpPr>
+          <p:cNvPr id="2" name="Title 1">
+            <a:extLst>
+              <a:ext uri="{FF2B5EF4-FFF2-40B4-BE49-F238E27FC236}">
+                <a16:creationId xmlns:a16="http://schemas.microsoft.com/office/drawing/2014/main" id="{41053AD3-0EE8-4A7A-8F51-BA002AFD9D41}"/>
+              </a:ext>
+            </a:extLst>
+          </p:cNvPr>
+          <p:cNvSpPr>
+            <a:spLocks noGrp="1"/>
+          </p:cNvSpPr>
+          <p:nvPr>
+            <p:ph type="title"/>
+          </p:nvPr>
+        </p:nvSpPr>
+        <p:spPr>
+          <a:xfrm>
+            <a:off x="0" y="0"/>
+            <a:ext cx="10131425" cy="793173"/>
+          </a:xfrm>
+        </p:spPr>
+        <p:txBody>
+          <a:bodyPr/>
+          <a:lstStyle/>
+          <a:p>
+            <a:r>
+              <a:rPr lang="en-US" dirty="0"/>
+              <a:t>Representation (</a:t>
+            </a:r>
+            <a:r>
+              <a:rPr lang="en-US" dirty="0" err="1"/>
+              <a:t>Pojo</a:t>
+            </a:r>
+            <a:r>
+              <a:rPr lang="en-US" dirty="0"/>
+              <a:t>)</a:t>
+            </a:r>
+          </a:p>
+        </p:txBody>
+      </p:sp>
+      <p:sp>
+        <p:nvSpPr>
+          <p:cNvPr id="3" name="Rectangle 1">
+            <a:extLst>
+              <a:ext uri="{FF2B5EF4-FFF2-40B4-BE49-F238E27FC236}">
+                <a16:creationId xmlns:a16="http://schemas.microsoft.com/office/drawing/2014/main" id="{DD8C18AB-FAEC-4288-B5EA-D73AF15854D3}"/>
+              </a:ext>
+            </a:extLst>
+          </p:cNvPr>
+          <p:cNvSpPr>
+            <a:spLocks noChangeArrowheads="1"/>
+          </p:cNvSpPr>
+          <p:nvPr/>
+        </p:nvSpPr>
+        <p:spPr bwMode="auto">
+          <a:xfrm>
+            <a:off x="2691389" y="1523156"/>
+            <a:ext cx="4748645" cy="4185761"/>
+          </a:xfrm>
+          <a:prstGeom prst="rect">
+            <a:avLst/>
+          </a:prstGeom>
+          <a:solidFill>
+            <a:srgbClr val="FFFFFF"/>
+          </a:solidFill>
+          <a:ln>
+            <a:noFill/>
+          </a:ln>
+          <a:effectLst/>
+          <a:extLst>
+            <a:ext uri="{91240B29-F687-4F45-9708-019B960494DF}">
+              <a14:hiddenLine xmlns:a14="http://schemas.microsoft.com/office/drawing/2010/main" w="9525">
+                <a:solidFill>
+                  <a:schemeClr val="tx1"/>
+                </a:solidFill>
+                <a:miter lim="800000"/>
+                <a:headEnd/>
+                <a:tailEnd/>
+              </a14:hiddenLine>
+            </a:ext>
+            <a:ext uri="{AF507438-7753-43E0-B8FC-AC1667EBCBE1}">
+              <a14:hiddenEffects xmlns:a14="http://schemas.microsoft.com/office/drawing/2010/main">
+                <a:effectLst>
+                  <a:outerShdw dist="35921" dir="2700000" algn="ctr" rotWithShape="0">
+                    <a:schemeClr val="bg2"/>
+                  </a:outerShdw>
+                </a:effectLst>
+              </a14:hiddenEffects>
+            </a:ext>
+          </a:extLst>
+        </p:spPr>
+        <p:txBody>
+          <a:bodyPr vert="horz" wrap="square" lIns="91440" tIns="45720" rIns="91440" bIns="45720" numCol="1" anchor="ctr" anchorCtr="0" compatLnSpc="1">
+            <a:prstTxWarp prst="textNoShape">
+              <a:avLst/>
+            </a:prstTxWarp>
+            <a:spAutoFit/>
+          </a:bodyPr>
+          <a:lstStyle/>
+          <a:p>
+            <a:pPr marL="0" marR="0" lvl="0" indent="0" algn="l" defTabSz="914400" rtl="0" eaLnBrk="0" fontAlgn="base" latinLnBrk="0" hangingPunct="0">
+              <a:lnSpc>
+                <a:spcPct val="100000"/>
+              </a:lnSpc>
+              <a:spcBef>
+                <a:spcPct val="0"/>
+              </a:spcBef>
+              <a:spcAft>
+                <a:spcPct val="0"/>
+              </a:spcAft>
+              <a:buClrTx/>
+              <a:buSzTx/>
+              <a:buFontTx/>
+              <a:buNone/>
+              <a:tabLst/>
+            </a:pPr>
+            <a:r>
+              <a:rPr kumimoji="0" lang="en-US" altLang="en-US" sz="1400" b="0" i="0" u="none" strike="noStrike" cap="none" normalizeH="0" baseline="0" dirty="0">
+                <a:ln>
+                  <a:noFill/>
+                </a:ln>
+                <a:solidFill>
+                  <a:srgbClr val="808000"/>
+                </a:solidFill>
+                <a:effectLst/>
+                <a:latin typeface="Courier New" panose="02070309020205020404" pitchFamily="49" charset="0"/>
+                <a:cs typeface="Courier New" panose="02070309020205020404" pitchFamily="49" charset="0"/>
+              </a:rPr>
+              <a:t>@Entity</a:t>
+            </a:r>
+            <a:br>
+              <a:rPr kumimoji="0" lang="en-US" altLang="en-US" sz="1400" b="0" i="0" u="none" strike="noStrike" cap="none" normalizeH="0" baseline="0" dirty="0">
+                <a:ln>
+                  <a:noFill/>
+                </a:ln>
+                <a:solidFill>
+                  <a:srgbClr val="808000"/>
+                </a:solidFill>
+                <a:effectLst/>
+                <a:latin typeface="Courier New" panose="02070309020205020404" pitchFamily="49" charset="0"/>
+                <a:cs typeface="Courier New" panose="02070309020205020404" pitchFamily="49" charset="0"/>
+              </a:rPr>
+            </a:br>
+            <a:r>
+              <a:rPr kumimoji="0" lang="en-US" altLang="en-US" sz="1400" b="0" i="0" u="none" strike="noStrike" cap="none" normalizeH="0" baseline="0" dirty="0">
+                <a:ln>
+                  <a:noFill/>
+                </a:ln>
+                <a:solidFill>
+                  <a:srgbClr val="808000"/>
+                </a:solidFill>
+                <a:effectLst/>
+                <a:latin typeface="Courier New" panose="02070309020205020404" pitchFamily="49" charset="0"/>
+                <a:cs typeface="Courier New" panose="02070309020205020404" pitchFamily="49" charset="0"/>
+              </a:rPr>
+              <a:t>@Table</a:t>
+            </a:r>
+            <a:r>
+              <a:rPr kumimoji="0" lang="en-US" altLang="en-US" sz="1400" b="0" i="0" u="none" strike="noStrike" cap="none" normalizeH="0" baseline="0" dirty="0">
+                <a:ln>
+                  <a:noFill/>
+                </a:ln>
+                <a:solidFill>
+                  <a:srgbClr val="000000"/>
+                </a:solidFill>
+                <a:effectLst/>
+                <a:latin typeface="Courier New" panose="02070309020205020404" pitchFamily="49" charset="0"/>
+                <a:cs typeface="Courier New" panose="02070309020205020404" pitchFamily="49" charset="0"/>
+              </a:rPr>
+              <a:t>(name = </a:t>
+            </a:r>
+            <a:r>
+              <a:rPr kumimoji="0" lang="en-US" altLang="en-US" sz="1400" b="1" i="0" u="none" strike="noStrike" cap="none" normalizeH="0" baseline="0" dirty="0">
+                <a:ln>
+                  <a:noFill/>
+                </a:ln>
+                <a:solidFill>
+                  <a:srgbClr val="008000"/>
+                </a:solidFill>
+                <a:effectLst/>
+                <a:latin typeface="Courier New" panose="02070309020205020404" pitchFamily="49" charset="0"/>
+                <a:cs typeface="Courier New" panose="02070309020205020404" pitchFamily="49" charset="0"/>
+              </a:rPr>
+              <a:t>"people"</a:t>
+            </a:r>
+            <a:r>
+              <a:rPr kumimoji="0" lang="en-US" altLang="en-US" sz="1400" b="0" i="0" u="none" strike="noStrike" cap="none" normalizeH="0" baseline="0" dirty="0">
+                <a:ln>
+                  <a:noFill/>
+                </a:ln>
+                <a:solidFill>
+                  <a:srgbClr val="000000"/>
+                </a:solidFill>
+                <a:effectLst/>
+                <a:latin typeface="Courier New" panose="02070309020205020404" pitchFamily="49" charset="0"/>
+                <a:cs typeface="Courier New" panose="02070309020205020404" pitchFamily="49" charset="0"/>
+              </a:rPr>
+              <a:t>)</a:t>
+            </a:r>
+            <a:br>
+              <a:rPr kumimoji="0" lang="en-US" altLang="en-US" sz="1400" b="0" i="0" u="none" strike="noStrike" cap="none" normalizeH="0" baseline="0" dirty="0">
+                <a:ln>
+                  <a:noFill/>
+                </a:ln>
+                <a:solidFill>
+                  <a:srgbClr val="000000"/>
+                </a:solidFill>
+                <a:effectLst/>
+                <a:latin typeface="Courier New" panose="02070309020205020404" pitchFamily="49" charset="0"/>
+                <a:cs typeface="Courier New" panose="02070309020205020404" pitchFamily="49" charset="0"/>
+              </a:rPr>
+            </a:br>
+            <a:r>
+              <a:rPr kumimoji="0" lang="en-US" altLang="en-US" sz="1400" b="1" i="0" u="none" strike="noStrike" cap="none" normalizeH="0" baseline="0" dirty="0">
+                <a:ln>
+                  <a:noFill/>
+                </a:ln>
+                <a:solidFill>
+                  <a:srgbClr val="000080"/>
+                </a:solidFill>
+                <a:effectLst/>
+                <a:latin typeface="Courier New" panose="02070309020205020404" pitchFamily="49" charset="0"/>
+                <a:cs typeface="Courier New" panose="02070309020205020404" pitchFamily="49" charset="0"/>
+              </a:rPr>
+              <a:t>public class </a:t>
+            </a:r>
+            <a:r>
+              <a:rPr kumimoji="0" lang="en-US" altLang="en-US" sz="1400" b="0" i="0" u="none" strike="noStrike" cap="none" normalizeH="0" baseline="0" dirty="0" err="1">
+                <a:ln>
+                  <a:noFill/>
+                </a:ln>
+                <a:solidFill>
+                  <a:srgbClr val="000000"/>
+                </a:solidFill>
+                <a:effectLst/>
+                <a:latin typeface="Courier New" panose="02070309020205020404" pitchFamily="49" charset="0"/>
+                <a:cs typeface="Courier New" panose="02070309020205020404" pitchFamily="49" charset="0"/>
+              </a:rPr>
+              <a:t>PeopleTable</a:t>
+            </a:r>
+            <a:r>
+              <a:rPr kumimoji="0" lang="en-US" altLang="en-US" sz="1400" b="0" i="0" u="none" strike="noStrike" cap="none" normalizeH="0" baseline="0" dirty="0">
+                <a:ln>
+                  <a:noFill/>
+                </a:ln>
+                <a:solidFill>
+                  <a:srgbClr val="000000"/>
+                </a:solidFill>
+                <a:effectLst/>
+                <a:latin typeface="Courier New" panose="02070309020205020404" pitchFamily="49" charset="0"/>
+                <a:cs typeface="Courier New" panose="02070309020205020404" pitchFamily="49" charset="0"/>
+              </a:rPr>
+              <a:t> {</a:t>
+            </a:r>
+            <a:br>
+              <a:rPr kumimoji="0" lang="en-US" altLang="en-US" sz="1400" b="0" i="0" u="none" strike="noStrike" cap="none" normalizeH="0" baseline="0" dirty="0">
+                <a:ln>
+                  <a:noFill/>
+                </a:ln>
+                <a:solidFill>
+                  <a:srgbClr val="000000"/>
+                </a:solidFill>
+                <a:effectLst/>
+                <a:latin typeface="Courier New" panose="02070309020205020404" pitchFamily="49" charset="0"/>
+                <a:cs typeface="Courier New" panose="02070309020205020404" pitchFamily="49" charset="0"/>
+              </a:rPr>
+            </a:br>
+            <a:br>
+              <a:rPr kumimoji="0" lang="en-US" altLang="en-US" sz="1400" b="0" i="0" u="none" strike="noStrike" cap="none" normalizeH="0" baseline="0" dirty="0">
+                <a:ln>
+                  <a:noFill/>
+                </a:ln>
+                <a:solidFill>
+                  <a:srgbClr val="000000"/>
+                </a:solidFill>
+                <a:effectLst/>
+                <a:latin typeface="Courier New" panose="02070309020205020404" pitchFamily="49" charset="0"/>
+                <a:cs typeface="Courier New" panose="02070309020205020404" pitchFamily="49" charset="0"/>
+              </a:rPr>
+            </a:br>
+            <a:r>
+              <a:rPr kumimoji="0" lang="en-US" altLang="en-US" sz="1400" b="0" i="0" u="none" strike="noStrike" cap="none" normalizeH="0" baseline="0" dirty="0">
+                <a:ln>
+                  <a:noFill/>
+                </a:ln>
+                <a:solidFill>
+                  <a:srgbClr val="000000"/>
+                </a:solidFill>
+                <a:effectLst/>
+                <a:latin typeface="Courier New" panose="02070309020205020404" pitchFamily="49" charset="0"/>
+                <a:cs typeface="Courier New" panose="02070309020205020404" pitchFamily="49" charset="0"/>
+              </a:rPr>
+              <a:t>    </a:t>
+            </a:r>
+            <a:r>
+              <a:rPr kumimoji="0" lang="en-US" altLang="en-US" sz="1400" b="0" i="0" u="none" strike="noStrike" cap="none" normalizeH="0" baseline="0" dirty="0">
+                <a:ln>
+                  <a:noFill/>
+                </a:ln>
+                <a:solidFill>
+                  <a:srgbClr val="808000"/>
+                </a:solidFill>
+                <a:effectLst/>
+                <a:latin typeface="Courier New" panose="02070309020205020404" pitchFamily="49" charset="0"/>
+                <a:cs typeface="Courier New" panose="02070309020205020404" pitchFamily="49" charset="0"/>
+              </a:rPr>
+              <a:t>@Id</a:t>
+            </a:r>
+            <a:br>
+              <a:rPr kumimoji="0" lang="en-US" altLang="en-US" sz="1400" b="0" i="0" u="none" strike="noStrike" cap="none" normalizeH="0" baseline="0" dirty="0">
+                <a:ln>
+                  <a:noFill/>
+                </a:ln>
+                <a:solidFill>
+                  <a:srgbClr val="808000"/>
+                </a:solidFill>
+                <a:effectLst/>
+                <a:latin typeface="Courier New" panose="02070309020205020404" pitchFamily="49" charset="0"/>
+                <a:cs typeface="Courier New" panose="02070309020205020404" pitchFamily="49" charset="0"/>
+              </a:rPr>
+            </a:br>
+            <a:r>
+              <a:rPr kumimoji="0" lang="en-US" altLang="en-US" sz="1400" b="0" i="0" u="none" strike="noStrike" cap="none" normalizeH="0" baseline="0" dirty="0">
+                <a:ln>
+                  <a:noFill/>
+                </a:ln>
+                <a:solidFill>
+                  <a:srgbClr val="808000"/>
+                </a:solidFill>
+                <a:effectLst/>
+                <a:latin typeface="Courier New" panose="02070309020205020404" pitchFamily="49" charset="0"/>
+                <a:cs typeface="Courier New" panose="02070309020205020404" pitchFamily="49" charset="0"/>
+              </a:rPr>
+              <a:t>    @Column</a:t>
+            </a:r>
+            <a:r>
+              <a:rPr kumimoji="0" lang="en-US" altLang="en-US" sz="1400" b="0" i="0" u="none" strike="noStrike" cap="none" normalizeH="0" baseline="0" dirty="0">
+                <a:ln>
+                  <a:noFill/>
+                </a:ln>
+                <a:solidFill>
+                  <a:srgbClr val="000000"/>
+                </a:solidFill>
+                <a:effectLst/>
+                <a:latin typeface="Courier New" panose="02070309020205020404" pitchFamily="49" charset="0"/>
+                <a:cs typeface="Courier New" panose="02070309020205020404" pitchFamily="49" charset="0"/>
+              </a:rPr>
+              <a:t>(name = </a:t>
+            </a:r>
+            <a:r>
+              <a:rPr kumimoji="0" lang="en-US" altLang="en-US" sz="1400" b="1" i="0" u="none" strike="noStrike" cap="none" normalizeH="0" baseline="0" dirty="0">
+                <a:ln>
+                  <a:noFill/>
+                </a:ln>
+                <a:solidFill>
+                  <a:srgbClr val="008000"/>
+                </a:solidFill>
+                <a:effectLst/>
+                <a:latin typeface="Courier New" panose="02070309020205020404" pitchFamily="49" charset="0"/>
+                <a:cs typeface="Courier New" panose="02070309020205020404" pitchFamily="49" charset="0"/>
+              </a:rPr>
+              <a:t>"id"</a:t>
+            </a:r>
+            <a:r>
+              <a:rPr kumimoji="0" lang="en-US" altLang="en-US" sz="1400" b="0" i="0" u="none" strike="noStrike" cap="none" normalizeH="0" baseline="0" dirty="0">
+                <a:ln>
+                  <a:noFill/>
+                </a:ln>
+                <a:solidFill>
+                  <a:srgbClr val="000000"/>
+                </a:solidFill>
+                <a:effectLst/>
+                <a:latin typeface="Courier New" panose="02070309020205020404" pitchFamily="49" charset="0"/>
+                <a:cs typeface="Courier New" panose="02070309020205020404" pitchFamily="49" charset="0"/>
+              </a:rPr>
+              <a:t>, nullable = </a:t>
+            </a:r>
+            <a:r>
+              <a:rPr kumimoji="0" lang="en-US" altLang="en-US" sz="1400" b="1" i="0" u="none" strike="noStrike" cap="none" normalizeH="0" baseline="0" dirty="0">
+                <a:ln>
+                  <a:noFill/>
+                </a:ln>
+                <a:solidFill>
+                  <a:srgbClr val="000080"/>
+                </a:solidFill>
+                <a:effectLst/>
+                <a:latin typeface="Courier New" panose="02070309020205020404" pitchFamily="49" charset="0"/>
+                <a:cs typeface="Courier New" panose="02070309020205020404" pitchFamily="49" charset="0"/>
+              </a:rPr>
+              <a:t>false</a:t>
+            </a:r>
+            <a:r>
+              <a:rPr kumimoji="0" lang="en-US" altLang="en-US" sz="1400" b="0" i="0" u="none" strike="noStrike" cap="none" normalizeH="0" baseline="0" dirty="0">
+                <a:ln>
+                  <a:noFill/>
+                </a:ln>
+                <a:solidFill>
+                  <a:srgbClr val="000000"/>
+                </a:solidFill>
+                <a:effectLst/>
+                <a:latin typeface="Courier New" panose="02070309020205020404" pitchFamily="49" charset="0"/>
+                <a:cs typeface="Courier New" panose="02070309020205020404" pitchFamily="49" charset="0"/>
+              </a:rPr>
+              <a:t>)</a:t>
+            </a:r>
+            <a:br>
+              <a:rPr kumimoji="0" lang="en-US" altLang="en-US" sz="1400" b="0" i="0" u="none" strike="noStrike" cap="none" normalizeH="0" baseline="0" dirty="0">
+                <a:ln>
+                  <a:noFill/>
+                </a:ln>
+                <a:solidFill>
+                  <a:srgbClr val="000000"/>
+                </a:solidFill>
+                <a:effectLst/>
+                <a:latin typeface="Courier New" panose="02070309020205020404" pitchFamily="49" charset="0"/>
+                <a:cs typeface="Courier New" panose="02070309020205020404" pitchFamily="49" charset="0"/>
+              </a:rPr>
+            </a:br>
+            <a:r>
+              <a:rPr kumimoji="0" lang="en-US" altLang="en-US" sz="1400" b="0" i="0" u="none" strike="noStrike" cap="none" normalizeH="0" baseline="0" dirty="0">
+                <a:ln>
+                  <a:noFill/>
+                </a:ln>
+                <a:solidFill>
+                  <a:srgbClr val="000000"/>
+                </a:solidFill>
+                <a:effectLst/>
+                <a:latin typeface="Courier New" panose="02070309020205020404" pitchFamily="49" charset="0"/>
+                <a:cs typeface="Courier New" panose="02070309020205020404" pitchFamily="49" charset="0"/>
+              </a:rPr>
+              <a:t>    </a:t>
+            </a:r>
+            <a:r>
+              <a:rPr kumimoji="0" lang="en-US" altLang="en-US" sz="1400" b="0" i="0" u="none" strike="noStrike" cap="none" normalizeH="0" baseline="0" dirty="0">
+                <a:ln>
+                  <a:noFill/>
+                </a:ln>
+                <a:solidFill>
+                  <a:srgbClr val="808000"/>
+                </a:solidFill>
+                <a:effectLst/>
+                <a:latin typeface="Courier New" panose="02070309020205020404" pitchFamily="49" charset="0"/>
+                <a:cs typeface="Courier New" panose="02070309020205020404" pitchFamily="49" charset="0"/>
+              </a:rPr>
+              <a:t>@</a:t>
+            </a:r>
+            <a:r>
+              <a:rPr kumimoji="0" lang="en-US" altLang="en-US" sz="1400" b="0" i="0" u="none" strike="noStrike" cap="none" normalizeH="0" baseline="0" dirty="0" err="1">
+                <a:ln>
+                  <a:noFill/>
+                </a:ln>
+                <a:solidFill>
+                  <a:srgbClr val="808000"/>
+                </a:solidFill>
+                <a:effectLst/>
+                <a:latin typeface="Courier New" panose="02070309020205020404" pitchFamily="49" charset="0"/>
+                <a:cs typeface="Courier New" panose="02070309020205020404" pitchFamily="49" charset="0"/>
+              </a:rPr>
+              <a:t>NotNull</a:t>
+            </a:r>
+            <a:br>
+              <a:rPr kumimoji="0" lang="en-US" altLang="en-US" sz="1400" b="0" i="0" u="none" strike="noStrike" cap="none" normalizeH="0" baseline="0" dirty="0">
+                <a:ln>
+                  <a:noFill/>
+                </a:ln>
+                <a:solidFill>
+                  <a:srgbClr val="808000"/>
+                </a:solidFill>
+                <a:effectLst/>
+                <a:latin typeface="Courier New" panose="02070309020205020404" pitchFamily="49" charset="0"/>
+                <a:cs typeface="Courier New" panose="02070309020205020404" pitchFamily="49" charset="0"/>
+              </a:rPr>
+            </a:br>
+            <a:r>
+              <a:rPr kumimoji="0" lang="en-US" altLang="en-US" sz="1400" b="0" i="0" u="none" strike="noStrike" cap="none" normalizeH="0" baseline="0" dirty="0">
+                <a:ln>
+                  <a:noFill/>
+                </a:ln>
+                <a:solidFill>
+                  <a:srgbClr val="808000"/>
+                </a:solidFill>
+                <a:effectLst/>
+                <a:latin typeface="Courier New" panose="02070309020205020404" pitchFamily="49" charset="0"/>
+                <a:cs typeface="Courier New" panose="02070309020205020404" pitchFamily="49" charset="0"/>
+              </a:rPr>
+              <a:t>    @</a:t>
+            </a:r>
+            <a:r>
+              <a:rPr kumimoji="0" lang="en-US" altLang="en-US" sz="1400" b="0" i="0" u="none" strike="noStrike" cap="none" normalizeH="0" baseline="0" dirty="0" err="1">
+                <a:ln>
+                  <a:noFill/>
+                </a:ln>
+                <a:solidFill>
+                  <a:srgbClr val="808000"/>
+                </a:solidFill>
+                <a:effectLst/>
+                <a:latin typeface="Courier New" panose="02070309020205020404" pitchFamily="49" charset="0"/>
+                <a:cs typeface="Courier New" panose="02070309020205020404" pitchFamily="49" charset="0"/>
+              </a:rPr>
+              <a:t>JsonProperty</a:t>
+            </a:r>
+            <a:br>
+              <a:rPr kumimoji="0" lang="en-US" altLang="en-US" sz="1400" b="0" i="0" u="none" strike="noStrike" cap="none" normalizeH="0" baseline="0" dirty="0">
+                <a:ln>
+                  <a:noFill/>
+                </a:ln>
+                <a:solidFill>
+                  <a:srgbClr val="808000"/>
+                </a:solidFill>
+                <a:effectLst/>
+                <a:latin typeface="Courier New" panose="02070309020205020404" pitchFamily="49" charset="0"/>
+                <a:cs typeface="Courier New" panose="02070309020205020404" pitchFamily="49" charset="0"/>
+              </a:rPr>
+            </a:br>
+            <a:r>
+              <a:rPr kumimoji="0" lang="en-US" altLang="en-US" sz="1400" b="0" i="0" u="none" strike="noStrike" cap="none" normalizeH="0" baseline="0" dirty="0">
+                <a:ln>
+                  <a:noFill/>
+                </a:ln>
+                <a:solidFill>
+                  <a:srgbClr val="808000"/>
+                </a:solidFill>
+                <a:effectLst/>
+                <a:latin typeface="Courier New" panose="02070309020205020404" pitchFamily="49" charset="0"/>
+                <a:cs typeface="Courier New" panose="02070309020205020404" pitchFamily="49" charset="0"/>
+              </a:rPr>
+              <a:t>    </a:t>
+            </a:r>
+            <a:r>
+              <a:rPr kumimoji="0" lang="en-US" altLang="en-US" sz="1400" b="1" i="0" u="none" strike="noStrike" cap="none" normalizeH="0" baseline="0" dirty="0">
+                <a:ln>
+                  <a:noFill/>
+                </a:ln>
+                <a:solidFill>
+                  <a:srgbClr val="000080"/>
+                </a:solidFill>
+                <a:effectLst/>
+                <a:latin typeface="Courier New" panose="02070309020205020404" pitchFamily="49" charset="0"/>
+                <a:cs typeface="Courier New" panose="02070309020205020404" pitchFamily="49" charset="0"/>
+              </a:rPr>
+              <a:t>private </a:t>
+            </a:r>
+            <a:r>
+              <a:rPr kumimoji="0" lang="en-US" altLang="en-US" sz="1400" b="0" i="0" u="none" strike="noStrike" cap="none" normalizeH="0" baseline="0" dirty="0">
+                <a:ln>
+                  <a:noFill/>
+                </a:ln>
+                <a:solidFill>
+                  <a:srgbClr val="000000"/>
+                </a:solidFill>
+                <a:effectLst/>
+                <a:latin typeface="Courier New" panose="02070309020205020404" pitchFamily="49" charset="0"/>
+                <a:cs typeface="Courier New" panose="02070309020205020404" pitchFamily="49" charset="0"/>
+              </a:rPr>
+              <a:t>Integer </a:t>
+            </a:r>
+            <a:r>
+              <a:rPr kumimoji="0" lang="en-US" altLang="en-US" sz="1400" b="1" i="0" u="none" strike="noStrike" cap="none" normalizeH="0" baseline="0" dirty="0">
+                <a:ln>
+                  <a:noFill/>
+                </a:ln>
+                <a:solidFill>
+                  <a:srgbClr val="660E7A"/>
+                </a:solidFill>
+                <a:effectLst/>
+                <a:latin typeface="Courier New" panose="02070309020205020404" pitchFamily="49" charset="0"/>
+                <a:cs typeface="Courier New" panose="02070309020205020404" pitchFamily="49" charset="0"/>
+              </a:rPr>
+              <a:t>id</a:t>
+            </a:r>
+            <a:r>
+              <a:rPr kumimoji="0" lang="en-US" altLang="en-US" sz="1400" b="0" i="0" u="none" strike="noStrike" cap="none" normalizeH="0" baseline="0" dirty="0">
+                <a:ln>
+                  <a:noFill/>
+                </a:ln>
+                <a:solidFill>
+                  <a:srgbClr val="000000"/>
+                </a:solidFill>
+                <a:effectLst/>
+                <a:latin typeface="Courier New" panose="02070309020205020404" pitchFamily="49" charset="0"/>
+                <a:cs typeface="Courier New" panose="02070309020205020404" pitchFamily="49" charset="0"/>
+              </a:rPr>
+              <a:t>;</a:t>
+            </a:r>
+            <a:br>
+              <a:rPr kumimoji="0" lang="en-US" altLang="en-US" sz="1400" b="0" i="0" u="none" strike="noStrike" cap="none" normalizeH="0" baseline="0" dirty="0">
+                <a:ln>
+                  <a:noFill/>
+                </a:ln>
+                <a:solidFill>
+                  <a:srgbClr val="000000"/>
+                </a:solidFill>
+                <a:effectLst/>
+                <a:latin typeface="Courier New" panose="02070309020205020404" pitchFamily="49" charset="0"/>
+                <a:cs typeface="Courier New" panose="02070309020205020404" pitchFamily="49" charset="0"/>
+              </a:rPr>
+            </a:br>
+            <a:br>
+              <a:rPr kumimoji="0" lang="en-US" altLang="en-US" sz="1400" b="0" i="0" u="none" strike="noStrike" cap="none" normalizeH="0" baseline="0" dirty="0">
+                <a:ln>
+                  <a:noFill/>
+                </a:ln>
+                <a:solidFill>
+                  <a:srgbClr val="000000"/>
+                </a:solidFill>
+                <a:effectLst/>
+                <a:latin typeface="Courier New" panose="02070309020205020404" pitchFamily="49" charset="0"/>
+                <a:cs typeface="Courier New" panose="02070309020205020404" pitchFamily="49" charset="0"/>
+              </a:rPr>
+            </a:br>
+            <a:r>
+              <a:rPr kumimoji="0" lang="en-US" altLang="en-US" sz="1400" b="0" i="0" u="none" strike="noStrike" cap="none" normalizeH="0" baseline="0" dirty="0">
+                <a:ln>
+                  <a:noFill/>
+                </a:ln>
+                <a:solidFill>
+                  <a:srgbClr val="000000"/>
+                </a:solidFill>
+                <a:effectLst/>
+                <a:latin typeface="Courier New" panose="02070309020205020404" pitchFamily="49" charset="0"/>
+                <a:cs typeface="Courier New" panose="02070309020205020404" pitchFamily="49" charset="0"/>
+              </a:rPr>
+              <a:t>    </a:t>
+            </a:r>
+            <a:r>
+              <a:rPr kumimoji="0" lang="en-US" altLang="en-US" sz="1400" b="0" i="0" u="none" strike="noStrike" cap="none" normalizeH="0" baseline="0" dirty="0">
+                <a:ln>
+                  <a:noFill/>
+                </a:ln>
+                <a:solidFill>
+                  <a:srgbClr val="808000"/>
+                </a:solidFill>
+                <a:effectLst/>
+                <a:latin typeface="Courier New" panose="02070309020205020404" pitchFamily="49" charset="0"/>
+                <a:cs typeface="Courier New" panose="02070309020205020404" pitchFamily="49" charset="0"/>
+              </a:rPr>
+              <a:t>@Column</a:t>
+            </a:r>
+            <a:r>
+              <a:rPr kumimoji="0" lang="en-US" altLang="en-US" sz="1400" b="0" i="0" u="none" strike="noStrike" cap="none" normalizeH="0" baseline="0" dirty="0">
+                <a:ln>
+                  <a:noFill/>
+                </a:ln>
+                <a:solidFill>
+                  <a:srgbClr val="000000"/>
+                </a:solidFill>
+                <a:effectLst/>
+                <a:latin typeface="Courier New" panose="02070309020205020404" pitchFamily="49" charset="0"/>
+                <a:cs typeface="Courier New" panose="02070309020205020404" pitchFamily="49" charset="0"/>
+              </a:rPr>
+              <a:t>(name = </a:t>
+            </a:r>
+            <a:r>
+              <a:rPr kumimoji="0" lang="en-US" altLang="en-US" sz="1400" b="1" i="0" u="none" strike="noStrike" cap="none" normalizeH="0" baseline="0" dirty="0">
+                <a:ln>
+                  <a:noFill/>
+                </a:ln>
+                <a:solidFill>
+                  <a:srgbClr val="008000"/>
+                </a:solidFill>
+                <a:effectLst/>
+                <a:latin typeface="Courier New" panose="02070309020205020404" pitchFamily="49" charset="0"/>
+                <a:cs typeface="Courier New" panose="02070309020205020404" pitchFamily="49" charset="0"/>
+              </a:rPr>
+              <a:t>"</a:t>
+            </a:r>
+            <a:r>
+              <a:rPr kumimoji="0" lang="en-US" altLang="en-US" sz="1400" b="1" i="0" u="none" strike="noStrike" cap="none" normalizeH="0" baseline="0" dirty="0" err="1">
+                <a:ln>
+                  <a:noFill/>
+                </a:ln>
+                <a:solidFill>
+                  <a:srgbClr val="008000"/>
+                </a:solidFill>
+                <a:effectLst/>
+                <a:latin typeface="Courier New" panose="02070309020205020404" pitchFamily="49" charset="0"/>
+                <a:cs typeface="Courier New" panose="02070309020205020404" pitchFamily="49" charset="0"/>
+              </a:rPr>
+              <a:t>fullName</a:t>
+            </a:r>
+            <a:r>
+              <a:rPr kumimoji="0" lang="en-US" altLang="en-US" sz="1400" b="1" i="0" u="none" strike="noStrike" cap="none" normalizeH="0" baseline="0" dirty="0">
+                <a:ln>
+                  <a:noFill/>
+                </a:ln>
+                <a:solidFill>
+                  <a:srgbClr val="008000"/>
+                </a:solidFill>
+                <a:effectLst/>
+                <a:latin typeface="Courier New" panose="02070309020205020404" pitchFamily="49" charset="0"/>
+                <a:cs typeface="Courier New" panose="02070309020205020404" pitchFamily="49" charset="0"/>
+              </a:rPr>
+              <a:t>"</a:t>
+            </a:r>
+            <a:r>
+              <a:rPr kumimoji="0" lang="en-US" altLang="en-US" sz="1400" b="0" i="0" u="none" strike="noStrike" cap="none" normalizeH="0" baseline="0" dirty="0">
+                <a:ln>
+                  <a:noFill/>
+                </a:ln>
+                <a:solidFill>
+                  <a:srgbClr val="000000"/>
+                </a:solidFill>
+                <a:effectLst/>
+                <a:latin typeface="Courier New" panose="02070309020205020404" pitchFamily="49" charset="0"/>
+                <a:cs typeface="Courier New" panose="02070309020205020404" pitchFamily="49" charset="0"/>
+              </a:rPr>
+              <a:t>)</a:t>
+            </a:r>
+            <a:br>
+              <a:rPr kumimoji="0" lang="en-US" altLang="en-US" sz="1400" b="0" i="0" u="none" strike="noStrike" cap="none" normalizeH="0" baseline="0" dirty="0">
+                <a:ln>
+                  <a:noFill/>
+                </a:ln>
+                <a:solidFill>
+                  <a:srgbClr val="000000"/>
+                </a:solidFill>
+                <a:effectLst/>
+                <a:latin typeface="Courier New" panose="02070309020205020404" pitchFamily="49" charset="0"/>
+                <a:cs typeface="Courier New" panose="02070309020205020404" pitchFamily="49" charset="0"/>
+              </a:rPr>
+            </a:br>
+            <a:r>
+              <a:rPr kumimoji="0" lang="en-US" altLang="en-US" sz="1400" b="0" i="0" u="none" strike="noStrike" cap="none" normalizeH="0" baseline="0" dirty="0">
+                <a:ln>
+                  <a:noFill/>
+                </a:ln>
+                <a:solidFill>
+                  <a:srgbClr val="000000"/>
+                </a:solidFill>
+                <a:effectLst/>
+                <a:latin typeface="Courier New" panose="02070309020205020404" pitchFamily="49" charset="0"/>
+                <a:cs typeface="Courier New" panose="02070309020205020404" pitchFamily="49" charset="0"/>
+              </a:rPr>
+              <a:t>    </a:t>
+            </a:r>
+            <a:r>
+              <a:rPr kumimoji="0" lang="en-US" altLang="en-US" sz="1400" b="0" i="0" u="none" strike="noStrike" cap="none" normalizeH="0" baseline="0" dirty="0">
+                <a:ln>
+                  <a:noFill/>
+                </a:ln>
+                <a:solidFill>
+                  <a:srgbClr val="808000"/>
+                </a:solidFill>
+                <a:effectLst/>
+                <a:latin typeface="Courier New" panose="02070309020205020404" pitchFamily="49" charset="0"/>
+                <a:cs typeface="Courier New" panose="02070309020205020404" pitchFamily="49" charset="0"/>
+              </a:rPr>
+              <a:t>@</a:t>
+            </a:r>
+            <a:r>
+              <a:rPr kumimoji="0" lang="en-US" altLang="en-US" sz="1400" b="0" i="0" u="none" strike="noStrike" cap="none" normalizeH="0" baseline="0" dirty="0" err="1">
+                <a:ln>
+                  <a:noFill/>
+                </a:ln>
+                <a:solidFill>
+                  <a:srgbClr val="808000"/>
+                </a:solidFill>
+                <a:effectLst/>
+                <a:latin typeface="Courier New" panose="02070309020205020404" pitchFamily="49" charset="0"/>
+                <a:cs typeface="Courier New" panose="02070309020205020404" pitchFamily="49" charset="0"/>
+              </a:rPr>
+              <a:t>NotNull</a:t>
+            </a:r>
+            <a:br>
+              <a:rPr kumimoji="0" lang="en-US" altLang="en-US" sz="1400" b="0" i="0" u="none" strike="noStrike" cap="none" normalizeH="0" baseline="0" dirty="0">
+                <a:ln>
+                  <a:noFill/>
+                </a:ln>
+                <a:solidFill>
+                  <a:srgbClr val="808000"/>
+                </a:solidFill>
+                <a:effectLst/>
+                <a:latin typeface="Courier New" panose="02070309020205020404" pitchFamily="49" charset="0"/>
+                <a:cs typeface="Courier New" panose="02070309020205020404" pitchFamily="49" charset="0"/>
+              </a:rPr>
+            </a:br>
+            <a:r>
+              <a:rPr kumimoji="0" lang="en-US" altLang="en-US" sz="1400" b="0" i="0" u="none" strike="noStrike" cap="none" normalizeH="0" baseline="0" dirty="0">
+                <a:ln>
+                  <a:noFill/>
+                </a:ln>
+                <a:solidFill>
+                  <a:srgbClr val="808000"/>
+                </a:solidFill>
+                <a:effectLst/>
+                <a:latin typeface="Courier New" panose="02070309020205020404" pitchFamily="49" charset="0"/>
+                <a:cs typeface="Courier New" panose="02070309020205020404" pitchFamily="49" charset="0"/>
+              </a:rPr>
+              <a:t>    @</a:t>
+            </a:r>
+            <a:r>
+              <a:rPr kumimoji="0" lang="en-US" altLang="en-US" sz="1400" b="0" i="0" u="none" strike="noStrike" cap="none" normalizeH="0" baseline="0" dirty="0" err="1">
+                <a:ln>
+                  <a:noFill/>
+                </a:ln>
+                <a:solidFill>
+                  <a:srgbClr val="808000"/>
+                </a:solidFill>
+                <a:effectLst/>
+                <a:latin typeface="Courier New" panose="02070309020205020404" pitchFamily="49" charset="0"/>
+                <a:cs typeface="Courier New" panose="02070309020205020404" pitchFamily="49" charset="0"/>
+              </a:rPr>
+              <a:t>JsonProperty</a:t>
+            </a:r>
+            <a:br>
+              <a:rPr kumimoji="0" lang="en-US" altLang="en-US" sz="1400" b="0" i="0" u="none" strike="noStrike" cap="none" normalizeH="0" baseline="0" dirty="0">
+                <a:ln>
+                  <a:noFill/>
+                </a:ln>
+                <a:solidFill>
+                  <a:srgbClr val="808000"/>
+                </a:solidFill>
+                <a:effectLst/>
+                <a:latin typeface="Courier New" panose="02070309020205020404" pitchFamily="49" charset="0"/>
+                <a:cs typeface="Courier New" panose="02070309020205020404" pitchFamily="49" charset="0"/>
+              </a:rPr>
+            </a:br>
+            <a:r>
+              <a:rPr kumimoji="0" lang="en-US" altLang="en-US" sz="1400" b="0" i="0" u="none" strike="noStrike" cap="none" normalizeH="0" baseline="0" dirty="0">
+                <a:ln>
+                  <a:noFill/>
+                </a:ln>
+                <a:solidFill>
+                  <a:srgbClr val="808000"/>
+                </a:solidFill>
+                <a:effectLst/>
+                <a:latin typeface="Courier New" panose="02070309020205020404" pitchFamily="49" charset="0"/>
+                <a:cs typeface="Courier New" panose="02070309020205020404" pitchFamily="49" charset="0"/>
+              </a:rPr>
+              <a:t>    </a:t>
+            </a:r>
+            <a:r>
+              <a:rPr kumimoji="0" lang="en-US" altLang="en-US" sz="1400" b="1" i="0" u="none" strike="noStrike" cap="none" normalizeH="0" baseline="0" dirty="0">
+                <a:ln>
+                  <a:noFill/>
+                </a:ln>
+                <a:solidFill>
+                  <a:srgbClr val="000080"/>
+                </a:solidFill>
+                <a:effectLst/>
+                <a:latin typeface="Courier New" panose="02070309020205020404" pitchFamily="49" charset="0"/>
+                <a:cs typeface="Courier New" panose="02070309020205020404" pitchFamily="49" charset="0"/>
+              </a:rPr>
+              <a:t>private </a:t>
+            </a:r>
+            <a:r>
+              <a:rPr kumimoji="0" lang="en-US" altLang="en-US" sz="1400" b="0" i="0" u="none" strike="noStrike" cap="none" normalizeH="0" baseline="0" dirty="0">
+                <a:ln>
+                  <a:noFill/>
+                </a:ln>
+                <a:solidFill>
+                  <a:srgbClr val="000000"/>
+                </a:solidFill>
+                <a:effectLst/>
+                <a:latin typeface="Courier New" panose="02070309020205020404" pitchFamily="49" charset="0"/>
+                <a:cs typeface="Courier New" panose="02070309020205020404" pitchFamily="49" charset="0"/>
+              </a:rPr>
+              <a:t>String </a:t>
+            </a:r>
+            <a:r>
+              <a:rPr kumimoji="0" lang="en-US" altLang="en-US" sz="1400" b="1" i="0" u="none" strike="noStrike" cap="none" normalizeH="0" baseline="0" dirty="0" err="1">
+                <a:ln>
+                  <a:noFill/>
+                </a:ln>
+                <a:solidFill>
+                  <a:srgbClr val="660E7A"/>
+                </a:solidFill>
+                <a:effectLst/>
+                <a:latin typeface="Courier New" panose="02070309020205020404" pitchFamily="49" charset="0"/>
+                <a:cs typeface="Courier New" panose="02070309020205020404" pitchFamily="49" charset="0"/>
+              </a:rPr>
+              <a:t>fullName</a:t>
+            </a:r>
+            <a:r>
+              <a:rPr kumimoji="0" lang="en-US" altLang="en-US" sz="1400" b="0" i="0" u="none" strike="noStrike" cap="none" normalizeH="0" baseline="0" dirty="0">
+                <a:ln>
+                  <a:noFill/>
+                </a:ln>
+                <a:solidFill>
+                  <a:srgbClr val="000000"/>
+                </a:solidFill>
+                <a:effectLst/>
+                <a:latin typeface="Courier New" panose="02070309020205020404" pitchFamily="49" charset="0"/>
+                <a:cs typeface="Courier New" panose="02070309020205020404" pitchFamily="49" charset="0"/>
+              </a:rPr>
+              <a:t>;</a:t>
+            </a:r>
+            <a:br>
+              <a:rPr kumimoji="0" lang="en-US" altLang="en-US" sz="1400" b="0" i="0" u="none" strike="noStrike" cap="none" normalizeH="0" baseline="0" dirty="0">
+                <a:ln>
+                  <a:noFill/>
+                </a:ln>
+                <a:solidFill>
+                  <a:srgbClr val="000000"/>
+                </a:solidFill>
+                <a:effectLst/>
+                <a:latin typeface="Courier New" panose="02070309020205020404" pitchFamily="49" charset="0"/>
+                <a:cs typeface="Courier New" panose="02070309020205020404" pitchFamily="49" charset="0"/>
+              </a:rPr>
+            </a:br>
+            <a:br>
+              <a:rPr kumimoji="0" lang="en-US" altLang="en-US" sz="1400" b="0" i="0" u="none" strike="noStrike" cap="none" normalizeH="0" baseline="0" dirty="0">
+                <a:ln>
+                  <a:noFill/>
+                </a:ln>
+                <a:solidFill>
+                  <a:srgbClr val="000000"/>
+                </a:solidFill>
+                <a:effectLst/>
+                <a:latin typeface="Courier New" panose="02070309020205020404" pitchFamily="49" charset="0"/>
+                <a:cs typeface="Courier New" panose="02070309020205020404" pitchFamily="49" charset="0"/>
+              </a:rPr>
+            </a:br>
+            <a:r>
+              <a:rPr kumimoji="0" lang="en-US" altLang="en-US" sz="1400" b="0" i="0" u="none" strike="noStrike" cap="none" normalizeH="0" baseline="0" dirty="0">
+                <a:ln>
+                  <a:noFill/>
+                </a:ln>
+                <a:solidFill>
+                  <a:srgbClr val="000000"/>
+                </a:solidFill>
+                <a:effectLst/>
+                <a:latin typeface="Courier New" panose="02070309020205020404" pitchFamily="49" charset="0"/>
+                <a:cs typeface="Courier New" panose="02070309020205020404" pitchFamily="49" charset="0"/>
+              </a:rPr>
+              <a:t>    </a:t>
+            </a:r>
+            <a:r>
+              <a:rPr kumimoji="0" lang="en-US" altLang="en-US" sz="1400" b="0" i="0" u="none" strike="noStrike" cap="none" normalizeH="0" baseline="0" dirty="0">
+                <a:ln>
+                  <a:noFill/>
+                </a:ln>
+                <a:solidFill>
+                  <a:srgbClr val="808000"/>
+                </a:solidFill>
+                <a:effectLst/>
+                <a:latin typeface="Courier New" panose="02070309020205020404" pitchFamily="49" charset="0"/>
+                <a:cs typeface="Courier New" panose="02070309020205020404" pitchFamily="49" charset="0"/>
+              </a:rPr>
+              <a:t>@Column</a:t>
+            </a:r>
+            <a:r>
+              <a:rPr kumimoji="0" lang="en-US" altLang="en-US" sz="1400" b="0" i="0" u="none" strike="noStrike" cap="none" normalizeH="0" baseline="0" dirty="0">
+                <a:ln>
+                  <a:noFill/>
+                </a:ln>
+                <a:solidFill>
+                  <a:srgbClr val="000000"/>
+                </a:solidFill>
+                <a:effectLst/>
+                <a:latin typeface="Courier New" panose="02070309020205020404" pitchFamily="49" charset="0"/>
+                <a:cs typeface="Courier New" panose="02070309020205020404" pitchFamily="49" charset="0"/>
+              </a:rPr>
+              <a:t>(name = </a:t>
+            </a:r>
+            <a:r>
+              <a:rPr kumimoji="0" lang="en-US" altLang="en-US" sz="1400" b="1" i="0" u="none" strike="noStrike" cap="none" normalizeH="0" baseline="0" dirty="0">
+                <a:ln>
+                  <a:noFill/>
+                </a:ln>
+                <a:solidFill>
+                  <a:srgbClr val="008000"/>
+                </a:solidFill>
+                <a:effectLst/>
+                <a:latin typeface="Courier New" panose="02070309020205020404" pitchFamily="49" charset="0"/>
+                <a:cs typeface="Courier New" panose="02070309020205020404" pitchFamily="49" charset="0"/>
+              </a:rPr>
+              <a:t>"</a:t>
+            </a:r>
+            <a:r>
+              <a:rPr kumimoji="0" lang="en-US" altLang="en-US" sz="1400" b="1" i="0" u="none" strike="noStrike" cap="none" normalizeH="0" baseline="0" dirty="0" err="1">
+                <a:ln>
+                  <a:noFill/>
+                </a:ln>
+                <a:solidFill>
+                  <a:srgbClr val="008000"/>
+                </a:solidFill>
+                <a:effectLst/>
+                <a:latin typeface="Courier New" panose="02070309020205020404" pitchFamily="49" charset="0"/>
+                <a:cs typeface="Courier New" panose="02070309020205020404" pitchFamily="49" charset="0"/>
+              </a:rPr>
+              <a:t>jobTitle</a:t>
+            </a:r>
+            <a:r>
+              <a:rPr kumimoji="0" lang="en-US" altLang="en-US" sz="1400" b="1" i="0" u="none" strike="noStrike" cap="none" normalizeH="0" baseline="0" dirty="0">
+                <a:ln>
+                  <a:noFill/>
+                </a:ln>
+                <a:solidFill>
+                  <a:srgbClr val="008000"/>
+                </a:solidFill>
+                <a:effectLst/>
+                <a:latin typeface="Courier New" panose="02070309020205020404" pitchFamily="49" charset="0"/>
+                <a:cs typeface="Courier New" panose="02070309020205020404" pitchFamily="49" charset="0"/>
+              </a:rPr>
+              <a:t>"</a:t>
+            </a:r>
+            <a:r>
+              <a:rPr kumimoji="0" lang="en-US" altLang="en-US" sz="1400" b="0" i="0" u="none" strike="noStrike" cap="none" normalizeH="0" baseline="0" dirty="0">
+                <a:ln>
+                  <a:noFill/>
+                </a:ln>
+                <a:solidFill>
+                  <a:srgbClr val="000000"/>
+                </a:solidFill>
+                <a:effectLst/>
+                <a:latin typeface="Courier New" panose="02070309020205020404" pitchFamily="49" charset="0"/>
+                <a:cs typeface="Courier New" panose="02070309020205020404" pitchFamily="49" charset="0"/>
+              </a:rPr>
+              <a:t>)</a:t>
+            </a:r>
+            <a:br>
+              <a:rPr kumimoji="0" lang="en-US" altLang="en-US" sz="1400" b="0" i="0" u="none" strike="noStrike" cap="none" normalizeH="0" baseline="0" dirty="0">
+                <a:ln>
+                  <a:noFill/>
+                </a:ln>
+                <a:solidFill>
+                  <a:srgbClr val="000000"/>
+                </a:solidFill>
+                <a:effectLst/>
+                <a:latin typeface="Courier New" panose="02070309020205020404" pitchFamily="49" charset="0"/>
+                <a:cs typeface="Courier New" panose="02070309020205020404" pitchFamily="49" charset="0"/>
+              </a:rPr>
+            </a:br>
+            <a:r>
+              <a:rPr kumimoji="0" lang="en-US" altLang="en-US" sz="1400" b="0" i="0" u="none" strike="noStrike" cap="none" normalizeH="0" baseline="0" dirty="0">
+                <a:ln>
+                  <a:noFill/>
+                </a:ln>
+                <a:solidFill>
+                  <a:srgbClr val="000000"/>
+                </a:solidFill>
+                <a:effectLst/>
+                <a:latin typeface="Courier New" panose="02070309020205020404" pitchFamily="49" charset="0"/>
+                <a:cs typeface="Courier New" panose="02070309020205020404" pitchFamily="49" charset="0"/>
+              </a:rPr>
+              <a:t>    </a:t>
+            </a:r>
+            <a:r>
+              <a:rPr kumimoji="0" lang="en-US" altLang="en-US" sz="1400" b="0" i="0" u="none" strike="noStrike" cap="none" normalizeH="0" baseline="0" dirty="0">
+                <a:ln>
+                  <a:noFill/>
+                </a:ln>
+                <a:solidFill>
+                  <a:srgbClr val="808000"/>
+                </a:solidFill>
+                <a:effectLst/>
+                <a:latin typeface="Courier New" panose="02070309020205020404" pitchFamily="49" charset="0"/>
+                <a:cs typeface="Courier New" panose="02070309020205020404" pitchFamily="49" charset="0"/>
+              </a:rPr>
+              <a:t>@</a:t>
+            </a:r>
+            <a:r>
+              <a:rPr kumimoji="0" lang="en-US" altLang="en-US" sz="1400" b="0" i="0" u="none" strike="noStrike" cap="none" normalizeH="0" baseline="0" dirty="0" err="1">
+                <a:ln>
+                  <a:noFill/>
+                </a:ln>
+                <a:solidFill>
+                  <a:srgbClr val="808000"/>
+                </a:solidFill>
+                <a:effectLst/>
+                <a:latin typeface="Courier New" panose="02070309020205020404" pitchFamily="49" charset="0"/>
+                <a:cs typeface="Courier New" panose="02070309020205020404" pitchFamily="49" charset="0"/>
+              </a:rPr>
+              <a:t>NotNull</a:t>
+            </a:r>
+            <a:br>
+              <a:rPr kumimoji="0" lang="en-US" altLang="en-US" sz="1400" b="0" i="0" u="none" strike="noStrike" cap="none" normalizeH="0" baseline="0" dirty="0">
+                <a:ln>
+                  <a:noFill/>
+                </a:ln>
+                <a:solidFill>
+                  <a:srgbClr val="808000"/>
+                </a:solidFill>
+                <a:effectLst/>
+                <a:latin typeface="Courier New" panose="02070309020205020404" pitchFamily="49" charset="0"/>
+                <a:cs typeface="Courier New" panose="02070309020205020404" pitchFamily="49" charset="0"/>
+              </a:rPr>
+            </a:br>
+            <a:r>
+              <a:rPr kumimoji="0" lang="en-US" altLang="en-US" sz="1400" b="0" i="0" u="none" strike="noStrike" cap="none" normalizeH="0" baseline="0" dirty="0">
+                <a:ln>
+                  <a:noFill/>
+                </a:ln>
+                <a:solidFill>
+                  <a:srgbClr val="808000"/>
+                </a:solidFill>
+                <a:effectLst/>
+                <a:latin typeface="Courier New" panose="02070309020205020404" pitchFamily="49" charset="0"/>
+                <a:cs typeface="Courier New" panose="02070309020205020404" pitchFamily="49" charset="0"/>
+              </a:rPr>
+              <a:t>    @</a:t>
+            </a:r>
+            <a:r>
+              <a:rPr kumimoji="0" lang="en-US" altLang="en-US" sz="1400" b="0" i="0" u="none" strike="noStrike" cap="none" normalizeH="0" baseline="0" dirty="0" err="1">
+                <a:ln>
+                  <a:noFill/>
+                </a:ln>
+                <a:solidFill>
+                  <a:srgbClr val="808000"/>
+                </a:solidFill>
+                <a:effectLst/>
+                <a:latin typeface="Courier New" panose="02070309020205020404" pitchFamily="49" charset="0"/>
+                <a:cs typeface="Courier New" panose="02070309020205020404" pitchFamily="49" charset="0"/>
+              </a:rPr>
+              <a:t>JsonProperty</a:t>
+            </a:r>
+            <a:br>
+              <a:rPr kumimoji="0" lang="en-US" altLang="en-US" sz="1400" b="0" i="0" u="none" strike="noStrike" cap="none" normalizeH="0" baseline="0" dirty="0">
+                <a:ln>
+                  <a:noFill/>
+                </a:ln>
+                <a:solidFill>
+                  <a:srgbClr val="808000"/>
+                </a:solidFill>
+                <a:effectLst/>
+                <a:latin typeface="Courier New" panose="02070309020205020404" pitchFamily="49" charset="0"/>
+                <a:cs typeface="Courier New" panose="02070309020205020404" pitchFamily="49" charset="0"/>
+              </a:rPr>
+            </a:br>
+            <a:r>
+              <a:rPr kumimoji="0" lang="en-US" altLang="en-US" sz="1400" b="0" i="0" u="none" strike="noStrike" cap="none" normalizeH="0" baseline="0" dirty="0">
+                <a:ln>
+                  <a:noFill/>
+                </a:ln>
+                <a:solidFill>
+                  <a:srgbClr val="808000"/>
+                </a:solidFill>
+                <a:effectLst/>
+                <a:latin typeface="Courier New" panose="02070309020205020404" pitchFamily="49" charset="0"/>
+                <a:cs typeface="Courier New" panose="02070309020205020404" pitchFamily="49" charset="0"/>
+              </a:rPr>
+              <a:t>    </a:t>
+            </a:r>
+            <a:r>
+              <a:rPr kumimoji="0" lang="en-US" altLang="en-US" sz="1400" b="1" i="0" u="none" strike="noStrike" cap="none" normalizeH="0" baseline="0" dirty="0">
+                <a:ln>
+                  <a:noFill/>
+                </a:ln>
+                <a:solidFill>
+                  <a:srgbClr val="000080"/>
+                </a:solidFill>
+                <a:effectLst/>
+                <a:latin typeface="Courier New" panose="02070309020205020404" pitchFamily="49" charset="0"/>
+                <a:cs typeface="Courier New" panose="02070309020205020404" pitchFamily="49" charset="0"/>
+              </a:rPr>
+              <a:t>private </a:t>
+            </a:r>
+            <a:r>
+              <a:rPr kumimoji="0" lang="en-US" altLang="en-US" sz="1400" b="0" i="0" u="none" strike="noStrike" cap="none" normalizeH="0" baseline="0" dirty="0">
+                <a:ln>
+                  <a:noFill/>
+                </a:ln>
+                <a:solidFill>
+                  <a:srgbClr val="000000"/>
+                </a:solidFill>
+                <a:effectLst/>
+                <a:latin typeface="Courier New" panose="02070309020205020404" pitchFamily="49" charset="0"/>
+                <a:cs typeface="Courier New" panose="02070309020205020404" pitchFamily="49" charset="0"/>
+              </a:rPr>
+              <a:t>String </a:t>
+            </a:r>
+            <a:r>
+              <a:rPr kumimoji="0" lang="en-US" altLang="en-US" sz="1400" b="1" i="0" u="none" strike="noStrike" cap="none" normalizeH="0" baseline="0" dirty="0" err="1">
+                <a:ln>
+                  <a:noFill/>
+                </a:ln>
+                <a:solidFill>
+                  <a:srgbClr val="660E7A"/>
+                </a:solidFill>
+                <a:effectLst/>
+                <a:latin typeface="Courier New" panose="02070309020205020404" pitchFamily="49" charset="0"/>
+                <a:cs typeface="Courier New" panose="02070309020205020404" pitchFamily="49" charset="0"/>
+              </a:rPr>
+              <a:t>jobTitle</a:t>
+            </a:r>
+            <a:r>
+              <a:rPr kumimoji="0" lang="en-US" altLang="en-US" sz="1400" b="0" i="0" u="none" strike="noStrike" cap="none" normalizeH="0" baseline="0" dirty="0">
+                <a:ln>
+                  <a:noFill/>
+                </a:ln>
+                <a:solidFill>
+                  <a:srgbClr val="000000"/>
+                </a:solidFill>
+                <a:effectLst/>
+                <a:latin typeface="Courier New" panose="02070309020205020404" pitchFamily="49" charset="0"/>
+                <a:cs typeface="Courier New" panose="02070309020205020404" pitchFamily="49" charset="0"/>
+              </a:rPr>
+              <a:t>;</a:t>
+            </a:r>
+            <a:endParaRPr kumimoji="0" lang="en-US" altLang="en-US" sz="1400" b="0" i="0" u="none" strike="noStrike" cap="none" normalizeH="0" baseline="0" dirty="0">
+              <a:ln>
+                <a:noFill/>
+              </a:ln>
+              <a:solidFill>
+                <a:schemeClr val="tx1"/>
+              </a:solidFill>
+              <a:effectLst/>
+              <a:latin typeface="Arial" panose="020B0604020202020204" pitchFamily="34" charset="0"/>
+            </a:endParaRPr>
+          </a:p>
+        </p:txBody>
+      </p:sp>
+    </p:spTree>
+    <p:extLst>
+      <p:ext uri="{BB962C8B-B14F-4D97-AF65-F5344CB8AC3E}">
+        <p14:creationId xmlns:p14="http://schemas.microsoft.com/office/powerpoint/2010/main" val="849004658"/>
+      </p:ext>
+    </p:extLst>
+  </p:cSld>
+  <p:clrMapOvr>
+    <a:masterClrMapping/>
+  </p:clrMapOvr>
+</p:sld>
+</file>
+
+<file path=ppt/slides/slide18.xml><?xml version="1.0" encoding="utf-8"?>
+<p:sld xmlns:a="http://schemas.openxmlformats.org/drawingml/2006/main" xmlns:r="http://schemas.openxmlformats.org/officeDocument/2006/relationships" xmlns:p="http://schemas.openxmlformats.org/presentationml/2006/main">
+  <p:cSld>
+    <p:spTree>
+      <p:nvGrpSpPr>
+        <p:cNvPr id="1" name=""/>
+        <p:cNvGrpSpPr/>
+        <p:nvPr/>
+      </p:nvGrpSpPr>
+      <p:grpSpPr>
+        <a:xfrm>
+          <a:off x="0" y="0"/>
+          <a:ext cx="0" cy="0"/>
+          <a:chOff x="0" y="0"/>
+          <a:chExt cx="0" cy="0"/>
+        </a:xfrm>
+      </p:grpSpPr>
+      <p:sp>
+        <p:nvSpPr>
+          <p:cNvPr id="2" name="Title 1">
+            <a:extLst>
+              <a:ext uri="{FF2B5EF4-FFF2-40B4-BE49-F238E27FC236}">
+                <a16:creationId xmlns:a16="http://schemas.microsoft.com/office/drawing/2014/main" id="{0403941E-3E06-4EE1-9DE8-C516BB7A7706}"/>
+              </a:ext>
+            </a:extLst>
+          </p:cNvPr>
+          <p:cNvSpPr>
+            <a:spLocks noGrp="1"/>
+          </p:cNvSpPr>
+          <p:nvPr>
+            <p:ph type="title"/>
+          </p:nvPr>
+        </p:nvSpPr>
+        <p:spPr>
+          <a:xfrm>
+            <a:off x="0" y="1"/>
+            <a:ext cx="3207617" cy="592282"/>
+          </a:xfrm>
+        </p:spPr>
+        <p:txBody>
+          <a:bodyPr>
+            <a:normAutofit fontScale="90000"/>
+          </a:bodyPr>
+          <a:lstStyle/>
+          <a:p>
+            <a:r>
+              <a:rPr lang="en-US" dirty="0"/>
+              <a:t>DAO (Hibernate)                                                                 </a:t>
+            </a:r>
+          </a:p>
+        </p:txBody>
+      </p:sp>
+      <p:sp>
+        <p:nvSpPr>
+          <p:cNvPr id="3" name="Rectangle 1">
+            <a:extLst>
+              <a:ext uri="{FF2B5EF4-FFF2-40B4-BE49-F238E27FC236}">
+                <a16:creationId xmlns:a16="http://schemas.microsoft.com/office/drawing/2014/main" id="{CE5AB721-EFBB-4AC6-931C-9B7DD35514E9}"/>
+              </a:ext>
+            </a:extLst>
+          </p:cNvPr>
+          <p:cNvSpPr>
+            <a:spLocks noChangeArrowheads="1"/>
+          </p:cNvSpPr>
+          <p:nvPr/>
+        </p:nvSpPr>
+        <p:spPr bwMode="auto">
+          <a:xfrm>
+            <a:off x="181985" y="961615"/>
+            <a:ext cx="5914015" cy="5262979"/>
+          </a:xfrm>
+          <a:prstGeom prst="rect">
+            <a:avLst/>
+          </a:prstGeom>
+          <a:solidFill>
+            <a:srgbClr val="FFFFFF"/>
+          </a:solidFill>
+          <a:ln>
+            <a:noFill/>
+          </a:ln>
+          <a:effectLst/>
+          <a:extLst>
+            <a:ext uri="{91240B29-F687-4F45-9708-019B960494DF}">
+              <a14:hiddenLine xmlns:a14="http://schemas.microsoft.com/office/drawing/2010/main" w="9525">
+                <a:solidFill>
+                  <a:schemeClr val="tx1"/>
+                </a:solidFill>
+                <a:miter lim="800000"/>
+                <a:headEnd/>
+                <a:tailEnd/>
+              </a14:hiddenLine>
+            </a:ext>
+            <a:ext uri="{AF507438-7753-43E0-B8FC-AC1667EBCBE1}">
+              <a14:hiddenEffects xmlns:a14="http://schemas.microsoft.com/office/drawing/2010/main">
+                <a:effectLst>
+                  <a:outerShdw dist="35921" dir="2700000" algn="ctr" rotWithShape="0">
+                    <a:schemeClr val="bg2"/>
+                  </a:outerShdw>
+                </a:effectLst>
+              </a14:hiddenEffects>
+            </a:ext>
+          </a:extLst>
+        </p:spPr>
+        <p:txBody>
+          <a:bodyPr vert="horz" wrap="square" lIns="91440" tIns="45720" rIns="91440" bIns="45720" numCol="1" anchor="ctr" anchorCtr="0" compatLnSpc="1">
+            <a:prstTxWarp prst="textNoShape">
+              <a:avLst/>
+            </a:prstTxWarp>
+            <a:spAutoFit/>
+          </a:bodyPr>
+          <a:lstStyle/>
+          <a:p>
+            <a:pPr marL="0" marR="0" lvl="0" indent="0" algn="l" defTabSz="914400" rtl="0" eaLnBrk="0" fontAlgn="base" latinLnBrk="0" hangingPunct="0">
+              <a:lnSpc>
+                <a:spcPct val="100000"/>
+              </a:lnSpc>
+              <a:spcBef>
+                <a:spcPct val="0"/>
+              </a:spcBef>
+              <a:spcAft>
+                <a:spcPct val="0"/>
+              </a:spcAft>
+              <a:buClrTx/>
+              <a:buSzTx/>
+              <a:buFontTx/>
+              <a:buNone/>
+              <a:tabLst/>
+            </a:pPr>
+            <a:r>
+              <a:rPr kumimoji="0" lang="en-US" altLang="en-US" sz="1600" b="1" i="0" u="none" strike="noStrike" cap="none" normalizeH="0" baseline="0" dirty="0">
+                <a:ln>
+                  <a:noFill/>
+                </a:ln>
+                <a:solidFill>
+                  <a:srgbClr val="000080"/>
+                </a:solidFill>
+                <a:effectLst/>
+                <a:latin typeface="Courier New" panose="02070309020205020404" pitchFamily="49" charset="0"/>
+                <a:cs typeface="Courier New" panose="02070309020205020404" pitchFamily="49" charset="0"/>
+              </a:rPr>
+              <a:t>public class </a:t>
+            </a:r>
+            <a:r>
+              <a:rPr kumimoji="0" lang="en-US" altLang="en-US" sz="1600" b="0" i="0" u="none" strike="noStrike" cap="none" normalizeH="0" baseline="0" dirty="0" err="1">
+                <a:ln>
+                  <a:noFill/>
+                </a:ln>
+                <a:solidFill>
+                  <a:srgbClr val="000000"/>
+                </a:solidFill>
+                <a:effectLst/>
+                <a:latin typeface="Courier New" panose="02070309020205020404" pitchFamily="49" charset="0"/>
+                <a:cs typeface="Courier New" panose="02070309020205020404" pitchFamily="49" charset="0"/>
+              </a:rPr>
+              <a:t>PeopleDAO</a:t>
+            </a:r>
+            <a:r>
+              <a:rPr kumimoji="0" lang="en-US" altLang="en-US" sz="1600" b="0" i="0" u="none" strike="noStrike" cap="none" normalizeH="0" baseline="0" dirty="0">
+                <a:ln>
+                  <a:noFill/>
+                </a:ln>
+                <a:solidFill>
+                  <a:srgbClr val="000000"/>
+                </a:solidFill>
+                <a:effectLst/>
+                <a:latin typeface="Courier New" panose="02070309020205020404" pitchFamily="49" charset="0"/>
+                <a:cs typeface="Courier New" panose="02070309020205020404" pitchFamily="49" charset="0"/>
+              </a:rPr>
+              <a:t> </a:t>
+            </a:r>
+            <a:r>
+              <a:rPr kumimoji="0" lang="en-US" altLang="en-US" sz="1600" b="1" i="0" u="none" strike="noStrike" cap="none" normalizeH="0" baseline="0" dirty="0">
+                <a:ln>
+                  <a:noFill/>
+                </a:ln>
+                <a:solidFill>
+                  <a:srgbClr val="000080"/>
+                </a:solidFill>
+                <a:effectLst/>
+                <a:latin typeface="Courier New" panose="02070309020205020404" pitchFamily="49" charset="0"/>
+                <a:cs typeface="Courier New" panose="02070309020205020404" pitchFamily="49" charset="0"/>
+              </a:rPr>
+              <a:t>extends </a:t>
+            </a:r>
+            <a:r>
+              <a:rPr kumimoji="0" lang="en-US" altLang="en-US" sz="1600" b="0" i="0" u="none" strike="noStrike" cap="none" normalizeH="0" baseline="0" dirty="0" err="1">
+                <a:ln>
+                  <a:noFill/>
+                </a:ln>
+                <a:solidFill>
+                  <a:srgbClr val="000000"/>
+                </a:solidFill>
+                <a:effectLst/>
+                <a:latin typeface="Courier New" panose="02070309020205020404" pitchFamily="49" charset="0"/>
+                <a:cs typeface="Courier New" panose="02070309020205020404" pitchFamily="49" charset="0"/>
+              </a:rPr>
+              <a:t>AbstractDAO</a:t>
+            </a:r>
+            <a:r>
+              <a:rPr kumimoji="0" lang="en-US" altLang="en-US" sz="1600" b="0" i="0" u="none" strike="noStrike" cap="none" normalizeH="0" baseline="0" dirty="0">
+                <a:ln>
+                  <a:noFill/>
+                </a:ln>
+                <a:solidFill>
+                  <a:srgbClr val="000000"/>
+                </a:solidFill>
+                <a:effectLst/>
+                <a:latin typeface="Courier New" panose="02070309020205020404" pitchFamily="49" charset="0"/>
+                <a:cs typeface="Courier New" panose="02070309020205020404" pitchFamily="49" charset="0"/>
+              </a:rPr>
+              <a:t>&lt;</a:t>
+            </a:r>
+            <a:r>
+              <a:rPr kumimoji="0" lang="en-US" altLang="en-US" sz="1600" b="0" i="0" u="none" strike="noStrike" cap="none" normalizeH="0" baseline="0" dirty="0" err="1">
+                <a:ln>
+                  <a:noFill/>
+                </a:ln>
+                <a:solidFill>
+                  <a:srgbClr val="000000"/>
+                </a:solidFill>
+                <a:effectLst/>
+                <a:latin typeface="Courier New" panose="02070309020205020404" pitchFamily="49" charset="0"/>
+                <a:cs typeface="Courier New" panose="02070309020205020404" pitchFamily="49" charset="0"/>
+              </a:rPr>
+              <a:t>PeopleTable</a:t>
+            </a:r>
+            <a:r>
+              <a:rPr kumimoji="0" lang="en-US" altLang="en-US" sz="1600" b="0" i="0" u="none" strike="noStrike" cap="none" normalizeH="0" baseline="0" dirty="0">
+                <a:ln>
+                  <a:noFill/>
+                </a:ln>
+                <a:solidFill>
+                  <a:srgbClr val="000000"/>
+                </a:solidFill>
+                <a:effectLst/>
+                <a:latin typeface="Courier New" panose="02070309020205020404" pitchFamily="49" charset="0"/>
+                <a:cs typeface="Courier New" panose="02070309020205020404" pitchFamily="49" charset="0"/>
+              </a:rPr>
+              <a:t>&gt; {</a:t>
+            </a:r>
+            <a:br>
+              <a:rPr kumimoji="0" lang="en-US" altLang="en-US" sz="1600" b="0" i="0" u="none" strike="noStrike" cap="none" normalizeH="0" baseline="0" dirty="0">
+                <a:ln>
+                  <a:noFill/>
+                </a:ln>
+                <a:solidFill>
+                  <a:srgbClr val="000000"/>
+                </a:solidFill>
+                <a:effectLst/>
+                <a:latin typeface="Courier New" panose="02070309020205020404" pitchFamily="49" charset="0"/>
+                <a:cs typeface="Courier New" panose="02070309020205020404" pitchFamily="49" charset="0"/>
+              </a:rPr>
+            </a:br>
+            <a:r>
+              <a:rPr kumimoji="0" lang="en-US" altLang="en-US" sz="1600" b="0" i="0" u="none" strike="noStrike" cap="none" normalizeH="0" baseline="0" dirty="0">
+                <a:ln>
+                  <a:noFill/>
+                </a:ln>
+                <a:solidFill>
+                  <a:srgbClr val="000000"/>
+                </a:solidFill>
+                <a:effectLst/>
+                <a:latin typeface="Courier New" panose="02070309020205020404" pitchFamily="49" charset="0"/>
+                <a:cs typeface="Courier New" panose="02070309020205020404" pitchFamily="49" charset="0"/>
+              </a:rPr>
+              <a:t>    </a:t>
+            </a:r>
+            <a:r>
+              <a:rPr kumimoji="0" lang="en-US" altLang="en-US" sz="1600" b="1" i="0" u="none" strike="noStrike" cap="none" normalizeH="0" baseline="0" dirty="0">
+                <a:ln>
+                  <a:noFill/>
+                </a:ln>
+                <a:solidFill>
+                  <a:srgbClr val="000080"/>
+                </a:solidFill>
+                <a:effectLst/>
+                <a:latin typeface="Courier New" panose="02070309020205020404" pitchFamily="49" charset="0"/>
+                <a:cs typeface="Courier New" panose="02070309020205020404" pitchFamily="49" charset="0"/>
+              </a:rPr>
+              <a:t>public </a:t>
+            </a:r>
+            <a:r>
+              <a:rPr kumimoji="0" lang="en-US" altLang="en-US" sz="1600" b="0" i="0" u="none" strike="noStrike" cap="none" normalizeH="0" baseline="0" dirty="0" err="1">
+                <a:ln>
+                  <a:noFill/>
+                </a:ln>
+                <a:solidFill>
+                  <a:srgbClr val="000000"/>
+                </a:solidFill>
+                <a:effectLst/>
+                <a:latin typeface="Courier New" panose="02070309020205020404" pitchFamily="49" charset="0"/>
+                <a:cs typeface="Courier New" panose="02070309020205020404" pitchFamily="49" charset="0"/>
+              </a:rPr>
+              <a:t>PeopleDAO</a:t>
+            </a:r>
+            <a:r>
+              <a:rPr kumimoji="0" lang="en-US" altLang="en-US" sz="1600" b="0" i="0" u="none" strike="noStrike" cap="none" normalizeH="0" baseline="0" dirty="0">
+                <a:ln>
+                  <a:noFill/>
+                </a:ln>
+                <a:solidFill>
+                  <a:srgbClr val="000000"/>
+                </a:solidFill>
+                <a:effectLst/>
+                <a:latin typeface="Courier New" panose="02070309020205020404" pitchFamily="49" charset="0"/>
+                <a:cs typeface="Courier New" panose="02070309020205020404" pitchFamily="49" charset="0"/>
+              </a:rPr>
+              <a:t>(</a:t>
+            </a:r>
+            <a:r>
+              <a:rPr kumimoji="0" lang="en-US" altLang="en-US" sz="1600" b="0" i="0" u="none" strike="noStrike" cap="none" normalizeH="0" baseline="0" dirty="0" err="1">
+                <a:ln>
+                  <a:noFill/>
+                </a:ln>
+                <a:solidFill>
+                  <a:srgbClr val="000000"/>
+                </a:solidFill>
+                <a:effectLst/>
+                <a:latin typeface="Courier New" panose="02070309020205020404" pitchFamily="49" charset="0"/>
+                <a:cs typeface="Courier New" panose="02070309020205020404" pitchFamily="49" charset="0"/>
+              </a:rPr>
+              <a:t>SessionFactory</a:t>
+            </a:r>
+            <a:r>
+              <a:rPr kumimoji="0" lang="en-US" altLang="en-US" sz="1600" b="0" i="0" u="none" strike="noStrike" cap="none" normalizeH="0" baseline="0" dirty="0">
+                <a:ln>
+                  <a:noFill/>
+                </a:ln>
+                <a:solidFill>
+                  <a:srgbClr val="000000"/>
+                </a:solidFill>
+                <a:effectLst/>
+                <a:latin typeface="Courier New" panose="02070309020205020404" pitchFamily="49" charset="0"/>
+                <a:cs typeface="Courier New" panose="02070309020205020404" pitchFamily="49" charset="0"/>
+              </a:rPr>
+              <a:t> factory) {</a:t>
+            </a:r>
+            <a:br>
+              <a:rPr kumimoji="0" lang="en-US" altLang="en-US" sz="1600" b="0" i="0" u="none" strike="noStrike" cap="none" normalizeH="0" baseline="0" dirty="0">
+                <a:ln>
+                  <a:noFill/>
+                </a:ln>
+                <a:solidFill>
+                  <a:srgbClr val="000000"/>
+                </a:solidFill>
+                <a:effectLst/>
+                <a:latin typeface="Courier New" panose="02070309020205020404" pitchFamily="49" charset="0"/>
+                <a:cs typeface="Courier New" panose="02070309020205020404" pitchFamily="49" charset="0"/>
+              </a:rPr>
+            </a:br>
+            <a:r>
+              <a:rPr kumimoji="0" lang="en-US" altLang="en-US" sz="1600" b="0" i="0" u="none" strike="noStrike" cap="none" normalizeH="0" baseline="0" dirty="0">
+                <a:ln>
+                  <a:noFill/>
+                </a:ln>
+                <a:solidFill>
+                  <a:srgbClr val="000000"/>
+                </a:solidFill>
+                <a:effectLst/>
+                <a:latin typeface="Courier New" panose="02070309020205020404" pitchFamily="49" charset="0"/>
+                <a:cs typeface="Courier New" panose="02070309020205020404" pitchFamily="49" charset="0"/>
+              </a:rPr>
+              <a:t>        </a:t>
+            </a:r>
+            <a:r>
+              <a:rPr kumimoji="0" lang="en-US" altLang="en-US" sz="1600" b="1" i="0" u="none" strike="noStrike" cap="none" normalizeH="0" baseline="0" dirty="0">
+                <a:ln>
+                  <a:noFill/>
+                </a:ln>
+                <a:solidFill>
+                  <a:srgbClr val="000080"/>
+                </a:solidFill>
+                <a:effectLst/>
+                <a:latin typeface="Courier New" panose="02070309020205020404" pitchFamily="49" charset="0"/>
+                <a:cs typeface="Courier New" panose="02070309020205020404" pitchFamily="49" charset="0"/>
+              </a:rPr>
+              <a:t>super</a:t>
+            </a:r>
+            <a:r>
+              <a:rPr kumimoji="0" lang="en-US" altLang="en-US" sz="1600" b="0" i="0" u="none" strike="noStrike" cap="none" normalizeH="0" baseline="0" dirty="0">
+                <a:ln>
+                  <a:noFill/>
+                </a:ln>
+                <a:solidFill>
+                  <a:srgbClr val="000000"/>
+                </a:solidFill>
+                <a:effectLst/>
+                <a:latin typeface="Courier New" panose="02070309020205020404" pitchFamily="49" charset="0"/>
+                <a:cs typeface="Courier New" panose="02070309020205020404" pitchFamily="49" charset="0"/>
+              </a:rPr>
+              <a:t>(factory);</a:t>
+            </a:r>
+            <a:br>
+              <a:rPr kumimoji="0" lang="en-US" altLang="en-US" sz="1600" b="0" i="0" u="none" strike="noStrike" cap="none" normalizeH="0" baseline="0" dirty="0">
+                <a:ln>
+                  <a:noFill/>
+                </a:ln>
+                <a:solidFill>
+                  <a:srgbClr val="000000"/>
+                </a:solidFill>
+                <a:effectLst/>
+                <a:latin typeface="Courier New" panose="02070309020205020404" pitchFamily="49" charset="0"/>
+                <a:cs typeface="Courier New" panose="02070309020205020404" pitchFamily="49" charset="0"/>
+              </a:rPr>
+            </a:br>
+            <a:r>
+              <a:rPr kumimoji="0" lang="en-US" altLang="en-US" sz="1600" b="0" i="0" u="none" strike="noStrike" cap="none" normalizeH="0" baseline="0" dirty="0">
+                <a:ln>
+                  <a:noFill/>
+                </a:ln>
+                <a:solidFill>
+                  <a:srgbClr val="000000"/>
+                </a:solidFill>
+                <a:effectLst/>
+                <a:latin typeface="Courier New" panose="02070309020205020404" pitchFamily="49" charset="0"/>
+                <a:cs typeface="Courier New" panose="02070309020205020404" pitchFamily="49" charset="0"/>
+              </a:rPr>
+              <a:t>    }</a:t>
+            </a:r>
+            <a:br>
+              <a:rPr kumimoji="0" lang="en-US" altLang="en-US" sz="1600" b="0" i="0" u="none" strike="noStrike" cap="none" normalizeH="0" baseline="0" dirty="0">
+                <a:ln>
+                  <a:noFill/>
+                </a:ln>
+                <a:solidFill>
+                  <a:srgbClr val="000000"/>
+                </a:solidFill>
+                <a:effectLst/>
+                <a:latin typeface="Courier New" panose="02070309020205020404" pitchFamily="49" charset="0"/>
+                <a:cs typeface="Courier New" panose="02070309020205020404" pitchFamily="49" charset="0"/>
+              </a:rPr>
+            </a:br>
+            <a:br>
+              <a:rPr kumimoji="0" lang="en-US" altLang="en-US" sz="1600" b="0" i="0" u="none" strike="noStrike" cap="none" normalizeH="0" baseline="0" dirty="0">
+                <a:ln>
+                  <a:noFill/>
+                </a:ln>
+                <a:solidFill>
+                  <a:srgbClr val="000000"/>
+                </a:solidFill>
+                <a:effectLst/>
+                <a:latin typeface="Courier New" panose="02070309020205020404" pitchFamily="49" charset="0"/>
+                <a:cs typeface="Courier New" panose="02070309020205020404" pitchFamily="49" charset="0"/>
+              </a:rPr>
+            </a:br>
+            <a:r>
+              <a:rPr kumimoji="0" lang="en-US" altLang="en-US" sz="1600" b="0" i="0" u="none" strike="noStrike" cap="none" normalizeH="0" baseline="0" dirty="0">
+                <a:ln>
+                  <a:noFill/>
+                </a:ln>
+                <a:solidFill>
+                  <a:srgbClr val="000000"/>
+                </a:solidFill>
+                <a:effectLst/>
+                <a:latin typeface="Courier New" panose="02070309020205020404" pitchFamily="49" charset="0"/>
+                <a:cs typeface="Courier New" panose="02070309020205020404" pitchFamily="49" charset="0"/>
+              </a:rPr>
+              <a:t>    </a:t>
+            </a:r>
+            <a:r>
+              <a:rPr kumimoji="0" lang="en-US" altLang="en-US" sz="1600" b="1" i="0" u="none" strike="noStrike" cap="none" normalizeH="0" baseline="0" dirty="0">
+                <a:ln>
+                  <a:noFill/>
+                </a:ln>
+                <a:solidFill>
+                  <a:srgbClr val="000080"/>
+                </a:solidFill>
+                <a:effectLst/>
+                <a:latin typeface="Courier New" panose="02070309020205020404" pitchFamily="49" charset="0"/>
+                <a:cs typeface="Courier New" panose="02070309020205020404" pitchFamily="49" charset="0"/>
+              </a:rPr>
+              <a:t>public </a:t>
+            </a:r>
+            <a:r>
+              <a:rPr kumimoji="0" lang="en-US" altLang="en-US" sz="1600" b="0" i="0" u="none" strike="noStrike" cap="none" normalizeH="0" baseline="0" dirty="0" err="1">
+                <a:ln>
+                  <a:noFill/>
+                </a:ln>
+                <a:solidFill>
+                  <a:srgbClr val="000000"/>
+                </a:solidFill>
+                <a:effectLst/>
+                <a:latin typeface="Courier New" panose="02070309020205020404" pitchFamily="49" charset="0"/>
+                <a:cs typeface="Courier New" panose="02070309020205020404" pitchFamily="49" charset="0"/>
+              </a:rPr>
+              <a:t>PeopleTable</a:t>
+            </a:r>
+            <a:r>
+              <a:rPr kumimoji="0" lang="en-US" altLang="en-US" sz="1600" b="0" i="0" u="none" strike="noStrike" cap="none" normalizeH="0" baseline="0" dirty="0">
+                <a:ln>
+                  <a:noFill/>
+                </a:ln>
+                <a:solidFill>
+                  <a:srgbClr val="000000"/>
+                </a:solidFill>
+                <a:effectLst/>
+                <a:latin typeface="Courier New" panose="02070309020205020404" pitchFamily="49" charset="0"/>
+                <a:cs typeface="Courier New" panose="02070309020205020404" pitchFamily="49" charset="0"/>
+              </a:rPr>
+              <a:t> </a:t>
+            </a:r>
+            <a:r>
+              <a:rPr kumimoji="0" lang="en-US" altLang="en-US" sz="1600" b="0" i="0" u="none" strike="noStrike" cap="none" normalizeH="0" baseline="0" dirty="0" err="1">
+                <a:ln>
+                  <a:noFill/>
+                </a:ln>
+                <a:solidFill>
+                  <a:srgbClr val="000000"/>
+                </a:solidFill>
+                <a:effectLst/>
+                <a:latin typeface="Courier New" panose="02070309020205020404" pitchFamily="49" charset="0"/>
+                <a:cs typeface="Courier New" panose="02070309020205020404" pitchFamily="49" charset="0"/>
+              </a:rPr>
+              <a:t>findById</a:t>
+            </a:r>
+            <a:r>
+              <a:rPr kumimoji="0" lang="en-US" altLang="en-US" sz="1600" b="0" i="0" u="none" strike="noStrike" cap="none" normalizeH="0" baseline="0" dirty="0">
+                <a:ln>
+                  <a:noFill/>
+                </a:ln>
+                <a:solidFill>
+                  <a:srgbClr val="000000"/>
+                </a:solidFill>
+                <a:effectLst/>
+                <a:latin typeface="Courier New" panose="02070309020205020404" pitchFamily="49" charset="0"/>
+                <a:cs typeface="Courier New" panose="02070309020205020404" pitchFamily="49" charset="0"/>
+              </a:rPr>
+              <a:t>(Integer id) {</a:t>
+            </a:r>
+            <a:br>
+              <a:rPr kumimoji="0" lang="en-US" altLang="en-US" sz="1600" b="0" i="0" u="none" strike="noStrike" cap="none" normalizeH="0" baseline="0" dirty="0">
+                <a:ln>
+                  <a:noFill/>
+                </a:ln>
+                <a:solidFill>
+                  <a:srgbClr val="000000"/>
+                </a:solidFill>
+                <a:effectLst/>
+                <a:latin typeface="Courier New" panose="02070309020205020404" pitchFamily="49" charset="0"/>
+                <a:cs typeface="Courier New" panose="02070309020205020404" pitchFamily="49" charset="0"/>
+              </a:rPr>
+            </a:br>
+            <a:r>
+              <a:rPr kumimoji="0" lang="en-US" altLang="en-US" sz="1600" b="0" i="0" u="none" strike="noStrike" cap="none" normalizeH="0" baseline="0" dirty="0">
+                <a:ln>
+                  <a:noFill/>
+                </a:ln>
+                <a:solidFill>
+                  <a:srgbClr val="000000"/>
+                </a:solidFill>
+                <a:effectLst/>
+                <a:latin typeface="Courier New" panose="02070309020205020404" pitchFamily="49" charset="0"/>
+                <a:cs typeface="Courier New" panose="02070309020205020404" pitchFamily="49" charset="0"/>
+              </a:rPr>
+              <a:t>        </a:t>
+            </a:r>
+            <a:r>
+              <a:rPr kumimoji="0" lang="en-US" altLang="en-US" sz="1600" b="1" i="0" u="none" strike="noStrike" cap="none" normalizeH="0" baseline="0" dirty="0">
+                <a:ln>
+                  <a:noFill/>
+                </a:ln>
+                <a:solidFill>
+                  <a:srgbClr val="000080"/>
+                </a:solidFill>
+                <a:effectLst/>
+                <a:latin typeface="Courier New" panose="02070309020205020404" pitchFamily="49" charset="0"/>
+                <a:cs typeface="Courier New" panose="02070309020205020404" pitchFamily="49" charset="0"/>
+              </a:rPr>
+              <a:t>return </a:t>
+            </a:r>
+            <a:r>
+              <a:rPr kumimoji="0" lang="en-US" altLang="en-US" sz="1600" b="0" i="0" u="none" strike="noStrike" cap="none" normalizeH="0" baseline="0" dirty="0">
+                <a:ln>
+                  <a:noFill/>
+                </a:ln>
+                <a:solidFill>
+                  <a:srgbClr val="000000"/>
+                </a:solidFill>
+                <a:effectLst/>
+                <a:latin typeface="Courier New" panose="02070309020205020404" pitchFamily="49" charset="0"/>
+                <a:cs typeface="Courier New" panose="02070309020205020404" pitchFamily="49" charset="0"/>
+              </a:rPr>
+              <a:t>get(id);</a:t>
+            </a:r>
+            <a:br>
+              <a:rPr kumimoji="0" lang="en-US" altLang="en-US" sz="1600" b="0" i="0" u="none" strike="noStrike" cap="none" normalizeH="0" baseline="0" dirty="0">
+                <a:ln>
+                  <a:noFill/>
+                </a:ln>
+                <a:solidFill>
+                  <a:srgbClr val="000000"/>
+                </a:solidFill>
+                <a:effectLst/>
+                <a:latin typeface="Courier New" panose="02070309020205020404" pitchFamily="49" charset="0"/>
+                <a:cs typeface="Courier New" panose="02070309020205020404" pitchFamily="49" charset="0"/>
+              </a:rPr>
+            </a:br>
+            <a:r>
+              <a:rPr kumimoji="0" lang="en-US" altLang="en-US" sz="1600" b="0" i="0" u="none" strike="noStrike" cap="none" normalizeH="0" baseline="0" dirty="0">
+                <a:ln>
+                  <a:noFill/>
+                </a:ln>
+                <a:solidFill>
+                  <a:srgbClr val="000000"/>
+                </a:solidFill>
+                <a:effectLst/>
+                <a:latin typeface="Courier New" panose="02070309020205020404" pitchFamily="49" charset="0"/>
+                <a:cs typeface="Courier New" panose="02070309020205020404" pitchFamily="49" charset="0"/>
+              </a:rPr>
+              <a:t>    }</a:t>
+            </a:r>
+            <a:br>
+              <a:rPr kumimoji="0" lang="en-US" altLang="en-US" sz="1600" b="0" i="0" u="none" strike="noStrike" cap="none" normalizeH="0" baseline="0" dirty="0">
+                <a:ln>
+                  <a:noFill/>
+                </a:ln>
+                <a:solidFill>
+                  <a:srgbClr val="000000"/>
+                </a:solidFill>
+                <a:effectLst/>
+                <a:latin typeface="Courier New" panose="02070309020205020404" pitchFamily="49" charset="0"/>
+                <a:cs typeface="Courier New" panose="02070309020205020404" pitchFamily="49" charset="0"/>
+              </a:rPr>
+            </a:br>
+            <a:br>
+              <a:rPr kumimoji="0" lang="en-US" altLang="en-US" sz="1600" b="0" i="0" u="none" strike="noStrike" cap="none" normalizeH="0" baseline="0" dirty="0">
+                <a:ln>
+                  <a:noFill/>
+                </a:ln>
+                <a:solidFill>
+                  <a:srgbClr val="000000"/>
+                </a:solidFill>
+                <a:effectLst/>
+                <a:latin typeface="Courier New" panose="02070309020205020404" pitchFamily="49" charset="0"/>
+                <a:cs typeface="Courier New" panose="02070309020205020404" pitchFamily="49" charset="0"/>
+              </a:rPr>
+            </a:br>
+            <a:r>
+              <a:rPr kumimoji="0" lang="en-US" altLang="en-US" sz="1600" b="0" i="0" u="none" strike="noStrike" cap="none" normalizeH="0" baseline="0" dirty="0">
+                <a:ln>
+                  <a:noFill/>
+                </a:ln>
+                <a:solidFill>
+                  <a:srgbClr val="000000"/>
+                </a:solidFill>
+                <a:effectLst/>
+                <a:latin typeface="Courier New" panose="02070309020205020404" pitchFamily="49" charset="0"/>
+                <a:cs typeface="Courier New" panose="02070309020205020404" pitchFamily="49" charset="0"/>
+              </a:rPr>
+              <a:t>    </a:t>
+            </a:r>
+            <a:r>
+              <a:rPr kumimoji="0" lang="en-US" altLang="en-US" sz="1600" b="1" i="0" u="none" strike="noStrike" cap="none" normalizeH="0" baseline="0" dirty="0">
+                <a:ln>
+                  <a:noFill/>
+                </a:ln>
+                <a:solidFill>
+                  <a:srgbClr val="000080"/>
+                </a:solidFill>
+                <a:effectLst/>
+                <a:latin typeface="Courier New" panose="02070309020205020404" pitchFamily="49" charset="0"/>
+                <a:cs typeface="Courier New" panose="02070309020205020404" pitchFamily="49" charset="0"/>
+              </a:rPr>
+              <a:t>public void </a:t>
+            </a:r>
+            <a:r>
+              <a:rPr kumimoji="0" lang="en-US" altLang="en-US" sz="1600" b="0" i="0" u="none" strike="noStrike" cap="none" normalizeH="0" baseline="0" dirty="0">
+                <a:ln>
+                  <a:noFill/>
+                </a:ln>
+                <a:solidFill>
+                  <a:srgbClr val="000000"/>
+                </a:solidFill>
+                <a:effectLst/>
+                <a:latin typeface="Courier New" panose="02070309020205020404" pitchFamily="49" charset="0"/>
+                <a:cs typeface="Courier New" panose="02070309020205020404" pitchFamily="49" charset="0"/>
+              </a:rPr>
+              <a:t>create(</a:t>
+            </a:r>
+            <a:r>
+              <a:rPr kumimoji="0" lang="en-US" altLang="en-US" sz="1600" b="0" i="0" u="none" strike="noStrike" cap="none" normalizeH="0" baseline="0" dirty="0" err="1">
+                <a:ln>
+                  <a:noFill/>
+                </a:ln>
+                <a:solidFill>
+                  <a:srgbClr val="000000"/>
+                </a:solidFill>
+                <a:effectLst/>
+                <a:latin typeface="Courier New" panose="02070309020205020404" pitchFamily="49" charset="0"/>
+                <a:cs typeface="Courier New" panose="02070309020205020404" pitchFamily="49" charset="0"/>
+              </a:rPr>
+              <a:t>PeopleTable</a:t>
+            </a:r>
+            <a:r>
+              <a:rPr kumimoji="0" lang="en-US" altLang="en-US" sz="1600" b="0" i="0" u="none" strike="noStrike" cap="none" normalizeH="0" baseline="0" dirty="0">
+                <a:ln>
+                  <a:noFill/>
+                </a:ln>
+                <a:solidFill>
+                  <a:srgbClr val="000000"/>
+                </a:solidFill>
+                <a:effectLst/>
+                <a:latin typeface="Courier New" panose="02070309020205020404" pitchFamily="49" charset="0"/>
+                <a:cs typeface="Courier New" panose="02070309020205020404" pitchFamily="49" charset="0"/>
+              </a:rPr>
+              <a:t> </a:t>
+            </a:r>
+            <a:r>
+              <a:rPr kumimoji="0" lang="en-US" altLang="en-US" sz="1600" b="0" i="0" u="none" strike="noStrike" cap="none" normalizeH="0" baseline="0" dirty="0" err="1">
+                <a:ln>
+                  <a:noFill/>
+                </a:ln>
+                <a:solidFill>
+                  <a:srgbClr val="000000"/>
+                </a:solidFill>
+                <a:effectLst/>
+                <a:latin typeface="Courier New" panose="02070309020205020404" pitchFamily="49" charset="0"/>
+                <a:cs typeface="Courier New" panose="02070309020205020404" pitchFamily="49" charset="0"/>
+              </a:rPr>
+              <a:t>peopleTable</a:t>
+            </a:r>
+            <a:r>
+              <a:rPr kumimoji="0" lang="en-US" altLang="en-US" sz="1600" b="0" i="0" u="none" strike="noStrike" cap="none" normalizeH="0" baseline="0" dirty="0">
+                <a:ln>
+                  <a:noFill/>
+                </a:ln>
+                <a:solidFill>
+                  <a:srgbClr val="000000"/>
+                </a:solidFill>
+                <a:effectLst/>
+                <a:latin typeface="Courier New" panose="02070309020205020404" pitchFamily="49" charset="0"/>
+                <a:cs typeface="Courier New" panose="02070309020205020404" pitchFamily="49" charset="0"/>
+              </a:rPr>
+              <a:t>) {</a:t>
+            </a:r>
+            <a:br>
+              <a:rPr kumimoji="0" lang="en-US" altLang="en-US" sz="1600" b="0" i="0" u="none" strike="noStrike" cap="none" normalizeH="0" baseline="0" dirty="0">
+                <a:ln>
+                  <a:noFill/>
+                </a:ln>
+                <a:solidFill>
+                  <a:srgbClr val="000000"/>
+                </a:solidFill>
+                <a:effectLst/>
+                <a:latin typeface="Courier New" panose="02070309020205020404" pitchFamily="49" charset="0"/>
+                <a:cs typeface="Courier New" panose="02070309020205020404" pitchFamily="49" charset="0"/>
+              </a:rPr>
+            </a:br>
+            <a:r>
+              <a:rPr kumimoji="0" lang="en-US" altLang="en-US" sz="1600" b="0" i="0" u="none" strike="noStrike" cap="none" normalizeH="0" baseline="0" dirty="0">
+                <a:ln>
+                  <a:noFill/>
+                </a:ln>
+                <a:solidFill>
+                  <a:srgbClr val="000000"/>
+                </a:solidFill>
+                <a:effectLst/>
+                <a:latin typeface="Courier New" panose="02070309020205020404" pitchFamily="49" charset="0"/>
+                <a:cs typeface="Courier New" panose="02070309020205020404" pitchFamily="49" charset="0"/>
+              </a:rPr>
+              <a:t>        persist(</a:t>
+            </a:r>
+            <a:r>
+              <a:rPr kumimoji="0" lang="en-US" altLang="en-US" sz="1600" b="0" i="0" u="none" strike="noStrike" cap="none" normalizeH="0" baseline="0" dirty="0" err="1">
+                <a:ln>
+                  <a:noFill/>
+                </a:ln>
+                <a:solidFill>
+                  <a:srgbClr val="000000"/>
+                </a:solidFill>
+                <a:effectLst/>
+                <a:latin typeface="Courier New" panose="02070309020205020404" pitchFamily="49" charset="0"/>
+                <a:cs typeface="Courier New" panose="02070309020205020404" pitchFamily="49" charset="0"/>
+              </a:rPr>
+              <a:t>peopleTable</a:t>
+            </a:r>
+            <a:r>
+              <a:rPr kumimoji="0" lang="en-US" altLang="en-US" sz="1600" b="0" i="0" u="none" strike="noStrike" cap="none" normalizeH="0" baseline="0" dirty="0">
+                <a:ln>
+                  <a:noFill/>
+                </a:ln>
+                <a:solidFill>
+                  <a:srgbClr val="000000"/>
+                </a:solidFill>
+                <a:effectLst/>
+                <a:latin typeface="Courier New" panose="02070309020205020404" pitchFamily="49" charset="0"/>
+                <a:cs typeface="Courier New" panose="02070309020205020404" pitchFamily="49" charset="0"/>
+              </a:rPr>
+              <a:t>);</a:t>
+            </a:r>
+            <a:br>
+              <a:rPr kumimoji="0" lang="en-US" altLang="en-US" sz="1600" b="0" i="0" u="none" strike="noStrike" cap="none" normalizeH="0" baseline="0" dirty="0">
+                <a:ln>
+                  <a:noFill/>
+                </a:ln>
+                <a:solidFill>
+                  <a:srgbClr val="000000"/>
+                </a:solidFill>
+                <a:effectLst/>
+                <a:latin typeface="Courier New" panose="02070309020205020404" pitchFamily="49" charset="0"/>
+                <a:cs typeface="Courier New" panose="02070309020205020404" pitchFamily="49" charset="0"/>
+              </a:rPr>
+            </a:br>
+            <a:r>
+              <a:rPr kumimoji="0" lang="en-US" altLang="en-US" sz="1600" b="0" i="0" u="none" strike="noStrike" cap="none" normalizeH="0" baseline="0" dirty="0">
+                <a:ln>
+                  <a:noFill/>
+                </a:ln>
+                <a:solidFill>
+                  <a:srgbClr val="000000"/>
+                </a:solidFill>
+                <a:effectLst/>
+                <a:latin typeface="Courier New" panose="02070309020205020404" pitchFamily="49" charset="0"/>
+                <a:cs typeface="Courier New" panose="02070309020205020404" pitchFamily="49" charset="0"/>
+              </a:rPr>
+              <a:t>    }</a:t>
+            </a:r>
+            <a:br>
+              <a:rPr kumimoji="0" lang="en-US" altLang="en-US" sz="1600" b="0" i="0" u="none" strike="noStrike" cap="none" normalizeH="0" baseline="0" dirty="0">
+                <a:ln>
+                  <a:noFill/>
+                </a:ln>
+                <a:solidFill>
+                  <a:srgbClr val="000000"/>
+                </a:solidFill>
+                <a:effectLst/>
+                <a:latin typeface="Courier New" panose="02070309020205020404" pitchFamily="49" charset="0"/>
+                <a:cs typeface="Courier New" panose="02070309020205020404" pitchFamily="49" charset="0"/>
+              </a:rPr>
+            </a:br>
+            <a:br>
+              <a:rPr kumimoji="0" lang="en-US" altLang="en-US" sz="1600" b="0" i="0" u="none" strike="noStrike" cap="none" normalizeH="0" baseline="0" dirty="0">
+                <a:ln>
+                  <a:noFill/>
+                </a:ln>
+                <a:solidFill>
+                  <a:srgbClr val="000000"/>
+                </a:solidFill>
+                <a:effectLst/>
+                <a:latin typeface="Courier New" panose="02070309020205020404" pitchFamily="49" charset="0"/>
+                <a:cs typeface="Courier New" panose="02070309020205020404" pitchFamily="49" charset="0"/>
+              </a:rPr>
+            </a:br>
+            <a:r>
+              <a:rPr kumimoji="0" lang="en-US" altLang="en-US" sz="1600" b="0" i="0" u="none" strike="noStrike" cap="none" normalizeH="0" baseline="0" dirty="0">
+                <a:ln>
+                  <a:noFill/>
+                </a:ln>
+                <a:solidFill>
+                  <a:srgbClr val="000000"/>
+                </a:solidFill>
+                <a:effectLst/>
+                <a:latin typeface="Courier New" panose="02070309020205020404" pitchFamily="49" charset="0"/>
+                <a:cs typeface="Courier New" panose="02070309020205020404" pitchFamily="49" charset="0"/>
+              </a:rPr>
+              <a:t>    </a:t>
+            </a:r>
+            <a:r>
+              <a:rPr kumimoji="0" lang="en-US" altLang="en-US" sz="1600" b="1" i="0" u="none" strike="noStrike" cap="none" normalizeH="0" baseline="0" dirty="0">
+                <a:ln>
+                  <a:noFill/>
+                </a:ln>
+                <a:solidFill>
+                  <a:srgbClr val="000080"/>
+                </a:solidFill>
+                <a:effectLst/>
+                <a:latin typeface="Courier New" panose="02070309020205020404" pitchFamily="49" charset="0"/>
+                <a:cs typeface="Courier New" panose="02070309020205020404" pitchFamily="49" charset="0"/>
+              </a:rPr>
+              <a:t>public </a:t>
+            </a:r>
+            <a:r>
+              <a:rPr kumimoji="0" lang="en-US" altLang="en-US" sz="1600" b="0" i="0" u="none" strike="noStrike" cap="none" normalizeH="0" baseline="0" dirty="0">
+                <a:ln>
+                  <a:noFill/>
+                </a:ln>
+                <a:solidFill>
+                  <a:srgbClr val="000000"/>
+                </a:solidFill>
+                <a:effectLst/>
+                <a:latin typeface="Courier New" panose="02070309020205020404" pitchFamily="49" charset="0"/>
+                <a:cs typeface="Courier New" panose="02070309020205020404" pitchFamily="49" charset="0"/>
+              </a:rPr>
+              <a:t>List&lt;</a:t>
+            </a:r>
+            <a:r>
+              <a:rPr kumimoji="0" lang="en-US" altLang="en-US" sz="1600" b="0" i="0" u="none" strike="noStrike" cap="none" normalizeH="0" baseline="0" dirty="0" err="1">
+                <a:ln>
+                  <a:noFill/>
+                </a:ln>
+                <a:solidFill>
+                  <a:srgbClr val="000000"/>
+                </a:solidFill>
+                <a:effectLst/>
+                <a:latin typeface="Courier New" panose="02070309020205020404" pitchFamily="49" charset="0"/>
+                <a:cs typeface="Courier New" panose="02070309020205020404" pitchFamily="49" charset="0"/>
+              </a:rPr>
+              <a:t>PeopleTable</a:t>
+            </a:r>
+            <a:r>
+              <a:rPr kumimoji="0" lang="en-US" altLang="en-US" sz="1600" b="0" i="0" u="none" strike="noStrike" cap="none" normalizeH="0" baseline="0" dirty="0">
+                <a:ln>
+                  <a:noFill/>
+                </a:ln>
+                <a:solidFill>
+                  <a:srgbClr val="000000"/>
+                </a:solidFill>
+                <a:effectLst/>
+                <a:latin typeface="Courier New" panose="02070309020205020404" pitchFamily="49" charset="0"/>
+                <a:cs typeface="Courier New" panose="02070309020205020404" pitchFamily="49" charset="0"/>
+              </a:rPr>
+              <a:t>&gt; </a:t>
+            </a:r>
+            <a:r>
+              <a:rPr kumimoji="0" lang="en-US" altLang="en-US" sz="1600" b="0" i="0" u="none" strike="noStrike" cap="none" normalizeH="0" baseline="0" dirty="0" err="1">
+                <a:ln>
+                  <a:noFill/>
+                </a:ln>
+                <a:solidFill>
+                  <a:srgbClr val="000000"/>
+                </a:solidFill>
+                <a:effectLst/>
+                <a:latin typeface="Courier New" panose="02070309020205020404" pitchFamily="49" charset="0"/>
+                <a:cs typeface="Courier New" panose="02070309020205020404" pitchFamily="49" charset="0"/>
+              </a:rPr>
+              <a:t>findAll</a:t>
+            </a:r>
+            <a:r>
+              <a:rPr kumimoji="0" lang="en-US" altLang="en-US" sz="1600" b="0" i="0" u="none" strike="noStrike" cap="none" normalizeH="0" baseline="0" dirty="0">
+                <a:ln>
+                  <a:noFill/>
+                </a:ln>
+                <a:solidFill>
+                  <a:srgbClr val="000000"/>
+                </a:solidFill>
+                <a:effectLst/>
+                <a:latin typeface="Courier New" panose="02070309020205020404" pitchFamily="49" charset="0"/>
+                <a:cs typeface="Courier New" panose="02070309020205020404" pitchFamily="49" charset="0"/>
+              </a:rPr>
+              <a:t>() {</a:t>
+            </a:r>
+            <a:br>
+              <a:rPr kumimoji="0" lang="en-US" altLang="en-US" sz="1600" b="0" i="0" u="none" strike="noStrike" cap="none" normalizeH="0" baseline="0" dirty="0">
+                <a:ln>
+                  <a:noFill/>
+                </a:ln>
+                <a:solidFill>
+                  <a:srgbClr val="000000"/>
+                </a:solidFill>
+                <a:effectLst/>
+                <a:latin typeface="Courier New" panose="02070309020205020404" pitchFamily="49" charset="0"/>
+                <a:cs typeface="Courier New" panose="02070309020205020404" pitchFamily="49" charset="0"/>
+              </a:rPr>
+            </a:br>
+            <a:r>
+              <a:rPr kumimoji="0" lang="en-US" altLang="en-US" sz="1600" b="0" i="0" u="none" strike="noStrike" cap="none" normalizeH="0" baseline="0" dirty="0">
+                <a:ln>
+                  <a:noFill/>
+                </a:ln>
+                <a:solidFill>
+                  <a:srgbClr val="000000"/>
+                </a:solidFill>
+                <a:effectLst/>
+                <a:latin typeface="Courier New" panose="02070309020205020404" pitchFamily="49" charset="0"/>
+                <a:cs typeface="Courier New" panose="02070309020205020404" pitchFamily="49" charset="0"/>
+              </a:rPr>
+              <a:t>        </a:t>
+            </a:r>
+            <a:r>
+              <a:rPr kumimoji="0" lang="en-US" altLang="en-US" sz="1600" b="1" i="0" u="none" strike="noStrike" cap="none" normalizeH="0" baseline="0" dirty="0">
+                <a:ln>
+                  <a:noFill/>
+                </a:ln>
+                <a:solidFill>
+                  <a:srgbClr val="000080"/>
+                </a:solidFill>
+                <a:effectLst/>
+                <a:latin typeface="Courier New" panose="02070309020205020404" pitchFamily="49" charset="0"/>
+                <a:cs typeface="Courier New" panose="02070309020205020404" pitchFamily="49" charset="0"/>
+              </a:rPr>
+              <a:t>return </a:t>
+            </a:r>
+            <a:r>
+              <a:rPr kumimoji="0" lang="en-US" altLang="en-US" sz="1600" b="0" i="0" u="none" strike="noStrike" cap="none" normalizeH="0" baseline="0" dirty="0">
+                <a:ln>
+                  <a:noFill/>
+                </a:ln>
+                <a:solidFill>
+                  <a:srgbClr val="000000"/>
+                </a:solidFill>
+                <a:effectLst/>
+                <a:latin typeface="Courier New" panose="02070309020205020404" pitchFamily="49" charset="0"/>
+                <a:cs typeface="Courier New" panose="02070309020205020404" pitchFamily="49" charset="0"/>
+              </a:rPr>
+              <a:t>list(</a:t>
+            </a:r>
+            <a:r>
+              <a:rPr kumimoji="0" lang="en-US" altLang="en-US" sz="1600" b="0" i="0" u="none" strike="noStrike" cap="none" normalizeH="0" baseline="0" dirty="0" err="1">
+                <a:ln>
+                  <a:noFill/>
+                </a:ln>
+                <a:solidFill>
+                  <a:srgbClr val="000000"/>
+                </a:solidFill>
+                <a:effectLst/>
+                <a:latin typeface="Courier New" panose="02070309020205020404" pitchFamily="49" charset="0"/>
+                <a:cs typeface="Courier New" panose="02070309020205020404" pitchFamily="49" charset="0"/>
+              </a:rPr>
+              <a:t>namedQuery</a:t>
+            </a:r>
+            <a:r>
+              <a:rPr kumimoji="0" lang="en-US" altLang="en-US" sz="1600" b="0" i="0" u="none" strike="noStrike" cap="none" normalizeH="0" baseline="0" dirty="0">
+                <a:ln>
+                  <a:noFill/>
+                </a:ln>
+                <a:solidFill>
+                  <a:srgbClr val="000000"/>
+                </a:solidFill>
+                <a:effectLst/>
+                <a:latin typeface="Courier New" panose="02070309020205020404" pitchFamily="49" charset="0"/>
+                <a:cs typeface="Courier New" panose="02070309020205020404" pitchFamily="49" charset="0"/>
+              </a:rPr>
+              <a:t>(</a:t>
+            </a:r>
+            <a:r>
+              <a:rPr kumimoji="0" lang="en-US" altLang="en-US" sz="1600" b="1" i="0" u="none" strike="noStrike" cap="none" normalizeH="0" baseline="0" dirty="0">
+                <a:ln>
+                  <a:noFill/>
+                </a:ln>
+                <a:solidFill>
+                  <a:srgbClr val="008000"/>
+                </a:solidFill>
+                <a:effectLst/>
+                <a:latin typeface="Courier New" panose="02070309020205020404" pitchFamily="49" charset="0"/>
+                <a:cs typeface="Courier New" panose="02070309020205020404" pitchFamily="49" charset="0"/>
+              </a:rPr>
+              <a:t>"</a:t>
+            </a:r>
+            <a:r>
+              <a:rPr kumimoji="0" lang="en-US" altLang="en-US" sz="1600" b="1" i="0" u="none" strike="noStrike" cap="none" normalizeH="0" baseline="0" dirty="0" err="1">
+                <a:ln>
+                  <a:noFill/>
+                </a:ln>
+                <a:solidFill>
+                  <a:srgbClr val="008000"/>
+                </a:solidFill>
+                <a:effectLst/>
+                <a:latin typeface="Courier New" panose="02070309020205020404" pitchFamily="49" charset="0"/>
+                <a:cs typeface="Courier New" panose="02070309020205020404" pitchFamily="49" charset="0"/>
+              </a:rPr>
+              <a:t>com.wiza.representation.PeopleTable.findAll</a:t>
+            </a:r>
+            <a:r>
+              <a:rPr kumimoji="0" lang="en-US" altLang="en-US" sz="1600" b="1" i="0" u="none" strike="noStrike" cap="none" normalizeH="0" baseline="0" dirty="0">
+                <a:ln>
+                  <a:noFill/>
+                </a:ln>
+                <a:solidFill>
+                  <a:srgbClr val="008000"/>
+                </a:solidFill>
+                <a:effectLst/>
+                <a:latin typeface="Courier New" panose="02070309020205020404" pitchFamily="49" charset="0"/>
+                <a:cs typeface="Courier New" panose="02070309020205020404" pitchFamily="49" charset="0"/>
+              </a:rPr>
+              <a:t>"</a:t>
+            </a:r>
+            <a:r>
+              <a:rPr kumimoji="0" lang="en-US" altLang="en-US" sz="1600" b="0" i="0" u="none" strike="noStrike" cap="none" normalizeH="0" baseline="0" dirty="0">
+                <a:ln>
+                  <a:noFill/>
+                </a:ln>
+                <a:solidFill>
+                  <a:srgbClr val="000000"/>
+                </a:solidFill>
+                <a:effectLst/>
+                <a:latin typeface="Courier New" panose="02070309020205020404" pitchFamily="49" charset="0"/>
+                <a:cs typeface="Courier New" panose="02070309020205020404" pitchFamily="49" charset="0"/>
+              </a:rPr>
+              <a:t>));</a:t>
+            </a:r>
+            <a:br>
+              <a:rPr kumimoji="0" lang="en-US" altLang="en-US" sz="1600" b="0" i="0" u="none" strike="noStrike" cap="none" normalizeH="0" baseline="0" dirty="0">
+                <a:ln>
+                  <a:noFill/>
+                </a:ln>
+                <a:solidFill>
+                  <a:srgbClr val="000000"/>
+                </a:solidFill>
+                <a:effectLst/>
+                <a:latin typeface="Courier New" panose="02070309020205020404" pitchFamily="49" charset="0"/>
+                <a:cs typeface="Courier New" panose="02070309020205020404" pitchFamily="49" charset="0"/>
+              </a:rPr>
+            </a:br>
+            <a:r>
+              <a:rPr kumimoji="0" lang="en-US" altLang="en-US" sz="1600" b="0" i="0" u="none" strike="noStrike" cap="none" normalizeH="0" baseline="0" dirty="0">
+                <a:ln>
+                  <a:noFill/>
+                </a:ln>
+                <a:solidFill>
+                  <a:srgbClr val="000000"/>
+                </a:solidFill>
+                <a:effectLst/>
+                <a:latin typeface="Courier New" panose="02070309020205020404" pitchFamily="49" charset="0"/>
+                <a:cs typeface="Courier New" panose="02070309020205020404" pitchFamily="49" charset="0"/>
+              </a:rPr>
+              <a:t>    }</a:t>
+            </a:r>
+            <a:br>
+              <a:rPr kumimoji="0" lang="en-US" altLang="en-US" sz="1600" b="0" i="0" u="none" strike="noStrike" cap="none" normalizeH="0" baseline="0" dirty="0">
+                <a:ln>
+                  <a:noFill/>
+                </a:ln>
+                <a:solidFill>
+                  <a:srgbClr val="000000"/>
+                </a:solidFill>
+                <a:effectLst/>
+                <a:latin typeface="Courier New" panose="02070309020205020404" pitchFamily="49" charset="0"/>
+                <a:cs typeface="Courier New" panose="02070309020205020404" pitchFamily="49" charset="0"/>
+              </a:rPr>
+            </a:br>
+            <a:r>
+              <a:rPr kumimoji="0" lang="en-US" altLang="en-US" sz="1600" b="0" i="0" u="none" strike="noStrike" cap="none" normalizeH="0" baseline="0" dirty="0">
+                <a:ln>
+                  <a:noFill/>
+                </a:ln>
+                <a:solidFill>
+                  <a:srgbClr val="000000"/>
+                </a:solidFill>
+                <a:effectLst/>
+                <a:latin typeface="Courier New" panose="02070309020205020404" pitchFamily="49" charset="0"/>
+                <a:cs typeface="Courier New" panose="02070309020205020404" pitchFamily="49" charset="0"/>
+              </a:rPr>
+              <a:t>}</a:t>
+            </a:r>
+            <a:endParaRPr kumimoji="0" lang="en-US" altLang="en-US" sz="1600" b="0" i="0" u="none" strike="noStrike" cap="none" normalizeH="0" baseline="0" dirty="0">
+              <a:ln>
+                <a:noFill/>
+              </a:ln>
+              <a:solidFill>
+                <a:schemeClr val="tx1"/>
+              </a:solidFill>
+              <a:effectLst/>
+              <a:latin typeface="Arial" panose="020B0604020202020204" pitchFamily="34" charset="0"/>
+            </a:endParaRPr>
+          </a:p>
+        </p:txBody>
+      </p:sp>
+      <p:sp>
+        <p:nvSpPr>
+          <p:cNvPr id="4" name="Title 1">
+            <a:extLst>
+              <a:ext uri="{FF2B5EF4-FFF2-40B4-BE49-F238E27FC236}">
+                <a16:creationId xmlns:a16="http://schemas.microsoft.com/office/drawing/2014/main" id="{C37E7C6C-0524-4591-906B-69E05C42DD19}"/>
+              </a:ext>
+            </a:extLst>
+          </p:cNvPr>
+          <p:cNvSpPr txBox="1">
+            <a:spLocks/>
+          </p:cNvSpPr>
+          <p:nvPr/>
+        </p:nvSpPr>
+        <p:spPr>
+          <a:xfrm>
+            <a:off x="8582891" y="0"/>
+            <a:ext cx="3207616" cy="592282"/>
+          </a:xfrm>
+          <a:prstGeom prst="rect">
+            <a:avLst/>
+          </a:prstGeom>
+          <a:effectLst/>
+        </p:spPr>
+        <p:txBody>
+          <a:bodyPr vert="horz" lIns="91440" tIns="45720" rIns="91440" bIns="45720" rtlCol="0" anchor="ctr">
+            <a:normAutofit fontScale="97500" lnSpcReduction="10000"/>
+          </a:bodyPr>
+          <a:lstStyle>
+            <a:lvl1pPr algn="l" defTabSz="457200" rtl="0" eaLnBrk="1" latinLnBrk="0" hangingPunct="1">
+              <a:spcBef>
+                <a:spcPct val="0"/>
+              </a:spcBef>
+              <a:buNone/>
+              <a:defRPr sz="3600" kern="1200" cap="all">
+                <a:ln w="3175" cmpd="sng">
+                  <a:noFill/>
+                </a:ln>
+                <a:solidFill>
+                  <a:schemeClr val="tx1"/>
+                </a:solidFill>
+                <a:effectLst/>
+                <a:latin typeface="+mj-lt"/>
+                <a:ea typeface="+mj-ea"/>
+                <a:cs typeface="+mj-cs"/>
+              </a:defRPr>
+            </a:lvl1pPr>
+            <a:lvl2pPr eaLnBrk="1" hangingPunct="1">
+              <a:defRPr>
+                <a:solidFill>
+                  <a:schemeClr val="tx2"/>
+                </a:solidFill>
+              </a:defRPr>
+            </a:lvl2pPr>
+            <a:lvl3pPr eaLnBrk="1" hangingPunct="1">
+              <a:defRPr>
+                <a:solidFill>
+                  <a:schemeClr val="tx2"/>
+                </a:solidFill>
+              </a:defRPr>
+            </a:lvl3pPr>
+            <a:lvl4pPr eaLnBrk="1" hangingPunct="1">
+              <a:defRPr>
+                <a:solidFill>
+                  <a:schemeClr val="tx2"/>
+                </a:solidFill>
+              </a:defRPr>
+            </a:lvl4pPr>
+            <a:lvl5pPr eaLnBrk="1" hangingPunct="1">
+              <a:defRPr>
+                <a:solidFill>
+                  <a:schemeClr val="tx2"/>
+                </a:solidFill>
+              </a:defRPr>
+            </a:lvl5pPr>
+            <a:lvl6pPr eaLnBrk="1" hangingPunct="1">
+              <a:defRPr>
+                <a:solidFill>
+                  <a:schemeClr val="tx2"/>
+                </a:solidFill>
+              </a:defRPr>
+            </a:lvl6pPr>
+            <a:lvl7pPr eaLnBrk="1" hangingPunct="1">
+              <a:defRPr>
+                <a:solidFill>
+                  <a:schemeClr val="tx2"/>
+                </a:solidFill>
+              </a:defRPr>
+            </a:lvl7pPr>
+            <a:lvl8pPr eaLnBrk="1" hangingPunct="1">
+              <a:defRPr>
+                <a:solidFill>
+                  <a:schemeClr val="tx2"/>
+                </a:solidFill>
+              </a:defRPr>
+            </a:lvl8pPr>
+            <a:lvl9pPr eaLnBrk="1" hangingPunct="1">
+              <a:defRPr>
+                <a:solidFill>
+                  <a:schemeClr val="tx2"/>
+                </a:solidFill>
+              </a:defRPr>
+            </a:lvl9pPr>
+          </a:lstStyle>
+          <a:p>
+            <a:r>
+              <a:rPr lang="en-US" dirty="0"/>
+              <a:t>DAO (JDBI)                                                                 </a:t>
+            </a:r>
+          </a:p>
+        </p:txBody>
+      </p:sp>
+      <p:sp>
+        <p:nvSpPr>
+          <p:cNvPr id="5" name="Rectangle 2">
+            <a:extLst>
+              <a:ext uri="{FF2B5EF4-FFF2-40B4-BE49-F238E27FC236}">
+                <a16:creationId xmlns:a16="http://schemas.microsoft.com/office/drawing/2014/main" id="{196F0625-68EB-4004-9339-866D81284C6E}"/>
+              </a:ext>
+            </a:extLst>
+          </p:cNvPr>
+          <p:cNvSpPr>
+            <a:spLocks noChangeArrowheads="1"/>
+          </p:cNvSpPr>
+          <p:nvPr/>
+        </p:nvSpPr>
+        <p:spPr bwMode="auto">
+          <a:xfrm>
+            <a:off x="6831879" y="961615"/>
+            <a:ext cx="5178136" cy="2062103"/>
+          </a:xfrm>
+          <a:prstGeom prst="rect">
+            <a:avLst/>
+          </a:prstGeom>
+          <a:solidFill>
+            <a:srgbClr val="FFFFFF"/>
+          </a:solidFill>
+          <a:ln>
+            <a:noFill/>
+          </a:ln>
+          <a:effectLst/>
+          <a:extLst>
+            <a:ext uri="{91240B29-F687-4F45-9708-019B960494DF}">
+              <a14:hiddenLine xmlns:a14="http://schemas.microsoft.com/office/drawing/2010/main" w="9525">
+                <a:solidFill>
+                  <a:schemeClr val="tx1"/>
+                </a:solidFill>
+                <a:miter lim="800000"/>
+                <a:headEnd/>
+                <a:tailEnd/>
+              </a14:hiddenLine>
+            </a:ext>
+            <a:ext uri="{AF507438-7753-43E0-B8FC-AC1667EBCBE1}">
+              <a14:hiddenEffects xmlns:a14="http://schemas.microsoft.com/office/drawing/2010/main">
+                <a:effectLst>
+                  <a:outerShdw dist="35921" dir="2700000" algn="ctr" rotWithShape="0">
+                    <a:schemeClr val="bg2"/>
+                  </a:outerShdw>
+                </a:effectLst>
+              </a14:hiddenEffects>
+            </a:ext>
+          </a:extLst>
+        </p:spPr>
+        <p:txBody>
+          <a:bodyPr vert="horz" wrap="square" lIns="91440" tIns="45720" rIns="91440" bIns="45720" numCol="1" anchor="ctr" anchorCtr="0" compatLnSpc="1">
+            <a:prstTxWarp prst="textNoShape">
+              <a:avLst/>
+            </a:prstTxWarp>
+            <a:spAutoFit/>
+          </a:bodyPr>
+          <a:lstStyle/>
+          <a:p>
+            <a:pPr marL="0" marR="0" lvl="0" indent="0" algn="l" defTabSz="914400" rtl="0" eaLnBrk="0" fontAlgn="base" latinLnBrk="0" hangingPunct="0">
+              <a:lnSpc>
+                <a:spcPct val="100000"/>
+              </a:lnSpc>
+              <a:spcBef>
+                <a:spcPct val="0"/>
+              </a:spcBef>
+              <a:spcAft>
+                <a:spcPct val="0"/>
+              </a:spcAft>
+              <a:buClrTx/>
+              <a:buSzTx/>
+              <a:buFontTx/>
+              <a:buNone/>
+              <a:tabLst/>
+            </a:pPr>
+            <a:r>
+              <a:rPr kumimoji="0" lang="en-US" altLang="en-US" sz="1600" b="1" i="0" u="none" strike="noStrike" cap="none" normalizeH="0" baseline="0" dirty="0">
+                <a:ln>
+                  <a:noFill/>
+                </a:ln>
+                <a:solidFill>
+                  <a:srgbClr val="000080"/>
+                </a:solidFill>
+                <a:effectLst/>
+                <a:latin typeface="Courier New" panose="02070309020205020404" pitchFamily="49" charset="0"/>
+                <a:cs typeface="Courier New" panose="02070309020205020404" pitchFamily="49" charset="0"/>
+              </a:rPr>
+              <a:t>public interface </a:t>
+            </a:r>
+            <a:r>
+              <a:rPr kumimoji="0" lang="en-US" altLang="en-US" sz="1600" b="0" i="0" u="none" strike="noStrike" cap="none" normalizeH="0" baseline="0" dirty="0" err="1">
+                <a:ln>
+                  <a:noFill/>
+                </a:ln>
+                <a:solidFill>
+                  <a:srgbClr val="000000"/>
+                </a:solidFill>
+                <a:effectLst/>
+                <a:latin typeface="Courier New" panose="02070309020205020404" pitchFamily="49" charset="0"/>
+                <a:cs typeface="Courier New" panose="02070309020205020404" pitchFamily="49" charset="0"/>
+              </a:rPr>
+              <a:t>UserDAO</a:t>
+            </a:r>
+            <a:r>
+              <a:rPr kumimoji="0" lang="en-US" altLang="en-US" sz="1600" b="0" i="0" u="none" strike="noStrike" cap="none" normalizeH="0" baseline="0" dirty="0">
+                <a:ln>
+                  <a:noFill/>
+                </a:ln>
+                <a:solidFill>
+                  <a:srgbClr val="000000"/>
+                </a:solidFill>
+                <a:effectLst/>
+                <a:latin typeface="Courier New" panose="02070309020205020404" pitchFamily="49" charset="0"/>
+                <a:cs typeface="Courier New" panose="02070309020205020404" pitchFamily="49" charset="0"/>
+              </a:rPr>
+              <a:t> {</a:t>
+            </a:r>
+            <a:br>
+              <a:rPr kumimoji="0" lang="en-US" altLang="en-US" sz="1600" b="0" i="0" u="none" strike="noStrike" cap="none" normalizeH="0" baseline="0" dirty="0">
+                <a:ln>
+                  <a:noFill/>
+                </a:ln>
+                <a:solidFill>
+                  <a:srgbClr val="000000"/>
+                </a:solidFill>
+                <a:effectLst/>
+                <a:latin typeface="Courier New" panose="02070309020205020404" pitchFamily="49" charset="0"/>
+                <a:cs typeface="Courier New" panose="02070309020205020404" pitchFamily="49" charset="0"/>
+              </a:rPr>
+            </a:br>
+            <a:r>
+              <a:rPr kumimoji="0" lang="en-US" altLang="en-US" sz="1600" b="0" i="0" u="none" strike="noStrike" cap="none" normalizeH="0" baseline="0" dirty="0">
+                <a:ln>
+                  <a:noFill/>
+                </a:ln>
+                <a:solidFill>
+                  <a:srgbClr val="000000"/>
+                </a:solidFill>
+                <a:effectLst/>
+                <a:latin typeface="Courier New" panose="02070309020205020404" pitchFamily="49" charset="0"/>
+                <a:cs typeface="Courier New" panose="02070309020205020404" pitchFamily="49" charset="0"/>
+              </a:rPr>
+              <a:t>    </a:t>
+            </a:r>
+            <a:r>
+              <a:rPr kumimoji="0" lang="en-US" altLang="en-US" sz="1600" b="0" i="0" u="none" strike="noStrike" cap="none" normalizeH="0" baseline="0" dirty="0">
+                <a:ln>
+                  <a:noFill/>
+                </a:ln>
+                <a:solidFill>
+                  <a:srgbClr val="808000"/>
+                </a:solidFill>
+                <a:effectLst/>
+                <a:latin typeface="Courier New" panose="02070309020205020404" pitchFamily="49" charset="0"/>
+                <a:cs typeface="Courier New" panose="02070309020205020404" pitchFamily="49" charset="0"/>
+              </a:rPr>
+              <a:t>@</a:t>
+            </a:r>
+            <a:r>
+              <a:rPr kumimoji="0" lang="en-US" altLang="en-US" sz="1600" b="0" i="0" u="none" strike="noStrike" cap="none" normalizeH="0" baseline="0" dirty="0" err="1">
+                <a:ln>
+                  <a:noFill/>
+                </a:ln>
+                <a:solidFill>
+                  <a:srgbClr val="808000"/>
+                </a:solidFill>
+                <a:effectLst/>
+                <a:latin typeface="Courier New" panose="02070309020205020404" pitchFamily="49" charset="0"/>
+                <a:cs typeface="Courier New" panose="02070309020205020404" pitchFamily="49" charset="0"/>
+              </a:rPr>
+              <a:t>SqlQuery</a:t>
+            </a:r>
+            <a:r>
+              <a:rPr kumimoji="0" lang="en-US" altLang="en-US" sz="1600" b="0" i="0" u="none" strike="noStrike" cap="none" normalizeH="0" baseline="0" dirty="0">
+                <a:ln>
+                  <a:noFill/>
+                </a:ln>
+                <a:solidFill>
+                  <a:srgbClr val="000000"/>
+                </a:solidFill>
+                <a:effectLst/>
+                <a:latin typeface="Courier New" panose="02070309020205020404" pitchFamily="49" charset="0"/>
+                <a:cs typeface="Courier New" panose="02070309020205020404" pitchFamily="49" charset="0"/>
+              </a:rPr>
+              <a:t>(</a:t>
+            </a:r>
+            <a:r>
+              <a:rPr kumimoji="0" lang="en-US" altLang="en-US" sz="1600" b="1" i="0" u="none" strike="noStrike" cap="none" normalizeH="0" baseline="0" dirty="0">
+                <a:ln>
+                  <a:noFill/>
+                </a:ln>
+                <a:solidFill>
+                  <a:srgbClr val="008000"/>
+                </a:solidFill>
+                <a:effectLst/>
+                <a:latin typeface="Courier New" panose="02070309020205020404" pitchFamily="49" charset="0"/>
+                <a:cs typeface="Courier New" panose="02070309020205020404" pitchFamily="49" charset="0"/>
+              </a:rPr>
+              <a:t>"select id from </a:t>
+            </a:r>
+            <a:r>
+              <a:rPr kumimoji="0" lang="en-US" altLang="en-US" sz="1600" b="1" i="0" u="none" strike="noStrike" cap="none" normalizeH="0" baseline="0" dirty="0" err="1">
+                <a:ln>
+                  <a:noFill/>
+                </a:ln>
+                <a:solidFill>
+                  <a:srgbClr val="008000"/>
+                </a:solidFill>
+                <a:effectLst/>
+                <a:latin typeface="Courier New" panose="02070309020205020404" pitchFamily="49" charset="0"/>
+                <a:cs typeface="Courier New" panose="02070309020205020404" pitchFamily="49" charset="0"/>
+              </a:rPr>
+              <a:t>user_info</a:t>
+            </a:r>
+            <a:r>
+              <a:rPr kumimoji="0" lang="en-US" altLang="en-US" sz="1600" b="1" i="0" u="none" strike="noStrike" cap="none" normalizeH="0" baseline="0" dirty="0">
+                <a:ln>
+                  <a:noFill/>
+                </a:ln>
+                <a:solidFill>
+                  <a:srgbClr val="008000"/>
+                </a:solidFill>
+                <a:effectLst/>
+                <a:latin typeface="Courier New" panose="02070309020205020404" pitchFamily="49" charset="0"/>
+                <a:cs typeface="Courier New" panose="02070309020205020404" pitchFamily="49" charset="0"/>
+              </a:rPr>
+              <a:t> where </a:t>
+            </a:r>
+            <a:r>
+              <a:rPr kumimoji="0" lang="en-US" altLang="en-US" sz="1600" b="1" i="0" u="none" strike="noStrike" cap="none" normalizeH="0" baseline="0" dirty="0" err="1">
+                <a:ln>
+                  <a:noFill/>
+                </a:ln>
+                <a:solidFill>
+                  <a:srgbClr val="008000"/>
+                </a:solidFill>
+                <a:effectLst/>
+                <a:latin typeface="Courier New" panose="02070309020205020404" pitchFamily="49" charset="0"/>
+                <a:cs typeface="Courier New" panose="02070309020205020404" pitchFamily="49" charset="0"/>
+              </a:rPr>
+              <a:t>user_email</a:t>
+            </a:r>
+            <a:r>
+              <a:rPr kumimoji="0" lang="en-US" altLang="en-US" sz="1600" b="1" i="0" u="none" strike="noStrike" cap="none" normalizeH="0" baseline="0" dirty="0">
+                <a:ln>
+                  <a:noFill/>
+                </a:ln>
+                <a:solidFill>
+                  <a:srgbClr val="008000"/>
+                </a:solidFill>
+                <a:effectLst/>
+                <a:latin typeface="Courier New" panose="02070309020205020404" pitchFamily="49" charset="0"/>
+                <a:cs typeface="Courier New" panose="02070309020205020404" pitchFamily="49" charset="0"/>
+              </a:rPr>
+              <a:t> = :email"</a:t>
+            </a:r>
+            <a:r>
+              <a:rPr kumimoji="0" lang="en-US" altLang="en-US" sz="1600" b="0" i="0" u="none" strike="noStrike" cap="none" normalizeH="0" baseline="0" dirty="0">
+                <a:ln>
+                  <a:noFill/>
+                </a:ln>
+                <a:solidFill>
+                  <a:srgbClr val="000000"/>
+                </a:solidFill>
+                <a:effectLst/>
+                <a:latin typeface="Courier New" panose="02070309020205020404" pitchFamily="49" charset="0"/>
+                <a:cs typeface="Courier New" panose="02070309020205020404" pitchFamily="49" charset="0"/>
+              </a:rPr>
+              <a:t>)</a:t>
+            </a:r>
+            <a:br>
+              <a:rPr kumimoji="0" lang="en-US" altLang="en-US" sz="1600" b="0" i="0" u="none" strike="noStrike" cap="none" normalizeH="0" baseline="0" dirty="0">
+                <a:ln>
+                  <a:noFill/>
+                </a:ln>
+                <a:solidFill>
+                  <a:srgbClr val="000000"/>
+                </a:solidFill>
+                <a:effectLst/>
+                <a:latin typeface="Courier New" panose="02070309020205020404" pitchFamily="49" charset="0"/>
+                <a:cs typeface="Courier New" panose="02070309020205020404" pitchFamily="49" charset="0"/>
+              </a:rPr>
+            </a:br>
+            <a:r>
+              <a:rPr kumimoji="0" lang="en-US" altLang="en-US" sz="1600" b="0" i="0" u="none" strike="noStrike" cap="none" normalizeH="0" baseline="0" dirty="0">
+                <a:ln>
+                  <a:noFill/>
+                </a:ln>
+                <a:solidFill>
+                  <a:srgbClr val="000000"/>
+                </a:solidFill>
+                <a:effectLst/>
+                <a:latin typeface="Courier New" panose="02070309020205020404" pitchFamily="49" charset="0"/>
+                <a:cs typeface="Courier New" panose="02070309020205020404" pitchFamily="49" charset="0"/>
+              </a:rPr>
+              <a:t>    Integer </a:t>
+            </a:r>
+            <a:r>
+              <a:rPr kumimoji="0" lang="en-US" altLang="en-US" sz="1600" b="0" i="0" u="none" strike="noStrike" cap="none" normalizeH="0" baseline="0" dirty="0" err="1">
+                <a:ln>
+                  <a:noFill/>
+                </a:ln>
+                <a:solidFill>
+                  <a:srgbClr val="000000"/>
+                </a:solidFill>
+                <a:effectLst/>
+                <a:latin typeface="Courier New" panose="02070309020205020404" pitchFamily="49" charset="0"/>
+                <a:cs typeface="Courier New" panose="02070309020205020404" pitchFamily="49" charset="0"/>
+              </a:rPr>
+              <a:t>getUserIdByEmail</a:t>
+            </a:r>
+            <a:r>
+              <a:rPr kumimoji="0" lang="en-US" altLang="en-US" sz="1600" b="0" i="0" u="none" strike="noStrike" cap="none" normalizeH="0" baseline="0" dirty="0">
+                <a:ln>
+                  <a:noFill/>
+                </a:ln>
+                <a:solidFill>
+                  <a:srgbClr val="000000"/>
+                </a:solidFill>
+                <a:effectLst/>
+                <a:latin typeface="Courier New" panose="02070309020205020404" pitchFamily="49" charset="0"/>
+                <a:cs typeface="Courier New" panose="02070309020205020404" pitchFamily="49" charset="0"/>
+              </a:rPr>
+              <a:t>(</a:t>
+            </a:r>
+            <a:r>
+              <a:rPr kumimoji="0" lang="en-US" altLang="en-US" sz="1600" b="0" i="0" u="none" strike="noStrike" cap="none" normalizeH="0" baseline="0" dirty="0">
+                <a:ln>
+                  <a:noFill/>
+                </a:ln>
+                <a:solidFill>
+                  <a:srgbClr val="808000"/>
+                </a:solidFill>
+                <a:effectLst/>
+                <a:latin typeface="Courier New" panose="02070309020205020404" pitchFamily="49" charset="0"/>
+                <a:cs typeface="Courier New" panose="02070309020205020404" pitchFamily="49" charset="0"/>
+              </a:rPr>
+              <a:t>@Bind</a:t>
+            </a:r>
+            <a:r>
+              <a:rPr kumimoji="0" lang="en-US" altLang="en-US" sz="1600" b="0" i="0" u="none" strike="noStrike" cap="none" normalizeH="0" baseline="0" dirty="0">
+                <a:ln>
+                  <a:noFill/>
+                </a:ln>
+                <a:solidFill>
+                  <a:srgbClr val="000000"/>
+                </a:solidFill>
+                <a:effectLst/>
+                <a:latin typeface="Courier New" panose="02070309020205020404" pitchFamily="49" charset="0"/>
+                <a:cs typeface="Courier New" panose="02070309020205020404" pitchFamily="49" charset="0"/>
+              </a:rPr>
+              <a:t>(</a:t>
+            </a:r>
+            <a:r>
+              <a:rPr kumimoji="0" lang="en-US" altLang="en-US" sz="1600" b="1" i="0" u="none" strike="noStrike" cap="none" normalizeH="0" baseline="0" dirty="0">
+                <a:ln>
+                  <a:noFill/>
+                </a:ln>
+                <a:solidFill>
+                  <a:srgbClr val="008000"/>
+                </a:solidFill>
+                <a:effectLst/>
+                <a:latin typeface="Courier New" panose="02070309020205020404" pitchFamily="49" charset="0"/>
+                <a:cs typeface="Courier New" panose="02070309020205020404" pitchFamily="49" charset="0"/>
+              </a:rPr>
+              <a:t>"email"</a:t>
+            </a:r>
+            <a:r>
+              <a:rPr kumimoji="0" lang="en-US" altLang="en-US" sz="1600" b="0" i="0" u="none" strike="noStrike" cap="none" normalizeH="0" baseline="0" dirty="0">
+                <a:ln>
+                  <a:noFill/>
+                </a:ln>
+                <a:solidFill>
+                  <a:srgbClr val="000000"/>
+                </a:solidFill>
+                <a:effectLst/>
+                <a:latin typeface="Courier New" panose="02070309020205020404" pitchFamily="49" charset="0"/>
+                <a:cs typeface="Courier New" panose="02070309020205020404" pitchFamily="49" charset="0"/>
+              </a:rPr>
+              <a:t>) String email);</a:t>
+            </a:r>
+            <a:br>
+              <a:rPr kumimoji="0" lang="en-US" altLang="en-US" sz="1600" b="0" i="0" u="none" strike="noStrike" cap="none" normalizeH="0" baseline="0" dirty="0">
+                <a:ln>
+                  <a:noFill/>
+                </a:ln>
+                <a:solidFill>
+                  <a:srgbClr val="000000"/>
+                </a:solidFill>
+                <a:effectLst/>
+                <a:latin typeface="Courier New" panose="02070309020205020404" pitchFamily="49" charset="0"/>
+                <a:cs typeface="Courier New" panose="02070309020205020404" pitchFamily="49" charset="0"/>
+              </a:rPr>
+            </a:br>
+            <a:r>
+              <a:rPr kumimoji="0" lang="en-US" altLang="en-US" sz="1600" b="0" i="0" u="none" strike="noStrike" cap="none" normalizeH="0" baseline="0" dirty="0">
+                <a:ln>
+                  <a:noFill/>
+                </a:ln>
+                <a:solidFill>
+                  <a:srgbClr val="000000"/>
+                </a:solidFill>
+                <a:effectLst/>
+                <a:latin typeface="Courier New" panose="02070309020205020404" pitchFamily="49" charset="0"/>
+                <a:cs typeface="Courier New" panose="02070309020205020404" pitchFamily="49" charset="0"/>
+              </a:rPr>
+              <a:t>}</a:t>
+            </a:r>
+            <a:br>
+              <a:rPr kumimoji="0" lang="en-US" altLang="en-US" sz="1600" b="0" i="0" u="none" strike="noStrike" cap="none" normalizeH="0" baseline="0" dirty="0">
+                <a:ln>
+                  <a:noFill/>
+                </a:ln>
+                <a:solidFill>
+                  <a:srgbClr val="000000"/>
+                </a:solidFill>
+                <a:effectLst/>
+                <a:latin typeface="Courier New" panose="02070309020205020404" pitchFamily="49" charset="0"/>
+                <a:cs typeface="Courier New" panose="02070309020205020404" pitchFamily="49" charset="0"/>
+              </a:rPr>
+            </a:br>
+            <a:endParaRPr kumimoji="0" lang="en-US" altLang="en-US" sz="1600" b="0" i="0" u="none" strike="noStrike" cap="none" normalizeH="0" baseline="0" dirty="0">
+              <a:ln>
+                <a:noFill/>
+              </a:ln>
+              <a:solidFill>
+                <a:schemeClr val="tx1"/>
+              </a:solidFill>
+              <a:effectLst/>
+              <a:latin typeface="Arial" panose="020B0604020202020204" pitchFamily="34" charset="0"/>
+            </a:endParaRPr>
+          </a:p>
+        </p:txBody>
+      </p:sp>
+    </p:spTree>
+    <p:extLst>
+      <p:ext uri="{BB962C8B-B14F-4D97-AF65-F5344CB8AC3E}">
+        <p14:creationId xmlns:p14="http://schemas.microsoft.com/office/powerpoint/2010/main" val="1261559890"/>
+      </p:ext>
+    </p:extLst>
+  </p:cSld>
+  <p:clrMapOvr>
+    <a:masterClrMapping/>
+  </p:clrMapOvr>
+</p:sld>
+</file>
+
+<file path=ppt/slides/slide19.xml><?xml version="1.0" encoding="utf-8"?>
+<p:sld xmlns:a="http://schemas.openxmlformats.org/drawingml/2006/main" xmlns:r="http://schemas.openxmlformats.org/officeDocument/2006/relationships" xmlns:p="http://schemas.openxmlformats.org/presentationml/2006/main">
+  <p:cSld>
+    <p:spTree>
+      <p:nvGrpSpPr>
+        <p:cNvPr id="1" name=""/>
+        <p:cNvGrpSpPr/>
+        <p:nvPr/>
+      </p:nvGrpSpPr>
+      <p:grpSpPr>
+        <a:xfrm>
+          <a:off x="0" y="0"/>
+          <a:ext cx="0" cy="0"/>
+          <a:chOff x="0" y="0"/>
+          <a:chExt cx="0" cy="0"/>
+        </a:xfrm>
+      </p:grpSpPr>
+      <p:sp>
+        <p:nvSpPr>
+          <p:cNvPr id="2" name="Title 1">
+            <a:extLst>
+              <a:ext uri="{FF2B5EF4-FFF2-40B4-BE49-F238E27FC236}">
+                <a16:creationId xmlns:a16="http://schemas.microsoft.com/office/drawing/2014/main" id="{30664C07-E536-4F12-9397-097E477759A9}"/>
+              </a:ext>
+            </a:extLst>
+          </p:cNvPr>
+          <p:cNvSpPr>
+            <a:spLocks noGrp="1"/>
+          </p:cNvSpPr>
+          <p:nvPr>
+            <p:ph type="title"/>
+          </p:nvPr>
+        </p:nvSpPr>
+        <p:spPr>
+          <a:xfrm>
+            <a:off x="0" y="1"/>
+            <a:ext cx="10131425" cy="550718"/>
+          </a:xfrm>
+        </p:spPr>
+        <p:txBody>
+          <a:bodyPr>
+            <a:normAutofit fontScale="90000"/>
+          </a:bodyPr>
+          <a:lstStyle/>
+          <a:p>
+            <a:r>
+              <a:rPr lang="en-US" dirty="0"/>
+              <a:t>Resource classes (controller)</a:t>
+            </a:r>
+          </a:p>
+        </p:txBody>
+      </p:sp>
+      <p:sp>
+        <p:nvSpPr>
+          <p:cNvPr id="3" name="TextBox 2">
+            <a:extLst>
+              <a:ext uri="{FF2B5EF4-FFF2-40B4-BE49-F238E27FC236}">
+                <a16:creationId xmlns:a16="http://schemas.microsoft.com/office/drawing/2014/main" id="{9C67A03C-119A-4D75-A1E5-02886821A87A}"/>
+              </a:ext>
+            </a:extLst>
+          </p:cNvPr>
+          <p:cNvSpPr txBox="1"/>
+          <p:nvPr/>
+        </p:nvSpPr>
+        <p:spPr>
+          <a:xfrm>
+            <a:off x="0" y="841663"/>
+            <a:ext cx="5621482" cy="1200329"/>
+          </a:xfrm>
+          <a:prstGeom prst="rect">
+            <a:avLst/>
+          </a:prstGeom>
+          <a:noFill/>
+        </p:spPr>
+        <p:txBody>
+          <a:bodyPr wrap="square" rtlCol="0">
+            <a:spAutoFit/>
+          </a:bodyPr>
+          <a:lstStyle/>
+          <a:p>
+            <a:r>
+              <a:rPr lang="en-US" dirty="0"/>
+              <a:t>Supports JAX-RS, @GET, @POST, @</a:t>
+            </a:r>
+            <a:r>
+              <a:rPr lang="en-US" dirty="0" err="1"/>
+              <a:t>UnitOfWork</a:t>
+            </a:r>
+            <a:r>
+              <a:rPr lang="en-US" dirty="0"/>
+              <a:t>, @Path </a:t>
+            </a:r>
+            <a:r>
+              <a:rPr lang="en-US" dirty="0" err="1"/>
+              <a:t>Dropwizard</a:t>
+            </a:r>
+            <a:r>
+              <a:rPr lang="en-US" dirty="0"/>
+              <a:t> adds some additional features:</a:t>
+            </a:r>
+          </a:p>
+          <a:p>
+            <a:pPr marL="285750" indent="-285750">
+              <a:buFontTx/>
+              <a:buChar char="-"/>
+            </a:pPr>
+            <a:r>
+              <a:rPr lang="en-US" dirty="0"/>
+              <a:t>Validation with @Valid</a:t>
+            </a:r>
+          </a:p>
+          <a:p>
+            <a:pPr marL="285750" indent="-285750">
+              <a:buFontTx/>
+              <a:buChar char="-"/>
+            </a:pPr>
+            <a:r>
+              <a:rPr lang="en-US" dirty="0"/>
+              <a:t>Metrics supports @Timed</a:t>
+            </a:r>
+          </a:p>
+        </p:txBody>
+      </p:sp>
+      <p:sp>
+        <p:nvSpPr>
+          <p:cNvPr id="4" name="Rectangle 1">
+            <a:extLst>
+              <a:ext uri="{FF2B5EF4-FFF2-40B4-BE49-F238E27FC236}">
+                <a16:creationId xmlns:a16="http://schemas.microsoft.com/office/drawing/2014/main" id="{6BB40DA0-4E34-45A7-B51C-46C18C3176F1}"/>
+              </a:ext>
+            </a:extLst>
+          </p:cNvPr>
+          <p:cNvSpPr>
+            <a:spLocks noChangeArrowheads="1"/>
+          </p:cNvSpPr>
+          <p:nvPr/>
+        </p:nvSpPr>
+        <p:spPr bwMode="auto">
+          <a:xfrm>
+            <a:off x="529938" y="2423433"/>
+            <a:ext cx="10640290" cy="3970318"/>
+          </a:xfrm>
+          <a:prstGeom prst="rect">
+            <a:avLst/>
+          </a:prstGeom>
+          <a:solidFill>
+            <a:srgbClr val="FFFFFF"/>
+          </a:solidFill>
+          <a:ln>
+            <a:noFill/>
+          </a:ln>
+          <a:effectLst/>
+          <a:extLst>
+            <a:ext uri="{91240B29-F687-4F45-9708-019B960494DF}">
+              <a14:hiddenLine xmlns:a14="http://schemas.microsoft.com/office/drawing/2010/main" w="9525">
+                <a:solidFill>
+                  <a:schemeClr val="tx1"/>
+                </a:solidFill>
+                <a:miter lim="800000"/>
+                <a:headEnd/>
+                <a:tailEnd/>
+              </a14:hiddenLine>
+            </a:ext>
+            <a:ext uri="{AF507438-7753-43E0-B8FC-AC1667EBCBE1}">
+              <a14:hiddenEffects xmlns:a14="http://schemas.microsoft.com/office/drawing/2010/main">
+                <a:effectLst>
+                  <a:outerShdw dist="35921" dir="2700000" algn="ctr" rotWithShape="0">
+                    <a:schemeClr val="bg2"/>
+                  </a:outerShdw>
+                </a:effectLst>
+              </a14:hiddenEffects>
+            </a:ext>
+          </a:extLst>
+        </p:spPr>
+        <p:txBody>
+          <a:bodyPr vert="horz" wrap="square" lIns="91440" tIns="45720" rIns="91440" bIns="45720" numCol="1" anchor="ctr" anchorCtr="0" compatLnSpc="1">
+            <a:prstTxWarp prst="textNoShape">
+              <a:avLst/>
+            </a:prstTxWarp>
+            <a:spAutoFit/>
+          </a:bodyPr>
+          <a:lstStyle/>
+          <a:p>
+            <a:pPr marL="0" marR="0" lvl="0" indent="0" algn="l" defTabSz="914400" rtl="0" eaLnBrk="0" fontAlgn="base" latinLnBrk="0" hangingPunct="0">
+              <a:lnSpc>
+                <a:spcPct val="100000"/>
+              </a:lnSpc>
+              <a:spcBef>
+                <a:spcPct val="0"/>
+              </a:spcBef>
+              <a:spcAft>
+                <a:spcPct val="0"/>
+              </a:spcAft>
+              <a:buClrTx/>
+              <a:buSzTx/>
+              <a:buFontTx/>
+              <a:buNone/>
+              <a:tabLst/>
+            </a:pPr>
+            <a:r>
+              <a:rPr kumimoji="0" lang="en-US" altLang="en-US" sz="1400" b="0" i="0" u="none" strike="noStrike" cap="none" normalizeH="0" baseline="0" dirty="0">
+                <a:ln>
+                  <a:noFill/>
+                </a:ln>
+                <a:solidFill>
+                  <a:srgbClr val="808000"/>
+                </a:solidFill>
+                <a:effectLst/>
+                <a:latin typeface="Courier New" panose="02070309020205020404" pitchFamily="49" charset="0"/>
+                <a:cs typeface="Courier New" panose="02070309020205020404" pitchFamily="49" charset="0"/>
+              </a:rPr>
+              <a:t>@Path</a:t>
+            </a:r>
+            <a:r>
+              <a:rPr kumimoji="0" lang="en-US" altLang="en-US" sz="1400" b="0" i="0" u="none" strike="noStrike" cap="none" normalizeH="0" baseline="0" dirty="0">
+                <a:ln>
+                  <a:noFill/>
+                </a:ln>
+                <a:solidFill>
+                  <a:srgbClr val="000000"/>
+                </a:solidFill>
+                <a:effectLst/>
+                <a:latin typeface="Courier New" panose="02070309020205020404" pitchFamily="49" charset="0"/>
+                <a:cs typeface="Courier New" panose="02070309020205020404" pitchFamily="49" charset="0"/>
+              </a:rPr>
+              <a:t>(</a:t>
+            </a:r>
+            <a:r>
+              <a:rPr kumimoji="0" lang="en-US" altLang="en-US" sz="1400" b="1" i="0" u="none" strike="noStrike" cap="none" normalizeH="0" baseline="0" dirty="0">
+                <a:ln>
+                  <a:noFill/>
+                </a:ln>
+                <a:solidFill>
+                  <a:srgbClr val="008000"/>
+                </a:solidFill>
+                <a:effectLst/>
+                <a:latin typeface="Courier New" panose="02070309020205020404" pitchFamily="49" charset="0"/>
+                <a:cs typeface="Courier New" panose="02070309020205020404" pitchFamily="49" charset="0"/>
+              </a:rPr>
+              <a:t>"/user"</a:t>
+            </a:r>
+            <a:r>
+              <a:rPr kumimoji="0" lang="en-US" altLang="en-US" sz="1400" b="0" i="0" u="none" strike="noStrike" cap="none" normalizeH="0" baseline="0" dirty="0">
+                <a:ln>
+                  <a:noFill/>
+                </a:ln>
+                <a:solidFill>
+                  <a:srgbClr val="000000"/>
+                </a:solidFill>
+                <a:effectLst/>
+                <a:latin typeface="Courier New" panose="02070309020205020404" pitchFamily="49" charset="0"/>
+                <a:cs typeface="Courier New" panose="02070309020205020404" pitchFamily="49" charset="0"/>
+              </a:rPr>
+              <a:t>)</a:t>
+            </a:r>
+            <a:br>
+              <a:rPr kumimoji="0" lang="en-US" altLang="en-US" sz="1400" b="0" i="0" u="none" strike="noStrike" cap="none" normalizeH="0" baseline="0" dirty="0">
+                <a:ln>
+                  <a:noFill/>
+                </a:ln>
+                <a:solidFill>
+                  <a:srgbClr val="000000"/>
+                </a:solidFill>
+                <a:effectLst/>
+                <a:latin typeface="Courier New" panose="02070309020205020404" pitchFamily="49" charset="0"/>
+                <a:cs typeface="Courier New" panose="02070309020205020404" pitchFamily="49" charset="0"/>
+              </a:rPr>
+            </a:br>
+            <a:r>
+              <a:rPr kumimoji="0" lang="en-US" altLang="en-US" sz="1400" b="0" i="0" u="none" strike="noStrike" cap="none" normalizeH="0" baseline="0" dirty="0">
+                <a:ln>
+                  <a:noFill/>
+                </a:ln>
+                <a:solidFill>
+                  <a:srgbClr val="808000"/>
+                </a:solidFill>
+                <a:effectLst/>
+                <a:latin typeface="Courier New" panose="02070309020205020404" pitchFamily="49" charset="0"/>
+                <a:cs typeface="Courier New" panose="02070309020205020404" pitchFamily="49" charset="0"/>
+              </a:rPr>
+              <a:t>@Produces</a:t>
+            </a:r>
+            <a:r>
+              <a:rPr kumimoji="0" lang="en-US" altLang="en-US" sz="1400" b="0" i="0" u="none" strike="noStrike" cap="none" normalizeH="0" baseline="0" dirty="0">
+                <a:ln>
+                  <a:noFill/>
+                </a:ln>
+                <a:solidFill>
+                  <a:srgbClr val="000000"/>
+                </a:solidFill>
+                <a:effectLst/>
+                <a:latin typeface="Courier New" panose="02070309020205020404" pitchFamily="49" charset="0"/>
+                <a:cs typeface="Courier New" panose="02070309020205020404" pitchFamily="49" charset="0"/>
+              </a:rPr>
+              <a:t>(</a:t>
+            </a:r>
+            <a:r>
+              <a:rPr kumimoji="0" lang="en-US" altLang="en-US" sz="1400" b="0" i="0" u="none" strike="noStrike" cap="none" normalizeH="0" baseline="0" dirty="0" err="1">
+                <a:ln>
+                  <a:noFill/>
+                </a:ln>
+                <a:solidFill>
+                  <a:srgbClr val="000000"/>
+                </a:solidFill>
+                <a:effectLst/>
+                <a:latin typeface="Courier New" panose="02070309020205020404" pitchFamily="49" charset="0"/>
+                <a:cs typeface="Courier New" panose="02070309020205020404" pitchFamily="49" charset="0"/>
+              </a:rPr>
+              <a:t>MediaType.</a:t>
+            </a:r>
+            <a:r>
+              <a:rPr kumimoji="0" lang="en-US" altLang="en-US" sz="1400" b="1" i="1" u="none" strike="noStrike" cap="none" normalizeH="0" baseline="0" dirty="0" err="1">
+                <a:ln>
+                  <a:noFill/>
+                </a:ln>
+                <a:solidFill>
+                  <a:srgbClr val="660E7A"/>
+                </a:solidFill>
+                <a:effectLst/>
+                <a:latin typeface="Courier New" panose="02070309020205020404" pitchFamily="49" charset="0"/>
+                <a:cs typeface="Courier New" panose="02070309020205020404" pitchFamily="49" charset="0"/>
+              </a:rPr>
+              <a:t>APPLICATION_JSON</a:t>
+            </a:r>
+            <a:r>
+              <a:rPr kumimoji="0" lang="en-US" altLang="en-US" sz="1400" b="0" i="0" u="none" strike="noStrike" cap="none" normalizeH="0" baseline="0" dirty="0">
+                <a:ln>
+                  <a:noFill/>
+                </a:ln>
+                <a:solidFill>
+                  <a:srgbClr val="000000"/>
+                </a:solidFill>
+                <a:effectLst/>
+                <a:latin typeface="Courier New" panose="02070309020205020404" pitchFamily="49" charset="0"/>
+                <a:cs typeface="Courier New" panose="02070309020205020404" pitchFamily="49" charset="0"/>
+              </a:rPr>
+              <a:t>)</a:t>
+            </a:r>
+            <a:br>
+              <a:rPr kumimoji="0" lang="en-US" altLang="en-US" sz="1400" b="0" i="0" u="none" strike="noStrike" cap="none" normalizeH="0" baseline="0" dirty="0">
+                <a:ln>
+                  <a:noFill/>
+                </a:ln>
+                <a:solidFill>
+                  <a:srgbClr val="000000"/>
+                </a:solidFill>
+                <a:effectLst/>
+                <a:latin typeface="Courier New" panose="02070309020205020404" pitchFamily="49" charset="0"/>
+                <a:cs typeface="Courier New" panose="02070309020205020404" pitchFamily="49" charset="0"/>
+              </a:rPr>
+            </a:br>
+            <a:r>
+              <a:rPr kumimoji="0" lang="en-US" altLang="en-US" sz="1400" b="1" i="0" u="none" strike="noStrike" cap="none" normalizeH="0" baseline="0" dirty="0">
+                <a:ln>
+                  <a:noFill/>
+                </a:ln>
+                <a:solidFill>
+                  <a:srgbClr val="000080"/>
+                </a:solidFill>
+                <a:effectLst/>
+                <a:latin typeface="Courier New" panose="02070309020205020404" pitchFamily="49" charset="0"/>
+                <a:cs typeface="Courier New" panose="02070309020205020404" pitchFamily="49" charset="0"/>
+              </a:rPr>
+              <a:t>public class </a:t>
+            </a:r>
+            <a:r>
+              <a:rPr kumimoji="0" lang="en-US" altLang="en-US" sz="1400" b="0" i="0" u="none" strike="noStrike" cap="none" normalizeH="0" baseline="0" dirty="0" err="1">
+                <a:ln>
+                  <a:noFill/>
+                </a:ln>
+                <a:solidFill>
+                  <a:srgbClr val="000000"/>
+                </a:solidFill>
+                <a:effectLst/>
+                <a:latin typeface="Courier New" panose="02070309020205020404" pitchFamily="49" charset="0"/>
+                <a:cs typeface="Courier New" panose="02070309020205020404" pitchFamily="49" charset="0"/>
+              </a:rPr>
+              <a:t>UserController</a:t>
+            </a:r>
+            <a:r>
+              <a:rPr kumimoji="0" lang="en-US" altLang="en-US" sz="1400" b="0" i="0" u="none" strike="noStrike" cap="none" normalizeH="0" baseline="0" dirty="0">
+                <a:ln>
+                  <a:noFill/>
+                </a:ln>
+                <a:solidFill>
+                  <a:srgbClr val="000000"/>
+                </a:solidFill>
+                <a:effectLst/>
+                <a:latin typeface="Courier New" panose="02070309020205020404" pitchFamily="49" charset="0"/>
+                <a:cs typeface="Courier New" panose="02070309020205020404" pitchFamily="49" charset="0"/>
+              </a:rPr>
+              <a:t> {</a:t>
+            </a:r>
+            <a:br>
+              <a:rPr kumimoji="0" lang="en-US" altLang="en-US" sz="1400" b="0" i="0" u="none" strike="noStrike" cap="none" normalizeH="0" baseline="0" dirty="0">
+                <a:ln>
+                  <a:noFill/>
+                </a:ln>
+                <a:solidFill>
+                  <a:srgbClr val="000000"/>
+                </a:solidFill>
+                <a:effectLst/>
+                <a:latin typeface="Courier New" panose="02070309020205020404" pitchFamily="49" charset="0"/>
+                <a:cs typeface="Courier New" panose="02070309020205020404" pitchFamily="49" charset="0"/>
+              </a:rPr>
+            </a:br>
+            <a:r>
+              <a:rPr kumimoji="0" lang="en-US" altLang="en-US" sz="1400" b="0" i="0" u="none" strike="noStrike" cap="none" normalizeH="0" baseline="0" dirty="0">
+                <a:ln>
+                  <a:noFill/>
+                </a:ln>
+                <a:solidFill>
+                  <a:srgbClr val="000000"/>
+                </a:solidFill>
+                <a:effectLst/>
+                <a:latin typeface="Courier New" panose="02070309020205020404" pitchFamily="49" charset="0"/>
+                <a:cs typeface="Courier New" panose="02070309020205020404" pitchFamily="49" charset="0"/>
+              </a:rPr>
+              <a:t>    </a:t>
+            </a:r>
+            <a:r>
+              <a:rPr kumimoji="0" lang="en-US" altLang="en-US" sz="1400" b="0" i="0" u="none" strike="noStrike" cap="none" normalizeH="0" baseline="0" dirty="0" err="1">
+                <a:ln>
+                  <a:noFill/>
+                </a:ln>
+                <a:solidFill>
+                  <a:srgbClr val="000000"/>
+                </a:solidFill>
+                <a:effectLst/>
+                <a:latin typeface="Courier New" panose="02070309020205020404" pitchFamily="49" charset="0"/>
+                <a:cs typeface="Courier New" panose="02070309020205020404" pitchFamily="49" charset="0"/>
+              </a:rPr>
+              <a:t>UserDAO</a:t>
+            </a:r>
+            <a:r>
+              <a:rPr kumimoji="0" lang="en-US" altLang="en-US" sz="1400" b="0" i="0" u="none" strike="noStrike" cap="none" normalizeH="0" baseline="0" dirty="0">
+                <a:ln>
+                  <a:noFill/>
+                </a:ln>
+                <a:solidFill>
+                  <a:srgbClr val="000000"/>
+                </a:solidFill>
+                <a:effectLst/>
+                <a:latin typeface="Courier New" panose="02070309020205020404" pitchFamily="49" charset="0"/>
+                <a:cs typeface="Courier New" panose="02070309020205020404" pitchFamily="49" charset="0"/>
+              </a:rPr>
+              <a:t> </a:t>
+            </a:r>
+            <a:r>
+              <a:rPr kumimoji="0" lang="en-US" altLang="en-US" sz="1400" b="1" i="0" u="none" strike="noStrike" cap="none" normalizeH="0" baseline="0" dirty="0" err="1">
+                <a:ln>
+                  <a:noFill/>
+                </a:ln>
+                <a:solidFill>
+                  <a:srgbClr val="660E7A"/>
+                </a:solidFill>
+                <a:effectLst/>
+                <a:latin typeface="Courier New" panose="02070309020205020404" pitchFamily="49" charset="0"/>
+                <a:cs typeface="Courier New" panose="02070309020205020404" pitchFamily="49" charset="0"/>
+              </a:rPr>
+              <a:t>userDAO</a:t>
+            </a:r>
+            <a:r>
+              <a:rPr kumimoji="0" lang="en-US" altLang="en-US" sz="1400" b="0" i="0" u="none" strike="noStrike" cap="none" normalizeH="0" baseline="0" dirty="0">
+                <a:ln>
+                  <a:noFill/>
+                </a:ln>
+                <a:solidFill>
+                  <a:srgbClr val="000000"/>
+                </a:solidFill>
+                <a:effectLst/>
+                <a:latin typeface="Courier New" panose="02070309020205020404" pitchFamily="49" charset="0"/>
+                <a:cs typeface="Courier New" panose="02070309020205020404" pitchFamily="49" charset="0"/>
+              </a:rPr>
+              <a:t>;</a:t>
+            </a:r>
+            <a:br>
+              <a:rPr kumimoji="0" lang="en-US" altLang="en-US" sz="1400" b="0" i="0" u="none" strike="noStrike" cap="none" normalizeH="0" baseline="0" dirty="0">
+                <a:ln>
+                  <a:noFill/>
+                </a:ln>
+                <a:solidFill>
+                  <a:srgbClr val="000000"/>
+                </a:solidFill>
+                <a:effectLst/>
+                <a:latin typeface="Courier New" panose="02070309020205020404" pitchFamily="49" charset="0"/>
+                <a:cs typeface="Courier New" panose="02070309020205020404" pitchFamily="49" charset="0"/>
+              </a:rPr>
+            </a:br>
+            <a:r>
+              <a:rPr kumimoji="0" lang="en-US" altLang="en-US" sz="1400" b="0" i="0" u="none" strike="noStrike" cap="none" normalizeH="0" baseline="0" dirty="0">
+                <a:ln>
+                  <a:noFill/>
+                </a:ln>
+                <a:solidFill>
+                  <a:srgbClr val="000000"/>
+                </a:solidFill>
+                <a:effectLst/>
+                <a:latin typeface="Courier New" panose="02070309020205020404" pitchFamily="49" charset="0"/>
+                <a:cs typeface="Courier New" panose="02070309020205020404" pitchFamily="49" charset="0"/>
+              </a:rPr>
+              <a:t>    </a:t>
+            </a:r>
+            <a:r>
+              <a:rPr kumimoji="0" lang="en-US" altLang="en-US" sz="1400" b="1" i="0" u="none" strike="noStrike" cap="none" normalizeH="0" baseline="0" dirty="0">
+                <a:ln>
+                  <a:noFill/>
+                </a:ln>
+                <a:solidFill>
+                  <a:srgbClr val="000080"/>
+                </a:solidFill>
+                <a:effectLst/>
+                <a:latin typeface="Courier New" panose="02070309020205020404" pitchFamily="49" charset="0"/>
+                <a:cs typeface="Courier New" panose="02070309020205020404" pitchFamily="49" charset="0"/>
+              </a:rPr>
+              <a:t>private final </a:t>
+            </a:r>
+            <a:r>
+              <a:rPr kumimoji="0" lang="en-US" altLang="en-US" sz="1400" b="0" i="0" u="none" strike="noStrike" cap="none" normalizeH="0" baseline="0" dirty="0" err="1">
+                <a:ln>
+                  <a:noFill/>
+                </a:ln>
+                <a:solidFill>
+                  <a:srgbClr val="000000"/>
+                </a:solidFill>
+                <a:effectLst/>
+                <a:latin typeface="Courier New" panose="02070309020205020404" pitchFamily="49" charset="0"/>
+                <a:cs typeface="Courier New" panose="02070309020205020404" pitchFamily="49" charset="0"/>
+              </a:rPr>
+              <a:t>AtomicLong</a:t>
+            </a:r>
+            <a:r>
+              <a:rPr kumimoji="0" lang="en-US" altLang="en-US" sz="1400" b="0" i="0" u="none" strike="noStrike" cap="none" normalizeH="0" baseline="0" dirty="0">
+                <a:ln>
+                  <a:noFill/>
+                </a:ln>
+                <a:solidFill>
+                  <a:srgbClr val="000000"/>
+                </a:solidFill>
+                <a:effectLst/>
+                <a:latin typeface="Courier New" panose="02070309020205020404" pitchFamily="49" charset="0"/>
+                <a:cs typeface="Courier New" panose="02070309020205020404" pitchFamily="49" charset="0"/>
+              </a:rPr>
+              <a:t> </a:t>
+            </a:r>
+            <a:r>
+              <a:rPr kumimoji="0" lang="en-US" altLang="en-US" sz="1400" b="1" i="0" u="none" strike="noStrike" cap="none" normalizeH="0" baseline="0" dirty="0">
+                <a:ln>
+                  <a:noFill/>
+                </a:ln>
+                <a:solidFill>
+                  <a:srgbClr val="660E7A"/>
+                </a:solidFill>
+                <a:effectLst/>
+                <a:latin typeface="Courier New" panose="02070309020205020404" pitchFamily="49" charset="0"/>
+                <a:cs typeface="Courier New" panose="02070309020205020404" pitchFamily="49" charset="0"/>
+              </a:rPr>
+              <a:t>counter </a:t>
+            </a:r>
+            <a:r>
+              <a:rPr kumimoji="0" lang="en-US" altLang="en-US" sz="1400" b="0" i="0" u="none" strike="noStrike" cap="none" normalizeH="0" baseline="0" dirty="0">
+                <a:ln>
+                  <a:noFill/>
+                </a:ln>
+                <a:solidFill>
+                  <a:srgbClr val="000000"/>
+                </a:solidFill>
+                <a:effectLst/>
+                <a:latin typeface="Courier New" panose="02070309020205020404" pitchFamily="49" charset="0"/>
+                <a:cs typeface="Courier New" panose="02070309020205020404" pitchFamily="49" charset="0"/>
+              </a:rPr>
+              <a:t>= </a:t>
+            </a:r>
+            <a:r>
+              <a:rPr kumimoji="0" lang="en-US" altLang="en-US" sz="1400" b="1" i="0" u="none" strike="noStrike" cap="none" normalizeH="0" baseline="0" dirty="0">
+                <a:ln>
+                  <a:noFill/>
+                </a:ln>
+                <a:solidFill>
+                  <a:srgbClr val="000080"/>
+                </a:solidFill>
+                <a:effectLst/>
+                <a:latin typeface="Courier New" panose="02070309020205020404" pitchFamily="49" charset="0"/>
+                <a:cs typeface="Courier New" panose="02070309020205020404" pitchFamily="49" charset="0"/>
+              </a:rPr>
+              <a:t>new </a:t>
+            </a:r>
+            <a:r>
+              <a:rPr kumimoji="0" lang="en-US" altLang="en-US" sz="1400" b="0" i="0" u="none" strike="noStrike" cap="none" normalizeH="0" baseline="0" dirty="0" err="1">
+                <a:ln>
+                  <a:noFill/>
+                </a:ln>
+                <a:solidFill>
+                  <a:srgbClr val="000000"/>
+                </a:solidFill>
+                <a:effectLst/>
+                <a:latin typeface="Courier New" panose="02070309020205020404" pitchFamily="49" charset="0"/>
+                <a:cs typeface="Courier New" panose="02070309020205020404" pitchFamily="49" charset="0"/>
+              </a:rPr>
+              <a:t>AtomicLong</a:t>
+            </a:r>
+            <a:r>
+              <a:rPr kumimoji="0" lang="en-US" altLang="en-US" sz="1400" b="0" i="0" u="none" strike="noStrike" cap="none" normalizeH="0" baseline="0" dirty="0">
+                <a:ln>
+                  <a:noFill/>
+                </a:ln>
+                <a:solidFill>
+                  <a:srgbClr val="000000"/>
+                </a:solidFill>
+                <a:effectLst/>
+                <a:latin typeface="Courier New" panose="02070309020205020404" pitchFamily="49" charset="0"/>
+                <a:cs typeface="Courier New" panose="02070309020205020404" pitchFamily="49" charset="0"/>
+              </a:rPr>
+              <a:t>();</a:t>
+            </a:r>
+            <a:br>
+              <a:rPr kumimoji="0" lang="en-US" altLang="en-US" sz="1400" b="0" i="0" u="none" strike="noStrike" cap="none" normalizeH="0" baseline="0" dirty="0">
+                <a:ln>
+                  <a:noFill/>
+                </a:ln>
+                <a:solidFill>
+                  <a:srgbClr val="000000"/>
+                </a:solidFill>
+                <a:effectLst/>
+                <a:latin typeface="Courier New" panose="02070309020205020404" pitchFamily="49" charset="0"/>
+                <a:cs typeface="Courier New" panose="02070309020205020404" pitchFamily="49" charset="0"/>
+              </a:rPr>
+            </a:br>
+            <a:br>
+              <a:rPr kumimoji="0" lang="en-US" altLang="en-US" sz="1400" b="0" i="0" u="none" strike="noStrike" cap="none" normalizeH="0" baseline="0" dirty="0">
+                <a:ln>
+                  <a:noFill/>
+                </a:ln>
+                <a:solidFill>
+                  <a:srgbClr val="000000"/>
+                </a:solidFill>
+                <a:effectLst/>
+                <a:latin typeface="Courier New" panose="02070309020205020404" pitchFamily="49" charset="0"/>
+                <a:cs typeface="Courier New" panose="02070309020205020404" pitchFamily="49" charset="0"/>
+              </a:rPr>
+            </a:br>
+            <a:r>
+              <a:rPr kumimoji="0" lang="en-US" altLang="en-US" sz="1400" b="0" i="0" u="none" strike="noStrike" cap="none" normalizeH="0" baseline="0" dirty="0">
+                <a:ln>
+                  <a:noFill/>
+                </a:ln>
+                <a:solidFill>
+                  <a:srgbClr val="000000"/>
+                </a:solidFill>
+                <a:effectLst/>
+                <a:latin typeface="Courier New" panose="02070309020205020404" pitchFamily="49" charset="0"/>
+                <a:cs typeface="Courier New" panose="02070309020205020404" pitchFamily="49" charset="0"/>
+              </a:rPr>
+              <a:t>    </a:t>
+            </a:r>
+            <a:r>
+              <a:rPr kumimoji="0" lang="en-US" altLang="en-US" sz="1400" b="1" i="0" u="none" strike="noStrike" cap="none" normalizeH="0" baseline="0" dirty="0">
+                <a:ln>
+                  <a:noFill/>
+                </a:ln>
+                <a:solidFill>
+                  <a:srgbClr val="000080"/>
+                </a:solidFill>
+                <a:effectLst/>
+                <a:latin typeface="Courier New" panose="02070309020205020404" pitchFamily="49" charset="0"/>
+                <a:cs typeface="Courier New" panose="02070309020205020404" pitchFamily="49" charset="0"/>
+              </a:rPr>
+              <a:t>public </a:t>
+            </a:r>
+            <a:r>
+              <a:rPr kumimoji="0" lang="en-US" altLang="en-US" sz="1400" b="0" i="0" u="none" strike="noStrike" cap="none" normalizeH="0" baseline="0" dirty="0" err="1">
+                <a:ln>
+                  <a:noFill/>
+                </a:ln>
+                <a:solidFill>
+                  <a:srgbClr val="000000"/>
+                </a:solidFill>
+                <a:effectLst/>
+                <a:latin typeface="Courier New" panose="02070309020205020404" pitchFamily="49" charset="0"/>
+                <a:cs typeface="Courier New" panose="02070309020205020404" pitchFamily="49" charset="0"/>
+              </a:rPr>
+              <a:t>UserController</a:t>
+            </a:r>
+            <a:r>
+              <a:rPr kumimoji="0" lang="en-US" altLang="en-US" sz="1400" b="0" i="0" u="none" strike="noStrike" cap="none" normalizeH="0" baseline="0" dirty="0">
+                <a:ln>
+                  <a:noFill/>
+                </a:ln>
+                <a:solidFill>
+                  <a:srgbClr val="000000"/>
+                </a:solidFill>
+                <a:effectLst/>
+                <a:latin typeface="Courier New" panose="02070309020205020404" pitchFamily="49" charset="0"/>
+                <a:cs typeface="Courier New" panose="02070309020205020404" pitchFamily="49" charset="0"/>
+              </a:rPr>
+              <a:t>(</a:t>
+            </a:r>
+            <a:r>
+              <a:rPr kumimoji="0" lang="en-US" altLang="en-US" sz="1400" b="0" i="0" u="none" strike="noStrike" cap="none" normalizeH="0" baseline="0" dirty="0" err="1">
+                <a:ln>
+                  <a:noFill/>
+                </a:ln>
+                <a:solidFill>
+                  <a:srgbClr val="000000"/>
+                </a:solidFill>
+                <a:effectLst/>
+                <a:latin typeface="Courier New" panose="02070309020205020404" pitchFamily="49" charset="0"/>
+                <a:cs typeface="Courier New" panose="02070309020205020404" pitchFamily="49" charset="0"/>
+              </a:rPr>
+              <a:t>UserDAO</a:t>
+            </a:r>
+            <a:r>
+              <a:rPr kumimoji="0" lang="en-US" altLang="en-US" sz="1400" b="0" i="0" u="none" strike="noStrike" cap="none" normalizeH="0" baseline="0" dirty="0">
+                <a:ln>
+                  <a:noFill/>
+                </a:ln>
+                <a:solidFill>
+                  <a:srgbClr val="000000"/>
+                </a:solidFill>
+                <a:effectLst/>
+                <a:latin typeface="Courier New" panose="02070309020205020404" pitchFamily="49" charset="0"/>
+                <a:cs typeface="Courier New" panose="02070309020205020404" pitchFamily="49" charset="0"/>
+              </a:rPr>
+              <a:t> </a:t>
+            </a:r>
+            <a:r>
+              <a:rPr kumimoji="0" lang="en-US" altLang="en-US" sz="1400" b="0" i="0" u="none" strike="noStrike" cap="none" normalizeH="0" baseline="0" dirty="0" err="1">
+                <a:ln>
+                  <a:noFill/>
+                </a:ln>
+                <a:solidFill>
+                  <a:srgbClr val="000000"/>
+                </a:solidFill>
+                <a:effectLst/>
+                <a:latin typeface="Courier New" panose="02070309020205020404" pitchFamily="49" charset="0"/>
+                <a:cs typeface="Courier New" panose="02070309020205020404" pitchFamily="49" charset="0"/>
+              </a:rPr>
+              <a:t>userDAO</a:t>
+            </a:r>
+            <a:r>
+              <a:rPr kumimoji="0" lang="en-US" altLang="en-US" sz="1400" b="0" i="0" u="none" strike="noStrike" cap="none" normalizeH="0" baseline="0" dirty="0">
+                <a:ln>
+                  <a:noFill/>
+                </a:ln>
+                <a:solidFill>
+                  <a:srgbClr val="000000"/>
+                </a:solidFill>
+                <a:effectLst/>
+                <a:latin typeface="Courier New" panose="02070309020205020404" pitchFamily="49" charset="0"/>
+                <a:cs typeface="Courier New" panose="02070309020205020404" pitchFamily="49" charset="0"/>
+              </a:rPr>
+              <a:t>) {</a:t>
+            </a:r>
+            <a:br>
+              <a:rPr kumimoji="0" lang="en-US" altLang="en-US" sz="1400" b="0" i="0" u="none" strike="noStrike" cap="none" normalizeH="0" baseline="0" dirty="0">
+                <a:ln>
+                  <a:noFill/>
+                </a:ln>
+                <a:solidFill>
+                  <a:srgbClr val="000000"/>
+                </a:solidFill>
+                <a:effectLst/>
+                <a:latin typeface="Courier New" panose="02070309020205020404" pitchFamily="49" charset="0"/>
+                <a:cs typeface="Courier New" panose="02070309020205020404" pitchFamily="49" charset="0"/>
+              </a:rPr>
+            </a:br>
+            <a:r>
+              <a:rPr kumimoji="0" lang="en-US" altLang="en-US" sz="1400" b="0" i="0" u="none" strike="noStrike" cap="none" normalizeH="0" baseline="0" dirty="0">
+                <a:ln>
+                  <a:noFill/>
+                </a:ln>
+                <a:solidFill>
+                  <a:srgbClr val="000000"/>
+                </a:solidFill>
+                <a:effectLst/>
+                <a:latin typeface="Courier New" panose="02070309020205020404" pitchFamily="49" charset="0"/>
+                <a:cs typeface="Courier New" panose="02070309020205020404" pitchFamily="49" charset="0"/>
+              </a:rPr>
+              <a:t>        </a:t>
+            </a:r>
+            <a:r>
+              <a:rPr kumimoji="0" lang="en-US" altLang="en-US" sz="1400" b="1" i="0" u="none" strike="noStrike" cap="none" normalizeH="0" baseline="0" dirty="0" err="1">
+                <a:ln>
+                  <a:noFill/>
+                </a:ln>
+                <a:solidFill>
+                  <a:srgbClr val="000080"/>
+                </a:solidFill>
+                <a:effectLst/>
+                <a:latin typeface="Courier New" panose="02070309020205020404" pitchFamily="49" charset="0"/>
+                <a:cs typeface="Courier New" panose="02070309020205020404" pitchFamily="49" charset="0"/>
+              </a:rPr>
+              <a:t>this</a:t>
+            </a:r>
+            <a:r>
+              <a:rPr kumimoji="0" lang="en-US" altLang="en-US" sz="1400" b="0" i="0" u="none" strike="noStrike" cap="none" normalizeH="0" baseline="0" dirty="0" err="1">
+                <a:ln>
+                  <a:noFill/>
+                </a:ln>
+                <a:solidFill>
+                  <a:srgbClr val="000000"/>
+                </a:solidFill>
+                <a:effectLst/>
+                <a:latin typeface="Courier New" panose="02070309020205020404" pitchFamily="49" charset="0"/>
+                <a:cs typeface="Courier New" panose="02070309020205020404" pitchFamily="49" charset="0"/>
+              </a:rPr>
+              <a:t>.</a:t>
+            </a:r>
+            <a:r>
+              <a:rPr kumimoji="0" lang="en-US" altLang="en-US" sz="1400" b="1" i="0" u="none" strike="noStrike" cap="none" normalizeH="0" baseline="0" dirty="0" err="1">
+                <a:ln>
+                  <a:noFill/>
+                </a:ln>
+                <a:solidFill>
+                  <a:srgbClr val="660E7A"/>
+                </a:solidFill>
+                <a:effectLst/>
+                <a:latin typeface="Courier New" panose="02070309020205020404" pitchFamily="49" charset="0"/>
+                <a:cs typeface="Courier New" panose="02070309020205020404" pitchFamily="49" charset="0"/>
+              </a:rPr>
+              <a:t>userDAO</a:t>
+            </a:r>
+            <a:r>
+              <a:rPr kumimoji="0" lang="en-US" altLang="en-US" sz="1400" b="1" i="0" u="none" strike="noStrike" cap="none" normalizeH="0" baseline="0" dirty="0">
+                <a:ln>
+                  <a:noFill/>
+                </a:ln>
+                <a:solidFill>
+                  <a:srgbClr val="660E7A"/>
+                </a:solidFill>
+                <a:effectLst/>
+                <a:latin typeface="Courier New" panose="02070309020205020404" pitchFamily="49" charset="0"/>
+                <a:cs typeface="Courier New" panose="02070309020205020404" pitchFamily="49" charset="0"/>
+              </a:rPr>
+              <a:t> </a:t>
+            </a:r>
+            <a:r>
+              <a:rPr kumimoji="0" lang="en-US" altLang="en-US" sz="1400" b="0" i="0" u="none" strike="noStrike" cap="none" normalizeH="0" baseline="0" dirty="0">
+                <a:ln>
+                  <a:noFill/>
+                </a:ln>
+                <a:solidFill>
+                  <a:srgbClr val="000000"/>
+                </a:solidFill>
+                <a:effectLst/>
+                <a:latin typeface="Courier New" panose="02070309020205020404" pitchFamily="49" charset="0"/>
+                <a:cs typeface="Courier New" panose="02070309020205020404" pitchFamily="49" charset="0"/>
+              </a:rPr>
+              <a:t>= </a:t>
+            </a:r>
+            <a:r>
+              <a:rPr kumimoji="0" lang="en-US" altLang="en-US" sz="1400" b="0" i="0" u="none" strike="noStrike" cap="none" normalizeH="0" baseline="0" dirty="0" err="1">
+                <a:ln>
+                  <a:noFill/>
+                </a:ln>
+                <a:solidFill>
+                  <a:srgbClr val="000000"/>
+                </a:solidFill>
+                <a:effectLst/>
+                <a:latin typeface="Courier New" panose="02070309020205020404" pitchFamily="49" charset="0"/>
+                <a:cs typeface="Courier New" panose="02070309020205020404" pitchFamily="49" charset="0"/>
+              </a:rPr>
+              <a:t>userDAO</a:t>
+            </a:r>
+            <a:r>
+              <a:rPr kumimoji="0" lang="en-US" altLang="en-US" sz="1400" b="0" i="0" u="none" strike="noStrike" cap="none" normalizeH="0" baseline="0" dirty="0">
+                <a:ln>
+                  <a:noFill/>
+                </a:ln>
+                <a:solidFill>
+                  <a:srgbClr val="000000"/>
+                </a:solidFill>
+                <a:effectLst/>
+                <a:latin typeface="Courier New" panose="02070309020205020404" pitchFamily="49" charset="0"/>
+                <a:cs typeface="Courier New" panose="02070309020205020404" pitchFamily="49" charset="0"/>
+              </a:rPr>
+              <a:t>;</a:t>
+            </a:r>
+            <a:br>
+              <a:rPr kumimoji="0" lang="en-US" altLang="en-US" sz="1400" b="0" i="0" u="none" strike="noStrike" cap="none" normalizeH="0" baseline="0" dirty="0">
+                <a:ln>
+                  <a:noFill/>
+                </a:ln>
+                <a:solidFill>
+                  <a:srgbClr val="000000"/>
+                </a:solidFill>
+                <a:effectLst/>
+                <a:latin typeface="Courier New" panose="02070309020205020404" pitchFamily="49" charset="0"/>
+                <a:cs typeface="Courier New" panose="02070309020205020404" pitchFamily="49" charset="0"/>
+              </a:rPr>
+            </a:br>
+            <a:r>
+              <a:rPr kumimoji="0" lang="en-US" altLang="en-US" sz="1400" b="0" i="0" u="none" strike="noStrike" cap="none" normalizeH="0" baseline="0" dirty="0">
+                <a:ln>
+                  <a:noFill/>
+                </a:ln>
+                <a:solidFill>
+                  <a:srgbClr val="000000"/>
+                </a:solidFill>
+                <a:effectLst/>
+                <a:latin typeface="Courier New" panose="02070309020205020404" pitchFamily="49" charset="0"/>
+                <a:cs typeface="Courier New" panose="02070309020205020404" pitchFamily="49" charset="0"/>
+              </a:rPr>
+              <a:t>    }</a:t>
+            </a:r>
+            <a:br>
+              <a:rPr kumimoji="0" lang="en-US" altLang="en-US" sz="1400" b="0" i="0" u="none" strike="noStrike" cap="none" normalizeH="0" baseline="0" dirty="0">
+                <a:ln>
+                  <a:noFill/>
+                </a:ln>
+                <a:solidFill>
+                  <a:srgbClr val="000000"/>
+                </a:solidFill>
+                <a:effectLst/>
+                <a:latin typeface="Courier New" panose="02070309020205020404" pitchFamily="49" charset="0"/>
+                <a:cs typeface="Courier New" panose="02070309020205020404" pitchFamily="49" charset="0"/>
+              </a:rPr>
+            </a:br>
+            <a:br>
+              <a:rPr kumimoji="0" lang="en-US" altLang="en-US" sz="1400" b="0" i="0" u="none" strike="noStrike" cap="none" normalizeH="0" baseline="0" dirty="0">
+                <a:ln>
+                  <a:noFill/>
+                </a:ln>
+                <a:solidFill>
+                  <a:srgbClr val="000000"/>
+                </a:solidFill>
+                <a:effectLst/>
+                <a:latin typeface="Courier New" panose="02070309020205020404" pitchFamily="49" charset="0"/>
+                <a:cs typeface="Courier New" panose="02070309020205020404" pitchFamily="49" charset="0"/>
+              </a:rPr>
+            </a:br>
+            <a:r>
+              <a:rPr kumimoji="0" lang="en-US" altLang="en-US" sz="1400" b="0" i="0" u="none" strike="noStrike" cap="none" normalizeH="0" baseline="0" dirty="0">
+                <a:ln>
+                  <a:noFill/>
+                </a:ln>
+                <a:solidFill>
+                  <a:srgbClr val="000000"/>
+                </a:solidFill>
+                <a:effectLst/>
+                <a:latin typeface="Courier New" panose="02070309020205020404" pitchFamily="49" charset="0"/>
+                <a:cs typeface="Courier New" panose="02070309020205020404" pitchFamily="49" charset="0"/>
+              </a:rPr>
+              <a:t>    </a:t>
+            </a:r>
+            <a:r>
+              <a:rPr kumimoji="0" lang="en-US" altLang="en-US" sz="1400" b="0" i="0" u="none" strike="noStrike" cap="none" normalizeH="0" baseline="0" dirty="0">
+                <a:ln>
+                  <a:noFill/>
+                </a:ln>
+                <a:solidFill>
+                  <a:srgbClr val="808000"/>
+                </a:solidFill>
+                <a:effectLst/>
+                <a:latin typeface="Courier New" panose="02070309020205020404" pitchFamily="49" charset="0"/>
+                <a:cs typeface="Courier New" panose="02070309020205020404" pitchFamily="49" charset="0"/>
+              </a:rPr>
+              <a:t>@GET</a:t>
+            </a:r>
+            <a:br>
+              <a:rPr kumimoji="0" lang="en-US" altLang="en-US" sz="1400" b="0" i="0" u="none" strike="noStrike" cap="none" normalizeH="0" baseline="0" dirty="0">
+                <a:ln>
+                  <a:noFill/>
+                </a:ln>
+                <a:solidFill>
+                  <a:srgbClr val="808000"/>
+                </a:solidFill>
+                <a:effectLst/>
+                <a:latin typeface="Courier New" panose="02070309020205020404" pitchFamily="49" charset="0"/>
+                <a:cs typeface="Courier New" panose="02070309020205020404" pitchFamily="49" charset="0"/>
+              </a:rPr>
+            </a:br>
+            <a:r>
+              <a:rPr kumimoji="0" lang="en-US" altLang="en-US" sz="1400" b="0" i="0" u="none" strike="noStrike" cap="none" normalizeH="0" baseline="0" dirty="0">
+                <a:ln>
+                  <a:noFill/>
+                </a:ln>
+                <a:solidFill>
+                  <a:srgbClr val="808000"/>
+                </a:solidFill>
+                <a:effectLst/>
+                <a:latin typeface="Courier New" panose="02070309020205020404" pitchFamily="49" charset="0"/>
+                <a:cs typeface="Courier New" panose="02070309020205020404" pitchFamily="49" charset="0"/>
+              </a:rPr>
+              <a:t>    @Timed</a:t>
+            </a:r>
+            <a:br>
+              <a:rPr kumimoji="0" lang="en-US" altLang="en-US" sz="1400" b="0" i="0" u="none" strike="noStrike" cap="none" normalizeH="0" baseline="0" dirty="0">
+                <a:ln>
+                  <a:noFill/>
+                </a:ln>
+                <a:solidFill>
+                  <a:srgbClr val="808000"/>
+                </a:solidFill>
+                <a:effectLst/>
+                <a:latin typeface="Courier New" panose="02070309020205020404" pitchFamily="49" charset="0"/>
+                <a:cs typeface="Courier New" panose="02070309020205020404" pitchFamily="49" charset="0"/>
+              </a:rPr>
+            </a:br>
+            <a:r>
+              <a:rPr kumimoji="0" lang="en-US" altLang="en-US" sz="1400" b="0" i="0" u="none" strike="noStrike" cap="none" normalizeH="0" baseline="0" dirty="0">
+                <a:ln>
+                  <a:noFill/>
+                </a:ln>
+                <a:solidFill>
+                  <a:srgbClr val="808000"/>
+                </a:solidFill>
+                <a:effectLst/>
+                <a:latin typeface="Courier New" panose="02070309020205020404" pitchFamily="49" charset="0"/>
+                <a:cs typeface="Courier New" panose="02070309020205020404" pitchFamily="49" charset="0"/>
+              </a:rPr>
+              <a:t>    @</a:t>
+            </a:r>
+            <a:r>
+              <a:rPr kumimoji="0" lang="en-US" altLang="en-US" sz="1400" b="0" i="0" u="none" strike="noStrike" cap="none" normalizeH="0" baseline="0" dirty="0" err="1">
+                <a:ln>
+                  <a:noFill/>
+                </a:ln>
+                <a:solidFill>
+                  <a:srgbClr val="808000"/>
+                </a:solidFill>
+                <a:effectLst/>
+                <a:latin typeface="Courier New" panose="02070309020205020404" pitchFamily="49" charset="0"/>
+                <a:cs typeface="Courier New" panose="02070309020205020404" pitchFamily="49" charset="0"/>
+              </a:rPr>
+              <a:t>UnitOfWork</a:t>
+            </a:r>
+            <a:br>
+              <a:rPr kumimoji="0" lang="en-US" altLang="en-US" sz="1400" b="0" i="0" u="none" strike="noStrike" cap="none" normalizeH="0" baseline="0" dirty="0">
+                <a:ln>
+                  <a:noFill/>
+                </a:ln>
+                <a:solidFill>
+                  <a:srgbClr val="808000"/>
+                </a:solidFill>
+                <a:effectLst/>
+                <a:latin typeface="Courier New" panose="02070309020205020404" pitchFamily="49" charset="0"/>
+                <a:cs typeface="Courier New" panose="02070309020205020404" pitchFamily="49" charset="0"/>
+              </a:rPr>
+            </a:br>
+            <a:r>
+              <a:rPr kumimoji="0" lang="en-US" altLang="en-US" sz="1400" b="0" i="0" u="none" strike="noStrike" cap="none" normalizeH="0" baseline="0" dirty="0">
+                <a:ln>
+                  <a:noFill/>
+                </a:ln>
+                <a:solidFill>
+                  <a:srgbClr val="808000"/>
+                </a:solidFill>
+                <a:effectLst/>
+                <a:latin typeface="Courier New" panose="02070309020205020404" pitchFamily="49" charset="0"/>
+                <a:cs typeface="Courier New" panose="02070309020205020404" pitchFamily="49" charset="0"/>
+              </a:rPr>
+              <a:t>    </a:t>
+            </a:r>
+            <a:r>
+              <a:rPr kumimoji="0" lang="en-US" altLang="en-US" sz="1400" b="1" i="0" u="none" strike="noStrike" cap="none" normalizeH="0" baseline="0" dirty="0">
+                <a:ln>
+                  <a:noFill/>
+                </a:ln>
+                <a:solidFill>
+                  <a:srgbClr val="000080"/>
+                </a:solidFill>
+                <a:effectLst/>
+                <a:latin typeface="Courier New" panose="02070309020205020404" pitchFamily="49" charset="0"/>
+                <a:cs typeface="Courier New" panose="02070309020205020404" pitchFamily="49" charset="0"/>
+              </a:rPr>
+              <a:t>public </a:t>
+            </a:r>
+            <a:r>
+              <a:rPr kumimoji="0" lang="en-US" altLang="en-US" sz="1400" b="0" i="0" u="none" strike="noStrike" cap="none" normalizeH="0" baseline="0" dirty="0" err="1">
+                <a:ln>
+                  <a:noFill/>
+                </a:ln>
+                <a:solidFill>
+                  <a:srgbClr val="000000"/>
+                </a:solidFill>
+                <a:effectLst/>
+                <a:latin typeface="Courier New" panose="02070309020205020404" pitchFamily="49" charset="0"/>
+                <a:cs typeface="Courier New" panose="02070309020205020404" pitchFamily="49" charset="0"/>
+              </a:rPr>
+              <a:t>MessageDto</a:t>
+            </a:r>
+            <a:r>
+              <a:rPr kumimoji="0" lang="en-US" altLang="en-US" sz="1400" b="0" i="0" u="none" strike="noStrike" cap="none" normalizeH="0" baseline="0" dirty="0">
+                <a:ln>
+                  <a:noFill/>
+                </a:ln>
+                <a:solidFill>
+                  <a:srgbClr val="000000"/>
+                </a:solidFill>
+                <a:effectLst/>
+                <a:latin typeface="Courier New" panose="02070309020205020404" pitchFamily="49" charset="0"/>
+                <a:cs typeface="Courier New" panose="02070309020205020404" pitchFamily="49" charset="0"/>
+              </a:rPr>
+              <a:t> </a:t>
+            </a:r>
+            <a:r>
+              <a:rPr kumimoji="0" lang="en-US" altLang="en-US" sz="1400" b="0" i="0" u="none" strike="noStrike" cap="none" normalizeH="0" baseline="0" dirty="0" err="1">
+                <a:ln>
+                  <a:noFill/>
+                </a:ln>
+                <a:solidFill>
+                  <a:srgbClr val="000000"/>
+                </a:solidFill>
+                <a:effectLst/>
+                <a:latin typeface="Courier New" panose="02070309020205020404" pitchFamily="49" charset="0"/>
+                <a:cs typeface="Courier New" panose="02070309020205020404" pitchFamily="49" charset="0"/>
+              </a:rPr>
+              <a:t>getId</a:t>
+            </a:r>
+            <a:r>
+              <a:rPr kumimoji="0" lang="en-US" altLang="en-US" sz="1400" b="0" i="0" u="none" strike="noStrike" cap="none" normalizeH="0" baseline="0" dirty="0">
+                <a:ln>
+                  <a:noFill/>
+                </a:ln>
+                <a:solidFill>
+                  <a:srgbClr val="000000"/>
+                </a:solidFill>
+                <a:effectLst/>
+                <a:latin typeface="Courier New" panose="02070309020205020404" pitchFamily="49" charset="0"/>
+                <a:cs typeface="Courier New" panose="02070309020205020404" pitchFamily="49" charset="0"/>
+              </a:rPr>
+              <a:t>(</a:t>
+            </a:r>
+            <a:r>
+              <a:rPr kumimoji="0" lang="en-US" altLang="en-US" sz="1400" b="0" i="0" u="none" strike="noStrike" cap="none" normalizeH="0" baseline="0" dirty="0">
+                <a:ln>
+                  <a:noFill/>
+                </a:ln>
+                <a:solidFill>
+                  <a:srgbClr val="808000"/>
+                </a:solidFill>
+                <a:effectLst/>
+                <a:latin typeface="Courier New" panose="02070309020205020404" pitchFamily="49" charset="0"/>
+                <a:cs typeface="Courier New" panose="02070309020205020404" pitchFamily="49" charset="0"/>
+              </a:rPr>
+              <a:t>@</a:t>
+            </a:r>
+            <a:r>
+              <a:rPr kumimoji="0" lang="en-US" altLang="en-US" sz="1400" b="0" i="0" u="none" strike="noStrike" cap="none" normalizeH="0" baseline="0" dirty="0" err="1">
+                <a:ln>
+                  <a:noFill/>
+                </a:ln>
+                <a:solidFill>
+                  <a:srgbClr val="808000"/>
+                </a:solidFill>
+                <a:effectLst/>
+                <a:latin typeface="Courier New" panose="02070309020205020404" pitchFamily="49" charset="0"/>
+                <a:cs typeface="Courier New" panose="02070309020205020404" pitchFamily="49" charset="0"/>
+              </a:rPr>
+              <a:t>QueryParam</a:t>
+            </a:r>
+            <a:r>
+              <a:rPr kumimoji="0" lang="en-US" altLang="en-US" sz="1400" b="0" i="0" u="none" strike="noStrike" cap="none" normalizeH="0" baseline="0" dirty="0">
+                <a:ln>
+                  <a:noFill/>
+                </a:ln>
+                <a:solidFill>
+                  <a:srgbClr val="000000"/>
+                </a:solidFill>
+                <a:effectLst/>
+                <a:latin typeface="Courier New" panose="02070309020205020404" pitchFamily="49" charset="0"/>
+                <a:cs typeface="Courier New" panose="02070309020205020404" pitchFamily="49" charset="0"/>
+              </a:rPr>
+              <a:t>(</a:t>
+            </a:r>
+            <a:r>
+              <a:rPr kumimoji="0" lang="en-US" altLang="en-US" sz="1400" b="1" i="0" u="none" strike="noStrike" cap="none" normalizeH="0" baseline="0" dirty="0">
+                <a:ln>
+                  <a:noFill/>
+                </a:ln>
+                <a:solidFill>
+                  <a:srgbClr val="008000"/>
+                </a:solidFill>
+                <a:effectLst/>
+                <a:latin typeface="Courier New" panose="02070309020205020404" pitchFamily="49" charset="0"/>
+                <a:cs typeface="Courier New" panose="02070309020205020404" pitchFamily="49" charset="0"/>
+              </a:rPr>
+              <a:t>"email"</a:t>
+            </a:r>
+            <a:r>
+              <a:rPr kumimoji="0" lang="en-US" altLang="en-US" sz="1400" b="0" i="0" u="none" strike="noStrike" cap="none" normalizeH="0" baseline="0" dirty="0">
+                <a:ln>
+                  <a:noFill/>
+                </a:ln>
+                <a:solidFill>
+                  <a:srgbClr val="000000"/>
+                </a:solidFill>
+                <a:effectLst/>
+                <a:latin typeface="Courier New" panose="02070309020205020404" pitchFamily="49" charset="0"/>
+                <a:cs typeface="Courier New" panose="02070309020205020404" pitchFamily="49" charset="0"/>
+              </a:rPr>
+              <a:t>) Optional&lt;String&gt; email) {</a:t>
+            </a:r>
+            <a:br>
+              <a:rPr kumimoji="0" lang="en-US" altLang="en-US" sz="1400" b="0" i="0" u="none" strike="noStrike" cap="none" normalizeH="0" baseline="0" dirty="0">
+                <a:ln>
+                  <a:noFill/>
+                </a:ln>
+                <a:solidFill>
+                  <a:srgbClr val="000000"/>
+                </a:solidFill>
+                <a:effectLst/>
+                <a:latin typeface="Courier New" panose="02070309020205020404" pitchFamily="49" charset="0"/>
+                <a:cs typeface="Courier New" panose="02070309020205020404" pitchFamily="49" charset="0"/>
+              </a:rPr>
+            </a:br>
+            <a:r>
+              <a:rPr kumimoji="0" lang="en-US" altLang="en-US" sz="1400" b="0" i="0" u="none" strike="noStrike" cap="none" normalizeH="0" baseline="0" dirty="0">
+                <a:ln>
+                  <a:noFill/>
+                </a:ln>
+                <a:solidFill>
+                  <a:srgbClr val="000000"/>
+                </a:solidFill>
+                <a:effectLst/>
+                <a:latin typeface="Courier New" panose="02070309020205020404" pitchFamily="49" charset="0"/>
+                <a:cs typeface="Courier New" panose="02070309020205020404" pitchFamily="49" charset="0"/>
+              </a:rPr>
+              <a:t>        Integer </a:t>
+            </a:r>
+            <a:r>
+              <a:rPr kumimoji="0" lang="en-US" altLang="en-US" sz="1400" b="0" i="0" u="none" strike="noStrike" cap="none" normalizeH="0" baseline="0" dirty="0" err="1">
+                <a:ln>
+                  <a:noFill/>
+                </a:ln>
+                <a:solidFill>
+                  <a:srgbClr val="000000"/>
+                </a:solidFill>
+                <a:effectLst/>
+                <a:latin typeface="Courier New" panose="02070309020205020404" pitchFamily="49" charset="0"/>
+                <a:cs typeface="Courier New" panose="02070309020205020404" pitchFamily="49" charset="0"/>
+              </a:rPr>
+              <a:t>userId</a:t>
+            </a:r>
+            <a:r>
+              <a:rPr kumimoji="0" lang="en-US" altLang="en-US" sz="1400" b="0" i="0" u="none" strike="noStrike" cap="none" normalizeH="0" baseline="0" dirty="0">
+                <a:ln>
+                  <a:noFill/>
+                </a:ln>
+                <a:solidFill>
+                  <a:srgbClr val="000000"/>
+                </a:solidFill>
+                <a:effectLst/>
+                <a:latin typeface="Courier New" panose="02070309020205020404" pitchFamily="49" charset="0"/>
+                <a:cs typeface="Courier New" panose="02070309020205020404" pitchFamily="49" charset="0"/>
+              </a:rPr>
+              <a:t> = </a:t>
+            </a:r>
+            <a:r>
+              <a:rPr kumimoji="0" lang="en-US" altLang="en-US" sz="1400" b="1" i="0" u="none" strike="noStrike" cap="none" normalizeH="0" baseline="0" dirty="0" err="1">
+                <a:ln>
+                  <a:noFill/>
+                </a:ln>
+                <a:solidFill>
+                  <a:srgbClr val="660E7A"/>
+                </a:solidFill>
+                <a:effectLst/>
+                <a:latin typeface="Courier New" panose="02070309020205020404" pitchFamily="49" charset="0"/>
+                <a:cs typeface="Courier New" panose="02070309020205020404" pitchFamily="49" charset="0"/>
+              </a:rPr>
+              <a:t>userDAO</a:t>
+            </a:r>
+            <a:r>
+              <a:rPr kumimoji="0" lang="en-US" altLang="en-US" sz="1400" b="0" i="0" u="none" strike="noStrike" cap="none" normalizeH="0" baseline="0" dirty="0" err="1">
+                <a:ln>
+                  <a:noFill/>
+                </a:ln>
+                <a:solidFill>
+                  <a:srgbClr val="000000"/>
+                </a:solidFill>
+                <a:effectLst/>
+                <a:latin typeface="Courier New" panose="02070309020205020404" pitchFamily="49" charset="0"/>
+                <a:cs typeface="Courier New" panose="02070309020205020404" pitchFamily="49" charset="0"/>
+              </a:rPr>
+              <a:t>.getUserIdByEmail</a:t>
+            </a:r>
+            <a:r>
+              <a:rPr kumimoji="0" lang="en-US" altLang="en-US" sz="1400" b="0" i="0" u="none" strike="noStrike" cap="none" normalizeH="0" baseline="0" dirty="0">
+                <a:ln>
+                  <a:noFill/>
+                </a:ln>
+                <a:solidFill>
+                  <a:srgbClr val="000000"/>
+                </a:solidFill>
+                <a:effectLst/>
+                <a:latin typeface="Courier New" panose="02070309020205020404" pitchFamily="49" charset="0"/>
+                <a:cs typeface="Courier New" panose="02070309020205020404" pitchFamily="49" charset="0"/>
+              </a:rPr>
+              <a:t>(</a:t>
+            </a:r>
+            <a:r>
+              <a:rPr kumimoji="0" lang="en-US" altLang="en-US" sz="1400" b="0" i="0" u="none" strike="noStrike" cap="none" normalizeH="0" baseline="0" dirty="0" err="1">
+                <a:ln>
+                  <a:noFill/>
+                </a:ln>
+                <a:solidFill>
+                  <a:srgbClr val="000000"/>
+                </a:solidFill>
+                <a:effectLst/>
+                <a:latin typeface="Courier New" panose="02070309020205020404" pitchFamily="49" charset="0"/>
+                <a:cs typeface="Courier New" panose="02070309020205020404" pitchFamily="49" charset="0"/>
+              </a:rPr>
+              <a:t>email.orElse</a:t>
+            </a:r>
+            <a:r>
+              <a:rPr kumimoji="0" lang="en-US" altLang="en-US" sz="1400" b="0" i="0" u="none" strike="noStrike" cap="none" normalizeH="0" baseline="0" dirty="0">
+                <a:ln>
+                  <a:noFill/>
+                </a:ln>
+                <a:solidFill>
+                  <a:srgbClr val="000000"/>
+                </a:solidFill>
+                <a:effectLst/>
+                <a:latin typeface="Courier New" panose="02070309020205020404" pitchFamily="49" charset="0"/>
+                <a:cs typeface="Courier New" panose="02070309020205020404" pitchFamily="49" charset="0"/>
+              </a:rPr>
+              <a:t>(</a:t>
+            </a:r>
+            <a:r>
+              <a:rPr kumimoji="0" lang="en-US" altLang="en-US" sz="1400" b="1" i="0" u="none" strike="noStrike" cap="none" normalizeH="0" baseline="0" dirty="0">
+                <a:ln>
+                  <a:noFill/>
+                </a:ln>
+                <a:solidFill>
+                  <a:srgbClr val="008000"/>
+                </a:solidFill>
+                <a:effectLst/>
+                <a:latin typeface="Courier New" panose="02070309020205020404" pitchFamily="49" charset="0"/>
+                <a:cs typeface="Courier New" panose="02070309020205020404" pitchFamily="49" charset="0"/>
+              </a:rPr>
+              <a:t>"renat.ashirbakiev@hp.com"</a:t>
+            </a:r>
+            <a:r>
+              <a:rPr kumimoji="0" lang="en-US" altLang="en-US" sz="1400" b="0" i="0" u="none" strike="noStrike" cap="none" normalizeH="0" baseline="0" dirty="0">
+                <a:ln>
+                  <a:noFill/>
+                </a:ln>
+                <a:solidFill>
+                  <a:srgbClr val="000000"/>
+                </a:solidFill>
+                <a:effectLst/>
+                <a:latin typeface="Courier New" panose="02070309020205020404" pitchFamily="49" charset="0"/>
+                <a:cs typeface="Courier New" panose="02070309020205020404" pitchFamily="49" charset="0"/>
+              </a:rPr>
+              <a:t>));</a:t>
+            </a:r>
+            <a:br>
+              <a:rPr kumimoji="0" lang="en-US" altLang="en-US" sz="1400" b="0" i="0" u="none" strike="noStrike" cap="none" normalizeH="0" baseline="0" dirty="0">
+                <a:ln>
+                  <a:noFill/>
+                </a:ln>
+                <a:solidFill>
+                  <a:srgbClr val="000000"/>
+                </a:solidFill>
+                <a:effectLst/>
+                <a:latin typeface="Courier New" panose="02070309020205020404" pitchFamily="49" charset="0"/>
+                <a:cs typeface="Courier New" panose="02070309020205020404" pitchFamily="49" charset="0"/>
+              </a:rPr>
+            </a:br>
+            <a:r>
+              <a:rPr kumimoji="0" lang="en-US" altLang="en-US" sz="1400" b="0" i="0" u="none" strike="noStrike" cap="none" normalizeH="0" baseline="0" dirty="0">
+                <a:ln>
+                  <a:noFill/>
+                </a:ln>
+                <a:solidFill>
+                  <a:srgbClr val="000000"/>
+                </a:solidFill>
+                <a:effectLst/>
+                <a:latin typeface="Courier New" panose="02070309020205020404" pitchFamily="49" charset="0"/>
+                <a:cs typeface="Courier New" panose="02070309020205020404" pitchFamily="49" charset="0"/>
+              </a:rPr>
+              <a:t>        </a:t>
+            </a:r>
+            <a:r>
+              <a:rPr kumimoji="0" lang="en-US" altLang="en-US" sz="1400" b="1" i="0" u="none" strike="noStrike" cap="none" normalizeH="0" baseline="0" dirty="0">
+                <a:ln>
+                  <a:noFill/>
+                </a:ln>
+                <a:solidFill>
+                  <a:srgbClr val="000080"/>
+                </a:solidFill>
+                <a:effectLst/>
+                <a:latin typeface="Courier New" panose="02070309020205020404" pitchFamily="49" charset="0"/>
+                <a:cs typeface="Courier New" panose="02070309020205020404" pitchFamily="49" charset="0"/>
+              </a:rPr>
+              <a:t>return new </a:t>
+            </a:r>
+            <a:r>
+              <a:rPr kumimoji="0" lang="en-US" altLang="en-US" sz="1400" b="0" i="0" u="none" strike="noStrike" cap="none" normalizeH="0" baseline="0" dirty="0" err="1">
+                <a:ln>
+                  <a:noFill/>
+                </a:ln>
+                <a:solidFill>
+                  <a:srgbClr val="000000"/>
+                </a:solidFill>
+                <a:effectLst/>
+                <a:latin typeface="Courier New" panose="02070309020205020404" pitchFamily="49" charset="0"/>
+                <a:cs typeface="Courier New" panose="02070309020205020404" pitchFamily="49" charset="0"/>
+              </a:rPr>
+              <a:t>MessageDto</a:t>
+            </a:r>
+            <a:r>
+              <a:rPr kumimoji="0" lang="en-US" altLang="en-US" sz="1400" b="0" i="0" u="none" strike="noStrike" cap="none" normalizeH="0" baseline="0" dirty="0">
+                <a:ln>
+                  <a:noFill/>
+                </a:ln>
+                <a:solidFill>
+                  <a:srgbClr val="000000"/>
+                </a:solidFill>
+                <a:effectLst/>
+                <a:latin typeface="Courier New" panose="02070309020205020404" pitchFamily="49" charset="0"/>
+                <a:cs typeface="Courier New" panose="02070309020205020404" pitchFamily="49" charset="0"/>
+              </a:rPr>
+              <a:t>(</a:t>
+            </a:r>
+            <a:r>
+              <a:rPr kumimoji="0" lang="en-US" altLang="en-US" sz="1400" b="0" i="0" u="none" strike="noStrike" cap="none" normalizeH="0" baseline="0" dirty="0" err="1">
+                <a:ln>
+                  <a:noFill/>
+                </a:ln>
+                <a:solidFill>
+                  <a:srgbClr val="000000"/>
+                </a:solidFill>
+                <a:effectLst/>
+                <a:latin typeface="Courier New" panose="02070309020205020404" pitchFamily="49" charset="0"/>
+                <a:cs typeface="Courier New" panose="02070309020205020404" pitchFamily="49" charset="0"/>
+              </a:rPr>
+              <a:t>userId.toString</a:t>
+            </a:r>
+            <a:r>
+              <a:rPr kumimoji="0" lang="en-US" altLang="en-US" sz="1400" b="0" i="0" u="none" strike="noStrike" cap="none" normalizeH="0" baseline="0" dirty="0">
+                <a:ln>
+                  <a:noFill/>
+                </a:ln>
+                <a:solidFill>
+                  <a:srgbClr val="000000"/>
+                </a:solidFill>
+                <a:effectLst/>
+                <a:latin typeface="Courier New" panose="02070309020205020404" pitchFamily="49" charset="0"/>
+                <a:cs typeface="Courier New" panose="02070309020205020404" pitchFamily="49" charset="0"/>
+              </a:rPr>
+              <a:t>(), </a:t>
+            </a:r>
+            <a:r>
+              <a:rPr kumimoji="0" lang="en-US" altLang="en-US" sz="1400" b="1" i="0" u="none" strike="noStrike" cap="none" normalizeH="0" baseline="0" dirty="0" err="1">
+                <a:ln>
+                  <a:noFill/>
+                </a:ln>
+                <a:solidFill>
+                  <a:srgbClr val="660E7A"/>
+                </a:solidFill>
+                <a:effectLst/>
+                <a:latin typeface="Courier New" panose="02070309020205020404" pitchFamily="49" charset="0"/>
+                <a:cs typeface="Courier New" panose="02070309020205020404" pitchFamily="49" charset="0"/>
+              </a:rPr>
+              <a:t>counter</a:t>
+            </a:r>
+            <a:r>
+              <a:rPr kumimoji="0" lang="en-US" altLang="en-US" sz="1400" b="0" i="0" u="none" strike="noStrike" cap="none" normalizeH="0" baseline="0" dirty="0" err="1">
+                <a:ln>
+                  <a:noFill/>
+                </a:ln>
+                <a:solidFill>
+                  <a:srgbClr val="000000"/>
+                </a:solidFill>
+                <a:effectLst/>
+                <a:latin typeface="Courier New" panose="02070309020205020404" pitchFamily="49" charset="0"/>
+                <a:cs typeface="Courier New" panose="02070309020205020404" pitchFamily="49" charset="0"/>
+              </a:rPr>
+              <a:t>.getAndIncrement</a:t>
+            </a:r>
+            <a:r>
+              <a:rPr kumimoji="0" lang="en-US" altLang="en-US" sz="1400" b="0" i="0" u="none" strike="noStrike" cap="none" normalizeH="0" baseline="0" dirty="0">
+                <a:ln>
+                  <a:noFill/>
+                </a:ln>
+                <a:solidFill>
+                  <a:srgbClr val="000000"/>
+                </a:solidFill>
+                <a:effectLst/>
+                <a:latin typeface="Courier New" panose="02070309020205020404" pitchFamily="49" charset="0"/>
+                <a:cs typeface="Courier New" panose="02070309020205020404" pitchFamily="49" charset="0"/>
+              </a:rPr>
+              <a:t>());</a:t>
+            </a:r>
+            <a:br>
+              <a:rPr kumimoji="0" lang="en-US" altLang="en-US" sz="1400" b="0" i="0" u="none" strike="noStrike" cap="none" normalizeH="0" baseline="0" dirty="0">
+                <a:ln>
+                  <a:noFill/>
+                </a:ln>
+                <a:solidFill>
+                  <a:srgbClr val="000000"/>
+                </a:solidFill>
+                <a:effectLst/>
+                <a:latin typeface="Courier New" panose="02070309020205020404" pitchFamily="49" charset="0"/>
+                <a:cs typeface="Courier New" panose="02070309020205020404" pitchFamily="49" charset="0"/>
+              </a:rPr>
+            </a:br>
+            <a:r>
+              <a:rPr kumimoji="0" lang="en-US" altLang="en-US" sz="1400" b="0" i="0" u="none" strike="noStrike" cap="none" normalizeH="0" baseline="0" dirty="0">
+                <a:ln>
+                  <a:noFill/>
+                </a:ln>
+                <a:solidFill>
+                  <a:srgbClr val="000000"/>
+                </a:solidFill>
+                <a:effectLst/>
+                <a:latin typeface="Courier New" panose="02070309020205020404" pitchFamily="49" charset="0"/>
+                <a:cs typeface="Courier New" panose="02070309020205020404" pitchFamily="49" charset="0"/>
+              </a:rPr>
+              <a:t>    }</a:t>
+            </a:r>
+            <a:br>
+              <a:rPr kumimoji="0" lang="en-US" altLang="en-US" sz="1400" b="0" i="0" u="none" strike="noStrike" cap="none" normalizeH="0" baseline="0" dirty="0">
+                <a:ln>
+                  <a:noFill/>
+                </a:ln>
+                <a:solidFill>
+                  <a:srgbClr val="000000"/>
+                </a:solidFill>
+                <a:effectLst/>
+                <a:latin typeface="Courier New" panose="02070309020205020404" pitchFamily="49" charset="0"/>
+                <a:cs typeface="Courier New" panose="02070309020205020404" pitchFamily="49" charset="0"/>
+              </a:rPr>
+            </a:br>
+            <a:r>
+              <a:rPr kumimoji="0" lang="en-US" altLang="en-US" sz="1400" b="0" i="0" u="none" strike="noStrike" cap="none" normalizeH="0" baseline="0" dirty="0">
+                <a:ln>
+                  <a:noFill/>
+                </a:ln>
+                <a:solidFill>
+                  <a:srgbClr val="000000"/>
+                </a:solidFill>
+                <a:effectLst/>
+                <a:latin typeface="Courier New" panose="02070309020205020404" pitchFamily="49" charset="0"/>
+                <a:cs typeface="Courier New" panose="02070309020205020404" pitchFamily="49" charset="0"/>
+              </a:rPr>
+              <a:t>}</a:t>
+            </a:r>
+            <a:endParaRPr kumimoji="0" lang="en-US" altLang="en-US" sz="1400" b="0" i="0" u="none" strike="noStrike" cap="none" normalizeH="0" baseline="0" dirty="0">
+              <a:ln>
+                <a:noFill/>
+              </a:ln>
+              <a:solidFill>
+                <a:schemeClr val="tx1"/>
+              </a:solidFill>
+              <a:effectLst/>
+              <a:latin typeface="Arial" panose="020B0604020202020204" pitchFamily="34" charset="0"/>
+            </a:endParaRPr>
+          </a:p>
+        </p:txBody>
+      </p:sp>
+    </p:spTree>
+    <p:extLst>
+      <p:ext uri="{BB962C8B-B14F-4D97-AF65-F5344CB8AC3E}">
+        <p14:creationId xmlns:p14="http://schemas.microsoft.com/office/powerpoint/2010/main" val="2592180493"/>
       </p:ext>
     </p:extLst>
   </p:cSld>
@@ -14527,13 +20277,13 @@
         </p:nvSpPr>
         <p:spPr>
           <a:xfrm>
-            <a:off x="203201" y="1261533"/>
+            <a:off x="161638" y="1490133"/>
             <a:ext cx="10131425" cy="4334933"/>
           </a:xfrm>
         </p:spPr>
         <p:txBody>
           <a:bodyPr>
-            <a:normAutofit lnSpcReduction="10000"/>
+            <a:normAutofit fontScale="92500" lnSpcReduction="20000"/>
           </a:bodyPr>
           <a:lstStyle/>
           <a:p>
@@ -14552,7 +20302,11 @@
           <a:p>
             <a:r>
               <a:rPr lang="en-US" sz="3600" dirty="0"/>
-              <a:t>Allows you to build one jar, that contains all needed dependencies</a:t>
+              <a:t>Allows you to build one jar, that contains all needed dependencies </a:t>
+            </a:r>
+            <a:r>
+              <a:rPr lang="en-US" sz="3900" dirty="0"/>
+              <a:t>(application has one main program which starts the jetty container)</a:t>
             </a:r>
           </a:p>
           <a:p>
@@ -14576,8 +20330,8 @@
           </a:p>
           <a:p>
             <a:r>
-              <a:rPr lang="en-US" sz="3600" dirty="0"/>
-              <a:t>Quick start up time of the app</a:t>
+              <a:rPr lang="en-US" sz="6000" dirty="0"/>
+              <a:t>Quick Project Bootstrap</a:t>
             </a:r>
           </a:p>
         </p:txBody>
@@ -14586,6 +20340,502 @@
     <p:extLst>
       <p:ext uri="{BB962C8B-B14F-4D97-AF65-F5344CB8AC3E}">
         <p14:creationId xmlns:p14="http://schemas.microsoft.com/office/powerpoint/2010/main" val="1379411772"/>
+      </p:ext>
+    </p:extLst>
+  </p:cSld>
+  <p:clrMapOvr>
+    <a:masterClrMapping/>
+  </p:clrMapOvr>
+</p:sld>
+</file>
+
+<file path=ppt/slides/slide20.xml><?xml version="1.0" encoding="utf-8"?>
+<p:sld xmlns:a="http://schemas.openxmlformats.org/drawingml/2006/main" xmlns:r="http://schemas.openxmlformats.org/officeDocument/2006/relationships" xmlns:p="http://schemas.openxmlformats.org/presentationml/2006/main">
+  <p:cSld>
+    <p:spTree>
+      <p:nvGrpSpPr>
+        <p:cNvPr id="1" name=""/>
+        <p:cNvGrpSpPr/>
+        <p:nvPr/>
+      </p:nvGrpSpPr>
+      <p:grpSpPr>
+        <a:xfrm>
+          <a:off x="0" y="0"/>
+          <a:ext cx="0" cy="0"/>
+          <a:chOff x="0" y="0"/>
+          <a:chExt cx="0" cy="0"/>
+        </a:xfrm>
+      </p:grpSpPr>
+      <p:sp>
+        <p:nvSpPr>
+          <p:cNvPr id="2" name="Title 1">
+            <a:extLst>
+              <a:ext uri="{FF2B5EF4-FFF2-40B4-BE49-F238E27FC236}">
+                <a16:creationId xmlns:a16="http://schemas.microsoft.com/office/drawing/2014/main" id="{0D069A6F-6D84-449A-A687-FBDA832C1A7B}"/>
+              </a:ext>
+            </a:extLst>
+          </p:cNvPr>
+          <p:cNvSpPr>
+            <a:spLocks noGrp="1"/>
+          </p:cNvSpPr>
+          <p:nvPr>
+            <p:ph type="title"/>
+          </p:nvPr>
+        </p:nvSpPr>
+        <p:spPr>
+          <a:xfrm>
+            <a:off x="0" y="0"/>
+            <a:ext cx="10131425" cy="737755"/>
+          </a:xfrm>
+        </p:spPr>
+        <p:txBody>
+          <a:bodyPr/>
+          <a:lstStyle/>
+          <a:p>
+            <a:r>
+              <a:rPr lang="en-US" dirty="0"/>
+              <a:t>Deployment</a:t>
+            </a:r>
+          </a:p>
+        </p:txBody>
+      </p:sp>
+      <p:sp>
+        <p:nvSpPr>
+          <p:cNvPr id="3" name="TextBox 2">
+            <a:extLst>
+              <a:ext uri="{FF2B5EF4-FFF2-40B4-BE49-F238E27FC236}">
+                <a16:creationId xmlns:a16="http://schemas.microsoft.com/office/drawing/2014/main" id="{42D9A74B-24AC-4206-BA88-4CF3F3B17668}"/>
+              </a:ext>
+            </a:extLst>
+          </p:cNvPr>
+          <p:cNvSpPr txBox="1"/>
+          <p:nvPr/>
+        </p:nvSpPr>
+        <p:spPr>
+          <a:xfrm>
+            <a:off x="96694" y="841664"/>
+            <a:ext cx="4414735" cy="923330"/>
+          </a:xfrm>
+          <a:prstGeom prst="rect">
+            <a:avLst/>
+          </a:prstGeom>
+          <a:noFill/>
+        </p:spPr>
+        <p:txBody>
+          <a:bodyPr wrap="none" rtlCol="0">
+            <a:spAutoFit/>
+          </a:bodyPr>
+          <a:lstStyle/>
+          <a:p>
+            <a:pPr marL="342900" indent="-342900">
+              <a:buAutoNum type="arabicPeriod"/>
+            </a:pPr>
+            <a:r>
+              <a:rPr lang="en-US" dirty="0"/>
+              <a:t>Build executable fat JAR</a:t>
+            </a:r>
+          </a:p>
+          <a:p>
+            <a:pPr marL="342900" indent="-342900">
+              <a:buAutoNum type="arabicPeriod"/>
+            </a:pPr>
+            <a:r>
+              <a:rPr lang="en-US" dirty="0"/>
+              <a:t>Run database migration (if any)</a:t>
+            </a:r>
+          </a:p>
+          <a:p>
+            <a:pPr marL="342900" indent="-342900">
+              <a:buAutoNum type="arabicPeriod"/>
+            </a:pPr>
+            <a:r>
+              <a:rPr lang="en-US" dirty="0"/>
+              <a:t>Start application (embedded Jetty server)</a:t>
+            </a:r>
+          </a:p>
+        </p:txBody>
+      </p:sp>
+      <p:sp>
+        <p:nvSpPr>
+          <p:cNvPr id="4" name="Rectangle 3">
+            <a:extLst>
+              <a:ext uri="{FF2B5EF4-FFF2-40B4-BE49-F238E27FC236}">
+                <a16:creationId xmlns:a16="http://schemas.microsoft.com/office/drawing/2014/main" id="{8D036E8D-CC67-4BE0-95EB-932756820AD5}"/>
+              </a:ext>
+            </a:extLst>
+          </p:cNvPr>
+          <p:cNvSpPr/>
+          <p:nvPr/>
+        </p:nvSpPr>
+        <p:spPr>
+          <a:xfrm>
+            <a:off x="263237" y="2035847"/>
+            <a:ext cx="6096000" cy="2308324"/>
+          </a:xfrm>
+          <a:prstGeom prst="rect">
+            <a:avLst/>
+          </a:prstGeom>
+        </p:spPr>
+        <p:txBody>
+          <a:bodyPr>
+            <a:spAutoFit/>
+          </a:bodyPr>
+          <a:lstStyle/>
+          <a:p>
+            <a:r>
+              <a:rPr lang="en-US" dirty="0"/>
+              <a:t>usage: java -jar some_service.jar [-h] [-v] {</a:t>
+            </a:r>
+            <a:r>
+              <a:rPr lang="en-US" dirty="0" err="1"/>
+              <a:t>server,check,db</a:t>
+            </a:r>
+            <a:r>
+              <a:rPr lang="en-US" dirty="0"/>
+              <a:t>} ...</a:t>
+            </a:r>
+          </a:p>
+          <a:p>
+            <a:endParaRPr lang="en-US" dirty="0"/>
+          </a:p>
+          <a:p>
+            <a:r>
+              <a:rPr lang="en-US" dirty="0"/>
+              <a:t>positional arguments:</a:t>
+            </a:r>
+          </a:p>
+          <a:p>
+            <a:r>
+              <a:rPr lang="en-US" dirty="0"/>
+              <a:t>  {</a:t>
+            </a:r>
+            <a:r>
+              <a:rPr lang="en-US" dirty="0" err="1"/>
+              <a:t>server,check,db</a:t>
+            </a:r>
+            <a:r>
+              <a:rPr lang="en-US" dirty="0"/>
+              <a:t>}      available commands</a:t>
+            </a:r>
+          </a:p>
+          <a:p>
+            <a:endParaRPr lang="en-US" dirty="0"/>
+          </a:p>
+          <a:p>
+            <a:r>
+              <a:rPr lang="en-US" dirty="0"/>
+              <a:t>named arguments:</a:t>
+            </a:r>
+          </a:p>
+          <a:p>
+            <a:r>
+              <a:rPr lang="en-US" dirty="0"/>
+              <a:t>  -h, --help             show this help message and exit</a:t>
+            </a:r>
+          </a:p>
+          <a:p>
+            <a:r>
+              <a:rPr lang="en-US" dirty="0"/>
+              <a:t>  -v, --version          show the application version and exit</a:t>
+            </a:r>
+          </a:p>
+        </p:txBody>
+      </p:sp>
+    </p:spTree>
+    <p:extLst>
+      <p:ext uri="{BB962C8B-B14F-4D97-AF65-F5344CB8AC3E}">
+        <p14:creationId xmlns:p14="http://schemas.microsoft.com/office/powerpoint/2010/main" val="192985593"/>
+      </p:ext>
+    </p:extLst>
+  </p:cSld>
+  <p:clrMapOvr>
+    <a:masterClrMapping/>
+  </p:clrMapOvr>
+</p:sld>
+</file>
+
+<file path=ppt/slides/slide21.xml><?xml version="1.0" encoding="utf-8"?>
+<p:sld xmlns:a="http://schemas.openxmlformats.org/drawingml/2006/main" xmlns:r="http://schemas.openxmlformats.org/officeDocument/2006/relationships" xmlns:p="http://schemas.openxmlformats.org/presentationml/2006/main">
+  <p:cSld>
+    <p:spTree>
+      <p:nvGrpSpPr>
+        <p:cNvPr id="1" name=""/>
+        <p:cNvGrpSpPr/>
+        <p:nvPr/>
+      </p:nvGrpSpPr>
+      <p:grpSpPr>
+        <a:xfrm>
+          <a:off x="0" y="0"/>
+          <a:ext cx="0" cy="0"/>
+          <a:chOff x="0" y="0"/>
+          <a:chExt cx="0" cy="0"/>
+        </a:xfrm>
+      </p:grpSpPr>
+      <p:sp>
+        <p:nvSpPr>
+          <p:cNvPr id="2" name="Title 1">
+            <a:extLst>
+              <a:ext uri="{FF2B5EF4-FFF2-40B4-BE49-F238E27FC236}">
+                <a16:creationId xmlns:a16="http://schemas.microsoft.com/office/drawing/2014/main" id="{4B415BA4-A5F5-407D-B69E-9128A9DDCF48}"/>
+              </a:ext>
+            </a:extLst>
+          </p:cNvPr>
+          <p:cNvSpPr>
+            <a:spLocks noGrp="1"/>
+          </p:cNvSpPr>
+          <p:nvPr>
+            <p:ph type="title"/>
+          </p:nvPr>
+        </p:nvSpPr>
+        <p:spPr>
+          <a:xfrm>
+            <a:off x="0" y="1"/>
+            <a:ext cx="10131425" cy="571500"/>
+          </a:xfrm>
+        </p:spPr>
+        <p:txBody>
+          <a:bodyPr>
+            <a:normAutofit fontScale="90000"/>
+          </a:bodyPr>
+          <a:lstStyle/>
+          <a:p>
+            <a:r>
+              <a:rPr lang="en-US" dirty="0"/>
+              <a:t>Application checking</a:t>
+            </a:r>
+          </a:p>
+        </p:txBody>
+      </p:sp>
+      <p:sp>
+        <p:nvSpPr>
+          <p:cNvPr id="3" name="TextBox 2">
+            <a:extLst>
+              <a:ext uri="{FF2B5EF4-FFF2-40B4-BE49-F238E27FC236}">
+                <a16:creationId xmlns:a16="http://schemas.microsoft.com/office/drawing/2014/main" id="{5D44AF64-E3BE-4939-BE4B-94EFFB6D5F4F}"/>
+              </a:ext>
+            </a:extLst>
+          </p:cNvPr>
+          <p:cNvSpPr txBox="1"/>
+          <p:nvPr/>
+        </p:nvSpPr>
+        <p:spPr>
+          <a:xfrm>
+            <a:off x="83129" y="727364"/>
+            <a:ext cx="2168607" cy="2031325"/>
+          </a:xfrm>
+          <a:prstGeom prst="rect">
+            <a:avLst/>
+          </a:prstGeom>
+          <a:noFill/>
+        </p:spPr>
+        <p:txBody>
+          <a:bodyPr wrap="none" rtlCol="0">
+            <a:spAutoFit/>
+          </a:bodyPr>
+          <a:lstStyle/>
+          <a:p>
+            <a:r>
+              <a:rPr lang="en-US" dirty="0"/>
+              <a:t>Works on admin port</a:t>
+            </a:r>
+          </a:p>
+          <a:p>
+            <a:r>
+              <a:rPr lang="en-US" dirty="0"/>
+              <a:t>/</a:t>
+            </a:r>
+          </a:p>
+          <a:p>
+            <a:r>
+              <a:rPr lang="en-US" dirty="0"/>
+              <a:t>/ping </a:t>
+            </a:r>
+          </a:p>
+          <a:p>
+            <a:r>
+              <a:rPr lang="en-US" dirty="0"/>
+              <a:t>/</a:t>
+            </a:r>
+            <a:r>
+              <a:rPr lang="en-US" dirty="0" err="1"/>
+              <a:t>healthcheck</a:t>
+            </a:r>
+            <a:endParaRPr lang="en-US" dirty="0"/>
+          </a:p>
+          <a:p>
+            <a:r>
+              <a:rPr lang="en-US" dirty="0"/>
+              <a:t>/metrics</a:t>
+            </a:r>
+          </a:p>
+          <a:p>
+            <a:r>
+              <a:rPr lang="en-US" dirty="0"/>
+              <a:t>/threads</a:t>
+            </a:r>
+          </a:p>
+          <a:p>
+            <a:endParaRPr lang="en-US" dirty="0"/>
+          </a:p>
+        </p:txBody>
+      </p:sp>
+      <p:pic>
+        <p:nvPicPr>
+          <p:cNvPr id="4" name="Picture 3">
+            <a:extLst>
+              <a:ext uri="{FF2B5EF4-FFF2-40B4-BE49-F238E27FC236}">
+                <a16:creationId xmlns:a16="http://schemas.microsoft.com/office/drawing/2014/main" id="{31D9AFD2-1F59-4612-889D-04487A2E9247}"/>
+              </a:ext>
+            </a:extLst>
+          </p:cNvPr>
+          <p:cNvPicPr>
+            <a:picLocks noChangeAspect="1"/>
+          </p:cNvPicPr>
+          <p:nvPr/>
+        </p:nvPicPr>
+        <p:blipFill>
+          <a:blip r:embed="rId2"/>
+          <a:stretch>
+            <a:fillRect/>
+          </a:stretch>
+        </p:blipFill>
+        <p:spPr>
+          <a:xfrm>
+            <a:off x="3299299" y="727364"/>
+            <a:ext cx="3226192" cy="2180157"/>
+          </a:xfrm>
+          <a:prstGeom prst="rect">
+            <a:avLst/>
+          </a:prstGeom>
+        </p:spPr>
+      </p:pic>
+    </p:spTree>
+    <p:extLst>
+      <p:ext uri="{BB962C8B-B14F-4D97-AF65-F5344CB8AC3E}">
+        <p14:creationId xmlns:p14="http://schemas.microsoft.com/office/powerpoint/2010/main" val="1074336681"/>
+      </p:ext>
+    </p:extLst>
+  </p:cSld>
+  <p:clrMapOvr>
+    <a:masterClrMapping/>
+  </p:clrMapOvr>
+</p:sld>
+</file>
+
+<file path=ppt/slides/slide22.xml><?xml version="1.0" encoding="utf-8"?>
+<p:sld xmlns:a="http://schemas.openxmlformats.org/drawingml/2006/main" xmlns:r="http://schemas.openxmlformats.org/officeDocument/2006/relationships" xmlns:p="http://schemas.openxmlformats.org/presentationml/2006/main">
+  <p:cSld>
+    <p:spTree>
+      <p:nvGrpSpPr>
+        <p:cNvPr id="1" name=""/>
+        <p:cNvGrpSpPr/>
+        <p:nvPr/>
+      </p:nvGrpSpPr>
+      <p:grpSpPr>
+        <a:xfrm>
+          <a:off x="0" y="0"/>
+          <a:ext cx="0" cy="0"/>
+          <a:chOff x="0" y="0"/>
+          <a:chExt cx="0" cy="0"/>
+        </a:xfrm>
+      </p:grpSpPr>
+      <p:sp>
+        <p:nvSpPr>
+          <p:cNvPr id="2" name="Title 1">
+            <a:extLst>
+              <a:ext uri="{FF2B5EF4-FFF2-40B4-BE49-F238E27FC236}">
+                <a16:creationId xmlns:a16="http://schemas.microsoft.com/office/drawing/2014/main" id="{9A531664-4B44-4D76-BC71-A88B877CDC9D}"/>
+              </a:ext>
+            </a:extLst>
+          </p:cNvPr>
+          <p:cNvSpPr>
+            <a:spLocks noGrp="1"/>
+          </p:cNvSpPr>
+          <p:nvPr>
+            <p:ph type="title"/>
+          </p:nvPr>
+        </p:nvSpPr>
+        <p:spPr>
+          <a:xfrm>
+            <a:off x="0" y="79663"/>
+            <a:ext cx="10131425" cy="471055"/>
+          </a:xfrm>
+        </p:spPr>
+        <p:txBody>
+          <a:bodyPr>
+            <a:normAutofit fontScale="90000"/>
+          </a:bodyPr>
+          <a:lstStyle/>
+          <a:p>
+            <a:r>
+              <a:rPr lang="en-US" dirty="0"/>
+              <a:t>Other feature</a:t>
+            </a:r>
+          </a:p>
+        </p:txBody>
+      </p:sp>
+      <p:sp>
+        <p:nvSpPr>
+          <p:cNvPr id="3" name="TextBox 2">
+            <a:extLst>
+              <a:ext uri="{FF2B5EF4-FFF2-40B4-BE49-F238E27FC236}">
+                <a16:creationId xmlns:a16="http://schemas.microsoft.com/office/drawing/2014/main" id="{874EB7C9-6774-4626-8598-B6F6019C417B}"/>
+              </a:ext>
+            </a:extLst>
+          </p:cNvPr>
+          <p:cNvSpPr txBox="1"/>
+          <p:nvPr/>
+        </p:nvSpPr>
+        <p:spPr>
+          <a:xfrm>
+            <a:off x="0" y="644236"/>
+            <a:ext cx="11645432" cy="923330"/>
+          </a:xfrm>
+          <a:prstGeom prst="rect">
+            <a:avLst/>
+          </a:prstGeom>
+          <a:noFill/>
+        </p:spPr>
+        <p:txBody>
+          <a:bodyPr wrap="none" rtlCol="0">
+            <a:spAutoFit/>
+          </a:bodyPr>
+          <a:lstStyle/>
+          <a:p>
+            <a:pPr marL="342900" indent="-342900">
+              <a:buAutoNum type="arabicPeriod"/>
+            </a:pPr>
+            <a:r>
+              <a:rPr lang="en-US" dirty="0"/>
+              <a:t>Environment variables – </a:t>
+            </a:r>
+            <a:r>
+              <a:rPr lang="en-US" dirty="0" err="1"/>
+              <a:t>dropwizard</a:t>
+            </a:r>
+            <a:r>
+              <a:rPr lang="en-US" dirty="0"/>
+              <a:t>-configuration module provides the capabilities to substitute configuration settings</a:t>
+            </a:r>
+          </a:p>
+          <a:p>
+            <a:r>
+              <a:rPr lang="en-US" dirty="0"/>
+              <a:t> with the value of environment variables</a:t>
+            </a:r>
+          </a:p>
+          <a:p>
+            <a:r>
+              <a:rPr lang="en-US" dirty="0"/>
+              <a:t>2. </a:t>
+            </a:r>
+          </a:p>
+        </p:txBody>
+      </p:sp>
+    </p:spTree>
+    <p:extLst>
+      <p:ext uri="{BB962C8B-B14F-4D97-AF65-F5344CB8AC3E}">
+        <p14:creationId xmlns:p14="http://schemas.microsoft.com/office/powerpoint/2010/main" val="979062243"/>
       </p:ext>
     </p:extLst>
   </p:cSld>
@@ -14776,6 +21026,53 @@
           </a:p>
         </p:txBody>
       </p:sp>
+      <p:pic>
+        <p:nvPicPr>
+          <p:cNvPr id="6146" name="Picture 2" descr="Dropwizard">
+            <a:extLst>
+              <a:ext uri="{FF2B5EF4-FFF2-40B4-BE49-F238E27FC236}">
+                <a16:creationId xmlns:a16="http://schemas.microsoft.com/office/drawing/2014/main" id="{CB6F5875-C037-4256-80C2-16EDDEE460B5}"/>
+              </a:ext>
+            </a:extLst>
+          </p:cNvPr>
+          <p:cNvPicPr>
+            <a:picLocks noChangeAspect="1" noChangeArrowheads="1"/>
+          </p:cNvPicPr>
+          <p:nvPr/>
+        </p:nvPicPr>
+        <p:blipFill>
+          <a:blip r:embed="rId2">
+            <a:extLst>
+              <a:ext uri="{28A0092B-C50C-407E-A947-70E740481C1C}">
+                <a14:useLocalDpi xmlns:a14="http://schemas.microsoft.com/office/drawing/2010/main" val="0"/>
+              </a:ext>
+            </a:extLst>
+          </a:blip>
+          <a:srcRect/>
+          <a:stretch>
+            <a:fillRect/>
+          </a:stretch>
+        </p:blipFill>
+        <p:spPr bwMode="auto">
+          <a:xfrm>
+            <a:off x="6860892" y="290587"/>
+            <a:ext cx="4669553" cy="4451641"/>
+          </a:xfrm>
+          <a:prstGeom prst="rect">
+            <a:avLst/>
+          </a:prstGeom>
+          <a:noFill/>
+          <a:extLst>
+            <a:ext uri="{909E8E84-426E-40DD-AFC4-6F175D3DCCD1}">
+              <a14:hiddenFill xmlns:a14="http://schemas.microsoft.com/office/drawing/2010/main">
+                <a:solidFill>
+                  <a:srgbClr val="FFFFFF"/>
+                </a:solidFill>
+              </a14:hiddenFill>
+            </a:ext>
+          </a:extLst>
+        </p:spPr>
+      </p:pic>
     </p:spTree>
     <p:extLst>
       <p:ext uri="{BB962C8B-B14F-4D97-AF65-F5344CB8AC3E}">
